--- a/challenge.pptx
+++ b/challenge.pptx
@@ -4,16 +4,25 @@
   <p:sldMasterIdLst>
     <p:sldMasterId id="2147483648" r:id="rId1"/>
   </p:sldMasterIdLst>
+  <p:notesMasterIdLst>
+    <p:notesMasterId r:id="rId17"/>
+  </p:notesMasterIdLst>
   <p:sldIdLst>
     <p:sldId id="256" r:id="rId2"/>
     <p:sldId id="257" r:id="rId3"/>
     <p:sldId id="259" r:id="rId4"/>
-    <p:sldId id="261" r:id="rId5"/>
-    <p:sldId id="260" r:id="rId6"/>
-    <p:sldId id="262" r:id="rId7"/>
-    <p:sldId id="263" r:id="rId8"/>
-    <p:sldId id="264" r:id="rId9"/>
-    <p:sldId id="258" r:id="rId10"/>
+    <p:sldId id="269" r:id="rId5"/>
+    <p:sldId id="261" r:id="rId6"/>
+    <p:sldId id="260" r:id="rId7"/>
+    <p:sldId id="262" r:id="rId8"/>
+    <p:sldId id="267" r:id="rId9"/>
+    <p:sldId id="268" r:id="rId10"/>
+    <p:sldId id="270" r:id="rId11"/>
+    <p:sldId id="263" r:id="rId12"/>
+    <p:sldId id="264" r:id="rId13"/>
+    <p:sldId id="265" r:id="rId14"/>
+    <p:sldId id="266" r:id="rId15"/>
+    <p:sldId id="258" r:id="rId16"/>
   </p:sldIdLst>
   <p:sldSz cx="12192000" cy="6858000"/>
   <p:notesSz cx="6858000" cy="9144000"/>
@@ -125,7 +134,7 @@
   <pc:docChgLst>
     <pc:chgData name="Noam Cohen" userId="91dab1e8-3a56-42f2-9f70-7df54632f194" providerId="ADAL" clId="{6A710FFD-5E1A-4422-9988-7DE16E9FBE6C}"/>
     <pc:docChg chg="undo custSel addSld delSld modSld sldOrd">
-      <pc:chgData name="Noam Cohen" userId="91dab1e8-3a56-42f2-9f70-7df54632f194" providerId="ADAL" clId="{6A710FFD-5E1A-4422-9988-7DE16E9FBE6C}" dt="2019-07-17T10:47:02.241" v="3337" actId="20577"/>
+      <pc:chgData name="Noam Cohen" userId="91dab1e8-3a56-42f2-9f70-7df54632f194" providerId="ADAL" clId="{6A710FFD-5E1A-4422-9988-7DE16E9FBE6C}" dt="2019-07-31T07:35:03.899" v="4764" actId="113"/>
       <pc:docMkLst>
         <pc:docMk/>
       </pc:docMkLst>
@@ -145,7 +154,7 @@
         </pc:spChg>
       </pc:sldChg>
       <pc:sldChg chg="modSp add">
-        <pc:chgData name="Noam Cohen" userId="91dab1e8-3a56-42f2-9f70-7df54632f194" providerId="ADAL" clId="{6A710FFD-5E1A-4422-9988-7DE16E9FBE6C}" dt="2019-07-17T10:30:32.974" v="3094" actId="20577"/>
+        <pc:chgData name="Noam Cohen" userId="91dab1e8-3a56-42f2-9f70-7df54632f194" providerId="ADAL" clId="{6A710FFD-5E1A-4422-9988-7DE16E9FBE6C}" dt="2019-07-25T13:03:23.419" v="3964" actId="404"/>
         <pc:sldMkLst>
           <pc:docMk/>
           <pc:sldMk cId="1246538849" sldId="257"/>
@@ -159,7 +168,7 @@
           </ac:spMkLst>
         </pc:spChg>
         <pc:spChg chg="mod">
-          <ac:chgData name="Noam Cohen" userId="91dab1e8-3a56-42f2-9f70-7df54632f194" providerId="ADAL" clId="{6A710FFD-5E1A-4422-9988-7DE16E9FBE6C}" dt="2019-07-17T10:30:32.974" v="3094" actId="20577"/>
+          <ac:chgData name="Noam Cohen" userId="91dab1e8-3a56-42f2-9f70-7df54632f194" providerId="ADAL" clId="{6A710FFD-5E1A-4422-9988-7DE16E9FBE6C}" dt="2019-07-25T13:03:23.419" v="3964" actId="404"/>
           <ac:spMkLst>
             <pc:docMk/>
             <pc:sldMk cId="1246538849" sldId="257"/>
@@ -191,7 +200,7 @@
         </pc:spChg>
       </pc:sldChg>
       <pc:sldChg chg="modSp add">
-        <pc:chgData name="Noam Cohen" userId="91dab1e8-3a56-42f2-9f70-7df54632f194" providerId="ADAL" clId="{6A710FFD-5E1A-4422-9988-7DE16E9FBE6C}" dt="2019-07-11T12:08:15.680" v="2223" actId="20577"/>
+        <pc:chgData name="Noam Cohen" userId="91dab1e8-3a56-42f2-9f70-7df54632f194" providerId="ADAL" clId="{6A710FFD-5E1A-4422-9988-7DE16E9FBE6C}" dt="2019-07-31T07:25:41.840" v="4712" actId="20577"/>
         <pc:sldMkLst>
           <pc:docMk/>
           <pc:sldMk cId="3559791800" sldId="259"/>
@@ -205,7 +214,7 @@
           </ac:spMkLst>
         </pc:spChg>
         <pc:spChg chg="mod">
-          <ac:chgData name="Noam Cohen" userId="91dab1e8-3a56-42f2-9f70-7df54632f194" providerId="ADAL" clId="{6A710FFD-5E1A-4422-9988-7DE16E9FBE6C}" dt="2019-07-11T12:08:15.680" v="2223" actId="20577"/>
+          <ac:chgData name="Noam Cohen" userId="91dab1e8-3a56-42f2-9f70-7df54632f194" providerId="ADAL" clId="{6A710FFD-5E1A-4422-9988-7DE16E9FBE6C}" dt="2019-07-31T07:25:41.840" v="4712" actId="20577"/>
           <ac:spMkLst>
             <pc:docMk/>
             <pc:sldMk cId="3559791800" sldId="259"/>
@@ -213,8 +222,8 @@
           </ac:spMkLst>
         </pc:spChg>
       </pc:sldChg>
-      <pc:sldChg chg="modSp add">
-        <pc:chgData name="Noam Cohen" userId="91dab1e8-3a56-42f2-9f70-7df54632f194" providerId="ADAL" clId="{6A710FFD-5E1A-4422-9988-7DE16E9FBE6C}" dt="2019-07-17T10:23:17.171" v="2967" actId="20577"/>
+      <pc:sldChg chg="addSp modSp add">
+        <pc:chgData name="Noam Cohen" userId="91dab1e8-3a56-42f2-9f70-7df54632f194" providerId="ADAL" clId="{6A710FFD-5E1A-4422-9988-7DE16E9FBE6C}" dt="2019-07-25T13:01:22.987" v="3921" actId="1076"/>
         <pc:sldMkLst>
           <pc:docMk/>
           <pc:sldMk cId="1000088968" sldId="260"/>
@@ -228,16 +237,24 @@
           </ac:spMkLst>
         </pc:spChg>
         <pc:spChg chg="mod">
-          <ac:chgData name="Noam Cohen" userId="91dab1e8-3a56-42f2-9f70-7df54632f194" providerId="ADAL" clId="{6A710FFD-5E1A-4422-9988-7DE16E9FBE6C}" dt="2019-07-17T10:23:17.171" v="2967" actId="20577"/>
+          <ac:chgData name="Noam Cohen" userId="91dab1e8-3a56-42f2-9f70-7df54632f194" providerId="ADAL" clId="{6A710FFD-5E1A-4422-9988-7DE16E9FBE6C}" dt="2019-07-25T13:00:55.190" v="3917" actId="14100"/>
           <ac:spMkLst>
             <pc:docMk/>
             <pc:sldMk cId="1000088968" sldId="260"/>
             <ac:spMk id="3" creationId="{A2AD91FD-AD76-4744-8CCA-2E524DABB2B5}"/>
           </ac:spMkLst>
         </pc:spChg>
+        <pc:spChg chg="add mod">
+          <ac:chgData name="Noam Cohen" userId="91dab1e8-3a56-42f2-9f70-7df54632f194" providerId="ADAL" clId="{6A710FFD-5E1A-4422-9988-7DE16E9FBE6C}" dt="2019-07-25T13:01:22.987" v="3921" actId="1076"/>
+          <ac:spMkLst>
+            <pc:docMk/>
+            <pc:sldMk cId="1000088968" sldId="260"/>
+            <ac:spMk id="4" creationId="{0AE36B81-2867-475C-BFA4-769025A1AFAB}"/>
+          </ac:spMkLst>
+        </pc:spChg>
       </pc:sldChg>
       <pc:sldChg chg="modSp add">
-        <pc:chgData name="Noam Cohen" userId="91dab1e8-3a56-42f2-9f70-7df54632f194" providerId="ADAL" clId="{6A710FFD-5E1A-4422-9988-7DE16E9FBE6C}" dt="2019-07-17T10:34:05.252" v="3220" actId="20577"/>
+        <pc:chgData name="Noam Cohen" userId="91dab1e8-3a56-42f2-9f70-7df54632f194" providerId="ADAL" clId="{6A710FFD-5E1A-4422-9988-7DE16E9FBE6C}" dt="2019-07-31T07:31:30.837" v="4756" actId="20577"/>
         <pc:sldMkLst>
           <pc:docMk/>
           <pc:sldMk cId="3692717496" sldId="261"/>
@@ -251,7 +268,7 @@
           </ac:spMkLst>
         </pc:spChg>
         <pc:spChg chg="mod">
-          <ac:chgData name="Noam Cohen" userId="91dab1e8-3a56-42f2-9f70-7df54632f194" providerId="ADAL" clId="{6A710FFD-5E1A-4422-9988-7DE16E9FBE6C}" dt="2019-07-17T10:34:05.252" v="3220" actId="20577"/>
+          <ac:chgData name="Noam Cohen" userId="91dab1e8-3a56-42f2-9f70-7df54632f194" providerId="ADAL" clId="{6A710FFD-5E1A-4422-9988-7DE16E9FBE6C}" dt="2019-07-31T07:31:30.837" v="4756" actId="20577"/>
           <ac:spMkLst>
             <pc:docMk/>
             <pc:sldMk cId="3692717496" sldId="261"/>
@@ -260,7 +277,7 @@
         </pc:spChg>
       </pc:sldChg>
       <pc:sldChg chg="modSp add">
-        <pc:chgData name="Noam Cohen" userId="91dab1e8-3a56-42f2-9f70-7df54632f194" providerId="ADAL" clId="{6A710FFD-5E1A-4422-9988-7DE16E9FBE6C}" dt="2019-07-11T12:20:04.337" v="2713" actId="20577"/>
+        <pc:chgData name="Noam Cohen" userId="91dab1e8-3a56-42f2-9f70-7df54632f194" providerId="ADAL" clId="{6A710FFD-5E1A-4422-9988-7DE16E9FBE6C}" dt="2019-07-31T07:32:32.352" v="4757" actId="20577"/>
         <pc:sldMkLst>
           <pc:docMk/>
           <pc:sldMk cId="2446220857" sldId="262"/>
@@ -274,7 +291,7 @@
           </ac:spMkLst>
         </pc:spChg>
         <pc:spChg chg="mod">
-          <ac:chgData name="Noam Cohen" userId="91dab1e8-3a56-42f2-9f70-7df54632f194" providerId="ADAL" clId="{6A710FFD-5E1A-4422-9988-7DE16E9FBE6C}" dt="2019-07-11T12:20:04.337" v="2713" actId="20577"/>
+          <ac:chgData name="Noam Cohen" userId="91dab1e8-3a56-42f2-9f70-7df54632f194" providerId="ADAL" clId="{6A710FFD-5E1A-4422-9988-7DE16E9FBE6C}" dt="2019-07-31T07:32:32.352" v="4757" actId="20577"/>
           <ac:spMkLst>
             <pc:docMk/>
             <pc:sldMk cId="2446220857" sldId="262"/>
@@ -283,7 +300,7 @@
         </pc:spChg>
       </pc:sldChg>
       <pc:sldChg chg="addSp delSp modSp add">
-        <pc:chgData name="Noam Cohen" userId="91dab1e8-3a56-42f2-9f70-7df54632f194" providerId="ADAL" clId="{6A710FFD-5E1A-4422-9988-7DE16E9FBE6C}" dt="2019-07-17T10:29:34.191" v="3082" actId="6549"/>
+        <pc:chgData name="Noam Cohen" userId="91dab1e8-3a56-42f2-9f70-7df54632f194" providerId="ADAL" clId="{6A710FFD-5E1A-4422-9988-7DE16E9FBE6C}" dt="2019-07-18T10:43:39.590" v="3344" actId="13926"/>
         <pc:sldMkLst>
           <pc:docMk/>
           <pc:sldMk cId="3990069984" sldId="263"/>
@@ -305,7 +322,7 @@
           </ac:spMkLst>
         </pc:spChg>
         <pc:spChg chg="add mod">
-          <ac:chgData name="Noam Cohen" userId="91dab1e8-3a56-42f2-9f70-7df54632f194" providerId="ADAL" clId="{6A710FFD-5E1A-4422-9988-7DE16E9FBE6C}" dt="2019-07-17T10:29:34.191" v="3082" actId="6549"/>
+          <ac:chgData name="Noam Cohen" userId="91dab1e8-3a56-42f2-9f70-7df54632f194" providerId="ADAL" clId="{6A710FFD-5E1A-4422-9988-7DE16E9FBE6C}" dt="2019-07-18T10:43:39.590" v="3344" actId="13926"/>
           <ac:spMkLst>
             <pc:docMk/>
             <pc:sldMk cId="3990069984" sldId="263"/>
@@ -314,7 +331,7 @@
         </pc:spChg>
       </pc:sldChg>
       <pc:sldChg chg="addSp delSp modSp add ord">
-        <pc:chgData name="Noam Cohen" userId="91dab1e8-3a56-42f2-9f70-7df54632f194" providerId="ADAL" clId="{6A710FFD-5E1A-4422-9988-7DE16E9FBE6C}" dt="2019-07-17T10:27:38.406" v="3071"/>
+        <pc:chgData name="Noam Cohen" userId="91dab1e8-3a56-42f2-9f70-7df54632f194" providerId="ADAL" clId="{6A710FFD-5E1A-4422-9988-7DE16E9FBE6C}" dt="2019-07-31T07:35:03.899" v="4764" actId="113"/>
         <pc:sldMkLst>
           <pc:docMk/>
           <pc:sldMk cId="533957955" sldId="264"/>
@@ -336,7 +353,7 @@
           </ac:spMkLst>
         </pc:spChg>
         <pc:spChg chg="add mod">
-          <ac:chgData name="Noam Cohen" userId="91dab1e8-3a56-42f2-9f70-7df54632f194" providerId="ADAL" clId="{6A710FFD-5E1A-4422-9988-7DE16E9FBE6C}" dt="2019-07-17T10:27:25.643" v="3070" actId="403"/>
+          <ac:chgData name="Noam Cohen" userId="91dab1e8-3a56-42f2-9f70-7df54632f194" providerId="ADAL" clId="{6A710FFD-5E1A-4422-9988-7DE16E9FBE6C}" dt="2019-07-31T07:35:03.899" v="4764" actId="113"/>
           <ac:spMkLst>
             <pc:docMk/>
             <pc:sldMk cId="533957955" sldId="264"/>
@@ -344,9 +361,603 @@
           </ac:spMkLst>
         </pc:spChg>
       </pc:sldChg>
+      <pc:sldChg chg="modSp add">
+        <pc:chgData name="Noam Cohen" userId="91dab1e8-3a56-42f2-9f70-7df54632f194" providerId="ADAL" clId="{6A710FFD-5E1A-4422-9988-7DE16E9FBE6C}" dt="2019-07-31T06:31:13.496" v="4423" actId="20577"/>
+        <pc:sldMkLst>
+          <pc:docMk/>
+          <pc:sldMk cId="3278097861" sldId="265"/>
+        </pc:sldMkLst>
+        <pc:spChg chg="mod">
+          <ac:chgData name="Noam Cohen" userId="91dab1e8-3a56-42f2-9f70-7df54632f194" providerId="ADAL" clId="{6A710FFD-5E1A-4422-9988-7DE16E9FBE6C}" dt="2019-07-18T10:46:38.995" v="3365" actId="20577"/>
+          <ac:spMkLst>
+            <pc:docMk/>
+            <pc:sldMk cId="3278097861" sldId="265"/>
+            <ac:spMk id="2" creationId="{5754CFF7-CC6A-4044-B7A6-CCFC9F70F89B}"/>
+          </ac:spMkLst>
+        </pc:spChg>
+        <pc:spChg chg="mod">
+          <ac:chgData name="Noam Cohen" userId="91dab1e8-3a56-42f2-9f70-7df54632f194" providerId="ADAL" clId="{6A710FFD-5E1A-4422-9988-7DE16E9FBE6C}" dt="2019-07-31T06:31:13.496" v="4423" actId="20577"/>
+          <ac:spMkLst>
+            <pc:docMk/>
+            <pc:sldMk cId="3278097861" sldId="265"/>
+            <ac:spMk id="3" creationId="{76504E78-D7B0-4704-A01D-B4987A27FEC0}"/>
+          </ac:spMkLst>
+        </pc:spChg>
+      </pc:sldChg>
+      <pc:sldChg chg="addSp delSp modSp add">
+        <pc:chgData name="Noam Cohen" userId="91dab1e8-3a56-42f2-9f70-7df54632f194" providerId="ADAL" clId="{6A710FFD-5E1A-4422-9988-7DE16E9FBE6C}" dt="2019-07-31T06:33:56.884" v="4561" actId="20577"/>
+        <pc:sldMkLst>
+          <pc:docMk/>
+          <pc:sldMk cId="4071427681" sldId="266"/>
+        </pc:sldMkLst>
+        <pc:spChg chg="mod">
+          <ac:chgData name="Noam Cohen" userId="91dab1e8-3a56-42f2-9f70-7df54632f194" providerId="ADAL" clId="{6A710FFD-5E1A-4422-9988-7DE16E9FBE6C}" dt="2019-07-18T10:50:32.113" v="3470" actId="20577"/>
+          <ac:spMkLst>
+            <pc:docMk/>
+            <pc:sldMk cId="4071427681" sldId="266"/>
+            <ac:spMk id="2" creationId="{5527BD6C-B15E-4120-A5FD-FB327A9F14FE}"/>
+          </ac:spMkLst>
+        </pc:spChg>
+        <pc:spChg chg="del mod">
+          <ac:chgData name="Noam Cohen" userId="91dab1e8-3a56-42f2-9f70-7df54632f194" providerId="ADAL" clId="{6A710FFD-5E1A-4422-9988-7DE16E9FBE6C}" dt="2019-07-22T10:31:17.373" v="3829"/>
+          <ac:spMkLst>
+            <pc:docMk/>
+            <pc:sldMk cId="4071427681" sldId="266"/>
+            <ac:spMk id="3" creationId="{182C156F-C0A2-4373-97BE-1C1D19B15BB1}"/>
+          </ac:spMkLst>
+        </pc:spChg>
+        <pc:spChg chg="add mod">
+          <ac:chgData name="Noam Cohen" userId="91dab1e8-3a56-42f2-9f70-7df54632f194" providerId="ADAL" clId="{6A710FFD-5E1A-4422-9988-7DE16E9FBE6C}" dt="2019-07-31T06:33:56.884" v="4561" actId="20577"/>
+          <ac:spMkLst>
+            <pc:docMk/>
+            <pc:sldMk cId="4071427681" sldId="266"/>
+            <ac:spMk id="4" creationId="{85B62D3A-230B-42B6-A564-3E6265E7A3CB}"/>
+          </ac:spMkLst>
+        </pc:spChg>
+      </pc:sldChg>
+      <pc:sldChg chg="addSp delSp modSp add modNotesTx">
+        <pc:chgData name="Noam Cohen" userId="91dab1e8-3a56-42f2-9f70-7df54632f194" providerId="ADAL" clId="{6A710FFD-5E1A-4422-9988-7DE16E9FBE6C}" dt="2019-07-31T06:38:30.756" v="4664" actId="207"/>
+        <pc:sldMkLst>
+          <pc:docMk/>
+          <pc:sldMk cId="771254116" sldId="267"/>
+        </pc:sldMkLst>
+        <pc:spChg chg="mod">
+          <ac:chgData name="Noam Cohen" userId="91dab1e8-3a56-42f2-9f70-7df54632f194" providerId="ADAL" clId="{6A710FFD-5E1A-4422-9988-7DE16E9FBE6C}" dt="2019-07-21T13:38:38.553" v="3526" actId="20577"/>
+          <ac:spMkLst>
+            <pc:docMk/>
+            <pc:sldMk cId="771254116" sldId="267"/>
+            <ac:spMk id="2" creationId="{8EF1D980-A85A-439E-A038-62A5B7EB4BEE}"/>
+          </ac:spMkLst>
+        </pc:spChg>
+        <pc:spChg chg="mod">
+          <ac:chgData name="Noam Cohen" userId="91dab1e8-3a56-42f2-9f70-7df54632f194" providerId="ADAL" clId="{6A710FFD-5E1A-4422-9988-7DE16E9FBE6C}" dt="2019-07-31T06:38:30.756" v="4664" actId="207"/>
+          <ac:spMkLst>
+            <pc:docMk/>
+            <pc:sldMk cId="771254116" sldId="267"/>
+            <ac:spMk id="3" creationId="{08212FCD-3D01-4039-980A-B109448E94AE}"/>
+          </ac:spMkLst>
+        </pc:spChg>
+        <pc:spChg chg="add del mod">
+          <ac:chgData name="Noam Cohen" userId="91dab1e8-3a56-42f2-9f70-7df54632f194" providerId="ADAL" clId="{6A710FFD-5E1A-4422-9988-7DE16E9FBE6C}" dt="2019-07-31T06:29:09.373" v="4420" actId="767"/>
+          <ac:spMkLst>
+            <pc:docMk/>
+            <pc:sldMk cId="771254116" sldId="267"/>
+            <ac:spMk id="4" creationId="{8B3F263D-81F3-41F2-B997-80EB4E8325CC}"/>
+          </ac:spMkLst>
+        </pc:spChg>
+      </pc:sldChg>
+      <pc:sldChg chg="modSp add">
+        <pc:chgData name="Noam Cohen" userId="91dab1e8-3a56-42f2-9f70-7df54632f194" providerId="ADAL" clId="{6A710FFD-5E1A-4422-9988-7DE16E9FBE6C}" dt="2019-07-22T13:02:17.705" v="3877" actId="404"/>
+        <pc:sldMkLst>
+          <pc:docMk/>
+          <pc:sldMk cId="3451533157" sldId="268"/>
+        </pc:sldMkLst>
+        <pc:spChg chg="mod">
+          <ac:chgData name="Noam Cohen" userId="91dab1e8-3a56-42f2-9f70-7df54632f194" providerId="ADAL" clId="{6A710FFD-5E1A-4422-9988-7DE16E9FBE6C}" dt="2019-07-22T13:02:17.705" v="3877" actId="404"/>
+          <ac:spMkLst>
+            <pc:docMk/>
+            <pc:sldMk cId="3451533157" sldId="268"/>
+            <ac:spMk id="2" creationId="{10EB0661-0916-4200-B5E4-C4E0686BF289}"/>
+          </ac:spMkLst>
+        </pc:spChg>
+        <pc:spChg chg="mod">
+          <ac:chgData name="Noam Cohen" userId="91dab1e8-3a56-42f2-9f70-7df54632f194" providerId="ADAL" clId="{6A710FFD-5E1A-4422-9988-7DE16E9FBE6C}" dt="2019-07-21T13:44:40.019" v="3827" actId="20577"/>
+          <ac:spMkLst>
+            <pc:docMk/>
+            <pc:sldMk cId="3451533157" sldId="268"/>
+            <ac:spMk id="3" creationId="{9BE0EB58-97FA-4A97-9047-D575C457D94D}"/>
+          </ac:spMkLst>
+        </pc:spChg>
+      </pc:sldChg>
+      <pc:sldChg chg="modSp add">
+        <pc:chgData name="Noam Cohen" userId="91dab1e8-3a56-42f2-9f70-7df54632f194" providerId="ADAL" clId="{6A710FFD-5E1A-4422-9988-7DE16E9FBE6C}" dt="2019-07-31T07:27:21.728" v="4752" actId="20577"/>
+        <pc:sldMkLst>
+          <pc:docMk/>
+          <pc:sldMk cId="462946084" sldId="269"/>
+        </pc:sldMkLst>
+        <pc:spChg chg="mod">
+          <ac:chgData name="Noam Cohen" userId="91dab1e8-3a56-42f2-9f70-7df54632f194" providerId="ADAL" clId="{6A710FFD-5E1A-4422-9988-7DE16E9FBE6C}" dt="2019-07-25T13:10:28.962" v="4411" actId="20577"/>
+          <ac:spMkLst>
+            <pc:docMk/>
+            <pc:sldMk cId="462946084" sldId="269"/>
+            <ac:spMk id="2" creationId="{E460F70C-AECC-480B-ACE1-6E30CAC206E7}"/>
+          </ac:spMkLst>
+        </pc:spChg>
+        <pc:spChg chg="mod">
+          <ac:chgData name="Noam Cohen" userId="91dab1e8-3a56-42f2-9f70-7df54632f194" providerId="ADAL" clId="{6A710FFD-5E1A-4422-9988-7DE16E9FBE6C}" dt="2019-07-31T07:27:21.728" v="4752" actId="20577"/>
+          <ac:spMkLst>
+            <pc:docMk/>
+            <pc:sldMk cId="462946084" sldId="269"/>
+            <ac:spMk id="3" creationId="{5810F340-1C9C-4896-B684-A16FE49C07A1}"/>
+          </ac:spMkLst>
+        </pc:spChg>
+      </pc:sldChg>
+      <pc:sldChg chg="modSp add">
+        <pc:chgData name="Noam Cohen" userId="91dab1e8-3a56-42f2-9f70-7df54632f194" providerId="ADAL" clId="{6A710FFD-5E1A-4422-9988-7DE16E9FBE6C}" dt="2019-07-31T07:18:52.950" v="4699" actId="5793"/>
+        <pc:sldMkLst>
+          <pc:docMk/>
+          <pc:sldMk cId="1058401233" sldId="270"/>
+        </pc:sldMkLst>
+        <pc:spChg chg="mod">
+          <ac:chgData name="Noam Cohen" userId="91dab1e8-3a56-42f2-9f70-7df54632f194" providerId="ADAL" clId="{6A710FFD-5E1A-4422-9988-7DE16E9FBE6C}" dt="2019-07-31T06:42:27.437" v="4686" actId="20577"/>
+          <ac:spMkLst>
+            <pc:docMk/>
+            <pc:sldMk cId="1058401233" sldId="270"/>
+            <ac:spMk id="2" creationId="{F4977609-A3EB-45E4-B03D-01EA2B8ABD92}"/>
+          </ac:spMkLst>
+        </pc:spChg>
+        <pc:spChg chg="mod">
+          <ac:chgData name="Noam Cohen" userId="91dab1e8-3a56-42f2-9f70-7df54632f194" providerId="ADAL" clId="{6A710FFD-5E1A-4422-9988-7DE16E9FBE6C}" dt="2019-07-31T07:18:52.950" v="4699" actId="5793"/>
+          <ac:spMkLst>
+            <pc:docMk/>
+            <pc:sldMk cId="1058401233" sldId="270"/>
+            <ac:spMk id="3" creationId="{BC82BDE4-09A8-4B34-A302-59C4FDB5973E}"/>
+          </ac:spMkLst>
+        </pc:spChg>
+      </pc:sldChg>
     </pc:docChg>
   </pc:docChgLst>
 </pc:chgInfo>
+</file>
+
+<file path=ppt/notesMasters/notesMaster1.xml><?xml version="1.0" encoding="utf-8"?>
+<p:notesMaster xmlns:a="http://schemas.openxmlformats.org/drawingml/2006/main" xmlns:r="http://schemas.openxmlformats.org/officeDocument/2006/relationships" xmlns:p="http://schemas.openxmlformats.org/presentationml/2006/main">
+  <p:cSld>
+    <p:bg>
+      <p:bgRef idx="1001">
+        <a:schemeClr val="bg1"/>
+      </p:bgRef>
+    </p:bg>
+    <p:spTree>
+      <p:nvGrpSpPr>
+        <p:cNvPr id="1" name=""/>
+        <p:cNvGrpSpPr/>
+        <p:nvPr/>
+      </p:nvGrpSpPr>
+      <p:grpSpPr>
+        <a:xfrm>
+          <a:off x="0" y="0"/>
+          <a:ext cx="0" cy="0"/>
+          <a:chOff x="0" y="0"/>
+          <a:chExt cx="0" cy="0"/>
+        </a:xfrm>
+      </p:grpSpPr>
+      <p:sp>
+        <p:nvSpPr>
+          <p:cNvPr id="2" name="Header Placeholder 1"/>
+          <p:cNvSpPr>
+            <a:spLocks noGrp="1"/>
+          </p:cNvSpPr>
+          <p:nvPr>
+            <p:ph type="hdr" sz="quarter"/>
+          </p:nvPr>
+        </p:nvSpPr>
+        <p:spPr>
+          <a:xfrm>
+            <a:off x="0" y="0"/>
+            <a:ext cx="2971800" cy="458788"/>
+          </a:xfrm>
+          <a:prstGeom prst="rect">
+            <a:avLst/>
+          </a:prstGeom>
+        </p:spPr>
+        <p:txBody>
+          <a:bodyPr vert="horz" lIns="91440" tIns="45720" rIns="91440" bIns="45720" rtlCol="0"/>
+          <a:lstStyle>
+            <a:lvl1pPr algn="l">
+              <a:defRPr sz="1200"/>
+            </a:lvl1pPr>
+          </a:lstStyle>
+          <a:p>
+            <a:endParaRPr lang="en-IL"/>
+          </a:p>
+        </p:txBody>
+      </p:sp>
+      <p:sp>
+        <p:nvSpPr>
+          <p:cNvPr id="3" name="Date Placeholder 2"/>
+          <p:cNvSpPr>
+            <a:spLocks noGrp="1"/>
+          </p:cNvSpPr>
+          <p:nvPr>
+            <p:ph type="dt" idx="1"/>
+          </p:nvPr>
+        </p:nvSpPr>
+        <p:spPr>
+          <a:xfrm>
+            <a:off x="3884613" y="0"/>
+            <a:ext cx="2971800" cy="458788"/>
+          </a:xfrm>
+          <a:prstGeom prst="rect">
+            <a:avLst/>
+          </a:prstGeom>
+        </p:spPr>
+        <p:txBody>
+          <a:bodyPr vert="horz" lIns="91440" tIns="45720" rIns="91440" bIns="45720" rtlCol="0"/>
+          <a:lstStyle>
+            <a:lvl1pPr algn="r">
+              <a:defRPr sz="1200"/>
+            </a:lvl1pPr>
+          </a:lstStyle>
+          <a:p>
+            <a:fld id="{1716BE47-8F8F-4A39-8E83-F4AE7934B9A9}" type="datetimeFigureOut">
+              <a:rPr lang="en-IL" smtClean="0"/>
+              <a:t>31/07/2019</a:t>
+            </a:fld>
+            <a:endParaRPr lang="en-IL"/>
+          </a:p>
+        </p:txBody>
+      </p:sp>
+      <p:sp>
+        <p:nvSpPr>
+          <p:cNvPr id="4" name="Slide Image Placeholder 3"/>
+          <p:cNvSpPr>
+            <a:spLocks noGrp="1" noRot="1" noChangeAspect="1"/>
+          </p:cNvSpPr>
+          <p:nvPr>
+            <p:ph type="sldImg" idx="2"/>
+          </p:nvPr>
+        </p:nvSpPr>
+        <p:spPr>
+          <a:xfrm>
+            <a:off x="685800" y="1143000"/>
+            <a:ext cx="5486400" cy="3086100"/>
+          </a:xfrm>
+          <a:prstGeom prst="rect">
+            <a:avLst/>
+          </a:prstGeom>
+          <a:noFill/>
+          <a:ln w="12700">
+            <a:solidFill>
+              <a:prstClr val="black"/>
+            </a:solidFill>
+          </a:ln>
+        </p:spPr>
+        <p:txBody>
+          <a:bodyPr vert="horz" lIns="91440" tIns="45720" rIns="91440" bIns="45720" rtlCol="0" anchor="ctr"/>
+          <a:lstStyle/>
+          <a:p>
+            <a:endParaRPr lang="en-IL"/>
+          </a:p>
+        </p:txBody>
+      </p:sp>
+      <p:sp>
+        <p:nvSpPr>
+          <p:cNvPr id="5" name="Notes Placeholder 4"/>
+          <p:cNvSpPr>
+            <a:spLocks noGrp="1"/>
+          </p:cNvSpPr>
+          <p:nvPr>
+            <p:ph type="body" sz="quarter" idx="3"/>
+          </p:nvPr>
+        </p:nvSpPr>
+        <p:spPr>
+          <a:xfrm>
+            <a:off x="685800" y="4400550"/>
+            <a:ext cx="5486400" cy="3600450"/>
+          </a:xfrm>
+          <a:prstGeom prst="rect">
+            <a:avLst/>
+          </a:prstGeom>
+        </p:spPr>
+        <p:txBody>
+          <a:bodyPr vert="horz" lIns="91440" tIns="45720" rIns="91440" bIns="45720" rtlCol="0"/>
+          <a:lstStyle/>
+          <a:p>
+            <a:pPr lvl="0"/>
+            <a:r>
+              <a:rPr lang="en-US"/>
+              <a:t>Edit Master text styles</a:t>
+            </a:r>
+          </a:p>
+          <a:p>
+            <a:pPr lvl="1"/>
+            <a:r>
+              <a:rPr lang="en-US"/>
+              <a:t>Second level</a:t>
+            </a:r>
+          </a:p>
+          <a:p>
+            <a:pPr lvl="2"/>
+            <a:r>
+              <a:rPr lang="en-US"/>
+              <a:t>Third level</a:t>
+            </a:r>
+          </a:p>
+          <a:p>
+            <a:pPr lvl="3"/>
+            <a:r>
+              <a:rPr lang="en-US"/>
+              <a:t>Fourth level</a:t>
+            </a:r>
+          </a:p>
+          <a:p>
+            <a:pPr lvl="4"/>
+            <a:r>
+              <a:rPr lang="en-US"/>
+              <a:t>Fifth level</a:t>
+            </a:r>
+            <a:endParaRPr lang="en-IL"/>
+          </a:p>
+        </p:txBody>
+      </p:sp>
+      <p:sp>
+        <p:nvSpPr>
+          <p:cNvPr id="6" name="Footer Placeholder 5"/>
+          <p:cNvSpPr>
+            <a:spLocks noGrp="1"/>
+          </p:cNvSpPr>
+          <p:nvPr>
+            <p:ph type="ftr" sz="quarter" idx="4"/>
+          </p:nvPr>
+        </p:nvSpPr>
+        <p:spPr>
+          <a:xfrm>
+            <a:off x="0" y="8685213"/>
+            <a:ext cx="2971800" cy="458787"/>
+          </a:xfrm>
+          <a:prstGeom prst="rect">
+            <a:avLst/>
+          </a:prstGeom>
+        </p:spPr>
+        <p:txBody>
+          <a:bodyPr vert="horz" lIns="91440" tIns="45720" rIns="91440" bIns="45720" rtlCol="0" anchor="b"/>
+          <a:lstStyle>
+            <a:lvl1pPr algn="l">
+              <a:defRPr sz="1200"/>
+            </a:lvl1pPr>
+          </a:lstStyle>
+          <a:p>
+            <a:endParaRPr lang="en-IL"/>
+          </a:p>
+        </p:txBody>
+      </p:sp>
+      <p:sp>
+        <p:nvSpPr>
+          <p:cNvPr id="7" name="Slide Number Placeholder 6"/>
+          <p:cNvSpPr>
+            <a:spLocks noGrp="1"/>
+          </p:cNvSpPr>
+          <p:nvPr>
+            <p:ph type="sldNum" sz="quarter" idx="5"/>
+          </p:nvPr>
+        </p:nvSpPr>
+        <p:spPr>
+          <a:xfrm>
+            <a:off x="3884613" y="8685213"/>
+            <a:ext cx="2971800" cy="458787"/>
+          </a:xfrm>
+          <a:prstGeom prst="rect">
+            <a:avLst/>
+          </a:prstGeom>
+        </p:spPr>
+        <p:txBody>
+          <a:bodyPr vert="horz" lIns="91440" tIns="45720" rIns="91440" bIns="45720" rtlCol="0" anchor="b"/>
+          <a:lstStyle>
+            <a:lvl1pPr algn="r">
+              <a:defRPr sz="1200"/>
+            </a:lvl1pPr>
+          </a:lstStyle>
+          <a:p>
+            <a:fld id="{F8851B45-FE01-4A9F-B231-F1EDF3306C24}" type="slidenum">
+              <a:rPr lang="en-IL" smtClean="0"/>
+              <a:t>‹#›</a:t>
+            </a:fld>
+            <a:endParaRPr lang="en-IL"/>
+          </a:p>
+        </p:txBody>
+      </p:sp>
+    </p:spTree>
+    <p:extLst>
+      <p:ext uri="{BB962C8B-B14F-4D97-AF65-F5344CB8AC3E}">
+        <p14:creationId xmlns:p14="http://schemas.microsoft.com/office/powerpoint/2010/main" val="2708078700"/>
+      </p:ext>
+    </p:extLst>
+  </p:cSld>
+  <p:clrMap bg1="lt1" tx1="dk1" bg2="lt2" tx2="dk2" accent1="accent1" accent2="accent2" accent3="accent3" accent4="accent4" accent5="accent5" accent6="accent6" hlink="hlink" folHlink="folHlink"/>
+  <p:notesStyle>
+    <a:lvl1pPr marL="0" algn="l" defTabSz="914400" rtl="0" eaLnBrk="1" latinLnBrk="0" hangingPunct="1">
+      <a:defRPr sz="1200" kern="1200">
+        <a:solidFill>
+          <a:schemeClr val="tx1"/>
+        </a:solidFill>
+        <a:latin typeface="+mn-lt"/>
+        <a:ea typeface="+mn-ea"/>
+        <a:cs typeface="+mn-cs"/>
+      </a:defRPr>
+    </a:lvl1pPr>
+    <a:lvl2pPr marL="457200" algn="l" defTabSz="914400" rtl="0" eaLnBrk="1" latinLnBrk="0" hangingPunct="1">
+      <a:defRPr sz="1200" kern="1200">
+        <a:solidFill>
+          <a:schemeClr val="tx1"/>
+        </a:solidFill>
+        <a:latin typeface="+mn-lt"/>
+        <a:ea typeface="+mn-ea"/>
+        <a:cs typeface="+mn-cs"/>
+      </a:defRPr>
+    </a:lvl2pPr>
+    <a:lvl3pPr marL="914400" algn="l" defTabSz="914400" rtl="0" eaLnBrk="1" latinLnBrk="0" hangingPunct="1">
+      <a:defRPr sz="1200" kern="1200">
+        <a:solidFill>
+          <a:schemeClr val="tx1"/>
+        </a:solidFill>
+        <a:latin typeface="+mn-lt"/>
+        <a:ea typeface="+mn-ea"/>
+        <a:cs typeface="+mn-cs"/>
+      </a:defRPr>
+    </a:lvl3pPr>
+    <a:lvl4pPr marL="1371600" algn="l" defTabSz="914400" rtl="0" eaLnBrk="1" latinLnBrk="0" hangingPunct="1">
+      <a:defRPr sz="1200" kern="1200">
+        <a:solidFill>
+          <a:schemeClr val="tx1"/>
+        </a:solidFill>
+        <a:latin typeface="+mn-lt"/>
+        <a:ea typeface="+mn-ea"/>
+        <a:cs typeface="+mn-cs"/>
+      </a:defRPr>
+    </a:lvl4pPr>
+    <a:lvl5pPr marL="1828800" algn="l" defTabSz="914400" rtl="0" eaLnBrk="1" latinLnBrk="0" hangingPunct="1">
+      <a:defRPr sz="1200" kern="1200">
+        <a:solidFill>
+          <a:schemeClr val="tx1"/>
+        </a:solidFill>
+        <a:latin typeface="+mn-lt"/>
+        <a:ea typeface="+mn-ea"/>
+        <a:cs typeface="+mn-cs"/>
+      </a:defRPr>
+    </a:lvl5pPr>
+    <a:lvl6pPr marL="2286000" algn="l" defTabSz="914400" rtl="0" eaLnBrk="1" latinLnBrk="0" hangingPunct="1">
+      <a:defRPr sz="1200" kern="1200">
+        <a:solidFill>
+          <a:schemeClr val="tx1"/>
+        </a:solidFill>
+        <a:latin typeface="+mn-lt"/>
+        <a:ea typeface="+mn-ea"/>
+        <a:cs typeface="+mn-cs"/>
+      </a:defRPr>
+    </a:lvl6pPr>
+    <a:lvl7pPr marL="2743200" algn="l" defTabSz="914400" rtl="0" eaLnBrk="1" latinLnBrk="0" hangingPunct="1">
+      <a:defRPr sz="1200" kern="1200">
+        <a:solidFill>
+          <a:schemeClr val="tx1"/>
+        </a:solidFill>
+        <a:latin typeface="+mn-lt"/>
+        <a:ea typeface="+mn-ea"/>
+        <a:cs typeface="+mn-cs"/>
+      </a:defRPr>
+    </a:lvl7pPr>
+    <a:lvl8pPr marL="3200400" algn="l" defTabSz="914400" rtl="0" eaLnBrk="1" latinLnBrk="0" hangingPunct="1">
+      <a:defRPr sz="1200" kern="1200">
+        <a:solidFill>
+          <a:schemeClr val="tx1"/>
+        </a:solidFill>
+        <a:latin typeface="+mn-lt"/>
+        <a:ea typeface="+mn-ea"/>
+        <a:cs typeface="+mn-cs"/>
+      </a:defRPr>
+    </a:lvl8pPr>
+    <a:lvl9pPr marL="3657600" algn="l" defTabSz="914400" rtl="0" eaLnBrk="1" latinLnBrk="0" hangingPunct="1">
+      <a:defRPr sz="1200" kern="1200">
+        <a:solidFill>
+          <a:schemeClr val="tx1"/>
+        </a:solidFill>
+        <a:latin typeface="+mn-lt"/>
+        <a:ea typeface="+mn-ea"/>
+        <a:cs typeface="+mn-cs"/>
+      </a:defRPr>
+    </a:lvl9pPr>
+  </p:notesStyle>
+</p:notesMaster>
+</file>
+
+<file path=ppt/notesSlides/notesSlide1.xml><?xml version="1.0" encoding="utf-8"?>
+<p:notes xmlns:a="http://schemas.openxmlformats.org/drawingml/2006/main" xmlns:r="http://schemas.openxmlformats.org/officeDocument/2006/relationships" xmlns:p="http://schemas.openxmlformats.org/presentationml/2006/main">
+  <p:cSld>
+    <p:spTree>
+      <p:nvGrpSpPr>
+        <p:cNvPr id="1" name=""/>
+        <p:cNvGrpSpPr/>
+        <p:nvPr/>
+      </p:nvGrpSpPr>
+      <p:grpSpPr>
+        <a:xfrm>
+          <a:off x="0" y="0"/>
+          <a:ext cx="0" cy="0"/>
+          <a:chOff x="0" y="0"/>
+          <a:chExt cx="0" cy="0"/>
+        </a:xfrm>
+      </p:grpSpPr>
+      <p:sp>
+        <p:nvSpPr>
+          <p:cNvPr id="2" name="Slide Image Placeholder 1"/>
+          <p:cNvSpPr>
+            <a:spLocks noGrp="1" noRot="1" noChangeAspect="1"/>
+          </p:cNvSpPr>
+          <p:nvPr>
+            <p:ph type="sldImg"/>
+          </p:nvPr>
+        </p:nvSpPr>
+        <p:spPr/>
+      </p:sp>
+      <p:sp>
+        <p:nvSpPr>
+          <p:cNvPr id="3" name="Notes Placeholder 2"/>
+          <p:cNvSpPr>
+            <a:spLocks noGrp="1"/>
+          </p:cNvSpPr>
+          <p:nvPr>
+            <p:ph type="body" idx="1"/>
+          </p:nvPr>
+        </p:nvSpPr>
+        <p:spPr/>
+        <p:txBody>
+          <a:bodyPr/>
+          <a:lstStyle/>
+          <a:p>
+            <a:r>
+              <a:rPr lang="en-US" dirty="0"/>
+              <a:t>2 vCPU, 8GB RAM</a:t>
+            </a:r>
+          </a:p>
+          <a:p>
+            <a:endParaRPr lang="en-IL" dirty="0"/>
+          </a:p>
+        </p:txBody>
+      </p:sp>
+      <p:sp>
+        <p:nvSpPr>
+          <p:cNvPr id="4" name="Slide Number Placeholder 3"/>
+          <p:cNvSpPr>
+            <a:spLocks noGrp="1"/>
+          </p:cNvSpPr>
+          <p:nvPr>
+            <p:ph type="sldNum" sz="quarter" idx="5"/>
+          </p:nvPr>
+        </p:nvSpPr>
+        <p:spPr/>
+        <p:txBody>
+          <a:bodyPr/>
+          <a:lstStyle/>
+          <a:p>
+            <a:fld id="{F8851B45-FE01-4A9F-B231-F1EDF3306C24}" type="slidenum">
+              <a:rPr lang="en-IL" smtClean="0"/>
+              <a:t>8</a:t>
+            </a:fld>
+            <a:endParaRPr lang="en-IL"/>
+          </a:p>
+        </p:txBody>
+      </p:sp>
+    </p:spTree>
+    <p:extLst>
+      <p:ext uri="{BB962C8B-B14F-4D97-AF65-F5344CB8AC3E}">
+        <p14:creationId xmlns:p14="http://schemas.microsoft.com/office/powerpoint/2010/main" val="3112507218"/>
+      </p:ext>
+    </p:extLst>
+  </p:cSld>
+  <p:clrMapOvr>
+    <a:masterClrMapping/>
+  </p:clrMapOvr>
+</p:notes>
 </file>
 
 <file path=ppt/slideLayouts/slideLayout1.xml><?xml version="1.0" encoding="utf-8"?>
@@ -498,7 +1109,7 @@
           <a:p>
             <a:fld id="{01C65577-90E4-46E3-961C-BDFC81662AB5}" type="datetimeFigureOut">
               <a:rPr lang="en-IL" smtClean="0"/>
-              <a:t>17/07/2019</a:t>
+              <a:t>31/07/2019</a:t>
             </a:fld>
             <a:endParaRPr lang="en-IL"/>
           </a:p>
@@ -698,7 +1309,7 @@
           <a:p>
             <a:fld id="{01C65577-90E4-46E3-961C-BDFC81662AB5}" type="datetimeFigureOut">
               <a:rPr lang="en-IL" smtClean="0"/>
-              <a:t>17/07/2019</a:t>
+              <a:t>31/07/2019</a:t>
             </a:fld>
             <a:endParaRPr lang="en-IL"/>
           </a:p>
@@ -908,7 +1519,7 @@
           <a:p>
             <a:fld id="{01C65577-90E4-46E3-961C-BDFC81662AB5}" type="datetimeFigureOut">
               <a:rPr lang="en-IL" smtClean="0"/>
-              <a:t>17/07/2019</a:t>
+              <a:t>31/07/2019</a:t>
             </a:fld>
             <a:endParaRPr lang="en-IL"/>
           </a:p>
@@ -1108,7 +1719,7 @@
           <a:p>
             <a:fld id="{01C65577-90E4-46E3-961C-BDFC81662AB5}" type="datetimeFigureOut">
               <a:rPr lang="en-IL" smtClean="0"/>
-              <a:t>17/07/2019</a:t>
+              <a:t>31/07/2019</a:t>
             </a:fld>
             <a:endParaRPr lang="en-IL"/>
           </a:p>
@@ -1384,7 +1995,7 @@
           <a:p>
             <a:fld id="{01C65577-90E4-46E3-961C-BDFC81662AB5}" type="datetimeFigureOut">
               <a:rPr lang="en-IL" smtClean="0"/>
-              <a:t>17/07/2019</a:t>
+              <a:t>31/07/2019</a:t>
             </a:fld>
             <a:endParaRPr lang="en-IL"/>
           </a:p>
@@ -1652,7 +2263,7 @@
           <a:p>
             <a:fld id="{01C65577-90E4-46E3-961C-BDFC81662AB5}" type="datetimeFigureOut">
               <a:rPr lang="en-IL" smtClean="0"/>
-              <a:t>17/07/2019</a:t>
+              <a:t>31/07/2019</a:t>
             </a:fld>
             <a:endParaRPr lang="en-IL"/>
           </a:p>
@@ -2067,7 +2678,7 @@
           <a:p>
             <a:fld id="{01C65577-90E4-46E3-961C-BDFC81662AB5}" type="datetimeFigureOut">
               <a:rPr lang="en-IL" smtClean="0"/>
-              <a:t>17/07/2019</a:t>
+              <a:t>31/07/2019</a:t>
             </a:fld>
             <a:endParaRPr lang="en-IL"/>
           </a:p>
@@ -2209,7 +2820,7 @@
           <a:p>
             <a:fld id="{01C65577-90E4-46E3-961C-BDFC81662AB5}" type="datetimeFigureOut">
               <a:rPr lang="en-IL" smtClean="0"/>
-              <a:t>17/07/2019</a:t>
+              <a:t>31/07/2019</a:t>
             </a:fld>
             <a:endParaRPr lang="en-IL"/>
           </a:p>
@@ -2322,7 +2933,7 @@
           <a:p>
             <a:fld id="{01C65577-90E4-46E3-961C-BDFC81662AB5}" type="datetimeFigureOut">
               <a:rPr lang="en-IL" smtClean="0"/>
-              <a:t>17/07/2019</a:t>
+              <a:t>31/07/2019</a:t>
             </a:fld>
             <a:endParaRPr lang="en-IL"/>
           </a:p>
@@ -2635,7 +3246,7 @@
           <a:p>
             <a:fld id="{01C65577-90E4-46E3-961C-BDFC81662AB5}" type="datetimeFigureOut">
               <a:rPr lang="en-IL" smtClean="0"/>
-              <a:t>17/07/2019</a:t>
+              <a:t>31/07/2019</a:t>
             </a:fld>
             <a:endParaRPr lang="en-IL"/>
           </a:p>
@@ -2924,7 +3535,7 @@
           <a:p>
             <a:fld id="{01C65577-90E4-46E3-961C-BDFC81662AB5}" type="datetimeFigureOut">
               <a:rPr lang="en-IL" smtClean="0"/>
-              <a:t>17/07/2019</a:t>
+              <a:t>31/07/2019</a:t>
             </a:fld>
             <a:endParaRPr lang="en-IL"/>
           </a:p>
@@ -3167,7 +3778,7 @@
           <a:p>
             <a:fld id="{01C65577-90E4-46E3-961C-BDFC81662AB5}" type="datetimeFigureOut">
               <a:rPr lang="en-IL" smtClean="0"/>
-              <a:t>17/07/2019</a:t>
+              <a:t>31/07/2019</a:t>
             </a:fld>
             <a:endParaRPr lang="en-IL"/>
           </a:p>
@@ -3651,6 +4262,4998 @@
 </p:sld>
 </file>
 
+<file path=ppt/slides/slide10.xml><?xml version="1.0" encoding="utf-8"?>
+<p:sld xmlns:a="http://schemas.openxmlformats.org/drawingml/2006/main" xmlns:r="http://schemas.openxmlformats.org/officeDocument/2006/relationships" xmlns:p="http://schemas.openxmlformats.org/presentationml/2006/main">
+  <p:cSld>
+    <p:spTree>
+      <p:nvGrpSpPr>
+        <p:cNvPr id="1" name=""/>
+        <p:cNvGrpSpPr/>
+        <p:nvPr/>
+      </p:nvGrpSpPr>
+      <p:grpSpPr>
+        <a:xfrm>
+          <a:off x="0" y="0"/>
+          <a:ext cx="0" cy="0"/>
+          <a:chOff x="0" y="0"/>
+          <a:chExt cx="0" cy="0"/>
+        </a:xfrm>
+      </p:grpSpPr>
+      <p:sp>
+        <p:nvSpPr>
+          <p:cNvPr id="2" name="Title 1">
+            <a:extLst>
+              <a:ext uri="{FF2B5EF4-FFF2-40B4-BE49-F238E27FC236}">
+                <a16:creationId xmlns:a16="http://schemas.microsoft.com/office/drawing/2014/main" id="{F4977609-A3EB-45E4-B03D-01EA2B8ABD92}"/>
+              </a:ext>
+            </a:extLst>
+          </p:cNvPr>
+          <p:cNvSpPr>
+            <a:spLocks noGrp="1"/>
+          </p:cNvSpPr>
+          <p:nvPr>
+            <p:ph type="title"/>
+          </p:nvPr>
+        </p:nvSpPr>
+        <p:spPr/>
+        <p:txBody>
+          <a:bodyPr/>
+          <a:lstStyle/>
+          <a:p>
+            <a:r>
+              <a:rPr lang="en-US" dirty="0"/>
+              <a:t>Submitting your code</a:t>
+            </a:r>
+            <a:endParaRPr lang="en-IL" dirty="0"/>
+          </a:p>
+        </p:txBody>
+      </p:sp>
+      <p:sp>
+        <p:nvSpPr>
+          <p:cNvPr id="3" name="Content Placeholder 2">
+            <a:extLst>
+              <a:ext uri="{FF2B5EF4-FFF2-40B4-BE49-F238E27FC236}">
+                <a16:creationId xmlns:a16="http://schemas.microsoft.com/office/drawing/2014/main" id="{BC82BDE4-09A8-4B34-A302-59C4FDB5973E}"/>
+              </a:ext>
+            </a:extLst>
+          </p:cNvPr>
+          <p:cNvSpPr>
+            <a:spLocks noGrp="1"/>
+          </p:cNvSpPr>
+          <p:nvPr>
+            <p:ph idx="1"/>
+          </p:nvPr>
+        </p:nvSpPr>
+        <p:spPr/>
+        <p:txBody>
+          <a:bodyPr/>
+          <a:lstStyle/>
+          <a:p>
+            <a:r>
+              <a:rPr lang="en-US" dirty="0">
+                <a:hlinkClick r:id="rId2"/>
+              </a:rPr>
+              <a:t>https://tinyurl.com/py-iem-check</a:t>
+            </a:r>
+            <a:endParaRPr lang="en-US" dirty="0"/>
+          </a:p>
+          <a:p>
+            <a:endParaRPr lang="en-US" dirty="0"/>
+          </a:p>
+          <a:p>
+            <a:r>
+              <a:rPr lang="en-US" dirty="0"/>
+              <a:t>recommendation: zip the pickle files before upload</a:t>
+            </a:r>
+          </a:p>
+          <a:p>
+            <a:pPr marL="0" indent="0">
+              <a:buNone/>
+            </a:pPr>
+            <a:br>
+              <a:rPr lang="en-US" dirty="0"/>
+            </a:br>
+            <a:endParaRPr lang="en-IL" dirty="0"/>
+          </a:p>
+        </p:txBody>
+      </p:sp>
+    </p:spTree>
+    <p:extLst>
+      <p:ext uri="{BB962C8B-B14F-4D97-AF65-F5344CB8AC3E}">
+        <p14:creationId xmlns:p14="http://schemas.microsoft.com/office/powerpoint/2010/main" val="1058401233"/>
+      </p:ext>
+    </p:extLst>
+  </p:cSld>
+  <p:clrMapOvr>
+    <a:masterClrMapping/>
+  </p:clrMapOvr>
+</p:sld>
+</file>
+
+<file path=ppt/slides/slide11.xml><?xml version="1.0" encoding="utf-8"?>
+<p:sld xmlns:a="http://schemas.openxmlformats.org/drawingml/2006/main" xmlns:r="http://schemas.openxmlformats.org/officeDocument/2006/relationships" xmlns:p="http://schemas.openxmlformats.org/presentationml/2006/main">
+  <p:cSld>
+    <p:spTree>
+      <p:nvGrpSpPr>
+        <p:cNvPr id="1" name=""/>
+        <p:cNvGrpSpPr/>
+        <p:nvPr/>
+      </p:nvGrpSpPr>
+      <p:grpSpPr>
+        <a:xfrm>
+          <a:off x="0" y="0"/>
+          <a:ext cx="0" cy="0"/>
+          <a:chOff x="0" y="0"/>
+          <a:chExt cx="0" cy="0"/>
+        </a:xfrm>
+      </p:grpSpPr>
+      <p:sp>
+        <p:nvSpPr>
+          <p:cNvPr id="2" name="Title 1">
+            <a:extLst>
+              <a:ext uri="{FF2B5EF4-FFF2-40B4-BE49-F238E27FC236}">
+                <a16:creationId xmlns:a16="http://schemas.microsoft.com/office/drawing/2014/main" id="{67332B80-C718-482A-A7B5-939F490FE26F}"/>
+              </a:ext>
+            </a:extLst>
+          </p:cNvPr>
+          <p:cNvSpPr>
+            <a:spLocks noGrp="1"/>
+          </p:cNvSpPr>
+          <p:nvPr>
+            <p:ph type="title"/>
+          </p:nvPr>
+        </p:nvSpPr>
+        <p:spPr/>
+        <p:txBody>
+          <a:bodyPr/>
+          <a:lstStyle/>
+          <a:p>
+            <a:r>
+              <a:rPr lang="en-US" dirty="0"/>
+              <a:t>Sample input data (part of one of the files)</a:t>
+            </a:r>
+            <a:endParaRPr lang="en-IL" dirty="0"/>
+          </a:p>
+        </p:txBody>
+      </p:sp>
+      <p:sp>
+        <p:nvSpPr>
+          <p:cNvPr id="4" name="Rectangle 1">
+            <a:extLst>
+              <a:ext uri="{FF2B5EF4-FFF2-40B4-BE49-F238E27FC236}">
+                <a16:creationId xmlns:a16="http://schemas.microsoft.com/office/drawing/2014/main" id="{F311AC71-EFD4-4A3C-B912-8B3B88C0838C}"/>
+              </a:ext>
+            </a:extLst>
+          </p:cNvPr>
+          <p:cNvSpPr>
+            <a:spLocks noGrp="1" noChangeArrowheads="1"/>
+          </p:cNvSpPr>
+          <p:nvPr>
+            <p:ph idx="1"/>
+          </p:nvPr>
+        </p:nvSpPr>
+        <p:spPr bwMode="auto">
+          <a:xfrm>
+            <a:off x="838200" y="1808386"/>
+            <a:ext cx="6457217" cy="4385816"/>
+          </a:xfrm>
+          <a:prstGeom prst="rect">
+            <a:avLst/>
+          </a:prstGeom>
+          <a:solidFill>
+            <a:srgbClr val="FFFFFF"/>
+          </a:solidFill>
+          <a:ln>
+            <a:noFill/>
+          </a:ln>
+          <a:effectLst/>
+          <a:extLst>
+            <a:ext uri="{91240B29-F687-4F45-9708-019B960494DF}">
+              <a14:hiddenLine xmlns:a14="http://schemas.microsoft.com/office/drawing/2010/main" w="9525">
+                <a:solidFill>
+                  <a:schemeClr val="tx1"/>
+                </a:solidFill>
+                <a:miter lim="800000"/>
+                <a:headEnd/>
+                <a:tailEnd/>
+              </a14:hiddenLine>
+            </a:ext>
+            <a:ext uri="{AF507438-7753-43E0-B8FC-AC1667EBCBE1}">
+              <a14:hiddenEffects xmlns:a14="http://schemas.microsoft.com/office/drawing/2010/main">
+                <a:effectLst>
+                  <a:outerShdw dist="35921" dir="2700000" algn="ctr" rotWithShape="0">
+                    <a:schemeClr val="bg2"/>
+                  </a:outerShdw>
+                </a:effectLst>
+              </a14:hiddenEffects>
+            </a:ext>
+          </a:extLst>
+        </p:spPr>
+        <p:txBody>
+          <a:bodyPr vert="horz" wrap="none" lIns="91440" tIns="45720" rIns="91440" bIns="45720" numCol="1" anchor="ctr" anchorCtr="0" compatLnSpc="1">
+            <a:prstTxWarp prst="textNoShape">
+              <a:avLst/>
+            </a:prstTxWarp>
+            <a:spAutoFit/>
+          </a:bodyPr>
+          <a:lstStyle/>
+          <a:p>
+            <a:pPr marL="0" marR="0" lvl="0" indent="0" algn="l" defTabSz="914400" rtl="0" eaLnBrk="0" fontAlgn="base" latinLnBrk="0" hangingPunct="0">
+              <a:lnSpc>
+                <a:spcPct val="100000"/>
+              </a:lnSpc>
+              <a:spcBef>
+                <a:spcPct val="0"/>
+              </a:spcBef>
+              <a:spcAft>
+                <a:spcPct val="0"/>
+              </a:spcAft>
+              <a:buClrTx/>
+              <a:buSzTx/>
+              <a:buFontTx/>
+              <a:buNone/>
+              <a:tabLst/>
+            </a:pPr>
+            <a:r>
+              <a:rPr kumimoji="0" lang="en-IL" altLang="en-IL" sz="900" b="1" i="0" u="none" strike="noStrike" cap="none" normalizeH="0" baseline="0" dirty="0">
+                <a:ln>
+                  <a:noFill/>
+                </a:ln>
+                <a:solidFill>
+                  <a:srgbClr val="008080"/>
+                </a:solidFill>
+                <a:effectLst/>
+                <a:latin typeface="Courier New" panose="02070309020205020404" pitchFamily="49" charset="0"/>
+                <a:cs typeface="Courier New" panose="02070309020205020404" pitchFamily="49" charset="0"/>
+              </a:rPr>
+              <a:t>&lt;!DOCTYPE </a:t>
+            </a:r>
+            <a:r>
+              <a:rPr kumimoji="0" lang="en-IL" altLang="en-IL" sz="900" b="1" i="0" u="none" strike="noStrike" cap="none" normalizeH="0" baseline="0" dirty="0" err="1">
+                <a:ln>
+                  <a:noFill/>
+                </a:ln>
+                <a:solidFill>
+                  <a:srgbClr val="008080"/>
+                </a:solidFill>
+                <a:effectLst/>
+                <a:latin typeface="Courier New" panose="02070309020205020404" pitchFamily="49" charset="0"/>
+                <a:cs typeface="Courier New" panose="02070309020205020404" pitchFamily="49" charset="0"/>
+              </a:rPr>
+              <a:t>lewis</a:t>
+            </a:r>
+            <a:r>
+              <a:rPr kumimoji="0" lang="en-IL" altLang="en-IL" sz="900" b="1" i="0" u="none" strike="noStrike" cap="none" normalizeH="0" baseline="0" dirty="0">
+                <a:ln>
+                  <a:noFill/>
+                </a:ln>
+                <a:solidFill>
+                  <a:srgbClr val="008080"/>
+                </a:solidFill>
+                <a:effectLst/>
+                <a:latin typeface="Courier New" panose="02070309020205020404" pitchFamily="49" charset="0"/>
+                <a:cs typeface="Courier New" panose="02070309020205020404" pitchFamily="49" charset="0"/>
+              </a:rPr>
+              <a:t> SYSTEM "lewis.dtd"&gt;</a:t>
+            </a:r>
+            <a:br>
+              <a:rPr kumimoji="0" lang="en-IL" altLang="en-IL" sz="900" b="1" i="0" u="none" strike="noStrike" cap="none" normalizeH="0" baseline="0" dirty="0">
+                <a:ln>
+                  <a:noFill/>
+                </a:ln>
+                <a:solidFill>
+                  <a:srgbClr val="008080"/>
+                </a:solidFill>
+                <a:effectLst/>
+                <a:latin typeface="Courier New" panose="02070309020205020404" pitchFamily="49" charset="0"/>
+                <a:cs typeface="Courier New" panose="02070309020205020404" pitchFamily="49" charset="0"/>
+              </a:rPr>
+            </a:br>
+            <a:r>
+              <a:rPr kumimoji="0" lang="en-IL" altLang="en-IL" sz="900" b="1" i="0" u="none" strike="noStrike" cap="none" normalizeH="0" baseline="0" dirty="0">
+                <a:ln>
+                  <a:noFill/>
+                </a:ln>
+                <a:solidFill>
+                  <a:srgbClr val="008080"/>
+                </a:solidFill>
+                <a:effectLst/>
+                <a:latin typeface="Courier New" panose="02070309020205020404" pitchFamily="49" charset="0"/>
+                <a:cs typeface="Courier New" panose="02070309020205020404" pitchFamily="49" charset="0"/>
+              </a:rPr>
+              <a:t>&lt;</a:t>
+            </a:r>
+            <a:r>
+              <a:rPr kumimoji="0" lang="en-IL" altLang="en-IL" sz="900" b="1" i="0" u="none" strike="noStrike" cap="none" normalizeH="0" baseline="0" dirty="0">
+                <a:ln>
+                  <a:noFill/>
+                </a:ln>
+                <a:solidFill>
+                  <a:srgbClr val="008080"/>
+                </a:solidFill>
+                <a:effectLst/>
+                <a:highlight>
+                  <a:srgbClr val="FFFF00"/>
+                </a:highlight>
+                <a:latin typeface="Courier New" panose="02070309020205020404" pitchFamily="49" charset="0"/>
+                <a:cs typeface="Courier New" panose="02070309020205020404" pitchFamily="49" charset="0"/>
+              </a:rPr>
+              <a:t>REUTERS</a:t>
+            </a:r>
+            <a:r>
+              <a:rPr kumimoji="0" lang="en-IL" altLang="en-IL" sz="900" b="1" i="0" u="none" strike="noStrike" cap="none" normalizeH="0" baseline="0" dirty="0">
+                <a:ln>
+                  <a:noFill/>
+                </a:ln>
+                <a:solidFill>
+                  <a:srgbClr val="008080"/>
+                </a:solidFill>
+                <a:effectLst/>
+                <a:latin typeface="Courier New" panose="02070309020205020404" pitchFamily="49" charset="0"/>
+                <a:cs typeface="Courier New" panose="02070309020205020404" pitchFamily="49" charset="0"/>
+              </a:rPr>
+              <a:t> TOPICS="NO" LEWISSPLIT="TRAIN" CGISPLIT="TRAINING-SET" OLDID="16321" NEWID="1001"&gt;</a:t>
+            </a:r>
+            <a:br>
+              <a:rPr kumimoji="0" lang="en-IL" altLang="en-IL" sz="900" b="1" i="0" u="none" strike="noStrike" cap="none" normalizeH="0" baseline="0" dirty="0">
+                <a:ln>
+                  <a:noFill/>
+                </a:ln>
+                <a:solidFill>
+                  <a:srgbClr val="008080"/>
+                </a:solidFill>
+                <a:effectLst/>
+                <a:latin typeface="Courier New" panose="02070309020205020404" pitchFamily="49" charset="0"/>
+                <a:cs typeface="Courier New" panose="02070309020205020404" pitchFamily="49" charset="0"/>
+              </a:rPr>
+            </a:br>
+            <a:r>
+              <a:rPr kumimoji="0" lang="en-IL" altLang="en-IL" sz="900" b="1" i="0" u="none" strike="noStrike" cap="none" normalizeH="0" baseline="0" dirty="0">
+                <a:ln>
+                  <a:noFill/>
+                </a:ln>
+                <a:solidFill>
+                  <a:srgbClr val="008080"/>
+                </a:solidFill>
+                <a:effectLst/>
+                <a:latin typeface="Courier New" panose="02070309020205020404" pitchFamily="49" charset="0"/>
+                <a:cs typeface="Courier New" panose="02070309020205020404" pitchFamily="49" charset="0"/>
+              </a:rPr>
+              <a:t>&lt;DATE&gt; 3-MAR-1987 09:18:21.26&lt;/DATE&gt;</a:t>
+            </a:r>
+            <a:br>
+              <a:rPr kumimoji="0" lang="en-IL" altLang="en-IL" sz="900" b="1" i="0" u="none" strike="noStrike" cap="none" normalizeH="0" baseline="0" dirty="0">
+                <a:ln>
+                  <a:noFill/>
+                </a:ln>
+                <a:solidFill>
+                  <a:srgbClr val="008080"/>
+                </a:solidFill>
+                <a:effectLst/>
+                <a:latin typeface="Courier New" panose="02070309020205020404" pitchFamily="49" charset="0"/>
+                <a:cs typeface="Courier New" panose="02070309020205020404" pitchFamily="49" charset="0"/>
+              </a:rPr>
+            </a:br>
+            <a:r>
+              <a:rPr kumimoji="0" lang="en-IL" altLang="en-IL" sz="900" b="1" i="0" u="none" strike="noStrike" cap="none" normalizeH="0" baseline="0" dirty="0">
+                <a:ln>
+                  <a:noFill/>
+                </a:ln>
+                <a:solidFill>
+                  <a:srgbClr val="008080"/>
+                </a:solidFill>
+                <a:effectLst/>
+                <a:latin typeface="Courier New" panose="02070309020205020404" pitchFamily="49" charset="0"/>
+                <a:cs typeface="Courier New" panose="02070309020205020404" pitchFamily="49" charset="0"/>
+              </a:rPr>
+              <a:t>&lt;</a:t>
+            </a:r>
+            <a:r>
+              <a:rPr kumimoji="0" lang="en-IL" altLang="en-IL" sz="900" b="1" i="0" u="none" strike="noStrike" cap="none" normalizeH="0" baseline="0" dirty="0">
+                <a:ln>
+                  <a:noFill/>
+                </a:ln>
+                <a:solidFill>
+                  <a:srgbClr val="008080"/>
+                </a:solidFill>
+                <a:effectLst/>
+                <a:highlight>
+                  <a:srgbClr val="C0C0C0"/>
+                </a:highlight>
+                <a:latin typeface="Courier New" panose="02070309020205020404" pitchFamily="49" charset="0"/>
+                <a:cs typeface="Courier New" panose="02070309020205020404" pitchFamily="49" charset="0"/>
+              </a:rPr>
+              <a:t>TOPICS</a:t>
+            </a:r>
+            <a:r>
+              <a:rPr kumimoji="0" lang="en-IL" altLang="en-IL" sz="900" b="1" i="0" u="none" strike="noStrike" cap="none" normalizeH="0" baseline="0" dirty="0">
+                <a:ln>
+                  <a:noFill/>
+                </a:ln>
+                <a:solidFill>
+                  <a:srgbClr val="008080"/>
+                </a:solidFill>
+                <a:effectLst/>
+                <a:latin typeface="Courier New" panose="02070309020205020404" pitchFamily="49" charset="0"/>
+                <a:cs typeface="Courier New" panose="02070309020205020404" pitchFamily="49" charset="0"/>
+              </a:rPr>
+              <a:t>&gt;&lt;/TOPICS&gt;</a:t>
+            </a:r>
+            <a:br>
+              <a:rPr kumimoji="0" lang="en-IL" altLang="en-IL" sz="900" b="1" i="0" u="none" strike="noStrike" cap="none" normalizeH="0" baseline="0" dirty="0">
+                <a:ln>
+                  <a:noFill/>
+                </a:ln>
+                <a:solidFill>
+                  <a:srgbClr val="008080"/>
+                </a:solidFill>
+                <a:effectLst/>
+                <a:latin typeface="Courier New" panose="02070309020205020404" pitchFamily="49" charset="0"/>
+                <a:cs typeface="Courier New" panose="02070309020205020404" pitchFamily="49" charset="0"/>
+              </a:rPr>
+            </a:br>
+            <a:r>
+              <a:rPr kumimoji="0" lang="en-IL" altLang="en-IL" sz="900" b="1" i="0" u="none" strike="noStrike" cap="none" normalizeH="0" baseline="0" dirty="0">
+                <a:ln>
+                  <a:noFill/>
+                </a:ln>
+                <a:solidFill>
+                  <a:srgbClr val="008080"/>
+                </a:solidFill>
+                <a:effectLst/>
+                <a:latin typeface="Courier New" panose="02070309020205020404" pitchFamily="49" charset="0"/>
+                <a:cs typeface="Courier New" panose="02070309020205020404" pitchFamily="49" charset="0"/>
+              </a:rPr>
+              <a:t>&lt;</a:t>
+            </a:r>
+            <a:r>
+              <a:rPr kumimoji="0" lang="en-IL" altLang="en-IL" sz="900" b="1" i="0" u="none" strike="noStrike" cap="none" normalizeH="0" baseline="0" dirty="0">
+                <a:ln>
+                  <a:noFill/>
+                </a:ln>
+                <a:solidFill>
+                  <a:srgbClr val="008080"/>
+                </a:solidFill>
+                <a:effectLst/>
+                <a:highlight>
+                  <a:srgbClr val="C0C0C0"/>
+                </a:highlight>
+                <a:latin typeface="Courier New" panose="02070309020205020404" pitchFamily="49" charset="0"/>
+                <a:cs typeface="Courier New" panose="02070309020205020404" pitchFamily="49" charset="0"/>
+              </a:rPr>
+              <a:t>PLACES</a:t>
+            </a:r>
+            <a:r>
+              <a:rPr kumimoji="0" lang="en-IL" altLang="en-IL" sz="900" b="1" i="0" u="none" strike="noStrike" cap="none" normalizeH="0" baseline="0" dirty="0">
+                <a:ln>
+                  <a:noFill/>
+                </a:ln>
+                <a:solidFill>
+                  <a:srgbClr val="008080"/>
+                </a:solidFill>
+                <a:effectLst/>
+                <a:latin typeface="Courier New" panose="02070309020205020404" pitchFamily="49" charset="0"/>
+                <a:cs typeface="Courier New" panose="02070309020205020404" pitchFamily="49" charset="0"/>
+              </a:rPr>
+              <a:t>&gt;&lt;D&gt;</a:t>
+            </a:r>
+            <a:r>
+              <a:rPr kumimoji="0" lang="en-IL" altLang="en-IL" sz="900" b="1" i="0" u="none" strike="noStrike" cap="none" normalizeH="0" baseline="0" dirty="0" err="1">
+                <a:ln>
+                  <a:noFill/>
+                </a:ln>
+                <a:solidFill>
+                  <a:srgbClr val="008080"/>
+                </a:solidFill>
+                <a:effectLst/>
+                <a:latin typeface="Courier New" panose="02070309020205020404" pitchFamily="49" charset="0"/>
+                <a:cs typeface="Courier New" panose="02070309020205020404" pitchFamily="49" charset="0"/>
+              </a:rPr>
+              <a:t>usa</a:t>
+            </a:r>
+            <a:r>
+              <a:rPr kumimoji="0" lang="en-IL" altLang="en-IL" sz="900" b="1" i="0" u="none" strike="noStrike" cap="none" normalizeH="0" baseline="0" dirty="0">
+                <a:ln>
+                  <a:noFill/>
+                </a:ln>
+                <a:solidFill>
+                  <a:srgbClr val="008080"/>
+                </a:solidFill>
+                <a:effectLst/>
+                <a:latin typeface="Courier New" panose="02070309020205020404" pitchFamily="49" charset="0"/>
+                <a:cs typeface="Courier New" panose="02070309020205020404" pitchFamily="49" charset="0"/>
+              </a:rPr>
+              <a:t>&lt;/D&gt;&lt;D&gt;</a:t>
+            </a:r>
+            <a:r>
+              <a:rPr kumimoji="0" lang="en-IL" altLang="en-IL" sz="900" b="1" i="0" u="none" strike="noStrike" cap="none" normalizeH="0" baseline="0" dirty="0" err="1">
+                <a:ln>
+                  <a:noFill/>
+                </a:ln>
+                <a:solidFill>
+                  <a:srgbClr val="008080"/>
+                </a:solidFill>
+                <a:effectLst/>
+                <a:latin typeface="Courier New" panose="02070309020205020404" pitchFamily="49" charset="0"/>
+                <a:cs typeface="Courier New" panose="02070309020205020404" pitchFamily="49" charset="0"/>
+              </a:rPr>
+              <a:t>ussr</a:t>
+            </a:r>
+            <a:r>
+              <a:rPr kumimoji="0" lang="en-IL" altLang="en-IL" sz="900" b="1" i="0" u="none" strike="noStrike" cap="none" normalizeH="0" baseline="0" dirty="0">
+                <a:ln>
+                  <a:noFill/>
+                </a:ln>
+                <a:solidFill>
+                  <a:srgbClr val="008080"/>
+                </a:solidFill>
+                <a:effectLst/>
+                <a:latin typeface="Courier New" panose="02070309020205020404" pitchFamily="49" charset="0"/>
+                <a:cs typeface="Courier New" panose="02070309020205020404" pitchFamily="49" charset="0"/>
+              </a:rPr>
+              <a:t>&lt;/D&gt;&lt;/PLACES&gt;</a:t>
+            </a:r>
+            <a:br>
+              <a:rPr kumimoji="0" lang="en-IL" altLang="en-IL" sz="900" b="1" i="0" u="none" strike="noStrike" cap="none" normalizeH="0" baseline="0" dirty="0">
+                <a:ln>
+                  <a:noFill/>
+                </a:ln>
+                <a:solidFill>
+                  <a:srgbClr val="008080"/>
+                </a:solidFill>
+                <a:effectLst/>
+                <a:latin typeface="Courier New" panose="02070309020205020404" pitchFamily="49" charset="0"/>
+                <a:cs typeface="Courier New" panose="02070309020205020404" pitchFamily="49" charset="0"/>
+              </a:rPr>
+            </a:br>
+            <a:r>
+              <a:rPr kumimoji="0" lang="en-IL" altLang="en-IL" sz="900" b="1" i="0" u="none" strike="noStrike" cap="none" normalizeH="0" baseline="0" dirty="0">
+                <a:ln>
+                  <a:noFill/>
+                </a:ln>
+                <a:solidFill>
+                  <a:srgbClr val="008080"/>
+                </a:solidFill>
+                <a:effectLst/>
+                <a:latin typeface="Courier New" panose="02070309020205020404" pitchFamily="49" charset="0"/>
+                <a:cs typeface="Courier New" panose="02070309020205020404" pitchFamily="49" charset="0"/>
+              </a:rPr>
+              <a:t>&lt;</a:t>
+            </a:r>
+            <a:r>
+              <a:rPr kumimoji="0" lang="en-IL" altLang="en-IL" sz="900" b="1" i="0" u="none" strike="noStrike" cap="none" normalizeH="0" baseline="0" dirty="0">
+                <a:ln>
+                  <a:noFill/>
+                </a:ln>
+                <a:solidFill>
+                  <a:srgbClr val="008080"/>
+                </a:solidFill>
+                <a:effectLst/>
+                <a:highlight>
+                  <a:srgbClr val="C0C0C0"/>
+                </a:highlight>
+                <a:latin typeface="Courier New" panose="02070309020205020404" pitchFamily="49" charset="0"/>
+                <a:cs typeface="Courier New" panose="02070309020205020404" pitchFamily="49" charset="0"/>
+              </a:rPr>
+              <a:t>PEOPLE</a:t>
+            </a:r>
+            <a:r>
+              <a:rPr kumimoji="0" lang="en-IL" altLang="en-IL" sz="900" b="1" i="0" u="none" strike="noStrike" cap="none" normalizeH="0" baseline="0" dirty="0">
+                <a:ln>
+                  <a:noFill/>
+                </a:ln>
+                <a:solidFill>
+                  <a:srgbClr val="008080"/>
+                </a:solidFill>
+                <a:effectLst/>
+                <a:latin typeface="Courier New" panose="02070309020205020404" pitchFamily="49" charset="0"/>
+                <a:cs typeface="Courier New" panose="02070309020205020404" pitchFamily="49" charset="0"/>
+              </a:rPr>
+              <a:t>&gt;&lt;/PEOPLE&gt;</a:t>
+            </a:r>
+            <a:br>
+              <a:rPr kumimoji="0" lang="en-IL" altLang="en-IL" sz="900" b="1" i="0" u="none" strike="noStrike" cap="none" normalizeH="0" baseline="0" dirty="0">
+                <a:ln>
+                  <a:noFill/>
+                </a:ln>
+                <a:solidFill>
+                  <a:srgbClr val="008080"/>
+                </a:solidFill>
+                <a:effectLst/>
+                <a:latin typeface="Courier New" panose="02070309020205020404" pitchFamily="49" charset="0"/>
+                <a:cs typeface="Courier New" panose="02070309020205020404" pitchFamily="49" charset="0"/>
+              </a:rPr>
+            </a:br>
+            <a:r>
+              <a:rPr kumimoji="0" lang="en-IL" altLang="en-IL" sz="900" b="1" i="0" u="none" strike="noStrike" cap="none" normalizeH="0" baseline="0" dirty="0">
+                <a:ln>
+                  <a:noFill/>
+                </a:ln>
+                <a:solidFill>
+                  <a:srgbClr val="008080"/>
+                </a:solidFill>
+                <a:effectLst/>
+                <a:latin typeface="Courier New" panose="02070309020205020404" pitchFamily="49" charset="0"/>
+                <a:cs typeface="Courier New" panose="02070309020205020404" pitchFamily="49" charset="0"/>
+              </a:rPr>
+              <a:t>&lt;</a:t>
+            </a:r>
+            <a:r>
+              <a:rPr kumimoji="0" lang="en-IL" altLang="en-IL" sz="900" b="1" i="0" u="none" strike="noStrike" cap="none" normalizeH="0" baseline="0" dirty="0">
+                <a:ln>
+                  <a:noFill/>
+                </a:ln>
+                <a:solidFill>
+                  <a:srgbClr val="008080"/>
+                </a:solidFill>
+                <a:effectLst/>
+                <a:highlight>
+                  <a:srgbClr val="C0C0C0"/>
+                </a:highlight>
+                <a:latin typeface="Courier New" panose="02070309020205020404" pitchFamily="49" charset="0"/>
+                <a:cs typeface="Courier New" panose="02070309020205020404" pitchFamily="49" charset="0"/>
+              </a:rPr>
+              <a:t>ORGS</a:t>
+            </a:r>
+            <a:r>
+              <a:rPr kumimoji="0" lang="en-IL" altLang="en-IL" sz="900" b="1" i="0" u="none" strike="noStrike" cap="none" normalizeH="0" baseline="0" dirty="0">
+                <a:ln>
+                  <a:noFill/>
+                </a:ln>
+                <a:solidFill>
+                  <a:srgbClr val="008080"/>
+                </a:solidFill>
+                <a:effectLst/>
+                <a:latin typeface="Courier New" panose="02070309020205020404" pitchFamily="49" charset="0"/>
+                <a:cs typeface="Courier New" panose="02070309020205020404" pitchFamily="49" charset="0"/>
+              </a:rPr>
+              <a:t>&gt;&lt;/ORGS&gt;</a:t>
+            </a:r>
+            <a:br>
+              <a:rPr kumimoji="0" lang="en-IL" altLang="en-IL" sz="900" b="1" i="0" u="none" strike="noStrike" cap="none" normalizeH="0" baseline="0" dirty="0">
+                <a:ln>
+                  <a:noFill/>
+                </a:ln>
+                <a:solidFill>
+                  <a:srgbClr val="008080"/>
+                </a:solidFill>
+                <a:effectLst/>
+                <a:latin typeface="Courier New" panose="02070309020205020404" pitchFamily="49" charset="0"/>
+                <a:cs typeface="Courier New" panose="02070309020205020404" pitchFamily="49" charset="0"/>
+              </a:rPr>
+            </a:br>
+            <a:r>
+              <a:rPr kumimoji="0" lang="en-IL" altLang="en-IL" sz="900" b="1" i="0" u="none" strike="noStrike" cap="none" normalizeH="0" baseline="0" dirty="0">
+                <a:ln>
+                  <a:noFill/>
+                </a:ln>
+                <a:solidFill>
+                  <a:srgbClr val="008080"/>
+                </a:solidFill>
+                <a:effectLst/>
+                <a:latin typeface="Courier New" panose="02070309020205020404" pitchFamily="49" charset="0"/>
+                <a:cs typeface="Courier New" panose="02070309020205020404" pitchFamily="49" charset="0"/>
+              </a:rPr>
+              <a:t>&lt;</a:t>
+            </a:r>
+            <a:r>
+              <a:rPr kumimoji="0" lang="en-IL" altLang="en-IL" sz="900" b="1" i="0" u="none" strike="noStrike" cap="none" normalizeH="0" baseline="0" dirty="0">
+                <a:ln>
+                  <a:noFill/>
+                </a:ln>
+                <a:solidFill>
+                  <a:srgbClr val="008080"/>
+                </a:solidFill>
+                <a:effectLst/>
+                <a:highlight>
+                  <a:srgbClr val="C0C0C0"/>
+                </a:highlight>
+                <a:latin typeface="Courier New" panose="02070309020205020404" pitchFamily="49" charset="0"/>
+                <a:cs typeface="Courier New" panose="02070309020205020404" pitchFamily="49" charset="0"/>
+              </a:rPr>
+              <a:t>EXCHANGES</a:t>
+            </a:r>
+            <a:r>
+              <a:rPr kumimoji="0" lang="en-IL" altLang="en-IL" sz="900" b="1" i="0" u="none" strike="noStrike" cap="none" normalizeH="0" baseline="0" dirty="0">
+                <a:ln>
+                  <a:noFill/>
+                </a:ln>
+                <a:solidFill>
+                  <a:srgbClr val="008080"/>
+                </a:solidFill>
+                <a:effectLst/>
+                <a:latin typeface="Courier New" panose="02070309020205020404" pitchFamily="49" charset="0"/>
+                <a:cs typeface="Courier New" panose="02070309020205020404" pitchFamily="49" charset="0"/>
+              </a:rPr>
+              <a:t>&gt;&lt;/EXCHANGES&gt;</a:t>
+            </a:r>
+            <a:br>
+              <a:rPr kumimoji="0" lang="en-IL" altLang="en-IL" sz="900" b="1" i="0" u="none" strike="noStrike" cap="none" normalizeH="0" baseline="0" dirty="0">
+                <a:ln>
+                  <a:noFill/>
+                </a:ln>
+                <a:solidFill>
+                  <a:srgbClr val="008080"/>
+                </a:solidFill>
+                <a:effectLst/>
+                <a:latin typeface="Courier New" panose="02070309020205020404" pitchFamily="49" charset="0"/>
+                <a:cs typeface="Courier New" panose="02070309020205020404" pitchFamily="49" charset="0"/>
+              </a:rPr>
+            </a:br>
+            <a:r>
+              <a:rPr kumimoji="0" lang="en-IL" altLang="en-IL" sz="900" b="1" i="0" u="none" strike="noStrike" cap="none" normalizeH="0" baseline="0" dirty="0">
+                <a:ln>
+                  <a:noFill/>
+                </a:ln>
+                <a:solidFill>
+                  <a:srgbClr val="008080"/>
+                </a:solidFill>
+                <a:effectLst/>
+                <a:latin typeface="Courier New" panose="02070309020205020404" pitchFamily="49" charset="0"/>
+                <a:cs typeface="Courier New" panose="02070309020205020404" pitchFamily="49" charset="0"/>
+              </a:rPr>
+              <a:t>&lt;</a:t>
+            </a:r>
+            <a:r>
+              <a:rPr kumimoji="0" lang="en-IL" altLang="en-IL" sz="900" b="1" i="0" u="none" strike="noStrike" cap="none" normalizeH="0" baseline="0" dirty="0">
+                <a:ln>
+                  <a:noFill/>
+                </a:ln>
+                <a:solidFill>
+                  <a:srgbClr val="008080"/>
+                </a:solidFill>
+                <a:effectLst/>
+                <a:highlight>
+                  <a:srgbClr val="C0C0C0"/>
+                </a:highlight>
+                <a:latin typeface="Courier New" panose="02070309020205020404" pitchFamily="49" charset="0"/>
+                <a:cs typeface="Courier New" panose="02070309020205020404" pitchFamily="49" charset="0"/>
+              </a:rPr>
+              <a:t>COMPANIES</a:t>
+            </a:r>
+            <a:r>
+              <a:rPr kumimoji="0" lang="en-IL" altLang="en-IL" sz="900" b="1" i="0" u="none" strike="noStrike" cap="none" normalizeH="0" baseline="0" dirty="0">
+                <a:ln>
+                  <a:noFill/>
+                </a:ln>
+                <a:solidFill>
+                  <a:srgbClr val="008080"/>
+                </a:solidFill>
+                <a:effectLst/>
+                <a:latin typeface="Courier New" panose="02070309020205020404" pitchFamily="49" charset="0"/>
+                <a:cs typeface="Courier New" panose="02070309020205020404" pitchFamily="49" charset="0"/>
+              </a:rPr>
+              <a:t>&gt;&lt;/COMPANIES&gt;</a:t>
+            </a:r>
+            <a:br>
+              <a:rPr kumimoji="0" lang="en-IL" altLang="en-IL" sz="900" b="1" i="0" u="none" strike="noStrike" cap="none" normalizeH="0" baseline="0" dirty="0">
+                <a:ln>
+                  <a:noFill/>
+                </a:ln>
+                <a:solidFill>
+                  <a:srgbClr val="008080"/>
+                </a:solidFill>
+                <a:effectLst/>
+                <a:latin typeface="Courier New" panose="02070309020205020404" pitchFamily="49" charset="0"/>
+                <a:cs typeface="Courier New" panose="02070309020205020404" pitchFamily="49" charset="0"/>
+              </a:rPr>
+            </a:br>
+            <a:r>
+              <a:rPr kumimoji="0" lang="en-IL" altLang="en-IL" sz="900" b="1" i="0" u="none" strike="noStrike" cap="none" normalizeH="0" baseline="0" dirty="0">
+                <a:ln>
+                  <a:noFill/>
+                </a:ln>
+                <a:solidFill>
+                  <a:srgbClr val="008080"/>
+                </a:solidFill>
+                <a:effectLst/>
+                <a:latin typeface="Courier New" panose="02070309020205020404" pitchFamily="49" charset="0"/>
+                <a:cs typeface="Courier New" panose="02070309020205020404" pitchFamily="49" charset="0"/>
+              </a:rPr>
+              <a:t>&lt;UNKNOWN&gt; </a:t>
+            </a:r>
+            <a:br>
+              <a:rPr kumimoji="0" lang="en-IL" altLang="en-IL" sz="900" b="1" i="0" u="none" strike="noStrike" cap="none" normalizeH="0" baseline="0" dirty="0">
+                <a:ln>
+                  <a:noFill/>
+                </a:ln>
+                <a:solidFill>
+                  <a:srgbClr val="008080"/>
+                </a:solidFill>
+                <a:effectLst/>
+                <a:latin typeface="Courier New" panose="02070309020205020404" pitchFamily="49" charset="0"/>
+                <a:cs typeface="Courier New" panose="02070309020205020404" pitchFamily="49" charset="0"/>
+              </a:rPr>
+            </a:br>
+            <a:r>
+              <a:rPr kumimoji="0" lang="en-IL" altLang="en-IL" sz="900" b="1" i="0" u="none" strike="noStrike" cap="none" normalizeH="0" baseline="0" dirty="0">
+                <a:ln>
+                  <a:noFill/>
+                </a:ln>
+                <a:solidFill>
+                  <a:srgbClr val="008080"/>
+                </a:solidFill>
+                <a:effectLst/>
+                <a:latin typeface="Courier New" panose="02070309020205020404" pitchFamily="49" charset="0"/>
+                <a:cs typeface="Courier New" panose="02070309020205020404" pitchFamily="49" charset="0"/>
+              </a:rPr>
+              <a:t>&amp;#5;&amp;#5;&amp;#5;G T</a:t>
+            </a:r>
+            <a:br>
+              <a:rPr kumimoji="0" lang="en-IL" altLang="en-IL" sz="900" b="1" i="0" u="none" strike="noStrike" cap="none" normalizeH="0" baseline="0" dirty="0">
+                <a:ln>
+                  <a:noFill/>
+                </a:ln>
+                <a:solidFill>
+                  <a:srgbClr val="008080"/>
+                </a:solidFill>
+                <a:effectLst/>
+                <a:latin typeface="Courier New" panose="02070309020205020404" pitchFamily="49" charset="0"/>
+                <a:cs typeface="Courier New" panose="02070309020205020404" pitchFamily="49" charset="0"/>
+              </a:rPr>
+            </a:br>
+            <a:r>
+              <a:rPr kumimoji="0" lang="en-IL" altLang="en-IL" sz="900" b="1" i="0" u="none" strike="noStrike" cap="none" normalizeH="0" baseline="0" dirty="0">
+                <a:ln>
+                  <a:noFill/>
+                </a:ln>
+                <a:solidFill>
+                  <a:srgbClr val="008080"/>
+                </a:solidFill>
+                <a:effectLst/>
+                <a:latin typeface="Courier New" panose="02070309020205020404" pitchFamily="49" charset="0"/>
+                <a:cs typeface="Courier New" panose="02070309020205020404" pitchFamily="49" charset="0"/>
+              </a:rPr>
+              <a:t>&amp;#22;&amp;#22;&amp;#1;f0288&amp;#31;reute</a:t>
+            </a:r>
+            <a:br>
+              <a:rPr kumimoji="0" lang="en-IL" altLang="en-IL" sz="900" b="1" i="0" u="none" strike="noStrike" cap="none" normalizeH="0" baseline="0" dirty="0">
+                <a:ln>
+                  <a:noFill/>
+                </a:ln>
+                <a:solidFill>
+                  <a:srgbClr val="008080"/>
+                </a:solidFill>
+                <a:effectLst/>
+                <a:latin typeface="Courier New" panose="02070309020205020404" pitchFamily="49" charset="0"/>
+                <a:cs typeface="Courier New" panose="02070309020205020404" pitchFamily="49" charset="0"/>
+              </a:rPr>
+            </a:br>
+            <a:r>
+              <a:rPr kumimoji="0" lang="en-IL" altLang="en-IL" sz="900" b="1" i="0" u="none" strike="noStrike" cap="none" normalizeH="0" baseline="0" dirty="0">
+                <a:ln>
+                  <a:noFill/>
+                </a:ln>
+                <a:solidFill>
+                  <a:srgbClr val="008080"/>
+                </a:solidFill>
+                <a:effectLst/>
+                <a:latin typeface="Courier New" panose="02070309020205020404" pitchFamily="49" charset="0"/>
+                <a:cs typeface="Courier New" panose="02070309020205020404" pitchFamily="49" charset="0"/>
+              </a:rPr>
+              <a:t>d f BC-SANDOZ-PLANS-WEEDKILL   03-03 0095&lt;/UNKNOWN&gt;</a:t>
+            </a:r>
+            <a:br>
+              <a:rPr kumimoji="0" lang="en-IL" altLang="en-IL" sz="900" b="1" i="0" u="none" strike="noStrike" cap="none" normalizeH="0" baseline="0" dirty="0">
+                <a:ln>
+                  <a:noFill/>
+                </a:ln>
+                <a:solidFill>
+                  <a:srgbClr val="008080"/>
+                </a:solidFill>
+                <a:effectLst/>
+                <a:latin typeface="Courier New" panose="02070309020205020404" pitchFamily="49" charset="0"/>
+                <a:cs typeface="Courier New" panose="02070309020205020404" pitchFamily="49" charset="0"/>
+              </a:rPr>
+            </a:br>
+            <a:r>
+              <a:rPr kumimoji="0" lang="en-IL" altLang="en-IL" sz="900" b="1" i="0" u="none" strike="noStrike" cap="none" normalizeH="0" baseline="0" dirty="0">
+                <a:ln>
+                  <a:noFill/>
+                </a:ln>
+                <a:solidFill>
+                  <a:srgbClr val="008080"/>
+                </a:solidFill>
+                <a:effectLst/>
+                <a:latin typeface="Courier New" panose="02070309020205020404" pitchFamily="49" charset="0"/>
+                <a:cs typeface="Courier New" panose="02070309020205020404" pitchFamily="49" charset="0"/>
+              </a:rPr>
+              <a:t>&lt;TEXT&gt;&amp;#2;</a:t>
+            </a:r>
+            <a:br>
+              <a:rPr kumimoji="0" lang="en-IL" altLang="en-IL" sz="900" b="1" i="0" u="none" strike="noStrike" cap="none" normalizeH="0" baseline="0" dirty="0">
+                <a:ln>
+                  <a:noFill/>
+                </a:ln>
+                <a:solidFill>
+                  <a:srgbClr val="008080"/>
+                </a:solidFill>
+                <a:effectLst/>
+                <a:latin typeface="Courier New" panose="02070309020205020404" pitchFamily="49" charset="0"/>
+                <a:cs typeface="Courier New" panose="02070309020205020404" pitchFamily="49" charset="0"/>
+              </a:rPr>
+            </a:br>
+            <a:r>
+              <a:rPr kumimoji="0" lang="en-IL" altLang="en-IL" sz="900" b="1" i="0" u="none" strike="noStrike" cap="none" normalizeH="0" baseline="0" dirty="0">
+                <a:ln>
+                  <a:noFill/>
+                </a:ln>
+                <a:solidFill>
+                  <a:srgbClr val="008080"/>
+                </a:solidFill>
+                <a:effectLst/>
+                <a:latin typeface="Courier New" panose="02070309020205020404" pitchFamily="49" charset="0"/>
+                <a:cs typeface="Courier New" panose="02070309020205020404" pitchFamily="49" charset="0"/>
+              </a:rPr>
+              <a:t>&lt;TITLE&gt;SANDOZ PLANS WEEDKILLER JOINT VENTURE IN USSR&lt;/TITLE&gt;</a:t>
+            </a:r>
+            <a:br>
+              <a:rPr kumimoji="0" lang="en-IL" altLang="en-IL" sz="900" b="1" i="0" u="none" strike="noStrike" cap="none" normalizeH="0" baseline="0" dirty="0">
+                <a:ln>
+                  <a:noFill/>
+                </a:ln>
+                <a:solidFill>
+                  <a:srgbClr val="008080"/>
+                </a:solidFill>
+                <a:effectLst/>
+                <a:latin typeface="Courier New" panose="02070309020205020404" pitchFamily="49" charset="0"/>
+                <a:cs typeface="Courier New" panose="02070309020205020404" pitchFamily="49" charset="0"/>
+              </a:rPr>
+            </a:br>
+            <a:r>
+              <a:rPr kumimoji="0" lang="en-IL" altLang="en-IL" sz="900" b="1" i="0" u="none" strike="noStrike" cap="none" normalizeH="0" baseline="0" dirty="0">
+                <a:ln>
+                  <a:noFill/>
+                </a:ln>
+                <a:solidFill>
+                  <a:srgbClr val="008080"/>
+                </a:solidFill>
+                <a:effectLst/>
+                <a:latin typeface="Courier New" panose="02070309020205020404" pitchFamily="49" charset="0"/>
+                <a:cs typeface="Courier New" panose="02070309020205020404" pitchFamily="49" charset="0"/>
+              </a:rPr>
+              <a:t>&lt;DATELINE&gt;    BASLE, March 3 - &lt;/DATELINE&gt;&lt;</a:t>
+            </a:r>
+            <a:r>
+              <a:rPr kumimoji="0" lang="en-IL" altLang="en-IL" sz="900" b="1" i="0" u="none" strike="noStrike" cap="none" normalizeH="0" baseline="0" dirty="0">
+                <a:ln>
+                  <a:noFill/>
+                </a:ln>
+                <a:solidFill>
+                  <a:srgbClr val="008080"/>
+                </a:solidFill>
+                <a:effectLst/>
+                <a:highlight>
+                  <a:srgbClr val="00FF00"/>
+                </a:highlight>
+                <a:latin typeface="Courier New" panose="02070309020205020404" pitchFamily="49" charset="0"/>
+                <a:cs typeface="Courier New" panose="02070309020205020404" pitchFamily="49" charset="0"/>
+              </a:rPr>
+              <a:t>BODY</a:t>
+            </a:r>
+            <a:r>
+              <a:rPr kumimoji="0" lang="en-IL" altLang="en-IL" sz="900" b="1" i="0" u="none" strike="noStrike" cap="none" normalizeH="0" baseline="0" dirty="0">
+                <a:ln>
+                  <a:noFill/>
+                </a:ln>
+                <a:solidFill>
+                  <a:srgbClr val="008080"/>
+                </a:solidFill>
+                <a:effectLst/>
+                <a:latin typeface="Courier New" panose="02070309020205020404" pitchFamily="49" charset="0"/>
+                <a:cs typeface="Courier New" panose="02070309020205020404" pitchFamily="49" charset="0"/>
+              </a:rPr>
+              <a:t>&gt;Sandoz AG said it planned a joint venture</a:t>
+            </a:r>
+            <a:br>
+              <a:rPr kumimoji="0" lang="en-IL" altLang="en-IL" sz="900" b="1" i="0" u="none" strike="noStrike" cap="none" normalizeH="0" baseline="0" dirty="0">
+                <a:ln>
+                  <a:noFill/>
+                </a:ln>
+                <a:solidFill>
+                  <a:srgbClr val="008080"/>
+                </a:solidFill>
+                <a:effectLst/>
+                <a:latin typeface="Courier New" panose="02070309020205020404" pitchFamily="49" charset="0"/>
+                <a:cs typeface="Courier New" panose="02070309020205020404" pitchFamily="49" charset="0"/>
+              </a:rPr>
+            </a:br>
+            <a:r>
+              <a:rPr kumimoji="0" lang="en-IL" altLang="en-IL" sz="900" b="1" i="0" u="none" strike="noStrike" cap="none" normalizeH="0" baseline="0" dirty="0">
+                <a:ln>
+                  <a:noFill/>
+                </a:ln>
+                <a:solidFill>
+                  <a:srgbClr val="008080"/>
+                </a:solidFill>
+                <a:effectLst/>
+                <a:latin typeface="Courier New" panose="02070309020205020404" pitchFamily="49" charset="0"/>
+                <a:cs typeface="Courier New" panose="02070309020205020404" pitchFamily="49" charset="0"/>
+              </a:rPr>
+              <a:t>to produce herbicides in the Soviet Union.</a:t>
+            </a:r>
+            <a:br>
+              <a:rPr kumimoji="0" lang="en-IL" altLang="en-IL" sz="900" b="1" i="0" u="none" strike="noStrike" cap="none" normalizeH="0" baseline="0" dirty="0">
+                <a:ln>
+                  <a:noFill/>
+                </a:ln>
+                <a:solidFill>
+                  <a:srgbClr val="008080"/>
+                </a:solidFill>
+                <a:effectLst/>
+                <a:latin typeface="Courier New" panose="02070309020205020404" pitchFamily="49" charset="0"/>
+                <a:cs typeface="Courier New" panose="02070309020205020404" pitchFamily="49" charset="0"/>
+              </a:rPr>
+            </a:br>
+            <a:r>
+              <a:rPr kumimoji="0" lang="en-IL" altLang="en-IL" sz="900" b="1" i="0" u="none" strike="noStrike" cap="none" normalizeH="0" baseline="0" dirty="0">
+                <a:ln>
+                  <a:noFill/>
+                </a:ln>
+                <a:solidFill>
+                  <a:srgbClr val="008080"/>
+                </a:solidFill>
+                <a:effectLst/>
+                <a:latin typeface="Courier New" panose="02070309020205020404" pitchFamily="49" charset="0"/>
+                <a:cs typeface="Courier New" panose="02070309020205020404" pitchFamily="49" charset="0"/>
+              </a:rPr>
+              <a:t>    The company said it had signed a letter of intent with the</a:t>
+            </a:r>
+            <a:br>
+              <a:rPr kumimoji="0" lang="en-IL" altLang="en-IL" sz="900" b="1" i="0" u="none" strike="noStrike" cap="none" normalizeH="0" baseline="0" dirty="0">
+                <a:ln>
+                  <a:noFill/>
+                </a:ln>
+                <a:solidFill>
+                  <a:srgbClr val="008080"/>
+                </a:solidFill>
+                <a:effectLst/>
+                <a:latin typeface="Courier New" panose="02070309020205020404" pitchFamily="49" charset="0"/>
+                <a:cs typeface="Courier New" panose="02070309020205020404" pitchFamily="49" charset="0"/>
+              </a:rPr>
+            </a:br>
+            <a:r>
+              <a:rPr kumimoji="0" lang="en-IL" altLang="en-IL" sz="900" b="1" i="0" u="none" strike="noStrike" cap="none" normalizeH="0" baseline="0" dirty="0">
+                <a:ln>
+                  <a:noFill/>
+                </a:ln>
+                <a:solidFill>
+                  <a:srgbClr val="008080"/>
+                </a:solidFill>
+                <a:effectLst/>
+                <a:latin typeface="Courier New" panose="02070309020205020404" pitchFamily="49" charset="0"/>
+                <a:cs typeface="Courier New" panose="02070309020205020404" pitchFamily="49" charset="0"/>
+              </a:rPr>
+              <a:t>Soviet Ministry of Fertiliser Production to form the first</a:t>
+            </a:r>
+            <a:br>
+              <a:rPr kumimoji="0" lang="en-IL" altLang="en-IL" sz="900" b="1" i="0" u="none" strike="noStrike" cap="none" normalizeH="0" baseline="0" dirty="0">
+                <a:ln>
+                  <a:noFill/>
+                </a:ln>
+                <a:solidFill>
+                  <a:srgbClr val="008080"/>
+                </a:solidFill>
+                <a:effectLst/>
+                <a:latin typeface="Courier New" panose="02070309020205020404" pitchFamily="49" charset="0"/>
+                <a:cs typeface="Courier New" panose="02070309020205020404" pitchFamily="49" charset="0"/>
+              </a:rPr>
+            </a:br>
+            <a:r>
+              <a:rPr kumimoji="0" lang="en-IL" altLang="en-IL" sz="900" b="1" i="0" u="none" strike="noStrike" cap="none" normalizeH="0" baseline="0" dirty="0">
+                <a:ln>
+                  <a:noFill/>
+                </a:ln>
+                <a:solidFill>
+                  <a:srgbClr val="008080"/>
+                </a:solidFill>
+                <a:effectLst/>
+                <a:latin typeface="Courier New" panose="02070309020205020404" pitchFamily="49" charset="0"/>
+                <a:cs typeface="Courier New" panose="02070309020205020404" pitchFamily="49" charset="0"/>
+              </a:rPr>
+              <a:t>foreign joint venture the ministry had undertaken since the</a:t>
+            </a:r>
+            <a:br>
+              <a:rPr kumimoji="0" lang="en-IL" altLang="en-IL" sz="900" b="1" i="0" u="none" strike="noStrike" cap="none" normalizeH="0" baseline="0" dirty="0">
+                <a:ln>
+                  <a:noFill/>
+                </a:ln>
+                <a:solidFill>
+                  <a:srgbClr val="008080"/>
+                </a:solidFill>
+                <a:effectLst/>
+                <a:latin typeface="Courier New" panose="02070309020205020404" pitchFamily="49" charset="0"/>
+                <a:cs typeface="Courier New" panose="02070309020205020404" pitchFamily="49" charset="0"/>
+              </a:rPr>
+            </a:br>
+            <a:r>
+              <a:rPr kumimoji="0" lang="en-IL" altLang="en-IL" sz="900" b="1" i="0" u="none" strike="noStrike" cap="none" normalizeH="0" baseline="0" dirty="0">
+                <a:ln>
+                  <a:noFill/>
+                </a:ln>
+                <a:solidFill>
+                  <a:srgbClr val="008080"/>
+                </a:solidFill>
+                <a:effectLst/>
+                <a:latin typeface="Courier New" panose="02070309020205020404" pitchFamily="49" charset="0"/>
+                <a:cs typeface="Courier New" panose="02070309020205020404" pitchFamily="49" charset="0"/>
+              </a:rPr>
+              <a:t>Soviet Union allowed Western firms to enter into joint ventures</a:t>
+            </a:r>
+            <a:br>
+              <a:rPr kumimoji="0" lang="en-IL" altLang="en-IL" sz="900" b="1" i="0" u="none" strike="noStrike" cap="none" normalizeH="0" baseline="0" dirty="0">
+                <a:ln>
+                  <a:noFill/>
+                </a:ln>
+                <a:solidFill>
+                  <a:srgbClr val="008080"/>
+                </a:solidFill>
+                <a:effectLst/>
+                <a:latin typeface="Courier New" panose="02070309020205020404" pitchFamily="49" charset="0"/>
+                <a:cs typeface="Courier New" panose="02070309020205020404" pitchFamily="49" charset="0"/>
+              </a:rPr>
+            </a:br>
+            <a:r>
+              <a:rPr kumimoji="0" lang="en-IL" altLang="en-IL" sz="900" b="1" i="0" u="none" strike="noStrike" cap="none" normalizeH="0" baseline="0" dirty="0">
+                <a:ln>
+                  <a:noFill/>
+                </a:ln>
+                <a:solidFill>
+                  <a:srgbClr val="008080"/>
+                </a:solidFill>
+                <a:effectLst/>
+                <a:latin typeface="Courier New" panose="02070309020205020404" pitchFamily="49" charset="0"/>
+                <a:cs typeface="Courier New" panose="02070309020205020404" pitchFamily="49" charset="0"/>
+              </a:rPr>
+              <a:t>two months ago.</a:t>
+            </a:r>
+            <a:br>
+              <a:rPr kumimoji="0" lang="en-IL" altLang="en-IL" sz="900" b="1" i="0" u="none" strike="noStrike" cap="none" normalizeH="0" baseline="0" dirty="0">
+                <a:ln>
+                  <a:noFill/>
+                </a:ln>
+                <a:solidFill>
+                  <a:srgbClr val="008080"/>
+                </a:solidFill>
+                <a:effectLst/>
+                <a:latin typeface="Courier New" panose="02070309020205020404" pitchFamily="49" charset="0"/>
+                <a:cs typeface="Courier New" panose="02070309020205020404" pitchFamily="49" charset="0"/>
+              </a:rPr>
+            </a:br>
+            <a:r>
+              <a:rPr kumimoji="0" lang="en-IL" altLang="en-IL" sz="900" b="1" i="0" u="none" strike="noStrike" cap="none" normalizeH="0" baseline="0" dirty="0">
+                <a:ln>
+                  <a:noFill/>
+                </a:ln>
+                <a:solidFill>
+                  <a:srgbClr val="008080"/>
+                </a:solidFill>
+                <a:effectLst/>
+                <a:latin typeface="Courier New" panose="02070309020205020404" pitchFamily="49" charset="0"/>
+                <a:cs typeface="Courier New" panose="02070309020205020404" pitchFamily="49" charset="0"/>
+              </a:rPr>
+              <a:t>    The ministry and Sandoz will each have a 50 </a:t>
+            </a:r>
+            <a:r>
+              <a:rPr kumimoji="0" lang="en-IL" altLang="en-IL" sz="900" b="1" i="0" u="none" strike="noStrike" cap="none" normalizeH="0" baseline="0" dirty="0" err="1">
+                <a:ln>
+                  <a:noFill/>
+                </a:ln>
+                <a:solidFill>
+                  <a:srgbClr val="008080"/>
+                </a:solidFill>
+                <a:effectLst/>
+                <a:latin typeface="Courier New" panose="02070309020205020404" pitchFamily="49" charset="0"/>
+                <a:cs typeface="Courier New" panose="02070309020205020404" pitchFamily="49" charset="0"/>
+              </a:rPr>
+              <a:t>pct</a:t>
+            </a:r>
+            <a:r>
+              <a:rPr kumimoji="0" lang="en-IL" altLang="en-IL" sz="900" b="1" i="0" u="none" strike="noStrike" cap="none" normalizeH="0" baseline="0" dirty="0">
+                <a:ln>
+                  <a:noFill/>
+                </a:ln>
+                <a:solidFill>
+                  <a:srgbClr val="008080"/>
+                </a:solidFill>
+                <a:effectLst/>
+                <a:latin typeface="Courier New" panose="02070309020205020404" pitchFamily="49" charset="0"/>
+                <a:cs typeface="Courier New" panose="02070309020205020404" pitchFamily="49" charset="0"/>
+              </a:rPr>
+              <a:t> stake, but</a:t>
+            </a:r>
+            <a:br>
+              <a:rPr kumimoji="0" lang="en-IL" altLang="en-IL" sz="900" b="1" i="0" u="none" strike="noStrike" cap="none" normalizeH="0" baseline="0" dirty="0">
+                <a:ln>
+                  <a:noFill/>
+                </a:ln>
+                <a:solidFill>
+                  <a:srgbClr val="008080"/>
+                </a:solidFill>
+                <a:effectLst/>
+                <a:latin typeface="Courier New" panose="02070309020205020404" pitchFamily="49" charset="0"/>
+                <a:cs typeface="Courier New" panose="02070309020205020404" pitchFamily="49" charset="0"/>
+              </a:rPr>
+            </a:br>
+            <a:r>
+              <a:rPr kumimoji="0" lang="en-IL" altLang="en-IL" sz="900" b="1" i="0" u="none" strike="noStrike" cap="none" normalizeH="0" baseline="0" dirty="0">
+                <a:ln>
+                  <a:noFill/>
+                </a:ln>
+                <a:solidFill>
+                  <a:srgbClr val="008080"/>
+                </a:solidFill>
+                <a:effectLst/>
+                <a:latin typeface="Courier New" panose="02070309020205020404" pitchFamily="49" charset="0"/>
+                <a:cs typeface="Courier New" panose="02070309020205020404" pitchFamily="49" charset="0"/>
+              </a:rPr>
+              <a:t>a company spokeswoman was unable to give details of the size of</a:t>
+            </a:r>
+            <a:br>
+              <a:rPr kumimoji="0" lang="en-IL" altLang="en-IL" sz="900" b="1" i="0" u="none" strike="noStrike" cap="none" normalizeH="0" baseline="0" dirty="0">
+                <a:ln>
+                  <a:noFill/>
+                </a:ln>
+                <a:solidFill>
+                  <a:srgbClr val="008080"/>
+                </a:solidFill>
+                <a:effectLst/>
+                <a:latin typeface="Courier New" panose="02070309020205020404" pitchFamily="49" charset="0"/>
+                <a:cs typeface="Courier New" panose="02070309020205020404" pitchFamily="49" charset="0"/>
+              </a:rPr>
+            </a:br>
+            <a:r>
+              <a:rPr kumimoji="0" lang="en-IL" altLang="en-IL" sz="900" b="1" i="0" u="none" strike="noStrike" cap="none" normalizeH="0" baseline="0" dirty="0">
+                <a:ln>
+                  <a:noFill/>
+                </a:ln>
+                <a:solidFill>
+                  <a:srgbClr val="008080"/>
+                </a:solidFill>
+                <a:effectLst/>
+                <a:latin typeface="Courier New" panose="02070309020205020404" pitchFamily="49" charset="0"/>
+                <a:cs typeface="Courier New" panose="02070309020205020404" pitchFamily="49" charset="0"/>
+              </a:rPr>
+              <a:t>investment or planned output.</a:t>
+            </a:r>
+            <a:br>
+              <a:rPr kumimoji="0" lang="en-IL" altLang="en-IL" sz="900" b="1" i="0" u="none" strike="noStrike" cap="none" normalizeH="0" baseline="0" dirty="0">
+                <a:ln>
+                  <a:noFill/>
+                </a:ln>
+                <a:solidFill>
+                  <a:srgbClr val="008080"/>
+                </a:solidFill>
+                <a:effectLst/>
+                <a:latin typeface="Courier New" panose="02070309020205020404" pitchFamily="49" charset="0"/>
+                <a:cs typeface="Courier New" panose="02070309020205020404" pitchFamily="49" charset="0"/>
+              </a:rPr>
+            </a:br>
+            <a:r>
+              <a:rPr kumimoji="0" lang="en-IL" altLang="en-IL" sz="900" b="1" i="0" u="none" strike="noStrike" cap="none" normalizeH="0" baseline="0" dirty="0">
+                <a:ln>
+                  <a:noFill/>
+                </a:ln>
+                <a:solidFill>
+                  <a:srgbClr val="008080"/>
+                </a:solidFill>
+                <a:effectLst/>
+                <a:latin typeface="Courier New" panose="02070309020205020404" pitchFamily="49" charset="0"/>
+                <a:cs typeface="Courier New" panose="02070309020205020404" pitchFamily="49" charset="0"/>
+              </a:rPr>
+              <a:t> Reuter</a:t>
+            </a:r>
+            <a:br>
+              <a:rPr kumimoji="0" lang="en-IL" altLang="en-IL" sz="900" b="1" i="0" u="none" strike="noStrike" cap="none" normalizeH="0" baseline="0" dirty="0">
+                <a:ln>
+                  <a:noFill/>
+                </a:ln>
+                <a:solidFill>
+                  <a:srgbClr val="008080"/>
+                </a:solidFill>
+                <a:effectLst/>
+                <a:latin typeface="Courier New" panose="02070309020205020404" pitchFamily="49" charset="0"/>
+                <a:cs typeface="Courier New" panose="02070309020205020404" pitchFamily="49" charset="0"/>
+              </a:rPr>
+            </a:br>
+            <a:r>
+              <a:rPr kumimoji="0" lang="en-IL" altLang="en-IL" sz="900" b="1" i="0" u="none" strike="noStrike" cap="none" normalizeH="0" baseline="0" dirty="0">
+                <a:ln>
+                  <a:noFill/>
+                </a:ln>
+                <a:solidFill>
+                  <a:srgbClr val="008080"/>
+                </a:solidFill>
+                <a:effectLst/>
+                <a:latin typeface="Courier New" panose="02070309020205020404" pitchFamily="49" charset="0"/>
+                <a:cs typeface="Courier New" panose="02070309020205020404" pitchFamily="49" charset="0"/>
+              </a:rPr>
+              <a:t>&amp;#3;&lt;/</a:t>
+            </a:r>
+            <a:r>
+              <a:rPr kumimoji="0" lang="en-IL" altLang="en-IL" sz="900" b="1" i="0" u="none" strike="noStrike" cap="none" normalizeH="0" baseline="0" dirty="0">
+                <a:ln>
+                  <a:noFill/>
+                </a:ln>
+                <a:solidFill>
+                  <a:srgbClr val="008080"/>
+                </a:solidFill>
+                <a:effectLst/>
+                <a:highlight>
+                  <a:srgbClr val="00FF00"/>
+                </a:highlight>
+                <a:latin typeface="Courier New" panose="02070309020205020404" pitchFamily="49" charset="0"/>
+                <a:cs typeface="Courier New" panose="02070309020205020404" pitchFamily="49" charset="0"/>
+              </a:rPr>
+              <a:t>BODY</a:t>
+            </a:r>
+            <a:r>
+              <a:rPr kumimoji="0" lang="en-IL" altLang="en-IL" sz="900" b="1" i="0" u="none" strike="noStrike" cap="none" normalizeH="0" baseline="0" dirty="0">
+                <a:ln>
+                  <a:noFill/>
+                </a:ln>
+                <a:solidFill>
+                  <a:srgbClr val="008080"/>
+                </a:solidFill>
+                <a:effectLst/>
+                <a:latin typeface="Courier New" panose="02070309020205020404" pitchFamily="49" charset="0"/>
+                <a:cs typeface="Courier New" panose="02070309020205020404" pitchFamily="49" charset="0"/>
+              </a:rPr>
+              <a:t>&gt;&lt;/TEXT&gt;</a:t>
+            </a:r>
+            <a:br>
+              <a:rPr kumimoji="0" lang="en-IL" altLang="en-IL" sz="900" b="1" i="0" u="none" strike="noStrike" cap="none" normalizeH="0" baseline="0" dirty="0">
+                <a:ln>
+                  <a:noFill/>
+                </a:ln>
+                <a:solidFill>
+                  <a:srgbClr val="008080"/>
+                </a:solidFill>
+                <a:effectLst/>
+                <a:latin typeface="Courier New" panose="02070309020205020404" pitchFamily="49" charset="0"/>
+                <a:cs typeface="Courier New" panose="02070309020205020404" pitchFamily="49" charset="0"/>
+              </a:rPr>
+            </a:br>
+            <a:r>
+              <a:rPr kumimoji="0" lang="en-IL" altLang="en-IL" sz="900" b="1" i="0" u="none" strike="noStrike" cap="none" normalizeH="0" baseline="0" dirty="0">
+                <a:ln>
+                  <a:noFill/>
+                </a:ln>
+                <a:solidFill>
+                  <a:srgbClr val="008080"/>
+                </a:solidFill>
+                <a:effectLst/>
+                <a:latin typeface="Courier New" panose="02070309020205020404" pitchFamily="49" charset="0"/>
+                <a:cs typeface="Courier New" panose="02070309020205020404" pitchFamily="49" charset="0"/>
+              </a:rPr>
+              <a:t>&lt;/</a:t>
+            </a:r>
+            <a:r>
+              <a:rPr kumimoji="0" lang="en-IL" altLang="en-IL" sz="900" b="1" i="0" u="none" strike="noStrike" cap="none" normalizeH="0" baseline="0" dirty="0">
+                <a:ln>
+                  <a:noFill/>
+                </a:ln>
+                <a:solidFill>
+                  <a:srgbClr val="008080"/>
+                </a:solidFill>
+                <a:effectLst/>
+                <a:highlight>
+                  <a:srgbClr val="FFFF00"/>
+                </a:highlight>
+                <a:latin typeface="Courier New" panose="02070309020205020404" pitchFamily="49" charset="0"/>
+                <a:cs typeface="Courier New" panose="02070309020205020404" pitchFamily="49" charset="0"/>
+              </a:rPr>
+              <a:t>REUTERS</a:t>
+            </a:r>
+            <a:r>
+              <a:rPr kumimoji="0" lang="en-IL" altLang="en-IL" sz="900" b="1" i="0" u="none" strike="noStrike" cap="none" normalizeH="0" baseline="0" dirty="0">
+                <a:ln>
+                  <a:noFill/>
+                </a:ln>
+                <a:solidFill>
+                  <a:srgbClr val="008080"/>
+                </a:solidFill>
+                <a:effectLst/>
+                <a:latin typeface="Courier New" panose="02070309020205020404" pitchFamily="49" charset="0"/>
+                <a:cs typeface="Courier New" panose="02070309020205020404" pitchFamily="49" charset="0"/>
+              </a:rPr>
+              <a:t>&gt;</a:t>
+            </a:r>
+            <a:br>
+              <a:rPr kumimoji="0" lang="en-IL" altLang="en-IL" sz="900" b="1" i="0" u="none" strike="noStrike" cap="none" normalizeH="0" baseline="0" dirty="0">
+                <a:ln>
+                  <a:noFill/>
+                </a:ln>
+                <a:solidFill>
+                  <a:srgbClr val="008080"/>
+                </a:solidFill>
+                <a:effectLst/>
+                <a:latin typeface="Courier New" panose="02070309020205020404" pitchFamily="49" charset="0"/>
+                <a:cs typeface="Courier New" panose="02070309020205020404" pitchFamily="49" charset="0"/>
+              </a:rPr>
+            </a:br>
+            <a:r>
+              <a:rPr kumimoji="0" lang="en-IL" altLang="en-IL" sz="900" b="1" i="0" u="none" strike="noStrike" cap="none" normalizeH="0" baseline="0" dirty="0">
+                <a:ln>
+                  <a:noFill/>
+                </a:ln>
+                <a:solidFill>
+                  <a:srgbClr val="008080"/>
+                </a:solidFill>
+                <a:effectLst/>
+                <a:latin typeface="Courier New" panose="02070309020205020404" pitchFamily="49" charset="0"/>
+                <a:cs typeface="Courier New" panose="02070309020205020404" pitchFamily="49" charset="0"/>
+              </a:rPr>
+              <a:t> &lt;&lt;&lt;&lt;&lt;&lt;&lt;&lt; here follows more &lt;REUTERS&gt; tags</a:t>
+            </a:r>
+            <a:br>
+              <a:rPr kumimoji="0" lang="en-IL" altLang="en-IL" sz="900" b="1" i="0" u="none" strike="noStrike" cap="none" normalizeH="0" baseline="0" dirty="0">
+                <a:ln>
+                  <a:noFill/>
+                </a:ln>
+                <a:solidFill>
+                  <a:srgbClr val="008080"/>
+                </a:solidFill>
+                <a:effectLst/>
+                <a:latin typeface="Courier New" panose="02070309020205020404" pitchFamily="49" charset="0"/>
+                <a:cs typeface="Courier New" panose="02070309020205020404" pitchFamily="49" charset="0"/>
+              </a:rPr>
+            </a:br>
+            <a:endParaRPr kumimoji="0" lang="en-IL" altLang="en-IL" sz="1800" b="0" i="0" u="none" strike="noStrike" cap="none" normalizeH="0" baseline="0" dirty="0">
+              <a:ln>
+                <a:noFill/>
+              </a:ln>
+              <a:solidFill>
+                <a:schemeClr val="tx1"/>
+              </a:solidFill>
+              <a:effectLst/>
+              <a:latin typeface="Arial" panose="020B0604020202020204" pitchFamily="34" charset="0"/>
+            </a:endParaRPr>
+          </a:p>
+        </p:txBody>
+      </p:sp>
+    </p:spTree>
+    <p:extLst>
+      <p:ext uri="{BB962C8B-B14F-4D97-AF65-F5344CB8AC3E}">
+        <p14:creationId xmlns:p14="http://schemas.microsoft.com/office/powerpoint/2010/main" val="3990069984"/>
+      </p:ext>
+    </p:extLst>
+  </p:cSld>
+  <p:clrMapOvr>
+    <a:masterClrMapping/>
+  </p:clrMapOvr>
+</p:sld>
+</file>
+
+<file path=ppt/slides/slide12.xml><?xml version="1.0" encoding="utf-8"?>
+<p:sld xmlns:a="http://schemas.openxmlformats.org/drawingml/2006/main" xmlns:r="http://schemas.openxmlformats.org/officeDocument/2006/relationships" xmlns:p="http://schemas.openxmlformats.org/presentationml/2006/main">
+  <p:cSld>
+    <p:spTree>
+      <p:nvGrpSpPr>
+        <p:cNvPr id="1" name=""/>
+        <p:cNvGrpSpPr/>
+        <p:nvPr/>
+      </p:nvGrpSpPr>
+      <p:grpSpPr>
+        <a:xfrm>
+          <a:off x="0" y="0"/>
+          <a:ext cx="0" cy="0"/>
+          <a:chOff x="0" y="0"/>
+          <a:chExt cx="0" cy="0"/>
+        </a:xfrm>
+      </p:grpSpPr>
+      <p:sp>
+        <p:nvSpPr>
+          <p:cNvPr id="2" name="Title 1">
+            <a:extLst>
+              <a:ext uri="{FF2B5EF4-FFF2-40B4-BE49-F238E27FC236}">
+                <a16:creationId xmlns:a16="http://schemas.microsoft.com/office/drawing/2014/main" id="{A49C9216-6976-4C6E-97B3-63C996B9F3E4}"/>
+              </a:ext>
+            </a:extLst>
+          </p:cNvPr>
+          <p:cNvSpPr>
+            <a:spLocks noGrp="1"/>
+          </p:cNvSpPr>
+          <p:nvPr>
+            <p:ph type="title"/>
+          </p:nvPr>
+        </p:nvSpPr>
+        <p:spPr/>
+        <p:txBody>
+          <a:bodyPr/>
+          <a:lstStyle/>
+          <a:p>
+            <a:r>
+              <a:rPr lang="en-US" dirty="0"/>
+              <a:t>Converted data (per my personal implementation)</a:t>
+            </a:r>
+            <a:endParaRPr lang="en-IL" dirty="0"/>
+          </a:p>
+        </p:txBody>
+      </p:sp>
+      <p:sp>
+        <p:nvSpPr>
+          <p:cNvPr id="4" name="Rectangle 1">
+            <a:extLst>
+              <a:ext uri="{FF2B5EF4-FFF2-40B4-BE49-F238E27FC236}">
+                <a16:creationId xmlns:a16="http://schemas.microsoft.com/office/drawing/2014/main" id="{1549E3BF-228C-47F6-9C19-9AD96AED3811}"/>
+              </a:ext>
+            </a:extLst>
+          </p:cNvPr>
+          <p:cNvSpPr>
+            <a:spLocks noGrp="1" noChangeArrowheads="1"/>
+          </p:cNvSpPr>
+          <p:nvPr>
+            <p:ph idx="1"/>
+          </p:nvPr>
+        </p:nvSpPr>
+        <p:spPr bwMode="auto">
+          <a:xfrm>
+            <a:off x="838200" y="2231580"/>
+            <a:ext cx="7590539" cy="3539430"/>
+          </a:xfrm>
+          <a:prstGeom prst="rect">
+            <a:avLst/>
+          </a:prstGeom>
+          <a:solidFill>
+            <a:srgbClr val="FFFFFF"/>
+          </a:solidFill>
+          <a:ln>
+            <a:noFill/>
+          </a:ln>
+          <a:effectLst/>
+          <a:extLst>
+            <a:ext uri="{91240B29-F687-4F45-9708-019B960494DF}">
+              <a14:hiddenLine xmlns:a14="http://schemas.microsoft.com/office/drawing/2010/main" w="9525">
+                <a:solidFill>
+                  <a:schemeClr val="tx1"/>
+                </a:solidFill>
+                <a:miter lim="800000"/>
+                <a:headEnd/>
+                <a:tailEnd/>
+              </a14:hiddenLine>
+            </a:ext>
+            <a:ext uri="{AF507438-7753-43E0-B8FC-AC1667EBCBE1}">
+              <a14:hiddenEffects xmlns:a14="http://schemas.microsoft.com/office/drawing/2010/main">
+                <a:effectLst>
+                  <a:outerShdw dist="35921" dir="2700000" algn="ctr" rotWithShape="0">
+                    <a:schemeClr val="bg2"/>
+                  </a:outerShdw>
+                </a:effectLst>
+              </a14:hiddenEffects>
+            </a:ext>
+          </a:extLst>
+        </p:spPr>
+        <p:txBody>
+          <a:bodyPr vert="horz" wrap="none" lIns="91440" tIns="45720" rIns="91440" bIns="45720" numCol="1" anchor="ctr" anchorCtr="0" compatLnSpc="1">
+            <a:prstTxWarp prst="textNoShape">
+              <a:avLst/>
+            </a:prstTxWarp>
+            <a:spAutoFit/>
+          </a:bodyPr>
+          <a:lstStyle/>
+          <a:p>
+            <a:pPr marL="0" marR="0" lvl="0" indent="0" algn="l" defTabSz="914400" rtl="0" eaLnBrk="0" fontAlgn="base" latinLnBrk="0" hangingPunct="0">
+              <a:lnSpc>
+                <a:spcPct val="100000"/>
+              </a:lnSpc>
+              <a:spcBef>
+                <a:spcPct val="0"/>
+              </a:spcBef>
+              <a:spcAft>
+                <a:spcPct val="0"/>
+              </a:spcAft>
+              <a:buClrTx/>
+              <a:buSzTx/>
+              <a:buFontTx/>
+              <a:buNone/>
+              <a:tabLst/>
+            </a:pPr>
+            <a:r>
+              <a:rPr kumimoji="0" lang="en-IL" altLang="en-IL" sz="1600" b="1" i="0" u="none" strike="noStrike" cap="none" normalizeH="0" baseline="0" dirty="0">
+                <a:ln>
+                  <a:noFill/>
+                </a:ln>
+                <a:solidFill>
+                  <a:srgbClr val="008080"/>
+                </a:solidFill>
+                <a:effectLst/>
+                <a:latin typeface="Courier New" panose="02070309020205020404" pitchFamily="49" charset="0"/>
+                <a:cs typeface="Courier New" panose="02070309020205020404" pitchFamily="49" charset="0"/>
+              </a:rPr>
+              <a:t>   [{</a:t>
+            </a:r>
+            <a:r>
+              <a:rPr kumimoji="0" lang="en-IL" altLang="en-IL" sz="1600" i="0" u="none" strike="noStrike" cap="none" normalizeH="0" baseline="0" dirty="0">
+                <a:ln>
+                  <a:noFill/>
+                </a:ln>
+                <a:solidFill>
+                  <a:srgbClr val="008080"/>
+                </a:solidFill>
+                <a:effectLst/>
+                <a:latin typeface="Courier New" panose="02070309020205020404" pitchFamily="49" charset="0"/>
+                <a:cs typeface="Courier New" panose="02070309020205020404" pitchFamily="49" charset="0"/>
+              </a:rPr>
+              <a:t>'text</a:t>
+            </a:r>
+            <a:r>
+              <a:rPr kumimoji="0" lang="en-IL" altLang="en-IL" sz="1600" b="1" i="0" u="none" strike="noStrike" cap="none" normalizeH="0" baseline="0" dirty="0">
+                <a:ln>
+                  <a:noFill/>
+                </a:ln>
+                <a:solidFill>
+                  <a:srgbClr val="008080"/>
+                </a:solidFill>
+                <a:effectLst/>
+                <a:latin typeface="Courier New" panose="02070309020205020404" pitchFamily="49" charset="0"/>
+                <a:cs typeface="Courier New" panose="02070309020205020404" pitchFamily="49" charset="0"/>
+              </a:rPr>
+              <a:t>': 'Sandoz AG said it planned a joint venture</a:t>
+            </a:r>
+            <a:br>
+              <a:rPr kumimoji="0" lang="en-IL" altLang="en-IL" sz="1600" b="1" i="0" u="none" strike="noStrike" cap="none" normalizeH="0" baseline="0" dirty="0">
+                <a:ln>
+                  <a:noFill/>
+                </a:ln>
+                <a:solidFill>
+                  <a:srgbClr val="008080"/>
+                </a:solidFill>
+                <a:effectLst/>
+                <a:latin typeface="Courier New" panose="02070309020205020404" pitchFamily="49" charset="0"/>
+                <a:cs typeface="Courier New" panose="02070309020205020404" pitchFamily="49" charset="0"/>
+              </a:rPr>
+            </a:br>
+            <a:r>
+              <a:rPr kumimoji="0" lang="en-IL" altLang="en-IL" sz="1600" b="1" i="0" u="none" strike="noStrike" cap="none" normalizeH="0" baseline="0" dirty="0">
+                <a:ln>
+                  <a:noFill/>
+                </a:ln>
+                <a:solidFill>
+                  <a:srgbClr val="008080"/>
+                </a:solidFill>
+                <a:effectLst/>
+                <a:latin typeface="Courier New" panose="02070309020205020404" pitchFamily="49" charset="0"/>
+                <a:cs typeface="Courier New" panose="02070309020205020404" pitchFamily="49" charset="0"/>
+              </a:rPr>
+              <a:t>to produce herbicides in the Soviet Union.</a:t>
+            </a:r>
+            <a:br>
+              <a:rPr kumimoji="0" lang="en-IL" altLang="en-IL" sz="1600" b="1" i="0" u="none" strike="noStrike" cap="none" normalizeH="0" baseline="0" dirty="0">
+                <a:ln>
+                  <a:noFill/>
+                </a:ln>
+                <a:solidFill>
+                  <a:srgbClr val="008080"/>
+                </a:solidFill>
+                <a:effectLst/>
+                <a:latin typeface="Courier New" panose="02070309020205020404" pitchFamily="49" charset="0"/>
+                <a:cs typeface="Courier New" panose="02070309020205020404" pitchFamily="49" charset="0"/>
+              </a:rPr>
+            </a:br>
+            <a:r>
+              <a:rPr kumimoji="0" lang="en-IL" altLang="en-IL" sz="1600" b="1" i="0" u="none" strike="noStrike" cap="none" normalizeH="0" baseline="0" dirty="0">
+                <a:ln>
+                  <a:noFill/>
+                </a:ln>
+                <a:solidFill>
+                  <a:srgbClr val="008080"/>
+                </a:solidFill>
+                <a:effectLst/>
+                <a:latin typeface="Courier New" panose="02070309020205020404" pitchFamily="49" charset="0"/>
+                <a:cs typeface="Courier New" panose="02070309020205020404" pitchFamily="49" charset="0"/>
+              </a:rPr>
+              <a:t>    &lt;...&gt;</a:t>
+            </a:r>
+            <a:br>
+              <a:rPr kumimoji="0" lang="en-IL" altLang="en-IL" sz="1600" b="1" i="0" u="none" strike="noStrike" cap="none" normalizeH="0" baseline="0" dirty="0">
+                <a:ln>
+                  <a:noFill/>
+                </a:ln>
+                <a:solidFill>
+                  <a:srgbClr val="008080"/>
+                </a:solidFill>
+                <a:effectLst/>
+                <a:latin typeface="Courier New" panose="02070309020205020404" pitchFamily="49" charset="0"/>
+                <a:cs typeface="Courier New" panose="02070309020205020404" pitchFamily="49" charset="0"/>
+              </a:rPr>
+            </a:br>
+            <a:r>
+              <a:rPr kumimoji="0" lang="en-IL" altLang="en-IL" sz="1600" b="1" i="0" u="none" strike="noStrike" cap="none" normalizeH="0" baseline="0" dirty="0">
+                <a:ln>
+                  <a:noFill/>
+                </a:ln>
+                <a:solidFill>
+                  <a:srgbClr val="008080"/>
+                </a:solidFill>
+                <a:effectLst/>
+                <a:latin typeface="Courier New" panose="02070309020205020404" pitchFamily="49" charset="0"/>
+                <a:cs typeface="Courier New" panose="02070309020205020404" pitchFamily="49" charset="0"/>
+              </a:rPr>
+              <a:t>investment or planned output.</a:t>
+            </a:r>
+            <a:br>
+              <a:rPr kumimoji="0" lang="en-IL" altLang="en-IL" sz="1600" b="1" i="0" u="none" strike="noStrike" cap="none" normalizeH="0" baseline="0" dirty="0">
+                <a:ln>
+                  <a:noFill/>
+                </a:ln>
+                <a:solidFill>
+                  <a:srgbClr val="008080"/>
+                </a:solidFill>
+                <a:effectLst/>
+                <a:latin typeface="Courier New" panose="02070309020205020404" pitchFamily="49" charset="0"/>
+                <a:cs typeface="Courier New" panose="02070309020205020404" pitchFamily="49" charset="0"/>
+              </a:rPr>
+            </a:br>
+            <a:r>
+              <a:rPr kumimoji="0" lang="en-IL" altLang="en-IL" sz="1600" b="1" i="0" u="none" strike="noStrike" cap="none" normalizeH="0" baseline="0" dirty="0">
+                <a:ln>
+                  <a:noFill/>
+                </a:ln>
+                <a:solidFill>
+                  <a:srgbClr val="008080"/>
+                </a:solidFill>
+                <a:effectLst/>
+                <a:latin typeface="Courier New" panose="02070309020205020404" pitchFamily="49" charset="0"/>
+                <a:cs typeface="Courier New" panose="02070309020205020404" pitchFamily="49" charset="0"/>
+              </a:rPr>
+              <a:t> Reuter',</a:t>
+            </a:r>
+            <a:br>
+              <a:rPr kumimoji="0" lang="en-IL" altLang="en-IL" sz="1600" b="1" i="0" u="none" strike="noStrike" cap="none" normalizeH="0" baseline="0" dirty="0">
+                <a:ln>
+                  <a:noFill/>
+                </a:ln>
+                <a:solidFill>
+                  <a:srgbClr val="008080"/>
+                </a:solidFill>
+                <a:effectLst/>
+                <a:latin typeface="Courier New" panose="02070309020205020404" pitchFamily="49" charset="0"/>
+                <a:cs typeface="Courier New" panose="02070309020205020404" pitchFamily="49" charset="0"/>
+              </a:rPr>
+            </a:br>
+            <a:r>
+              <a:rPr kumimoji="0" lang="en-IL" altLang="en-IL" sz="1600" b="1" i="0" u="none" strike="noStrike" cap="none" normalizeH="0" baseline="0" dirty="0">
+                <a:ln>
+                  <a:noFill/>
+                </a:ln>
+                <a:solidFill>
+                  <a:srgbClr val="008080"/>
+                </a:solidFill>
+                <a:effectLst/>
+                <a:latin typeface="Courier New" panose="02070309020205020404" pitchFamily="49" charset="0"/>
+                <a:cs typeface="Courier New" panose="02070309020205020404" pitchFamily="49" charset="0"/>
+              </a:rPr>
+              <a:t>  ‘</a:t>
+            </a:r>
+            <a:r>
+              <a:rPr kumimoji="0" lang="en-IL" altLang="en-IL" sz="1600" i="0" u="none" strike="noStrike" cap="none" normalizeH="0" baseline="0" dirty="0">
+                <a:ln>
+                  <a:noFill/>
+                </a:ln>
+                <a:solidFill>
+                  <a:srgbClr val="008080"/>
+                </a:solidFill>
+                <a:effectLst/>
+                <a:latin typeface="Courier New" panose="02070309020205020404" pitchFamily="49" charset="0"/>
+                <a:cs typeface="Courier New" panose="02070309020205020404" pitchFamily="49" charset="0"/>
+              </a:rPr>
+              <a:t>lab</a:t>
+            </a:r>
+            <a:r>
+              <a:rPr kumimoji="0" lang="en-US" altLang="en-IL" sz="1600" i="0" u="none" strike="noStrike" cap="none" normalizeH="0" baseline="0" dirty="0">
+                <a:ln>
+                  <a:noFill/>
+                </a:ln>
+                <a:solidFill>
+                  <a:srgbClr val="008080"/>
+                </a:solidFill>
+                <a:effectLst/>
+                <a:latin typeface="Courier New" panose="02070309020205020404" pitchFamily="49" charset="0"/>
+                <a:cs typeface="Courier New" panose="02070309020205020404" pitchFamily="49" charset="0"/>
+              </a:rPr>
+              <a:t>e</a:t>
+            </a:r>
+            <a:r>
+              <a:rPr kumimoji="0" lang="en-IL" altLang="en-IL" sz="1600" i="0" u="none" strike="noStrike" cap="none" normalizeH="0" baseline="0" dirty="0">
+                <a:ln>
+                  <a:noFill/>
+                </a:ln>
+                <a:solidFill>
+                  <a:srgbClr val="008080"/>
+                </a:solidFill>
+                <a:effectLst/>
+                <a:latin typeface="Courier New" panose="02070309020205020404" pitchFamily="49" charset="0"/>
+                <a:cs typeface="Courier New" panose="02070309020205020404" pitchFamily="49" charset="0"/>
+              </a:rPr>
+              <a:t>ls</a:t>
+            </a:r>
+            <a:r>
+              <a:rPr kumimoji="0" lang="en-IL" altLang="en-IL" sz="1600" b="1" i="0" u="none" strike="noStrike" cap="none" normalizeH="0" baseline="0" dirty="0">
+                <a:ln>
+                  <a:noFill/>
+                </a:ln>
+                <a:solidFill>
+                  <a:srgbClr val="008080"/>
+                </a:solidFill>
+                <a:effectLst/>
+                <a:latin typeface="Courier New" panose="02070309020205020404" pitchFamily="49" charset="0"/>
+                <a:cs typeface="Courier New" panose="02070309020205020404" pitchFamily="49" charset="0"/>
+              </a:rPr>
+              <a:t>': ['</a:t>
+            </a:r>
+            <a:r>
+              <a:rPr kumimoji="0" lang="en-IL" altLang="en-IL" sz="1600" b="1" i="0" u="none" strike="noStrike" cap="none" normalizeH="0" baseline="0" dirty="0" err="1">
+                <a:ln>
+                  <a:noFill/>
+                </a:ln>
+                <a:solidFill>
+                  <a:srgbClr val="008080"/>
+                </a:solidFill>
+                <a:effectLst/>
+                <a:latin typeface="Courier New" panose="02070309020205020404" pitchFamily="49" charset="0"/>
+                <a:cs typeface="Courier New" panose="02070309020205020404" pitchFamily="49" charset="0"/>
+              </a:rPr>
+              <a:t>usa</a:t>
+            </a:r>
+            <a:r>
+              <a:rPr kumimoji="0" lang="en-IL" altLang="en-IL" sz="1600" b="1" i="0" u="none" strike="noStrike" cap="none" normalizeH="0" baseline="0" dirty="0">
+                <a:ln>
+                  <a:noFill/>
+                </a:ln>
+                <a:solidFill>
+                  <a:srgbClr val="008080"/>
+                </a:solidFill>
+                <a:effectLst/>
+                <a:latin typeface="Courier New" panose="02070309020205020404" pitchFamily="49" charset="0"/>
+                <a:cs typeface="Courier New" panose="02070309020205020404" pitchFamily="49" charset="0"/>
+              </a:rPr>
+              <a:t>', '</a:t>
+            </a:r>
+            <a:r>
+              <a:rPr kumimoji="0" lang="en-IL" altLang="en-IL" sz="1600" b="1" i="0" u="none" strike="noStrike" cap="none" normalizeH="0" baseline="0" dirty="0" err="1">
+                <a:ln>
+                  <a:noFill/>
+                </a:ln>
+                <a:solidFill>
+                  <a:srgbClr val="008080"/>
+                </a:solidFill>
+                <a:effectLst/>
+                <a:latin typeface="Courier New" panose="02070309020205020404" pitchFamily="49" charset="0"/>
+                <a:cs typeface="Courier New" panose="02070309020205020404" pitchFamily="49" charset="0"/>
+              </a:rPr>
+              <a:t>ussr</a:t>
+            </a:r>
+            <a:r>
+              <a:rPr kumimoji="0" lang="en-IL" altLang="en-IL" sz="1600" b="1" i="0" u="none" strike="noStrike" cap="none" normalizeH="0" baseline="0" dirty="0">
+                <a:ln>
+                  <a:noFill/>
+                </a:ln>
+                <a:solidFill>
+                  <a:srgbClr val="008080"/>
+                </a:solidFill>
+                <a:effectLst/>
+                <a:latin typeface="Courier New" panose="02070309020205020404" pitchFamily="49" charset="0"/>
+                <a:cs typeface="Courier New" panose="02070309020205020404" pitchFamily="49" charset="0"/>
+              </a:rPr>
+              <a:t>']},</a:t>
+            </a:r>
+            <a:br>
+              <a:rPr kumimoji="0" lang="en-IL" altLang="en-IL" sz="1600" b="1" i="0" u="none" strike="noStrike" cap="none" normalizeH="0" baseline="0" dirty="0">
+                <a:ln>
+                  <a:noFill/>
+                </a:ln>
+                <a:solidFill>
+                  <a:srgbClr val="008080"/>
+                </a:solidFill>
+                <a:effectLst/>
+                <a:latin typeface="Courier New" panose="02070309020205020404" pitchFamily="49" charset="0"/>
+                <a:cs typeface="Courier New" panose="02070309020205020404" pitchFamily="49" charset="0"/>
+              </a:rPr>
+            </a:br>
+            <a:r>
+              <a:rPr kumimoji="0" lang="en-IL" altLang="en-IL" sz="1600" b="1" i="0" u="none" strike="noStrike" cap="none" normalizeH="0" baseline="0" dirty="0">
+                <a:ln>
+                  <a:noFill/>
+                </a:ln>
+                <a:solidFill>
+                  <a:srgbClr val="008080"/>
+                </a:solidFill>
+                <a:effectLst/>
+                <a:latin typeface="Courier New" panose="02070309020205020404" pitchFamily="49" charset="0"/>
+                <a:cs typeface="Courier New" panose="02070309020205020404" pitchFamily="49" charset="0"/>
+              </a:rPr>
+              <a:t>  </a:t>
+            </a:r>
+            <a:br>
+              <a:rPr kumimoji="0" lang="en-IL" altLang="en-IL" sz="1600" b="1" i="0" u="none" strike="noStrike" cap="none" normalizeH="0" baseline="0" dirty="0">
+                <a:ln>
+                  <a:noFill/>
+                </a:ln>
+                <a:solidFill>
+                  <a:srgbClr val="008080"/>
+                </a:solidFill>
+                <a:effectLst/>
+                <a:latin typeface="Courier New" panose="02070309020205020404" pitchFamily="49" charset="0"/>
+                <a:cs typeface="Courier New" panose="02070309020205020404" pitchFamily="49" charset="0"/>
+              </a:rPr>
+            </a:br>
+            <a:r>
+              <a:rPr kumimoji="0" lang="en-IL" altLang="en-IL" sz="1600" b="1" i="0" u="none" strike="noStrike" cap="none" normalizeH="0" baseline="0" dirty="0">
+                <a:ln>
+                  <a:noFill/>
+                </a:ln>
+                <a:solidFill>
+                  <a:srgbClr val="008080"/>
+                </a:solidFill>
+                <a:effectLst/>
+                <a:latin typeface="Courier New" panose="02070309020205020404" pitchFamily="49" charset="0"/>
+                <a:cs typeface="Courier New" panose="02070309020205020404" pitchFamily="49" charset="0"/>
+              </a:rPr>
+              <a:t>  {</a:t>
+            </a:r>
+            <a:r>
+              <a:rPr kumimoji="0" lang="en-IL" altLang="en-IL" sz="1600" i="0" u="none" strike="noStrike" cap="none" normalizeH="0" baseline="0" dirty="0">
+                <a:ln>
+                  <a:noFill/>
+                </a:ln>
+                <a:solidFill>
+                  <a:srgbClr val="008080"/>
+                </a:solidFill>
+                <a:effectLst/>
+                <a:latin typeface="Courier New" panose="02070309020205020404" pitchFamily="49" charset="0"/>
+                <a:cs typeface="Courier New" panose="02070309020205020404" pitchFamily="49" charset="0"/>
+              </a:rPr>
+              <a:t>'text</a:t>
+            </a:r>
+            <a:r>
+              <a:rPr kumimoji="0" lang="en-IL" altLang="en-IL" sz="1600" b="1" i="0" u="none" strike="noStrike" cap="none" normalizeH="0" baseline="0" dirty="0">
+                <a:ln>
+                  <a:noFill/>
+                </a:ln>
+                <a:solidFill>
+                  <a:srgbClr val="008080"/>
+                </a:solidFill>
+                <a:effectLst/>
+                <a:latin typeface="Courier New" panose="02070309020205020404" pitchFamily="49" charset="0"/>
+                <a:cs typeface="Courier New" panose="02070309020205020404" pitchFamily="49" charset="0"/>
+              </a:rPr>
+              <a:t>': 'Central bank governor Chang Chi-</a:t>
+            </a:r>
+            <a:r>
+              <a:rPr kumimoji="0" lang="en-IL" altLang="en-IL" sz="1600" b="1" i="0" u="none" strike="noStrike" cap="none" normalizeH="0" baseline="0" dirty="0" err="1">
+                <a:ln>
+                  <a:noFill/>
+                </a:ln>
+                <a:solidFill>
+                  <a:srgbClr val="008080"/>
+                </a:solidFill>
+                <a:effectLst/>
+                <a:latin typeface="Courier New" panose="02070309020205020404" pitchFamily="49" charset="0"/>
+                <a:cs typeface="Courier New" panose="02070309020205020404" pitchFamily="49" charset="0"/>
+              </a:rPr>
+              <a:t>cheng</a:t>
+            </a:r>
+            <a:br>
+              <a:rPr kumimoji="0" lang="en-IL" altLang="en-IL" sz="1600" b="1" i="0" u="none" strike="noStrike" cap="none" normalizeH="0" baseline="0" dirty="0">
+                <a:ln>
+                  <a:noFill/>
+                </a:ln>
+                <a:solidFill>
+                  <a:srgbClr val="008080"/>
+                </a:solidFill>
+                <a:effectLst/>
+                <a:latin typeface="Courier New" panose="02070309020205020404" pitchFamily="49" charset="0"/>
+                <a:cs typeface="Courier New" panose="02070309020205020404" pitchFamily="49" charset="0"/>
+              </a:rPr>
+            </a:br>
+            <a:r>
+              <a:rPr kumimoji="0" lang="en-IL" altLang="en-IL" sz="1600" b="1" i="0" u="none" strike="noStrike" cap="none" normalizeH="0" baseline="0" dirty="0">
+                <a:ln>
+                  <a:noFill/>
+                </a:ln>
+                <a:solidFill>
+                  <a:srgbClr val="008080"/>
+                </a:solidFill>
+                <a:effectLst/>
+                <a:latin typeface="Courier New" panose="02070309020205020404" pitchFamily="49" charset="0"/>
+                <a:cs typeface="Courier New" panose="02070309020205020404" pitchFamily="49" charset="0"/>
+              </a:rPr>
+              <a:t>rejected a request by textile makers to halt the rise of the</a:t>
+            </a:r>
+            <a:br>
+              <a:rPr kumimoji="0" lang="en-IL" altLang="en-IL" sz="1600" b="1" i="0" u="none" strike="noStrike" cap="none" normalizeH="0" baseline="0" dirty="0">
+                <a:ln>
+                  <a:noFill/>
+                </a:ln>
+                <a:solidFill>
+                  <a:srgbClr val="008080"/>
+                </a:solidFill>
+                <a:effectLst/>
+                <a:latin typeface="Courier New" panose="02070309020205020404" pitchFamily="49" charset="0"/>
+                <a:cs typeface="Courier New" panose="02070309020205020404" pitchFamily="49" charset="0"/>
+              </a:rPr>
+            </a:br>
+            <a:r>
+              <a:rPr kumimoji="0" lang="en-IL" altLang="en-IL" sz="1600" b="1" i="0" u="none" strike="noStrike" cap="none" normalizeH="0" baseline="0" dirty="0">
+                <a:ln>
+                  <a:noFill/>
+                </a:ln>
+                <a:solidFill>
+                  <a:srgbClr val="008080"/>
+                </a:solidFill>
+                <a:effectLst/>
+                <a:latin typeface="Courier New" panose="02070309020205020404" pitchFamily="49" charset="0"/>
+                <a:cs typeface="Courier New" panose="02070309020205020404" pitchFamily="49" charset="0"/>
+              </a:rPr>
+              <a:t> &lt;...&gt;</a:t>
+            </a:r>
+            <a:br>
+              <a:rPr kumimoji="0" lang="en-IL" altLang="en-IL" sz="1600" b="1" i="0" u="none" strike="noStrike" cap="none" normalizeH="0" baseline="0" dirty="0">
+                <a:ln>
+                  <a:noFill/>
+                </a:ln>
+                <a:solidFill>
+                  <a:srgbClr val="008080"/>
+                </a:solidFill>
+                <a:effectLst/>
+                <a:latin typeface="Courier New" panose="02070309020205020404" pitchFamily="49" charset="0"/>
+                <a:cs typeface="Courier New" panose="02070309020205020404" pitchFamily="49" charset="0"/>
+              </a:rPr>
+            </a:br>
+            <a:r>
+              <a:rPr kumimoji="0" lang="en-IL" altLang="en-IL" sz="1600" b="1" i="0" u="none" strike="noStrike" cap="none" normalizeH="0" baseline="0" dirty="0">
+                <a:ln>
+                  <a:noFill/>
+                </a:ln>
+                <a:solidFill>
+                  <a:srgbClr val="008080"/>
+                </a:solidFill>
+                <a:effectLst/>
+                <a:latin typeface="Courier New" panose="02070309020205020404" pitchFamily="49" charset="0"/>
+                <a:cs typeface="Courier New" panose="02070309020205020404" pitchFamily="49" charset="0"/>
+              </a:rPr>
+              <a:t> business if the rate continued to fall.</a:t>
+            </a:r>
+            <a:br>
+              <a:rPr kumimoji="0" lang="en-IL" altLang="en-IL" sz="1600" b="1" i="0" u="none" strike="noStrike" cap="none" normalizeH="0" baseline="0" dirty="0">
+                <a:ln>
+                  <a:noFill/>
+                </a:ln>
+                <a:solidFill>
+                  <a:srgbClr val="008080"/>
+                </a:solidFill>
+                <a:effectLst/>
+                <a:latin typeface="Courier New" panose="02070309020205020404" pitchFamily="49" charset="0"/>
+                <a:cs typeface="Courier New" panose="02070309020205020404" pitchFamily="49" charset="0"/>
+              </a:rPr>
+            </a:br>
+            <a:r>
+              <a:rPr kumimoji="0" lang="en-IL" altLang="en-IL" sz="1600" b="1" i="0" u="none" strike="noStrike" cap="none" normalizeH="0" baseline="0" dirty="0">
+                <a:ln>
+                  <a:noFill/>
+                </a:ln>
+                <a:solidFill>
+                  <a:srgbClr val="008080"/>
+                </a:solidFill>
+                <a:effectLst/>
+                <a:latin typeface="Courier New" panose="02070309020205020404" pitchFamily="49" charset="0"/>
+                <a:cs typeface="Courier New" panose="02070309020205020404" pitchFamily="49" charset="0"/>
+              </a:rPr>
+              <a:t> Reuter',</a:t>
+            </a:r>
+            <a:br>
+              <a:rPr kumimoji="0" lang="en-IL" altLang="en-IL" sz="1600" b="1" i="0" u="none" strike="noStrike" cap="none" normalizeH="0" baseline="0" dirty="0">
+                <a:ln>
+                  <a:noFill/>
+                </a:ln>
+                <a:solidFill>
+                  <a:srgbClr val="008080"/>
+                </a:solidFill>
+                <a:effectLst/>
+                <a:latin typeface="Courier New" panose="02070309020205020404" pitchFamily="49" charset="0"/>
+                <a:cs typeface="Courier New" panose="02070309020205020404" pitchFamily="49" charset="0"/>
+              </a:rPr>
+            </a:br>
+            <a:r>
+              <a:rPr kumimoji="0" lang="en-IL" altLang="en-IL" sz="1600" b="1" i="0" u="none" strike="noStrike" cap="none" normalizeH="0" baseline="0" dirty="0">
+                <a:ln>
+                  <a:noFill/>
+                </a:ln>
+                <a:solidFill>
+                  <a:srgbClr val="008080"/>
+                </a:solidFill>
+                <a:effectLst/>
+                <a:latin typeface="Courier New" panose="02070309020205020404" pitchFamily="49" charset="0"/>
+                <a:cs typeface="Courier New" panose="02070309020205020404" pitchFamily="49" charset="0"/>
+              </a:rPr>
+              <a:t>‘</a:t>
+            </a:r>
+            <a:r>
+              <a:rPr kumimoji="0" lang="en-IL" altLang="en-IL" sz="1600" i="0" u="none" strike="noStrike" cap="none" normalizeH="0" baseline="0" dirty="0">
+                <a:ln>
+                  <a:noFill/>
+                </a:ln>
+                <a:solidFill>
+                  <a:srgbClr val="008080"/>
+                </a:solidFill>
+                <a:effectLst/>
+                <a:latin typeface="Courier New" panose="02070309020205020404" pitchFamily="49" charset="0"/>
+                <a:cs typeface="Courier New" panose="02070309020205020404" pitchFamily="49" charset="0"/>
+              </a:rPr>
+              <a:t>lab</a:t>
+            </a:r>
+            <a:r>
+              <a:rPr kumimoji="0" lang="en-US" altLang="en-IL" sz="1600" i="0" u="none" strike="noStrike" cap="none" normalizeH="0" baseline="0" dirty="0">
+                <a:ln>
+                  <a:noFill/>
+                </a:ln>
+                <a:solidFill>
+                  <a:srgbClr val="008080"/>
+                </a:solidFill>
+                <a:effectLst/>
+                <a:latin typeface="Courier New" panose="02070309020205020404" pitchFamily="49" charset="0"/>
+                <a:cs typeface="Courier New" panose="02070309020205020404" pitchFamily="49" charset="0"/>
+              </a:rPr>
+              <a:t>e</a:t>
+            </a:r>
+            <a:r>
+              <a:rPr kumimoji="0" lang="en-IL" altLang="en-IL" sz="1600" i="0" u="none" strike="noStrike" cap="none" normalizeH="0" baseline="0" dirty="0">
+                <a:ln>
+                  <a:noFill/>
+                </a:ln>
+                <a:solidFill>
+                  <a:srgbClr val="008080"/>
+                </a:solidFill>
+                <a:effectLst/>
+                <a:latin typeface="Courier New" panose="02070309020205020404" pitchFamily="49" charset="0"/>
+                <a:cs typeface="Courier New" panose="02070309020205020404" pitchFamily="49" charset="0"/>
+              </a:rPr>
+              <a:t>ls</a:t>
+            </a:r>
+            <a:r>
+              <a:rPr kumimoji="0" lang="en-IL" altLang="en-IL" sz="1600" b="1" i="0" u="none" strike="noStrike" cap="none" normalizeH="0" baseline="0" dirty="0">
+                <a:ln>
+                  <a:noFill/>
+                </a:ln>
+                <a:solidFill>
+                  <a:srgbClr val="008080"/>
+                </a:solidFill>
+                <a:effectLst/>
+                <a:latin typeface="Courier New" panose="02070309020205020404" pitchFamily="49" charset="0"/>
+                <a:cs typeface="Courier New" panose="02070309020205020404" pitchFamily="49" charset="0"/>
+              </a:rPr>
+              <a:t>': ['</a:t>
+            </a:r>
+            <a:r>
+              <a:rPr kumimoji="0" lang="en-IL" altLang="en-IL" sz="1600" b="1" i="0" u="none" strike="noStrike" cap="none" normalizeH="0" baseline="0" dirty="0" err="1">
+                <a:ln>
+                  <a:noFill/>
+                </a:ln>
+                <a:solidFill>
+                  <a:srgbClr val="008080"/>
+                </a:solidFill>
+                <a:effectLst/>
+                <a:latin typeface="Courier New" panose="02070309020205020404" pitchFamily="49" charset="0"/>
+                <a:cs typeface="Courier New" panose="02070309020205020404" pitchFamily="49" charset="0"/>
+              </a:rPr>
+              <a:t>usa</a:t>
+            </a:r>
+            <a:r>
+              <a:rPr kumimoji="0" lang="en-IL" altLang="en-IL" sz="1600" b="1" i="0" u="none" strike="noStrike" cap="none" normalizeH="0" baseline="0" dirty="0">
+                <a:ln>
+                  <a:noFill/>
+                </a:ln>
+                <a:solidFill>
+                  <a:srgbClr val="008080"/>
+                </a:solidFill>
+                <a:effectLst/>
+                <a:latin typeface="Courier New" panose="02070309020205020404" pitchFamily="49" charset="0"/>
+                <a:cs typeface="Courier New" panose="02070309020205020404" pitchFamily="49" charset="0"/>
+              </a:rPr>
+              <a:t>', '</a:t>
+            </a:r>
+            <a:r>
+              <a:rPr kumimoji="0" lang="en-IL" altLang="en-IL" sz="1600" b="1" i="0" u="none" strike="noStrike" cap="none" normalizeH="0" baseline="0" dirty="0" err="1">
+                <a:ln>
+                  <a:noFill/>
+                </a:ln>
+                <a:solidFill>
+                  <a:srgbClr val="008080"/>
+                </a:solidFill>
+                <a:effectLst/>
+                <a:latin typeface="Courier New" panose="02070309020205020404" pitchFamily="49" charset="0"/>
+                <a:cs typeface="Courier New" panose="02070309020205020404" pitchFamily="49" charset="0"/>
+              </a:rPr>
+              <a:t>taiwan</a:t>
+            </a:r>
+            <a:r>
+              <a:rPr kumimoji="0" lang="en-IL" altLang="en-IL" sz="1600" b="1" i="0" u="none" strike="noStrike" cap="none" normalizeH="0" baseline="0" dirty="0">
+                <a:ln>
+                  <a:noFill/>
+                </a:ln>
+                <a:solidFill>
+                  <a:srgbClr val="008080"/>
+                </a:solidFill>
+                <a:effectLst/>
+                <a:latin typeface="Courier New" panose="02070309020205020404" pitchFamily="49" charset="0"/>
+                <a:cs typeface="Courier New" panose="02070309020205020404" pitchFamily="49" charset="0"/>
+              </a:rPr>
+              <a:t>']}</a:t>
+            </a:r>
+            <a:br>
+              <a:rPr kumimoji="0" lang="en-IL" altLang="en-IL" sz="1600" b="1" i="0" u="none" strike="noStrike" cap="none" normalizeH="0" baseline="0" dirty="0">
+                <a:ln>
+                  <a:noFill/>
+                </a:ln>
+                <a:solidFill>
+                  <a:srgbClr val="008080"/>
+                </a:solidFill>
+                <a:effectLst/>
+                <a:latin typeface="Courier New" panose="02070309020205020404" pitchFamily="49" charset="0"/>
+                <a:cs typeface="Courier New" panose="02070309020205020404" pitchFamily="49" charset="0"/>
+              </a:rPr>
+            </a:br>
+            <a:r>
+              <a:rPr kumimoji="0" lang="en-IL" altLang="en-IL" sz="1600" b="1" i="0" u="none" strike="noStrike" cap="none" normalizeH="0" baseline="0" dirty="0">
+                <a:ln>
+                  <a:noFill/>
+                </a:ln>
+                <a:solidFill>
+                  <a:srgbClr val="008080"/>
+                </a:solidFill>
+                <a:effectLst/>
+                <a:latin typeface="Courier New" panose="02070309020205020404" pitchFamily="49" charset="0"/>
+                <a:cs typeface="Courier New" panose="02070309020205020404" pitchFamily="49" charset="0"/>
+              </a:rPr>
+              <a:t> ]</a:t>
+            </a:r>
+            <a:endParaRPr kumimoji="0" lang="en-IL" altLang="en-IL" sz="4000" b="0" i="0" u="none" strike="noStrike" cap="none" normalizeH="0" baseline="0" dirty="0">
+              <a:ln>
+                <a:noFill/>
+              </a:ln>
+              <a:solidFill>
+                <a:schemeClr val="tx1"/>
+              </a:solidFill>
+              <a:effectLst/>
+              <a:latin typeface="Arial" panose="020B0604020202020204" pitchFamily="34" charset="0"/>
+            </a:endParaRPr>
+          </a:p>
+        </p:txBody>
+      </p:sp>
+    </p:spTree>
+    <p:extLst>
+      <p:ext uri="{BB962C8B-B14F-4D97-AF65-F5344CB8AC3E}">
+        <p14:creationId xmlns:p14="http://schemas.microsoft.com/office/powerpoint/2010/main" val="533957955"/>
+      </p:ext>
+    </p:extLst>
+  </p:cSld>
+  <p:clrMapOvr>
+    <a:masterClrMapping/>
+  </p:clrMapOvr>
+</p:sld>
+</file>
+
+<file path=ppt/slides/slide13.xml><?xml version="1.0" encoding="utf-8"?>
+<p:sld xmlns:a="http://schemas.openxmlformats.org/drawingml/2006/main" xmlns:r="http://schemas.openxmlformats.org/officeDocument/2006/relationships" xmlns:p="http://schemas.openxmlformats.org/presentationml/2006/main">
+  <p:cSld>
+    <p:spTree>
+      <p:nvGrpSpPr>
+        <p:cNvPr id="1" name=""/>
+        <p:cNvGrpSpPr/>
+        <p:nvPr/>
+      </p:nvGrpSpPr>
+      <p:grpSpPr>
+        <a:xfrm>
+          <a:off x="0" y="0"/>
+          <a:ext cx="0" cy="0"/>
+          <a:chOff x="0" y="0"/>
+          <a:chExt cx="0" cy="0"/>
+        </a:xfrm>
+      </p:grpSpPr>
+      <p:sp>
+        <p:nvSpPr>
+          <p:cNvPr id="2" name="Title 1">
+            <a:extLst>
+              <a:ext uri="{FF2B5EF4-FFF2-40B4-BE49-F238E27FC236}">
+                <a16:creationId xmlns:a16="http://schemas.microsoft.com/office/drawing/2014/main" id="{5754CFF7-CC6A-4044-B7A6-CCFC9F70F89B}"/>
+              </a:ext>
+            </a:extLst>
+          </p:cNvPr>
+          <p:cNvSpPr>
+            <a:spLocks noGrp="1"/>
+          </p:cNvSpPr>
+          <p:nvPr>
+            <p:ph type="title"/>
+          </p:nvPr>
+        </p:nvSpPr>
+        <p:spPr/>
+        <p:txBody>
+          <a:bodyPr/>
+          <a:lstStyle/>
+          <a:p>
+            <a:r>
+              <a:rPr lang="en-US" dirty="0"/>
+              <a:t>The test data format</a:t>
+            </a:r>
+            <a:endParaRPr lang="en-IL" dirty="0"/>
+          </a:p>
+        </p:txBody>
+      </p:sp>
+      <p:sp>
+        <p:nvSpPr>
+          <p:cNvPr id="3" name="Content Placeholder 2">
+            <a:extLst>
+              <a:ext uri="{FF2B5EF4-FFF2-40B4-BE49-F238E27FC236}">
+                <a16:creationId xmlns:a16="http://schemas.microsoft.com/office/drawing/2014/main" id="{76504E78-D7B0-4704-A01D-B4987A27FEC0}"/>
+              </a:ext>
+            </a:extLst>
+          </p:cNvPr>
+          <p:cNvSpPr>
+            <a:spLocks noGrp="1"/>
+          </p:cNvSpPr>
+          <p:nvPr>
+            <p:ph idx="1"/>
+          </p:nvPr>
+        </p:nvSpPr>
+        <p:spPr/>
+        <p:txBody>
+          <a:bodyPr>
+            <a:normAutofit fontScale="47500" lnSpcReduction="20000"/>
+          </a:bodyPr>
+          <a:lstStyle/>
+          <a:p>
+            <a:pPr marL="0" indent="0">
+              <a:buNone/>
+            </a:pPr>
+            <a:r>
+              <a:rPr lang="en-US" dirty="0"/>
+              <a:t>Almost like the input data, but labels are stripped:</a:t>
+            </a:r>
+          </a:p>
+          <a:p>
+            <a:pPr marL="0" indent="0">
+              <a:buNone/>
+            </a:pPr>
+            <a:r>
+              <a:rPr lang="en-IL" altLang="en-IL" b="1" dirty="0">
+                <a:solidFill>
+                  <a:srgbClr val="008080"/>
+                </a:solidFill>
+                <a:latin typeface="Courier New" panose="02070309020205020404" pitchFamily="49" charset="0"/>
+                <a:cs typeface="Courier New" panose="02070309020205020404" pitchFamily="49" charset="0"/>
+              </a:rPr>
+              <a:t>&lt;</a:t>
+            </a:r>
+            <a:r>
+              <a:rPr lang="en-IL" altLang="en-IL" b="1" dirty="0">
+                <a:solidFill>
+                  <a:srgbClr val="008080"/>
+                </a:solidFill>
+                <a:highlight>
+                  <a:srgbClr val="FFFF00"/>
+                </a:highlight>
+                <a:latin typeface="Courier New" panose="02070309020205020404" pitchFamily="49" charset="0"/>
+                <a:cs typeface="Courier New" panose="02070309020205020404" pitchFamily="49" charset="0"/>
+              </a:rPr>
+              <a:t>REUTERS</a:t>
+            </a:r>
+            <a:r>
+              <a:rPr lang="en-IL" altLang="en-IL" b="1" dirty="0">
+                <a:solidFill>
+                  <a:srgbClr val="008080"/>
+                </a:solidFill>
+                <a:latin typeface="Courier New" panose="02070309020205020404" pitchFamily="49" charset="0"/>
+                <a:cs typeface="Courier New" panose="02070309020205020404" pitchFamily="49" charset="0"/>
+              </a:rPr>
+              <a:t>&gt;</a:t>
+            </a:r>
+            <a:br>
+              <a:rPr lang="en-IL" altLang="en-IL" b="1" dirty="0">
+                <a:solidFill>
+                  <a:srgbClr val="008080"/>
+                </a:solidFill>
+                <a:latin typeface="Courier New" panose="02070309020205020404" pitchFamily="49" charset="0"/>
+                <a:cs typeface="Courier New" panose="02070309020205020404" pitchFamily="49" charset="0"/>
+              </a:rPr>
+            </a:br>
+            <a:r>
+              <a:rPr lang="en-IL" altLang="en-IL" b="1" dirty="0">
+                <a:solidFill>
+                  <a:srgbClr val="008080"/>
+                </a:solidFill>
+                <a:latin typeface="Courier New" panose="02070309020205020404" pitchFamily="49" charset="0"/>
+                <a:cs typeface="Courier New" panose="02070309020205020404" pitchFamily="49" charset="0"/>
+              </a:rPr>
+              <a:t>&lt;DATE&gt; 3-MAR-1987 09:18:21.26&lt;/DATE&gt;</a:t>
+            </a:r>
+            <a:br>
+              <a:rPr lang="en-IL" altLang="en-IL" b="1" dirty="0">
+                <a:solidFill>
+                  <a:srgbClr val="008080"/>
+                </a:solidFill>
+                <a:latin typeface="Courier New" panose="02070309020205020404" pitchFamily="49" charset="0"/>
+                <a:cs typeface="Courier New" panose="02070309020205020404" pitchFamily="49" charset="0"/>
+              </a:rPr>
+            </a:br>
+            <a:r>
+              <a:rPr lang="en-IL" altLang="en-IL" strike="sngStrike" dirty="0">
+                <a:solidFill>
+                  <a:srgbClr val="008080"/>
+                </a:solidFill>
+                <a:latin typeface="Courier New" panose="02070309020205020404" pitchFamily="49" charset="0"/>
+                <a:cs typeface="Courier New" panose="02070309020205020404" pitchFamily="49" charset="0"/>
+              </a:rPr>
+              <a:t>&lt;</a:t>
+            </a:r>
+            <a:r>
+              <a:rPr lang="en-IL" altLang="en-IL" strike="sngStrike" dirty="0">
+                <a:solidFill>
+                  <a:srgbClr val="008080"/>
+                </a:solidFill>
+                <a:highlight>
+                  <a:srgbClr val="C0C0C0"/>
+                </a:highlight>
+                <a:latin typeface="Courier New" panose="02070309020205020404" pitchFamily="49" charset="0"/>
+                <a:cs typeface="Courier New" panose="02070309020205020404" pitchFamily="49" charset="0"/>
+              </a:rPr>
+              <a:t>TOPICS</a:t>
+            </a:r>
+            <a:r>
+              <a:rPr lang="en-IL" altLang="en-IL" strike="sngStrike" dirty="0">
+                <a:solidFill>
+                  <a:srgbClr val="008080"/>
+                </a:solidFill>
+                <a:latin typeface="Courier New" panose="02070309020205020404" pitchFamily="49" charset="0"/>
+                <a:cs typeface="Courier New" panose="02070309020205020404" pitchFamily="49" charset="0"/>
+              </a:rPr>
+              <a:t>&gt;&lt;/TOPICS&gt;</a:t>
+            </a:r>
+            <a:br>
+              <a:rPr lang="en-IL" altLang="en-IL" strike="sngStrike" dirty="0">
+                <a:solidFill>
+                  <a:srgbClr val="008080"/>
+                </a:solidFill>
+                <a:latin typeface="Courier New" panose="02070309020205020404" pitchFamily="49" charset="0"/>
+                <a:cs typeface="Courier New" panose="02070309020205020404" pitchFamily="49" charset="0"/>
+              </a:rPr>
+            </a:br>
+            <a:r>
+              <a:rPr lang="en-IL" altLang="en-IL" strike="sngStrike" dirty="0">
+                <a:solidFill>
+                  <a:srgbClr val="008080"/>
+                </a:solidFill>
+                <a:latin typeface="Courier New" panose="02070309020205020404" pitchFamily="49" charset="0"/>
+                <a:cs typeface="Courier New" panose="02070309020205020404" pitchFamily="49" charset="0"/>
+              </a:rPr>
+              <a:t>&lt;</a:t>
+            </a:r>
+            <a:r>
+              <a:rPr lang="en-IL" altLang="en-IL" strike="sngStrike" dirty="0">
+                <a:solidFill>
+                  <a:srgbClr val="008080"/>
+                </a:solidFill>
+                <a:highlight>
+                  <a:srgbClr val="C0C0C0"/>
+                </a:highlight>
+                <a:latin typeface="Courier New" panose="02070309020205020404" pitchFamily="49" charset="0"/>
+                <a:cs typeface="Courier New" panose="02070309020205020404" pitchFamily="49" charset="0"/>
+              </a:rPr>
+              <a:t>PLACES</a:t>
+            </a:r>
+            <a:r>
+              <a:rPr lang="en-IL" altLang="en-IL" strike="sngStrike" dirty="0">
+                <a:solidFill>
+                  <a:srgbClr val="008080"/>
+                </a:solidFill>
+                <a:latin typeface="Courier New" panose="02070309020205020404" pitchFamily="49" charset="0"/>
+                <a:cs typeface="Courier New" panose="02070309020205020404" pitchFamily="49" charset="0"/>
+              </a:rPr>
+              <a:t>&gt;&lt;D&gt;</a:t>
+            </a:r>
+            <a:r>
+              <a:rPr lang="en-IL" altLang="en-IL" strike="sngStrike" dirty="0" err="1">
+                <a:solidFill>
+                  <a:srgbClr val="008080"/>
+                </a:solidFill>
+                <a:latin typeface="Courier New" panose="02070309020205020404" pitchFamily="49" charset="0"/>
+                <a:cs typeface="Courier New" panose="02070309020205020404" pitchFamily="49" charset="0"/>
+              </a:rPr>
+              <a:t>usa</a:t>
+            </a:r>
+            <a:r>
+              <a:rPr lang="en-IL" altLang="en-IL" strike="sngStrike" dirty="0">
+                <a:solidFill>
+                  <a:srgbClr val="008080"/>
+                </a:solidFill>
+                <a:latin typeface="Courier New" panose="02070309020205020404" pitchFamily="49" charset="0"/>
+                <a:cs typeface="Courier New" panose="02070309020205020404" pitchFamily="49" charset="0"/>
+              </a:rPr>
+              <a:t>&lt;/D&gt;&lt;D&gt;</a:t>
+            </a:r>
+            <a:r>
+              <a:rPr lang="en-IL" altLang="en-IL" strike="sngStrike" dirty="0" err="1">
+                <a:solidFill>
+                  <a:srgbClr val="008080"/>
+                </a:solidFill>
+                <a:latin typeface="Courier New" panose="02070309020205020404" pitchFamily="49" charset="0"/>
+                <a:cs typeface="Courier New" panose="02070309020205020404" pitchFamily="49" charset="0"/>
+              </a:rPr>
+              <a:t>ussr</a:t>
+            </a:r>
+            <a:r>
+              <a:rPr lang="en-IL" altLang="en-IL" strike="sngStrike" dirty="0">
+                <a:solidFill>
+                  <a:srgbClr val="008080"/>
+                </a:solidFill>
+                <a:latin typeface="Courier New" panose="02070309020205020404" pitchFamily="49" charset="0"/>
+                <a:cs typeface="Courier New" panose="02070309020205020404" pitchFamily="49" charset="0"/>
+              </a:rPr>
+              <a:t>&lt;/D&gt;&lt;/PLACES&gt;</a:t>
+            </a:r>
+            <a:br>
+              <a:rPr lang="en-IL" altLang="en-IL" strike="sngStrike" dirty="0">
+                <a:solidFill>
+                  <a:srgbClr val="008080"/>
+                </a:solidFill>
+                <a:latin typeface="Courier New" panose="02070309020205020404" pitchFamily="49" charset="0"/>
+                <a:cs typeface="Courier New" panose="02070309020205020404" pitchFamily="49" charset="0"/>
+              </a:rPr>
+            </a:br>
+            <a:r>
+              <a:rPr lang="en-IL" altLang="en-IL" strike="sngStrike" dirty="0">
+                <a:solidFill>
+                  <a:srgbClr val="008080"/>
+                </a:solidFill>
+                <a:latin typeface="Courier New" panose="02070309020205020404" pitchFamily="49" charset="0"/>
+                <a:cs typeface="Courier New" panose="02070309020205020404" pitchFamily="49" charset="0"/>
+              </a:rPr>
+              <a:t>&lt;</a:t>
+            </a:r>
+            <a:r>
+              <a:rPr lang="en-IL" altLang="en-IL" strike="sngStrike" dirty="0">
+                <a:solidFill>
+                  <a:srgbClr val="008080"/>
+                </a:solidFill>
+                <a:highlight>
+                  <a:srgbClr val="C0C0C0"/>
+                </a:highlight>
+                <a:latin typeface="Courier New" panose="02070309020205020404" pitchFamily="49" charset="0"/>
+                <a:cs typeface="Courier New" panose="02070309020205020404" pitchFamily="49" charset="0"/>
+              </a:rPr>
+              <a:t>PEOPLE</a:t>
+            </a:r>
+            <a:r>
+              <a:rPr lang="en-IL" altLang="en-IL" strike="sngStrike" dirty="0">
+                <a:solidFill>
+                  <a:srgbClr val="008080"/>
+                </a:solidFill>
+                <a:latin typeface="Courier New" panose="02070309020205020404" pitchFamily="49" charset="0"/>
+                <a:cs typeface="Courier New" panose="02070309020205020404" pitchFamily="49" charset="0"/>
+              </a:rPr>
+              <a:t>&gt;&lt;/PEOPLE&gt;</a:t>
+            </a:r>
+            <a:br>
+              <a:rPr lang="en-IL" altLang="en-IL" strike="sngStrike" dirty="0">
+                <a:solidFill>
+                  <a:srgbClr val="008080"/>
+                </a:solidFill>
+                <a:latin typeface="Courier New" panose="02070309020205020404" pitchFamily="49" charset="0"/>
+                <a:cs typeface="Courier New" panose="02070309020205020404" pitchFamily="49" charset="0"/>
+              </a:rPr>
+            </a:br>
+            <a:r>
+              <a:rPr lang="en-IL" altLang="en-IL" strike="sngStrike" dirty="0">
+                <a:solidFill>
+                  <a:srgbClr val="008080"/>
+                </a:solidFill>
+                <a:latin typeface="Courier New" panose="02070309020205020404" pitchFamily="49" charset="0"/>
+                <a:cs typeface="Courier New" panose="02070309020205020404" pitchFamily="49" charset="0"/>
+              </a:rPr>
+              <a:t>&lt;</a:t>
+            </a:r>
+            <a:r>
+              <a:rPr lang="en-IL" altLang="en-IL" strike="sngStrike" dirty="0">
+                <a:solidFill>
+                  <a:srgbClr val="008080"/>
+                </a:solidFill>
+                <a:highlight>
+                  <a:srgbClr val="C0C0C0"/>
+                </a:highlight>
+                <a:latin typeface="Courier New" panose="02070309020205020404" pitchFamily="49" charset="0"/>
+                <a:cs typeface="Courier New" panose="02070309020205020404" pitchFamily="49" charset="0"/>
+              </a:rPr>
+              <a:t>ORGS</a:t>
+            </a:r>
+            <a:r>
+              <a:rPr lang="en-IL" altLang="en-IL" strike="sngStrike" dirty="0">
+                <a:solidFill>
+                  <a:srgbClr val="008080"/>
+                </a:solidFill>
+                <a:latin typeface="Courier New" panose="02070309020205020404" pitchFamily="49" charset="0"/>
+                <a:cs typeface="Courier New" panose="02070309020205020404" pitchFamily="49" charset="0"/>
+              </a:rPr>
+              <a:t>&gt;&lt;/ORGS&gt;</a:t>
+            </a:r>
+            <a:br>
+              <a:rPr lang="en-IL" altLang="en-IL" strike="sngStrike" dirty="0">
+                <a:solidFill>
+                  <a:srgbClr val="008080"/>
+                </a:solidFill>
+                <a:latin typeface="Courier New" panose="02070309020205020404" pitchFamily="49" charset="0"/>
+                <a:cs typeface="Courier New" panose="02070309020205020404" pitchFamily="49" charset="0"/>
+              </a:rPr>
+            </a:br>
+            <a:r>
+              <a:rPr lang="en-IL" altLang="en-IL" strike="sngStrike" dirty="0">
+                <a:solidFill>
+                  <a:srgbClr val="008080"/>
+                </a:solidFill>
+                <a:latin typeface="Courier New" panose="02070309020205020404" pitchFamily="49" charset="0"/>
+                <a:cs typeface="Courier New" panose="02070309020205020404" pitchFamily="49" charset="0"/>
+              </a:rPr>
+              <a:t>&lt;</a:t>
+            </a:r>
+            <a:r>
+              <a:rPr lang="en-IL" altLang="en-IL" strike="sngStrike" dirty="0">
+                <a:solidFill>
+                  <a:srgbClr val="008080"/>
+                </a:solidFill>
+                <a:highlight>
+                  <a:srgbClr val="C0C0C0"/>
+                </a:highlight>
+                <a:latin typeface="Courier New" panose="02070309020205020404" pitchFamily="49" charset="0"/>
+                <a:cs typeface="Courier New" panose="02070309020205020404" pitchFamily="49" charset="0"/>
+              </a:rPr>
+              <a:t>EXCHANGES</a:t>
+            </a:r>
+            <a:r>
+              <a:rPr lang="en-IL" altLang="en-IL" strike="sngStrike" dirty="0">
+                <a:solidFill>
+                  <a:srgbClr val="008080"/>
+                </a:solidFill>
+                <a:latin typeface="Courier New" panose="02070309020205020404" pitchFamily="49" charset="0"/>
+                <a:cs typeface="Courier New" panose="02070309020205020404" pitchFamily="49" charset="0"/>
+              </a:rPr>
+              <a:t>&gt;&lt;/EXCHANGES&gt;</a:t>
+            </a:r>
+            <a:br>
+              <a:rPr lang="en-IL" altLang="en-IL" strike="sngStrike" dirty="0">
+                <a:solidFill>
+                  <a:srgbClr val="008080"/>
+                </a:solidFill>
+                <a:latin typeface="Courier New" panose="02070309020205020404" pitchFamily="49" charset="0"/>
+                <a:cs typeface="Courier New" panose="02070309020205020404" pitchFamily="49" charset="0"/>
+              </a:rPr>
+            </a:br>
+            <a:r>
+              <a:rPr lang="en-IL" altLang="en-IL" strike="sngStrike" dirty="0">
+                <a:solidFill>
+                  <a:srgbClr val="008080"/>
+                </a:solidFill>
+                <a:latin typeface="Courier New" panose="02070309020205020404" pitchFamily="49" charset="0"/>
+                <a:cs typeface="Courier New" panose="02070309020205020404" pitchFamily="49" charset="0"/>
+              </a:rPr>
+              <a:t>&lt;</a:t>
+            </a:r>
+            <a:r>
+              <a:rPr lang="en-IL" altLang="en-IL" strike="sngStrike" dirty="0">
+                <a:solidFill>
+                  <a:srgbClr val="008080"/>
+                </a:solidFill>
+                <a:highlight>
+                  <a:srgbClr val="C0C0C0"/>
+                </a:highlight>
+                <a:latin typeface="Courier New" panose="02070309020205020404" pitchFamily="49" charset="0"/>
+                <a:cs typeface="Courier New" panose="02070309020205020404" pitchFamily="49" charset="0"/>
+              </a:rPr>
+              <a:t>COMPANIES</a:t>
+            </a:r>
+            <a:r>
+              <a:rPr lang="en-IL" altLang="en-IL" strike="sngStrike" dirty="0">
+                <a:solidFill>
+                  <a:srgbClr val="008080"/>
+                </a:solidFill>
+                <a:latin typeface="Courier New" panose="02070309020205020404" pitchFamily="49" charset="0"/>
+                <a:cs typeface="Courier New" panose="02070309020205020404" pitchFamily="49" charset="0"/>
+              </a:rPr>
+              <a:t>&gt;&lt;/COMPANIES&gt;</a:t>
+            </a:r>
+            <a:br>
+              <a:rPr lang="en-IL" altLang="en-IL" strike="sngStrike" dirty="0">
+                <a:solidFill>
+                  <a:srgbClr val="008080"/>
+                </a:solidFill>
+                <a:latin typeface="Courier New" panose="02070309020205020404" pitchFamily="49" charset="0"/>
+                <a:cs typeface="Courier New" panose="02070309020205020404" pitchFamily="49" charset="0"/>
+              </a:rPr>
+            </a:br>
+            <a:r>
+              <a:rPr lang="en-IL" altLang="en-IL" b="1" dirty="0">
+                <a:solidFill>
+                  <a:srgbClr val="008080"/>
+                </a:solidFill>
+                <a:latin typeface="Courier New" panose="02070309020205020404" pitchFamily="49" charset="0"/>
+                <a:cs typeface="Courier New" panose="02070309020205020404" pitchFamily="49" charset="0"/>
+              </a:rPr>
+              <a:t>&lt;UNKNOWN&gt; </a:t>
+            </a:r>
+            <a:br>
+              <a:rPr lang="en-IL" altLang="en-IL" b="1" dirty="0">
+                <a:solidFill>
+                  <a:srgbClr val="008080"/>
+                </a:solidFill>
+                <a:latin typeface="Courier New" panose="02070309020205020404" pitchFamily="49" charset="0"/>
+                <a:cs typeface="Courier New" panose="02070309020205020404" pitchFamily="49" charset="0"/>
+              </a:rPr>
+            </a:br>
+            <a:r>
+              <a:rPr lang="en-IL" altLang="en-IL" b="1" dirty="0">
+                <a:solidFill>
+                  <a:srgbClr val="008080"/>
+                </a:solidFill>
+                <a:latin typeface="Courier New" panose="02070309020205020404" pitchFamily="49" charset="0"/>
+                <a:cs typeface="Courier New" panose="02070309020205020404" pitchFamily="49" charset="0"/>
+              </a:rPr>
+              <a:t>&amp;#5;&amp;#5;&amp;#5;G T</a:t>
+            </a:r>
+            <a:br>
+              <a:rPr lang="en-IL" altLang="en-IL" b="1" dirty="0">
+                <a:solidFill>
+                  <a:srgbClr val="008080"/>
+                </a:solidFill>
+                <a:latin typeface="Courier New" panose="02070309020205020404" pitchFamily="49" charset="0"/>
+                <a:cs typeface="Courier New" panose="02070309020205020404" pitchFamily="49" charset="0"/>
+              </a:rPr>
+            </a:br>
+            <a:r>
+              <a:rPr lang="en-IL" altLang="en-IL" b="1" dirty="0">
+                <a:solidFill>
+                  <a:srgbClr val="008080"/>
+                </a:solidFill>
+                <a:latin typeface="Courier New" panose="02070309020205020404" pitchFamily="49" charset="0"/>
+                <a:cs typeface="Courier New" panose="02070309020205020404" pitchFamily="49" charset="0"/>
+              </a:rPr>
+              <a:t>&amp;#22;&amp;#22;&amp;#1;f0288&amp;#31;reute</a:t>
+            </a:r>
+            <a:br>
+              <a:rPr lang="en-IL" altLang="en-IL" b="1" dirty="0">
+                <a:solidFill>
+                  <a:srgbClr val="008080"/>
+                </a:solidFill>
+                <a:latin typeface="Courier New" panose="02070309020205020404" pitchFamily="49" charset="0"/>
+                <a:cs typeface="Courier New" panose="02070309020205020404" pitchFamily="49" charset="0"/>
+              </a:rPr>
+            </a:br>
+            <a:r>
+              <a:rPr lang="en-IL" altLang="en-IL" b="1" dirty="0">
+                <a:solidFill>
+                  <a:srgbClr val="008080"/>
+                </a:solidFill>
+                <a:latin typeface="Courier New" panose="02070309020205020404" pitchFamily="49" charset="0"/>
+                <a:cs typeface="Courier New" panose="02070309020205020404" pitchFamily="49" charset="0"/>
+              </a:rPr>
+              <a:t>d f BC-SANDOZ-PLANS-WEEDKILL   03-03 0095&lt;/UNKNOWN&gt;</a:t>
+            </a:r>
+            <a:br>
+              <a:rPr lang="en-IL" altLang="en-IL" b="1" dirty="0">
+                <a:solidFill>
+                  <a:srgbClr val="008080"/>
+                </a:solidFill>
+                <a:latin typeface="Courier New" panose="02070309020205020404" pitchFamily="49" charset="0"/>
+                <a:cs typeface="Courier New" panose="02070309020205020404" pitchFamily="49" charset="0"/>
+              </a:rPr>
+            </a:br>
+            <a:r>
+              <a:rPr lang="en-IL" altLang="en-IL" b="1" dirty="0">
+                <a:solidFill>
+                  <a:srgbClr val="008080"/>
+                </a:solidFill>
+                <a:latin typeface="Courier New" panose="02070309020205020404" pitchFamily="49" charset="0"/>
+                <a:cs typeface="Courier New" panose="02070309020205020404" pitchFamily="49" charset="0"/>
+              </a:rPr>
+              <a:t>&lt;TEXT&gt;&amp;#2;</a:t>
+            </a:r>
+            <a:br>
+              <a:rPr lang="en-IL" altLang="en-IL" b="1" dirty="0">
+                <a:solidFill>
+                  <a:srgbClr val="008080"/>
+                </a:solidFill>
+                <a:latin typeface="Courier New" panose="02070309020205020404" pitchFamily="49" charset="0"/>
+                <a:cs typeface="Courier New" panose="02070309020205020404" pitchFamily="49" charset="0"/>
+              </a:rPr>
+            </a:br>
+            <a:r>
+              <a:rPr lang="en-IL" altLang="en-IL" b="1" dirty="0">
+                <a:solidFill>
+                  <a:srgbClr val="008080"/>
+                </a:solidFill>
+                <a:latin typeface="Courier New" panose="02070309020205020404" pitchFamily="49" charset="0"/>
+                <a:cs typeface="Courier New" panose="02070309020205020404" pitchFamily="49" charset="0"/>
+              </a:rPr>
+              <a:t>&lt;TITLE&gt;SANDOZ PLANS WEEDKILLER JOINT VENTURE IN USSR&lt;/TITLE&gt;</a:t>
+            </a:r>
+            <a:br>
+              <a:rPr lang="en-IL" altLang="en-IL" b="1" dirty="0">
+                <a:solidFill>
+                  <a:srgbClr val="008080"/>
+                </a:solidFill>
+                <a:latin typeface="Courier New" panose="02070309020205020404" pitchFamily="49" charset="0"/>
+                <a:cs typeface="Courier New" panose="02070309020205020404" pitchFamily="49" charset="0"/>
+              </a:rPr>
+            </a:br>
+            <a:r>
+              <a:rPr lang="en-IL" altLang="en-IL" b="1" dirty="0">
+                <a:solidFill>
+                  <a:srgbClr val="008080"/>
+                </a:solidFill>
+                <a:latin typeface="Courier New" panose="02070309020205020404" pitchFamily="49" charset="0"/>
+                <a:cs typeface="Courier New" panose="02070309020205020404" pitchFamily="49" charset="0"/>
+              </a:rPr>
+              <a:t>&lt;DATELINE&gt;    BASLE, March 3 - &lt;/DATELINE&gt;&lt;</a:t>
+            </a:r>
+            <a:r>
+              <a:rPr lang="en-IL" altLang="en-IL" b="1" dirty="0">
+                <a:solidFill>
+                  <a:srgbClr val="008080"/>
+                </a:solidFill>
+                <a:highlight>
+                  <a:srgbClr val="00FF00"/>
+                </a:highlight>
+                <a:latin typeface="Courier New" panose="02070309020205020404" pitchFamily="49" charset="0"/>
+                <a:cs typeface="Courier New" panose="02070309020205020404" pitchFamily="49" charset="0"/>
+              </a:rPr>
+              <a:t>BODY</a:t>
+            </a:r>
+            <a:r>
+              <a:rPr lang="en-IL" altLang="en-IL" b="1" dirty="0">
+                <a:solidFill>
+                  <a:srgbClr val="008080"/>
+                </a:solidFill>
+                <a:latin typeface="Courier New" panose="02070309020205020404" pitchFamily="49" charset="0"/>
+                <a:cs typeface="Courier New" panose="02070309020205020404" pitchFamily="49" charset="0"/>
+              </a:rPr>
+              <a:t>&gt;Sandoz AG said it planned a joint venture</a:t>
+            </a:r>
+            <a:br>
+              <a:rPr lang="en-IL" altLang="en-IL" b="1" dirty="0">
+                <a:solidFill>
+                  <a:srgbClr val="008080"/>
+                </a:solidFill>
+                <a:latin typeface="Courier New" panose="02070309020205020404" pitchFamily="49" charset="0"/>
+                <a:cs typeface="Courier New" panose="02070309020205020404" pitchFamily="49" charset="0"/>
+              </a:rPr>
+            </a:br>
+            <a:r>
+              <a:rPr lang="en-IL" altLang="en-IL" b="1" dirty="0">
+                <a:solidFill>
+                  <a:srgbClr val="008080"/>
+                </a:solidFill>
+                <a:latin typeface="Courier New" panose="02070309020205020404" pitchFamily="49" charset="0"/>
+                <a:cs typeface="Courier New" panose="02070309020205020404" pitchFamily="49" charset="0"/>
+              </a:rPr>
+              <a:t>to produce herbicides in the Soviet Union.</a:t>
+            </a:r>
+            <a:br>
+              <a:rPr lang="en-IL" altLang="en-IL" b="1" dirty="0">
+                <a:solidFill>
+                  <a:srgbClr val="008080"/>
+                </a:solidFill>
+                <a:latin typeface="Courier New" panose="02070309020205020404" pitchFamily="49" charset="0"/>
+                <a:cs typeface="Courier New" panose="02070309020205020404" pitchFamily="49" charset="0"/>
+              </a:rPr>
+            </a:br>
+            <a:r>
+              <a:rPr lang="en-IL" altLang="en-IL" b="1" dirty="0">
+                <a:solidFill>
+                  <a:srgbClr val="008080"/>
+                </a:solidFill>
+                <a:latin typeface="Courier New" panose="02070309020205020404" pitchFamily="49" charset="0"/>
+                <a:cs typeface="Courier New" panose="02070309020205020404" pitchFamily="49" charset="0"/>
+              </a:rPr>
+              <a:t>    The company said it had signed a letter of intent with the</a:t>
+            </a:r>
+            <a:br>
+              <a:rPr lang="en-IL" altLang="en-IL" b="1" dirty="0">
+                <a:solidFill>
+                  <a:srgbClr val="008080"/>
+                </a:solidFill>
+                <a:latin typeface="Courier New" panose="02070309020205020404" pitchFamily="49" charset="0"/>
+                <a:cs typeface="Courier New" panose="02070309020205020404" pitchFamily="49" charset="0"/>
+              </a:rPr>
+            </a:br>
+            <a:r>
+              <a:rPr lang="en-IL" altLang="en-IL" b="1" dirty="0">
+                <a:solidFill>
+                  <a:srgbClr val="008080"/>
+                </a:solidFill>
+                <a:latin typeface="Courier New" panose="02070309020205020404" pitchFamily="49" charset="0"/>
+                <a:cs typeface="Courier New" panose="02070309020205020404" pitchFamily="49" charset="0"/>
+              </a:rPr>
+              <a:t>Soviet Ministry of Fertiliser Production to form the first</a:t>
+            </a:r>
+            <a:br>
+              <a:rPr lang="en-IL" altLang="en-IL" b="1" dirty="0">
+                <a:solidFill>
+                  <a:srgbClr val="008080"/>
+                </a:solidFill>
+                <a:latin typeface="Courier New" panose="02070309020205020404" pitchFamily="49" charset="0"/>
+                <a:cs typeface="Courier New" panose="02070309020205020404" pitchFamily="49" charset="0"/>
+              </a:rPr>
+            </a:br>
+            <a:r>
+              <a:rPr lang="en-IL" altLang="en-IL" b="1" dirty="0">
+                <a:solidFill>
+                  <a:srgbClr val="008080"/>
+                </a:solidFill>
+                <a:latin typeface="Courier New" panose="02070309020205020404" pitchFamily="49" charset="0"/>
+                <a:cs typeface="Courier New" panose="02070309020205020404" pitchFamily="49" charset="0"/>
+              </a:rPr>
+              <a:t>foreign joint venture the ministry had undertaken since the</a:t>
+            </a:r>
+            <a:br>
+              <a:rPr lang="en-IL" altLang="en-IL" b="1" dirty="0">
+                <a:solidFill>
+                  <a:srgbClr val="008080"/>
+                </a:solidFill>
+                <a:latin typeface="Courier New" panose="02070309020205020404" pitchFamily="49" charset="0"/>
+                <a:cs typeface="Courier New" panose="02070309020205020404" pitchFamily="49" charset="0"/>
+              </a:rPr>
+            </a:br>
+            <a:r>
+              <a:rPr lang="en-IL" altLang="en-IL" b="1" dirty="0">
+                <a:solidFill>
+                  <a:srgbClr val="008080"/>
+                </a:solidFill>
+                <a:latin typeface="Courier New" panose="02070309020205020404" pitchFamily="49" charset="0"/>
+                <a:cs typeface="Courier New" panose="02070309020205020404" pitchFamily="49" charset="0"/>
+              </a:rPr>
+              <a:t>Soviet Union allowed Western firms to enter into joint ventures</a:t>
+            </a:r>
+            <a:br>
+              <a:rPr lang="en-IL" altLang="en-IL" b="1" dirty="0">
+                <a:solidFill>
+                  <a:srgbClr val="008080"/>
+                </a:solidFill>
+                <a:latin typeface="Courier New" panose="02070309020205020404" pitchFamily="49" charset="0"/>
+                <a:cs typeface="Courier New" panose="02070309020205020404" pitchFamily="49" charset="0"/>
+              </a:rPr>
+            </a:br>
+            <a:r>
+              <a:rPr lang="en-IL" altLang="en-IL" b="1" dirty="0">
+                <a:solidFill>
+                  <a:srgbClr val="008080"/>
+                </a:solidFill>
+                <a:latin typeface="Courier New" panose="02070309020205020404" pitchFamily="49" charset="0"/>
+                <a:cs typeface="Courier New" panose="02070309020205020404" pitchFamily="49" charset="0"/>
+              </a:rPr>
+              <a:t>two months ago.</a:t>
+            </a:r>
+            <a:br>
+              <a:rPr lang="en-IL" altLang="en-IL" b="1" dirty="0">
+                <a:solidFill>
+                  <a:srgbClr val="008080"/>
+                </a:solidFill>
+                <a:latin typeface="Courier New" panose="02070309020205020404" pitchFamily="49" charset="0"/>
+                <a:cs typeface="Courier New" panose="02070309020205020404" pitchFamily="49" charset="0"/>
+              </a:rPr>
+            </a:br>
+            <a:r>
+              <a:rPr lang="en-IL" altLang="en-IL" b="1" dirty="0">
+                <a:solidFill>
+                  <a:srgbClr val="008080"/>
+                </a:solidFill>
+                <a:latin typeface="Courier New" panose="02070309020205020404" pitchFamily="49" charset="0"/>
+                <a:cs typeface="Courier New" panose="02070309020205020404" pitchFamily="49" charset="0"/>
+              </a:rPr>
+              <a:t>    The ministry and Sandoz will each have a 50 </a:t>
+            </a:r>
+            <a:r>
+              <a:rPr lang="en-IL" altLang="en-IL" b="1" dirty="0" err="1">
+                <a:solidFill>
+                  <a:srgbClr val="008080"/>
+                </a:solidFill>
+                <a:latin typeface="Courier New" panose="02070309020205020404" pitchFamily="49" charset="0"/>
+                <a:cs typeface="Courier New" panose="02070309020205020404" pitchFamily="49" charset="0"/>
+              </a:rPr>
+              <a:t>pct</a:t>
+            </a:r>
+            <a:r>
+              <a:rPr lang="en-IL" altLang="en-IL" b="1" dirty="0">
+                <a:solidFill>
+                  <a:srgbClr val="008080"/>
+                </a:solidFill>
+                <a:latin typeface="Courier New" panose="02070309020205020404" pitchFamily="49" charset="0"/>
+                <a:cs typeface="Courier New" panose="02070309020205020404" pitchFamily="49" charset="0"/>
+              </a:rPr>
+              <a:t> stake, but</a:t>
+            </a:r>
+            <a:br>
+              <a:rPr lang="en-IL" altLang="en-IL" b="1" dirty="0">
+                <a:solidFill>
+                  <a:srgbClr val="008080"/>
+                </a:solidFill>
+                <a:latin typeface="Courier New" panose="02070309020205020404" pitchFamily="49" charset="0"/>
+                <a:cs typeface="Courier New" panose="02070309020205020404" pitchFamily="49" charset="0"/>
+              </a:rPr>
+            </a:br>
+            <a:r>
+              <a:rPr lang="en-IL" altLang="en-IL" b="1" dirty="0">
+                <a:solidFill>
+                  <a:srgbClr val="008080"/>
+                </a:solidFill>
+                <a:latin typeface="Courier New" panose="02070309020205020404" pitchFamily="49" charset="0"/>
+                <a:cs typeface="Courier New" panose="02070309020205020404" pitchFamily="49" charset="0"/>
+              </a:rPr>
+              <a:t>a company spokeswoman was unable to give details of the size of</a:t>
+            </a:r>
+            <a:br>
+              <a:rPr lang="en-IL" altLang="en-IL" b="1" dirty="0">
+                <a:solidFill>
+                  <a:srgbClr val="008080"/>
+                </a:solidFill>
+                <a:latin typeface="Courier New" panose="02070309020205020404" pitchFamily="49" charset="0"/>
+                <a:cs typeface="Courier New" panose="02070309020205020404" pitchFamily="49" charset="0"/>
+              </a:rPr>
+            </a:br>
+            <a:r>
+              <a:rPr lang="en-IL" altLang="en-IL" b="1" dirty="0">
+                <a:solidFill>
+                  <a:srgbClr val="008080"/>
+                </a:solidFill>
+                <a:latin typeface="Courier New" panose="02070309020205020404" pitchFamily="49" charset="0"/>
+                <a:cs typeface="Courier New" panose="02070309020205020404" pitchFamily="49" charset="0"/>
+              </a:rPr>
+              <a:t>investment or planned output.</a:t>
+            </a:r>
+            <a:br>
+              <a:rPr lang="en-IL" altLang="en-IL" b="1" dirty="0">
+                <a:solidFill>
+                  <a:srgbClr val="008080"/>
+                </a:solidFill>
+                <a:latin typeface="Courier New" panose="02070309020205020404" pitchFamily="49" charset="0"/>
+                <a:cs typeface="Courier New" panose="02070309020205020404" pitchFamily="49" charset="0"/>
+              </a:rPr>
+            </a:br>
+            <a:r>
+              <a:rPr lang="en-IL" altLang="en-IL" b="1" dirty="0">
+                <a:solidFill>
+                  <a:srgbClr val="008080"/>
+                </a:solidFill>
+                <a:latin typeface="Courier New" panose="02070309020205020404" pitchFamily="49" charset="0"/>
+                <a:cs typeface="Courier New" panose="02070309020205020404" pitchFamily="49" charset="0"/>
+              </a:rPr>
+              <a:t> Reuter</a:t>
+            </a:r>
+            <a:br>
+              <a:rPr lang="en-IL" altLang="en-IL" b="1" dirty="0">
+                <a:solidFill>
+                  <a:srgbClr val="008080"/>
+                </a:solidFill>
+                <a:latin typeface="Courier New" panose="02070309020205020404" pitchFamily="49" charset="0"/>
+                <a:cs typeface="Courier New" panose="02070309020205020404" pitchFamily="49" charset="0"/>
+              </a:rPr>
+            </a:br>
+            <a:r>
+              <a:rPr lang="en-IL" altLang="en-IL" b="1" dirty="0">
+                <a:solidFill>
+                  <a:srgbClr val="008080"/>
+                </a:solidFill>
+                <a:latin typeface="Courier New" panose="02070309020205020404" pitchFamily="49" charset="0"/>
+                <a:cs typeface="Courier New" panose="02070309020205020404" pitchFamily="49" charset="0"/>
+              </a:rPr>
+              <a:t>&amp;#3;&lt;/</a:t>
+            </a:r>
+            <a:r>
+              <a:rPr lang="en-IL" altLang="en-IL" b="1" dirty="0">
+                <a:solidFill>
+                  <a:srgbClr val="008080"/>
+                </a:solidFill>
+                <a:highlight>
+                  <a:srgbClr val="00FF00"/>
+                </a:highlight>
+                <a:latin typeface="Courier New" panose="02070309020205020404" pitchFamily="49" charset="0"/>
+                <a:cs typeface="Courier New" panose="02070309020205020404" pitchFamily="49" charset="0"/>
+              </a:rPr>
+              <a:t>BODY</a:t>
+            </a:r>
+            <a:r>
+              <a:rPr lang="en-IL" altLang="en-IL" b="1" dirty="0">
+                <a:solidFill>
+                  <a:srgbClr val="008080"/>
+                </a:solidFill>
+                <a:latin typeface="Courier New" panose="02070309020205020404" pitchFamily="49" charset="0"/>
+                <a:cs typeface="Courier New" panose="02070309020205020404" pitchFamily="49" charset="0"/>
+              </a:rPr>
+              <a:t>&gt;&lt;/TEXT&gt;</a:t>
+            </a:r>
+            <a:br>
+              <a:rPr lang="en-IL" altLang="en-IL" b="1" dirty="0">
+                <a:solidFill>
+                  <a:srgbClr val="008080"/>
+                </a:solidFill>
+                <a:latin typeface="Courier New" panose="02070309020205020404" pitchFamily="49" charset="0"/>
+                <a:cs typeface="Courier New" panose="02070309020205020404" pitchFamily="49" charset="0"/>
+              </a:rPr>
+            </a:br>
+            <a:r>
+              <a:rPr lang="en-IL" altLang="en-IL" b="1" dirty="0">
+                <a:solidFill>
+                  <a:srgbClr val="008080"/>
+                </a:solidFill>
+                <a:latin typeface="Courier New" panose="02070309020205020404" pitchFamily="49" charset="0"/>
+                <a:cs typeface="Courier New" panose="02070309020205020404" pitchFamily="49" charset="0"/>
+              </a:rPr>
+              <a:t>&lt;/</a:t>
+            </a:r>
+            <a:r>
+              <a:rPr lang="en-IL" altLang="en-IL" b="1" dirty="0">
+                <a:solidFill>
+                  <a:srgbClr val="008080"/>
+                </a:solidFill>
+                <a:highlight>
+                  <a:srgbClr val="FFFF00"/>
+                </a:highlight>
+                <a:latin typeface="Courier New" panose="02070309020205020404" pitchFamily="49" charset="0"/>
+                <a:cs typeface="Courier New" panose="02070309020205020404" pitchFamily="49" charset="0"/>
+              </a:rPr>
+              <a:t>REUTERS</a:t>
+            </a:r>
+            <a:r>
+              <a:rPr lang="en-IL" altLang="en-IL" b="1" dirty="0">
+                <a:solidFill>
+                  <a:srgbClr val="008080"/>
+                </a:solidFill>
+                <a:latin typeface="Courier New" panose="02070309020205020404" pitchFamily="49" charset="0"/>
+                <a:cs typeface="Courier New" panose="02070309020205020404" pitchFamily="49" charset="0"/>
+              </a:rPr>
+              <a:t>&gt;</a:t>
+            </a:r>
+            <a:br>
+              <a:rPr lang="en-IL" altLang="en-IL" b="1" dirty="0">
+                <a:solidFill>
+                  <a:srgbClr val="008080"/>
+                </a:solidFill>
+                <a:latin typeface="Courier New" panose="02070309020205020404" pitchFamily="49" charset="0"/>
+                <a:cs typeface="Courier New" panose="02070309020205020404" pitchFamily="49" charset="0"/>
+              </a:rPr>
+            </a:br>
+            <a:endParaRPr lang="en-IL" dirty="0"/>
+          </a:p>
+        </p:txBody>
+      </p:sp>
+    </p:spTree>
+    <p:extLst>
+      <p:ext uri="{BB962C8B-B14F-4D97-AF65-F5344CB8AC3E}">
+        <p14:creationId xmlns:p14="http://schemas.microsoft.com/office/powerpoint/2010/main" val="3278097861"/>
+      </p:ext>
+    </p:extLst>
+  </p:cSld>
+  <p:clrMapOvr>
+    <a:masterClrMapping/>
+  </p:clrMapOvr>
+</p:sld>
+</file>
+
+<file path=ppt/slides/slide14.xml><?xml version="1.0" encoding="utf-8"?>
+<p:sld xmlns:a="http://schemas.openxmlformats.org/drawingml/2006/main" xmlns:r="http://schemas.openxmlformats.org/officeDocument/2006/relationships" xmlns:p="http://schemas.openxmlformats.org/presentationml/2006/main">
+  <p:cSld>
+    <p:spTree>
+      <p:nvGrpSpPr>
+        <p:cNvPr id="1" name=""/>
+        <p:cNvGrpSpPr/>
+        <p:nvPr/>
+      </p:nvGrpSpPr>
+      <p:grpSpPr>
+        <a:xfrm>
+          <a:off x="0" y="0"/>
+          <a:ext cx="0" cy="0"/>
+          <a:chOff x="0" y="0"/>
+          <a:chExt cx="0" cy="0"/>
+        </a:xfrm>
+      </p:grpSpPr>
+      <p:sp>
+        <p:nvSpPr>
+          <p:cNvPr id="2" name="Title 1">
+            <a:extLst>
+              <a:ext uri="{FF2B5EF4-FFF2-40B4-BE49-F238E27FC236}">
+                <a16:creationId xmlns:a16="http://schemas.microsoft.com/office/drawing/2014/main" id="{5527BD6C-B15E-4120-A5FD-FB327A9F14FE}"/>
+              </a:ext>
+            </a:extLst>
+          </p:cNvPr>
+          <p:cNvSpPr>
+            <a:spLocks noGrp="1"/>
+          </p:cNvSpPr>
+          <p:nvPr>
+            <p:ph type="title"/>
+          </p:nvPr>
+        </p:nvSpPr>
+        <p:spPr/>
+        <p:txBody>
+          <a:bodyPr/>
+          <a:lstStyle/>
+          <a:p>
+            <a:r>
+              <a:rPr lang="en-US" dirty="0"/>
+              <a:t>The API you have </a:t>
+            </a:r>
+            <a:r>
+              <a:rPr lang="en-US"/>
+              <a:t>to implement</a:t>
+            </a:r>
+            <a:endParaRPr lang="en-IL" dirty="0"/>
+          </a:p>
+        </p:txBody>
+      </p:sp>
+      <p:sp>
+        <p:nvSpPr>
+          <p:cNvPr id="4" name="Rectangle 1">
+            <a:extLst>
+              <a:ext uri="{FF2B5EF4-FFF2-40B4-BE49-F238E27FC236}">
+                <a16:creationId xmlns:a16="http://schemas.microsoft.com/office/drawing/2014/main" id="{85B62D3A-230B-42B6-A564-3E6265E7A3CB}"/>
+              </a:ext>
+            </a:extLst>
+          </p:cNvPr>
+          <p:cNvSpPr>
+            <a:spLocks noGrp="1" noChangeArrowheads="1"/>
+          </p:cNvSpPr>
+          <p:nvPr>
+            <p:ph idx="1"/>
+          </p:nvPr>
+        </p:nvSpPr>
+        <p:spPr bwMode="auto">
+          <a:xfrm>
+            <a:off x="838200" y="1462138"/>
+            <a:ext cx="8318303" cy="5078313"/>
+          </a:xfrm>
+          <a:prstGeom prst="rect">
+            <a:avLst/>
+          </a:prstGeom>
+          <a:solidFill>
+            <a:srgbClr val="FFFFFF"/>
+          </a:solidFill>
+          <a:ln>
+            <a:noFill/>
+          </a:ln>
+          <a:effectLst/>
+          <a:extLst>
+            <a:ext uri="{91240B29-F687-4F45-9708-019B960494DF}">
+              <a14:hiddenLine xmlns:a14="http://schemas.microsoft.com/office/drawing/2010/main" w="9525">
+                <a:solidFill>
+                  <a:schemeClr val="tx1"/>
+                </a:solidFill>
+                <a:miter lim="800000"/>
+                <a:headEnd/>
+                <a:tailEnd/>
+              </a14:hiddenLine>
+            </a:ext>
+            <a:ext uri="{AF507438-7753-43E0-B8FC-AC1667EBCBE1}">
+              <a14:hiddenEffects xmlns:a14="http://schemas.microsoft.com/office/drawing/2010/main">
+                <a:effectLst>
+                  <a:outerShdw dist="35921" dir="2700000" algn="ctr" rotWithShape="0">
+                    <a:schemeClr val="bg2"/>
+                  </a:outerShdw>
+                </a:effectLst>
+              </a14:hiddenEffects>
+            </a:ext>
+          </a:extLst>
+        </p:spPr>
+        <p:txBody>
+          <a:bodyPr vert="horz" wrap="none" lIns="91440" tIns="45720" rIns="91440" bIns="45720" numCol="1" anchor="ctr" anchorCtr="0" compatLnSpc="1">
+            <a:prstTxWarp prst="textNoShape">
+              <a:avLst/>
+            </a:prstTxWarp>
+            <a:spAutoFit/>
+          </a:bodyPr>
+          <a:lstStyle/>
+          <a:p>
+            <a:pPr marL="0" marR="0" lvl="0" indent="0" algn="l" defTabSz="914400" rtl="0" eaLnBrk="0" fontAlgn="base" latinLnBrk="0" hangingPunct="0">
+              <a:lnSpc>
+                <a:spcPct val="100000"/>
+              </a:lnSpc>
+              <a:spcBef>
+                <a:spcPct val="0"/>
+              </a:spcBef>
+              <a:spcAft>
+                <a:spcPct val="0"/>
+              </a:spcAft>
+              <a:buClrTx/>
+              <a:buSzTx/>
+              <a:buFontTx/>
+              <a:buNone/>
+              <a:tabLst/>
+            </a:pPr>
+            <a:br>
+              <a:rPr kumimoji="0" lang="en-IL" altLang="en-IL" sz="900" b="0" i="0" u="none" strike="noStrike" cap="none" normalizeH="0" baseline="0" dirty="0">
+                <a:ln>
+                  <a:noFill/>
+                </a:ln>
+                <a:solidFill>
+                  <a:srgbClr val="000000"/>
+                </a:solidFill>
+                <a:effectLst/>
+                <a:latin typeface="Courier New" panose="02070309020205020404" pitchFamily="49" charset="0"/>
+                <a:cs typeface="Courier New" panose="02070309020205020404" pitchFamily="49" charset="0"/>
+              </a:rPr>
+            </a:br>
+            <a:r>
+              <a:rPr kumimoji="0" lang="en-IL" altLang="en-IL" sz="900" b="1" i="0" u="none" strike="noStrike" cap="none" normalizeH="0" baseline="0" dirty="0">
+                <a:ln>
+                  <a:noFill/>
+                </a:ln>
+                <a:solidFill>
+                  <a:srgbClr val="000080"/>
+                </a:solidFill>
+                <a:effectLst/>
+                <a:latin typeface="Courier New" panose="02070309020205020404" pitchFamily="49" charset="0"/>
+                <a:cs typeface="Courier New" panose="02070309020205020404" pitchFamily="49" charset="0"/>
+              </a:rPr>
+              <a:t>class </a:t>
+            </a:r>
+            <a:r>
+              <a:rPr kumimoji="0" lang="en-IL" altLang="en-IL" sz="900" b="0" i="0" u="none" strike="noStrike" cap="none" normalizeH="0" baseline="0" dirty="0">
+                <a:ln>
+                  <a:noFill/>
+                </a:ln>
+                <a:solidFill>
+                  <a:srgbClr val="000000"/>
+                </a:solidFill>
+                <a:effectLst/>
+                <a:latin typeface="Courier New" panose="02070309020205020404" pitchFamily="49" charset="0"/>
+                <a:cs typeface="Courier New" panose="02070309020205020404" pitchFamily="49" charset="0"/>
+              </a:rPr>
+              <a:t>Model():</a:t>
+            </a:r>
+            <a:br>
+              <a:rPr kumimoji="0" lang="en-IL" altLang="en-IL" sz="900" b="0" i="0" u="none" strike="noStrike" cap="none" normalizeH="0" baseline="0" dirty="0">
+                <a:ln>
+                  <a:noFill/>
+                </a:ln>
+                <a:solidFill>
+                  <a:srgbClr val="000000"/>
+                </a:solidFill>
+                <a:effectLst/>
+                <a:latin typeface="Courier New" panose="02070309020205020404" pitchFamily="49" charset="0"/>
+                <a:cs typeface="Courier New" panose="02070309020205020404" pitchFamily="49" charset="0"/>
+              </a:rPr>
+            </a:br>
+            <a:r>
+              <a:rPr kumimoji="0" lang="en-IL" altLang="en-IL" sz="900" b="0" i="0" u="none" strike="noStrike" cap="none" normalizeH="0" baseline="0" dirty="0">
+                <a:ln>
+                  <a:noFill/>
+                </a:ln>
+                <a:solidFill>
+                  <a:srgbClr val="000000"/>
+                </a:solidFill>
+                <a:effectLst/>
+                <a:latin typeface="Courier New" panose="02070309020205020404" pitchFamily="49" charset="0"/>
+                <a:cs typeface="Courier New" panose="02070309020205020404" pitchFamily="49" charset="0"/>
+              </a:rPr>
+              <a:t>    </a:t>
+            </a:r>
+            <a:r>
+              <a:rPr kumimoji="0" lang="en-IL" altLang="en-IL" sz="900" b="0" i="1" u="none" strike="noStrike" cap="none" normalizeH="0" baseline="0" dirty="0">
+                <a:ln>
+                  <a:noFill/>
+                </a:ln>
+                <a:solidFill>
+                  <a:srgbClr val="808080"/>
+                </a:solidFill>
+                <a:effectLst/>
+                <a:latin typeface="Courier New" panose="02070309020205020404" pitchFamily="49" charset="0"/>
+                <a:cs typeface="Courier New" panose="02070309020205020404" pitchFamily="49" charset="0"/>
+              </a:rPr>
+              <a:t>"""</a:t>
+            </a:r>
+            <a:br>
+              <a:rPr kumimoji="0" lang="en-IL" altLang="en-IL" sz="900" b="0" i="1" u="none" strike="noStrike" cap="none" normalizeH="0" baseline="0" dirty="0">
+                <a:ln>
+                  <a:noFill/>
+                </a:ln>
+                <a:solidFill>
+                  <a:srgbClr val="808080"/>
+                </a:solidFill>
+                <a:effectLst/>
+                <a:latin typeface="Courier New" panose="02070309020205020404" pitchFamily="49" charset="0"/>
+                <a:cs typeface="Courier New" panose="02070309020205020404" pitchFamily="49" charset="0"/>
+              </a:rPr>
+            </a:br>
+            <a:r>
+              <a:rPr kumimoji="0" lang="en-IL" altLang="en-IL" sz="900" b="0" i="1" u="none" strike="noStrike" cap="none" normalizeH="0" baseline="0" dirty="0">
+                <a:ln>
+                  <a:noFill/>
+                </a:ln>
+                <a:solidFill>
+                  <a:srgbClr val="808080"/>
+                </a:solidFill>
+                <a:effectLst/>
+                <a:latin typeface="Courier New" panose="02070309020205020404" pitchFamily="49" charset="0"/>
+                <a:cs typeface="Courier New" panose="02070309020205020404" pitchFamily="49" charset="0"/>
+              </a:rPr>
+              <a:t>    This class contains the models you developed for the challenge.</a:t>
+            </a:r>
+            <a:br>
+              <a:rPr kumimoji="0" lang="en-IL" altLang="en-IL" sz="900" b="0" i="1" u="none" strike="noStrike" cap="none" normalizeH="0" baseline="0" dirty="0">
+                <a:ln>
+                  <a:noFill/>
+                </a:ln>
+                <a:solidFill>
+                  <a:srgbClr val="808080"/>
+                </a:solidFill>
+                <a:effectLst/>
+                <a:latin typeface="Courier New" panose="02070309020205020404" pitchFamily="49" charset="0"/>
+                <a:cs typeface="Courier New" panose="02070309020205020404" pitchFamily="49" charset="0"/>
+              </a:rPr>
+            </a:br>
+            <a:r>
+              <a:rPr kumimoji="0" lang="en-IL" altLang="en-IL" sz="900" b="0" i="1" u="none" strike="noStrike" cap="none" normalizeH="0" baseline="0" dirty="0">
+                <a:ln>
+                  <a:noFill/>
+                </a:ln>
+                <a:solidFill>
+                  <a:srgbClr val="808080"/>
+                </a:solidFill>
+                <a:effectLst/>
+                <a:latin typeface="Courier New" panose="02070309020205020404" pitchFamily="49" charset="0"/>
+                <a:cs typeface="Courier New" panose="02070309020205020404" pitchFamily="49" charset="0"/>
+              </a:rPr>
+              <a:t>    For example it can contain one KNN classifier,</a:t>
+            </a:r>
+            <a:br>
+              <a:rPr kumimoji="0" lang="en-IL" altLang="en-IL" sz="900" b="0" i="1" u="none" strike="noStrike" cap="none" normalizeH="0" baseline="0" dirty="0">
+                <a:ln>
+                  <a:noFill/>
+                </a:ln>
+                <a:solidFill>
+                  <a:srgbClr val="808080"/>
+                </a:solidFill>
+                <a:effectLst/>
+                <a:latin typeface="Courier New" panose="02070309020205020404" pitchFamily="49" charset="0"/>
+                <a:cs typeface="Courier New" panose="02070309020205020404" pitchFamily="49" charset="0"/>
+              </a:rPr>
+            </a:br>
+            <a:r>
+              <a:rPr kumimoji="0" lang="en-IL" altLang="en-IL" sz="900" b="0" i="1" u="none" strike="noStrike" cap="none" normalizeH="0" baseline="0" dirty="0">
+                <a:ln>
+                  <a:noFill/>
+                </a:ln>
+                <a:solidFill>
+                  <a:srgbClr val="808080"/>
+                </a:solidFill>
+                <a:effectLst/>
+                <a:latin typeface="Courier New" panose="02070309020205020404" pitchFamily="49" charset="0"/>
+                <a:cs typeface="Courier New" panose="02070309020205020404" pitchFamily="49" charset="0"/>
+              </a:rPr>
+              <a:t>    or an ensemble of 4 KNN and </a:t>
+            </a:r>
+            <a:r>
+              <a:rPr kumimoji="0" lang="en-IL" altLang="en-IL" sz="900" b="0" i="1" u="none" strike="noStrike" cap="none" normalizeH="0" baseline="0" dirty="0" err="1">
+                <a:ln>
+                  <a:noFill/>
+                </a:ln>
+                <a:solidFill>
+                  <a:srgbClr val="808080"/>
+                </a:solidFill>
+                <a:effectLst/>
+                <a:latin typeface="Courier New" panose="02070309020205020404" pitchFamily="49" charset="0"/>
+                <a:cs typeface="Courier New" panose="02070309020205020404" pitchFamily="49" charset="0"/>
+              </a:rPr>
+              <a:t>rocchio</a:t>
+            </a:r>
+            <a:r>
+              <a:rPr kumimoji="0" lang="en-IL" altLang="en-IL" sz="900" b="0" i="1" u="none" strike="noStrike" cap="none" normalizeH="0" baseline="0" dirty="0">
+                <a:ln>
+                  <a:noFill/>
+                </a:ln>
+                <a:solidFill>
+                  <a:srgbClr val="808080"/>
+                </a:solidFill>
+                <a:effectLst/>
+                <a:latin typeface="Courier New" panose="02070309020205020404" pitchFamily="49" charset="0"/>
+                <a:cs typeface="Courier New" panose="02070309020205020404" pitchFamily="49" charset="0"/>
+              </a:rPr>
+              <a:t> classifiers.</a:t>
+            </a:r>
+            <a:br>
+              <a:rPr kumimoji="0" lang="en-IL" altLang="en-IL" sz="900" b="0" i="1" u="none" strike="noStrike" cap="none" normalizeH="0" baseline="0" dirty="0">
+                <a:ln>
+                  <a:noFill/>
+                </a:ln>
+                <a:solidFill>
+                  <a:srgbClr val="808080"/>
+                </a:solidFill>
+                <a:effectLst/>
+                <a:latin typeface="Courier New" panose="02070309020205020404" pitchFamily="49" charset="0"/>
+                <a:cs typeface="Courier New" panose="02070309020205020404" pitchFamily="49" charset="0"/>
+              </a:rPr>
+            </a:br>
+            <a:br>
+              <a:rPr kumimoji="0" lang="en-IL" altLang="en-IL" sz="900" b="0" i="1" u="none" strike="noStrike" cap="none" normalizeH="0" baseline="0" dirty="0">
+                <a:ln>
+                  <a:noFill/>
+                </a:ln>
+                <a:solidFill>
+                  <a:srgbClr val="808080"/>
+                </a:solidFill>
+                <a:effectLst/>
+                <a:latin typeface="Courier New" panose="02070309020205020404" pitchFamily="49" charset="0"/>
+                <a:cs typeface="Courier New" panose="02070309020205020404" pitchFamily="49" charset="0"/>
+              </a:rPr>
+            </a:br>
+            <a:r>
+              <a:rPr kumimoji="0" lang="en-IL" altLang="en-IL" sz="900" b="0" i="1" u="none" strike="noStrike" cap="none" normalizeH="0" baseline="0" dirty="0">
+                <a:ln>
+                  <a:noFill/>
+                </a:ln>
+                <a:solidFill>
+                  <a:srgbClr val="808080"/>
+                </a:solidFill>
+                <a:effectLst/>
+                <a:latin typeface="Courier New" panose="02070309020205020404" pitchFamily="49" charset="0"/>
+                <a:cs typeface="Courier New" panose="02070309020205020404" pitchFamily="49" charset="0"/>
+              </a:rPr>
+              <a:t>    The training was done before, and now you load the data that resulted from it.</a:t>
+            </a:r>
+            <a:br>
+              <a:rPr kumimoji="0" lang="en-IL" altLang="en-IL" sz="900" b="0" i="1" u="none" strike="noStrike" cap="none" normalizeH="0" baseline="0" dirty="0">
+                <a:ln>
+                  <a:noFill/>
+                </a:ln>
+                <a:solidFill>
+                  <a:srgbClr val="808080"/>
+                </a:solidFill>
+                <a:effectLst/>
+                <a:latin typeface="Courier New" panose="02070309020205020404" pitchFamily="49" charset="0"/>
+                <a:cs typeface="Courier New" panose="02070309020205020404" pitchFamily="49" charset="0"/>
+              </a:rPr>
+            </a:br>
+            <a:r>
+              <a:rPr kumimoji="0" lang="en-IL" altLang="en-IL" sz="900" b="0" i="1" u="none" strike="noStrike" cap="none" normalizeH="0" baseline="0" dirty="0">
+                <a:ln>
+                  <a:noFill/>
+                </a:ln>
+                <a:solidFill>
+                  <a:srgbClr val="808080"/>
+                </a:solidFill>
+                <a:effectLst/>
+                <a:latin typeface="Courier New" panose="02070309020205020404" pitchFamily="49" charset="0"/>
+                <a:cs typeface="Courier New" panose="02070309020205020404" pitchFamily="49" charset="0"/>
+              </a:rPr>
+              <a:t>    The Testing code will call predict() once.</a:t>
+            </a:r>
+            <a:br>
+              <a:rPr kumimoji="0" lang="en-IL" altLang="en-IL" sz="900" b="0" i="1" u="none" strike="noStrike" cap="none" normalizeH="0" baseline="0" dirty="0">
+                <a:ln>
+                  <a:noFill/>
+                </a:ln>
+                <a:solidFill>
+                  <a:srgbClr val="808080"/>
+                </a:solidFill>
+                <a:effectLst/>
+                <a:latin typeface="Courier New" panose="02070309020205020404" pitchFamily="49" charset="0"/>
+                <a:cs typeface="Courier New" panose="02070309020205020404" pitchFamily="49" charset="0"/>
+              </a:rPr>
+            </a:br>
+            <a:r>
+              <a:rPr kumimoji="0" lang="en-IL" altLang="en-IL" sz="900" b="0" i="1" u="none" strike="noStrike" cap="none" normalizeH="0" baseline="0" dirty="0">
+                <a:ln>
+                  <a:noFill/>
+                </a:ln>
+                <a:solidFill>
+                  <a:srgbClr val="808080"/>
+                </a:solidFill>
+                <a:effectLst/>
+                <a:latin typeface="Courier New" panose="02070309020205020404" pitchFamily="49" charset="0"/>
+                <a:cs typeface="Courier New" panose="02070309020205020404" pitchFamily="49" charset="0"/>
+              </a:rPr>
+              <a:t>    """</a:t>
+            </a:r>
+            <a:br>
+              <a:rPr kumimoji="0" lang="en-IL" altLang="en-IL" sz="900" b="0" i="1" u="none" strike="noStrike" cap="none" normalizeH="0" baseline="0" dirty="0">
+                <a:ln>
+                  <a:noFill/>
+                </a:ln>
+                <a:solidFill>
+                  <a:srgbClr val="808080"/>
+                </a:solidFill>
+                <a:effectLst/>
+                <a:latin typeface="Courier New" panose="02070309020205020404" pitchFamily="49" charset="0"/>
+                <a:cs typeface="Courier New" panose="02070309020205020404" pitchFamily="49" charset="0"/>
+              </a:rPr>
+            </a:br>
+            <a:br>
+              <a:rPr kumimoji="0" lang="en-IL" altLang="en-IL" sz="900" b="0" i="1" u="none" strike="noStrike" cap="none" normalizeH="0" baseline="0" dirty="0">
+                <a:ln>
+                  <a:noFill/>
+                </a:ln>
+                <a:solidFill>
+                  <a:srgbClr val="808080"/>
+                </a:solidFill>
+                <a:effectLst/>
+                <a:latin typeface="Courier New" panose="02070309020205020404" pitchFamily="49" charset="0"/>
+                <a:cs typeface="Courier New" panose="02070309020205020404" pitchFamily="49" charset="0"/>
+              </a:rPr>
+            </a:br>
+            <a:r>
+              <a:rPr kumimoji="0" lang="en-IL" altLang="en-IL" sz="900" b="0" i="1" u="none" strike="noStrike" cap="none" normalizeH="0" baseline="0" dirty="0">
+                <a:ln>
+                  <a:noFill/>
+                </a:ln>
+                <a:solidFill>
+                  <a:srgbClr val="808080"/>
+                </a:solidFill>
+                <a:effectLst/>
+                <a:latin typeface="Courier New" panose="02070309020205020404" pitchFamily="49" charset="0"/>
+                <a:cs typeface="Courier New" panose="02070309020205020404" pitchFamily="49" charset="0"/>
+              </a:rPr>
+              <a:t>    </a:t>
+            </a:r>
+            <a:r>
+              <a:rPr kumimoji="0" lang="en-IL" altLang="en-IL" sz="900" b="1" i="0" u="none" strike="noStrike" cap="none" normalizeH="0" baseline="0" dirty="0">
+                <a:ln>
+                  <a:noFill/>
+                </a:ln>
+                <a:solidFill>
+                  <a:srgbClr val="000080"/>
+                </a:solidFill>
+                <a:effectLst/>
+                <a:latin typeface="Courier New" panose="02070309020205020404" pitchFamily="49" charset="0"/>
+                <a:cs typeface="Courier New" panose="02070309020205020404" pitchFamily="49" charset="0"/>
+              </a:rPr>
+              <a:t>def </a:t>
+            </a:r>
+            <a:r>
+              <a:rPr kumimoji="0" lang="en-IL" altLang="en-IL" sz="900" b="0" i="0" u="none" strike="noStrike" cap="none" normalizeH="0" baseline="0" dirty="0">
+                <a:ln>
+                  <a:noFill/>
+                </a:ln>
+                <a:solidFill>
+                  <a:srgbClr val="B200B2"/>
+                </a:solidFill>
+                <a:effectLst/>
+                <a:latin typeface="Courier New" panose="02070309020205020404" pitchFamily="49" charset="0"/>
+                <a:cs typeface="Courier New" panose="02070309020205020404" pitchFamily="49" charset="0"/>
+              </a:rPr>
+              <a:t>__</a:t>
+            </a:r>
+            <a:r>
+              <a:rPr kumimoji="0" lang="en-IL" altLang="en-IL" sz="900" b="0" i="0" u="none" strike="noStrike" cap="none" normalizeH="0" baseline="0" dirty="0" err="1">
+                <a:ln>
+                  <a:noFill/>
+                </a:ln>
+                <a:solidFill>
+                  <a:srgbClr val="B200B2"/>
+                </a:solidFill>
+                <a:effectLst/>
+                <a:latin typeface="Courier New" panose="02070309020205020404" pitchFamily="49" charset="0"/>
+                <a:cs typeface="Courier New" panose="02070309020205020404" pitchFamily="49" charset="0"/>
+              </a:rPr>
+              <a:t>init</a:t>
+            </a:r>
+            <a:r>
+              <a:rPr kumimoji="0" lang="en-IL" altLang="en-IL" sz="900" b="0" i="0" u="none" strike="noStrike" cap="none" normalizeH="0" baseline="0" dirty="0">
+                <a:ln>
+                  <a:noFill/>
+                </a:ln>
+                <a:solidFill>
+                  <a:srgbClr val="B200B2"/>
+                </a:solidFill>
+                <a:effectLst/>
+                <a:latin typeface="Courier New" panose="02070309020205020404" pitchFamily="49" charset="0"/>
+                <a:cs typeface="Courier New" panose="02070309020205020404" pitchFamily="49" charset="0"/>
+              </a:rPr>
+              <a:t>__</a:t>
+            </a:r>
+            <a:r>
+              <a:rPr kumimoji="0" lang="en-IL" altLang="en-IL" sz="900" b="0" i="0" u="none" strike="noStrike" cap="none" normalizeH="0" baseline="0" dirty="0">
+                <a:ln>
+                  <a:noFill/>
+                </a:ln>
+                <a:solidFill>
+                  <a:srgbClr val="000000"/>
+                </a:solidFill>
+                <a:effectLst/>
+                <a:latin typeface="Courier New" panose="02070309020205020404" pitchFamily="49" charset="0"/>
+                <a:cs typeface="Courier New" panose="02070309020205020404" pitchFamily="49" charset="0"/>
+              </a:rPr>
+              <a:t>(</a:t>
+            </a:r>
+            <a:r>
+              <a:rPr kumimoji="0" lang="en-IL" altLang="en-IL" sz="900" b="0" i="0" u="none" strike="noStrike" cap="none" normalizeH="0" baseline="0" dirty="0">
+                <a:ln>
+                  <a:noFill/>
+                </a:ln>
+                <a:solidFill>
+                  <a:srgbClr val="94558D"/>
+                </a:solidFill>
+                <a:effectLst/>
+                <a:latin typeface="Courier New" panose="02070309020205020404" pitchFamily="49" charset="0"/>
+                <a:cs typeface="Courier New" panose="02070309020205020404" pitchFamily="49" charset="0"/>
+              </a:rPr>
+              <a:t>self</a:t>
+            </a:r>
+            <a:r>
+              <a:rPr kumimoji="0" lang="en-IL" altLang="en-IL" sz="900" b="0" i="0" u="none" strike="noStrike" cap="none" normalizeH="0" baseline="0" dirty="0">
+                <a:ln>
+                  <a:noFill/>
+                </a:ln>
+                <a:solidFill>
+                  <a:srgbClr val="000000"/>
+                </a:solidFill>
+                <a:effectLst/>
+                <a:latin typeface="Courier New" panose="02070309020205020404" pitchFamily="49" charset="0"/>
+                <a:cs typeface="Courier New" panose="02070309020205020404" pitchFamily="49" charset="0"/>
+              </a:rPr>
+              <a:t>, </a:t>
+            </a:r>
+            <a:r>
+              <a:rPr kumimoji="0" lang="en-IL" altLang="en-IL" sz="900" b="0" i="0" u="none" strike="noStrike" cap="none" normalizeH="0" baseline="0" dirty="0" err="1">
+                <a:ln>
+                  <a:noFill/>
+                </a:ln>
+                <a:solidFill>
+                  <a:srgbClr val="808080"/>
+                </a:solidFill>
+                <a:effectLst/>
+                <a:latin typeface="Courier New" panose="02070309020205020404" pitchFamily="49" charset="0"/>
+                <a:cs typeface="Courier New" panose="02070309020205020404" pitchFamily="49" charset="0"/>
+              </a:rPr>
+              <a:t>path_to_pre_cooked_data</a:t>
+            </a:r>
+            <a:r>
+              <a:rPr kumimoji="0" lang="en-IL" altLang="en-IL" sz="900" b="0" i="0" u="none" strike="noStrike" cap="none" normalizeH="0" baseline="0" dirty="0">
+                <a:ln>
+                  <a:noFill/>
+                </a:ln>
+                <a:solidFill>
+                  <a:srgbClr val="000000"/>
+                </a:solidFill>
+                <a:effectLst/>
+                <a:latin typeface="Courier New" panose="02070309020205020404" pitchFamily="49" charset="0"/>
+                <a:cs typeface="Courier New" panose="02070309020205020404" pitchFamily="49" charset="0"/>
+              </a:rPr>
+              <a:t>):</a:t>
+            </a:r>
+            <a:br>
+              <a:rPr kumimoji="0" lang="en-IL" altLang="en-IL" sz="900" b="0" i="0" u="none" strike="noStrike" cap="none" normalizeH="0" baseline="0" dirty="0">
+                <a:ln>
+                  <a:noFill/>
+                </a:ln>
+                <a:solidFill>
+                  <a:srgbClr val="000000"/>
+                </a:solidFill>
+                <a:effectLst/>
+                <a:latin typeface="Courier New" panose="02070309020205020404" pitchFamily="49" charset="0"/>
+                <a:cs typeface="Courier New" panose="02070309020205020404" pitchFamily="49" charset="0"/>
+              </a:rPr>
+            </a:br>
+            <a:r>
+              <a:rPr kumimoji="0" lang="en-IL" altLang="en-IL" sz="900" b="0" i="0" u="none" strike="noStrike" cap="none" normalizeH="0" baseline="0" dirty="0">
+                <a:ln>
+                  <a:noFill/>
+                </a:ln>
+                <a:solidFill>
+                  <a:srgbClr val="000000"/>
+                </a:solidFill>
+                <a:effectLst/>
+                <a:latin typeface="Courier New" panose="02070309020205020404" pitchFamily="49" charset="0"/>
+                <a:cs typeface="Courier New" panose="02070309020205020404" pitchFamily="49" charset="0"/>
+              </a:rPr>
+              <a:t>        </a:t>
+            </a:r>
+            <a:r>
+              <a:rPr kumimoji="0" lang="en-IL" altLang="en-IL" sz="900" b="0" i="1" u="none" strike="noStrike" cap="none" normalizeH="0" baseline="0" dirty="0">
+                <a:ln>
+                  <a:noFill/>
+                </a:ln>
+                <a:solidFill>
+                  <a:srgbClr val="808080"/>
+                </a:solidFill>
+                <a:effectLst/>
+                <a:latin typeface="Courier New" panose="02070309020205020404" pitchFamily="49" charset="0"/>
+                <a:cs typeface="Courier New" panose="02070309020205020404" pitchFamily="49" charset="0"/>
+              </a:rPr>
+              <a:t>"""</a:t>
+            </a:r>
+            <a:br>
+              <a:rPr kumimoji="0" lang="en-IL" altLang="en-IL" sz="900" b="0" i="1" u="none" strike="noStrike" cap="none" normalizeH="0" baseline="0" dirty="0">
+                <a:ln>
+                  <a:noFill/>
+                </a:ln>
+                <a:solidFill>
+                  <a:srgbClr val="808080"/>
+                </a:solidFill>
+                <a:effectLst/>
+                <a:latin typeface="Courier New" panose="02070309020205020404" pitchFamily="49" charset="0"/>
+                <a:cs typeface="Courier New" panose="02070309020205020404" pitchFamily="49" charset="0"/>
+              </a:rPr>
+            </a:br>
+            <a:r>
+              <a:rPr kumimoji="0" lang="en-IL" altLang="en-IL" sz="900" b="0" i="1" u="none" strike="noStrike" cap="none" normalizeH="0" baseline="0" dirty="0">
+                <a:ln>
+                  <a:noFill/>
+                </a:ln>
+                <a:solidFill>
+                  <a:srgbClr val="808080"/>
+                </a:solidFill>
+                <a:effectLst/>
+                <a:latin typeface="Courier New" panose="02070309020205020404" pitchFamily="49" charset="0"/>
+                <a:cs typeface="Courier New" panose="02070309020205020404" pitchFamily="49" charset="0"/>
+              </a:rPr>
+              <a:t>        </a:t>
+            </a:r>
+            <a:r>
+              <a:rPr kumimoji="0" lang="en-IL" altLang="en-IL" sz="900" b="0" i="1" u="none" strike="noStrike" cap="none" normalizeH="0" baseline="0" dirty="0" err="1">
+                <a:ln>
+                  <a:noFill/>
+                </a:ln>
+                <a:solidFill>
+                  <a:srgbClr val="808080"/>
+                </a:solidFill>
+                <a:effectLst/>
+                <a:latin typeface="Courier New" panose="02070309020205020404" pitchFamily="49" charset="0"/>
+                <a:cs typeface="Courier New" panose="02070309020205020404" pitchFamily="49" charset="0"/>
+              </a:rPr>
+              <a:t>init</a:t>
+            </a:r>
+            <a:r>
+              <a:rPr kumimoji="0" lang="en-IL" altLang="en-IL" sz="900" b="0" i="1" u="none" strike="noStrike" cap="none" normalizeH="0" baseline="0" dirty="0">
+                <a:ln>
+                  <a:noFill/>
+                </a:ln>
+                <a:solidFill>
+                  <a:srgbClr val="808080"/>
+                </a:solidFill>
+                <a:effectLst/>
+                <a:latin typeface="Courier New" panose="02070309020205020404" pitchFamily="49" charset="0"/>
+                <a:cs typeface="Courier New" panose="02070309020205020404" pitchFamily="49" charset="0"/>
+              </a:rPr>
+              <a:t> the Model with your proprietary data.</a:t>
+            </a:r>
+            <a:br>
+              <a:rPr kumimoji="0" lang="en-IL" altLang="en-IL" sz="900" b="0" i="1" u="none" strike="noStrike" cap="none" normalizeH="0" baseline="0" dirty="0">
+                <a:ln>
+                  <a:noFill/>
+                </a:ln>
+                <a:solidFill>
+                  <a:srgbClr val="808080"/>
+                </a:solidFill>
+                <a:effectLst/>
+                <a:latin typeface="Courier New" panose="02070309020205020404" pitchFamily="49" charset="0"/>
+                <a:cs typeface="Courier New" panose="02070309020205020404" pitchFamily="49" charset="0"/>
+              </a:rPr>
+            </a:br>
+            <a:r>
+              <a:rPr kumimoji="0" lang="en-IL" altLang="en-IL" sz="900" b="0" i="1" u="none" strike="noStrike" cap="none" normalizeH="0" baseline="0" dirty="0">
+                <a:ln>
+                  <a:noFill/>
+                </a:ln>
+                <a:solidFill>
+                  <a:srgbClr val="808080"/>
+                </a:solidFill>
+                <a:effectLst/>
+                <a:latin typeface="Courier New" panose="02070309020205020404" pitchFamily="49" charset="0"/>
+                <a:cs typeface="Courier New" panose="02070309020205020404" pitchFamily="49" charset="0"/>
+              </a:rPr>
+              <a:t>        This data can be for example, value of K, feature matrix etc.</a:t>
+            </a:r>
+            <a:br>
+              <a:rPr kumimoji="0" lang="en-IL" altLang="en-IL" sz="900" b="0" i="1" u="none" strike="noStrike" cap="none" normalizeH="0" baseline="0" dirty="0">
+                <a:ln>
+                  <a:noFill/>
+                </a:ln>
+                <a:solidFill>
+                  <a:srgbClr val="808080"/>
+                </a:solidFill>
+                <a:effectLst/>
+                <a:latin typeface="Courier New" panose="02070309020205020404" pitchFamily="49" charset="0"/>
+                <a:cs typeface="Courier New" panose="02070309020205020404" pitchFamily="49" charset="0"/>
+              </a:rPr>
+            </a:br>
+            <a:r>
+              <a:rPr kumimoji="0" lang="en-IL" altLang="en-IL" sz="900" b="0" i="1" u="none" strike="noStrike" cap="none" normalizeH="0" baseline="0" dirty="0">
+                <a:ln>
+                  <a:noFill/>
+                </a:ln>
+                <a:solidFill>
+                  <a:srgbClr val="808080"/>
+                </a:solidFill>
+                <a:effectLst/>
+                <a:latin typeface="Courier New" panose="02070309020205020404" pitchFamily="49" charset="0"/>
+                <a:cs typeface="Courier New" panose="02070309020205020404" pitchFamily="49" charset="0"/>
+              </a:rPr>
+              <a:t>        </a:t>
+            </a:r>
+            <a:r>
+              <a:rPr kumimoji="0" lang="en-IL" altLang="en-IL" sz="900" b="1" i="0" u="none" strike="noStrike" cap="none" normalizeH="0" baseline="0" dirty="0">
+                <a:ln>
+                  <a:noFill/>
+                </a:ln>
+                <a:solidFill>
+                  <a:srgbClr val="808080"/>
+                </a:solidFill>
+                <a:effectLst/>
+                <a:latin typeface="Courier New" panose="02070309020205020404" pitchFamily="49" charset="0"/>
+                <a:cs typeface="Courier New" panose="02070309020205020404" pitchFamily="49" charset="0"/>
+              </a:rPr>
+              <a:t>:param</a:t>
+            </a:r>
+            <a:r>
+              <a:rPr kumimoji="0" lang="en-IL" altLang="en-IL" sz="900" b="0" i="1" u="none" strike="noStrike" cap="none" normalizeH="0" baseline="0" dirty="0">
+                <a:ln>
+                  <a:noFill/>
+                </a:ln>
+                <a:solidFill>
+                  <a:srgbClr val="808080"/>
+                </a:solidFill>
+                <a:effectLst/>
+                <a:latin typeface="Courier New" panose="02070309020205020404" pitchFamily="49" charset="0"/>
+                <a:cs typeface="Courier New" panose="02070309020205020404" pitchFamily="49" charset="0"/>
+              </a:rPr>
+              <a:t> </a:t>
+            </a:r>
+            <a:r>
+              <a:rPr kumimoji="0" lang="en-IL" altLang="en-IL" sz="900" b="0" i="1" u="none" strike="noStrike" cap="none" normalizeH="0" baseline="0" dirty="0" err="1">
+                <a:ln>
+                  <a:noFill/>
+                </a:ln>
+                <a:solidFill>
+                  <a:srgbClr val="808080"/>
+                </a:solidFill>
+                <a:effectLst/>
+                <a:latin typeface="Courier New" panose="02070309020205020404" pitchFamily="49" charset="0"/>
+                <a:cs typeface="Courier New" panose="02070309020205020404" pitchFamily="49" charset="0"/>
+              </a:rPr>
+              <a:t>path_to_pre_cooked_data</a:t>
+            </a:r>
+            <a:r>
+              <a:rPr kumimoji="0" lang="en-IL" altLang="en-IL" sz="900" b="0" i="1" u="none" strike="noStrike" cap="none" normalizeH="0" baseline="0" dirty="0">
+                <a:ln>
+                  <a:noFill/>
+                </a:ln>
+                <a:solidFill>
+                  <a:srgbClr val="808080"/>
+                </a:solidFill>
+                <a:effectLst/>
+                <a:latin typeface="Courier New" panose="02070309020205020404" pitchFamily="49" charset="0"/>
+                <a:cs typeface="Courier New" panose="02070309020205020404" pitchFamily="49" charset="0"/>
+              </a:rPr>
+              <a:t>:</a:t>
+            </a:r>
+            <a:br>
+              <a:rPr kumimoji="0" lang="en-IL" altLang="en-IL" sz="900" b="0" i="1" u="none" strike="noStrike" cap="none" normalizeH="0" baseline="0" dirty="0">
+                <a:ln>
+                  <a:noFill/>
+                </a:ln>
+                <a:solidFill>
+                  <a:srgbClr val="808080"/>
+                </a:solidFill>
+                <a:effectLst/>
+                <a:latin typeface="Courier New" panose="02070309020205020404" pitchFamily="49" charset="0"/>
+                <a:cs typeface="Courier New" panose="02070309020205020404" pitchFamily="49" charset="0"/>
+              </a:rPr>
+            </a:br>
+            <a:r>
+              <a:rPr kumimoji="0" lang="en-IL" altLang="en-IL" sz="900" b="0" i="1" u="none" strike="noStrike" cap="none" normalizeH="0" baseline="0" dirty="0">
+                <a:ln>
+                  <a:noFill/>
+                </a:ln>
+                <a:solidFill>
+                  <a:srgbClr val="808080"/>
+                </a:solidFill>
+                <a:effectLst/>
+                <a:latin typeface="Courier New" panose="02070309020205020404" pitchFamily="49" charset="0"/>
+                <a:cs typeface="Courier New" panose="02070309020205020404" pitchFamily="49" charset="0"/>
+              </a:rPr>
+              <a:t>        """</a:t>
+            </a:r>
+            <a:br>
+              <a:rPr kumimoji="0" lang="en-IL" altLang="en-IL" sz="900" b="0" i="1" u="none" strike="noStrike" cap="none" normalizeH="0" baseline="0" dirty="0">
+                <a:ln>
+                  <a:noFill/>
+                </a:ln>
+                <a:solidFill>
+                  <a:srgbClr val="808080"/>
+                </a:solidFill>
+                <a:effectLst/>
+                <a:latin typeface="Courier New" panose="02070309020205020404" pitchFamily="49" charset="0"/>
+                <a:cs typeface="Courier New" panose="02070309020205020404" pitchFamily="49" charset="0"/>
+              </a:rPr>
+            </a:br>
+            <a:r>
+              <a:rPr kumimoji="0" lang="en-IL" altLang="en-IL" sz="900" b="0" i="1" u="none" strike="noStrike" cap="none" normalizeH="0" baseline="0" dirty="0">
+                <a:ln>
+                  <a:noFill/>
+                </a:ln>
+                <a:solidFill>
+                  <a:srgbClr val="808080"/>
+                </a:solidFill>
+                <a:effectLst/>
+                <a:latin typeface="Courier New" panose="02070309020205020404" pitchFamily="49" charset="0"/>
+                <a:cs typeface="Courier New" panose="02070309020205020404" pitchFamily="49" charset="0"/>
+              </a:rPr>
+              <a:t>        </a:t>
+            </a:r>
+            <a:r>
+              <a:rPr kumimoji="0" lang="en-IL" altLang="en-IL" sz="900" b="1" i="0" u="none" strike="noStrike" cap="none" normalizeH="0" baseline="0" dirty="0">
+                <a:ln>
+                  <a:noFill/>
+                </a:ln>
+                <a:solidFill>
+                  <a:srgbClr val="000080"/>
+                </a:solidFill>
+                <a:effectLst/>
+                <a:latin typeface="Courier New" panose="02070309020205020404" pitchFamily="49" charset="0"/>
+                <a:cs typeface="Courier New" panose="02070309020205020404" pitchFamily="49" charset="0"/>
+              </a:rPr>
+              <a:t>pass</a:t>
+            </a:r>
+            <a:br>
+              <a:rPr kumimoji="0" lang="en-IL" altLang="en-IL" sz="900" b="1" i="0" u="none" strike="noStrike" cap="none" normalizeH="0" baseline="0" dirty="0">
+                <a:ln>
+                  <a:noFill/>
+                </a:ln>
+                <a:solidFill>
+                  <a:srgbClr val="000080"/>
+                </a:solidFill>
+                <a:effectLst/>
+                <a:latin typeface="Courier New" panose="02070309020205020404" pitchFamily="49" charset="0"/>
+                <a:cs typeface="Courier New" panose="02070309020205020404" pitchFamily="49" charset="0"/>
+              </a:rPr>
+            </a:br>
+            <a:br>
+              <a:rPr kumimoji="0" lang="en-IL" altLang="en-IL" sz="900" b="1" i="0" u="none" strike="noStrike" cap="none" normalizeH="0" baseline="0" dirty="0">
+                <a:ln>
+                  <a:noFill/>
+                </a:ln>
+                <a:solidFill>
+                  <a:srgbClr val="000080"/>
+                </a:solidFill>
+                <a:effectLst/>
+                <a:latin typeface="Courier New" panose="02070309020205020404" pitchFamily="49" charset="0"/>
+                <a:cs typeface="Courier New" panose="02070309020205020404" pitchFamily="49" charset="0"/>
+              </a:rPr>
+            </a:br>
+            <a:br>
+              <a:rPr kumimoji="0" lang="en-IL" altLang="en-IL" sz="900" b="1" i="0" u="none" strike="noStrike" cap="none" normalizeH="0" baseline="0" dirty="0">
+                <a:ln>
+                  <a:noFill/>
+                </a:ln>
+                <a:solidFill>
+                  <a:srgbClr val="000080"/>
+                </a:solidFill>
+                <a:effectLst/>
+                <a:latin typeface="Courier New" panose="02070309020205020404" pitchFamily="49" charset="0"/>
+                <a:cs typeface="Courier New" panose="02070309020205020404" pitchFamily="49" charset="0"/>
+              </a:rPr>
+            </a:br>
+            <a:br>
+              <a:rPr kumimoji="0" lang="en-IL" altLang="en-IL" sz="900" b="1" i="0" u="none" strike="noStrike" cap="none" normalizeH="0" baseline="0" dirty="0">
+                <a:ln>
+                  <a:noFill/>
+                </a:ln>
+                <a:solidFill>
+                  <a:srgbClr val="000080"/>
+                </a:solidFill>
+                <a:effectLst/>
+                <a:latin typeface="Courier New" panose="02070309020205020404" pitchFamily="49" charset="0"/>
+                <a:cs typeface="Courier New" panose="02070309020205020404" pitchFamily="49" charset="0"/>
+              </a:rPr>
+            </a:br>
+            <a:r>
+              <a:rPr kumimoji="0" lang="en-IL" altLang="en-IL" sz="900" b="1" i="0" u="none" strike="noStrike" cap="none" normalizeH="0" baseline="0" dirty="0">
+                <a:ln>
+                  <a:noFill/>
+                </a:ln>
+                <a:solidFill>
+                  <a:srgbClr val="000080"/>
+                </a:solidFill>
+                <a:effectLst/>
+                <a:latin typeface="Courier New" panose="02070309020205020404" pitchFamily="49" charset="0"/>
+                <a:cs typeface="Courier New" panose="02070309020205020404" pitchFamily="49" charset="0"/>
+              </a:rPr>
+              <a:t>    def </a:t>
+            </a:r>
+            <a:r>
+              <a:rPr kumimoji="0" lang="en-IL" altLang="en-IL" sz="900" b="0" i="0" u="none" strike="noStrike" cap="none" normalizeH="0" baseline="0" dirty="0">
+                <a:ln>
+                  <a:noFill/>
+                </a:ln>
+                <a:solidFill>
+                  <a:srgbClr val="000000"/>
+                </a:solidFill>
+                <a:effectLst/>
+                <a:latin typeface="Courier New" panose="02070309020205020404" pitchFamily="49" charset="0"/>
+                <a:cs typeface="Courier New" panose="02070309020205020404" pitchFamily="49" charset="0"/>
+              </a:rPr>
+              <a:t>predict(</a:t>
+            </a:r>
+            <a:r>
+              <a:rPr kumimoji="0" lang="en-IL" altLang="en-IL" sz="900" b="0" i="0" u="none" strike="noStrike" cap="none" normalizeH="0" baseline="0" dirty="0" err="1">
+                <a:ln>
+                  <a:noFill/>
+                </a:ln>
+                <a:solidFill>
+                  <a:srgbClr val="94558D"/>
+                </a:solidFill>
+                <a:effectLst/>
+                <a:latin typeface="Courier New" panose="02070309020205020404" pitchFamily="49" charset="0"/>
+                <a:cs typeface="Courier New" panose="02070309020205020404" pitchFamily="49" charset="0"/>
+              </a:rPr>
+              <a:t>self</a:t>
+            </a:r>
+            <a:r>
+              <a:rPr kumimoji="0" lang="en-IL" altLang="en-IL" sz="900" b="0" i="0" u="none" strike="noStrike" cap="none" normalizeH="0" baseline="0" dirty="0" err="1">
+                <a:ln>
+                  <a:noFill/>
+                </a:ln>
+                <a:solidFill>
+                  <a:srgbClr val="000000"/>
+                </a:solidFill>
+                <a:effectLst/>
+                <a:latin typeface="Courier New" panose="02070309020205020404" pitchFamily="49" charset="0"/>
+                <a:cs typeface="Courier New" panose="02070309020205020404" pitchFamily="49" charset="0"/>
+              </a:rPr>
+              <a:t>,</a:t>
+            </a:r>
+            <a:r>
+              <a:rPr kumimoji="0" lang="en-IL" altLang="en-IL" sz="900" b="0" i="0" u="none" strike="noStrike" cap="none" normalizeH="0" baseline="0" dirty="0" err="1">
+                <a:ln>
+                  <a:noFill/>
+                </a:ln>
+                <a:solidFill>
+                  <a:srgbClr val="808080"/>
+                </a:solidFill>
+                <a:effectLst/>
+                <a:latin typeface="Courier New" panose="02070309020205020404" pitchFamily="49" charset="0"/>
+                <a:cs typeface="Courier New" panose="02070309020205020404" pitchFamily="49" charset="0"/>
+              </a:rPr>
+              <a:t>dataset_dir</a:t>
+            </a:r>
+            <a:r>
+              <a:rPr kumimoji="0" lang="en-IL" altLang="en-IL" sz="900" b="0" i="0" u="none" strike="noStrike" cap="none" normalizeH="0" baseline="0" dirty="0">
+                <a:ln>
+                  <a:noFill/>
+                </a:ln>
+                <a:solidFill>
+                  <a:srgbClr val="000000"/>
+                </a:solidFill>
+                <a:effectLst/>
+                <a:latin typeface="Courier New" panose="02070309020205020404" pitchFamily="49" charset="0"/>
+                <a:cs typeface="Courier New" panose="02070309020205020404" pitchFamily="49" charset="0"/>
+              </a:rPr>
+              <a:t>):</a:t>
+            </a:r>
+            <a:br>
+              <a:rPr kumimoji="0" lang="en-IL" altLang="en-IL" sz="900" b="0" i="0" u="none" strike="noStrike" cap="none" normalizeH="0" baseline="0" dirty="0">
+                <a:ln>
+                  <a:noFill/>
+                </a:ln>
+                <a:solidFill>
+                  <a:srgbClr val="000000"/>
+                </a:solidFill>
+                <a:effectLst/>
+                <a:latin typeface="Courier New" panose="02070309020205020404" pitchFamily="49" charset="0"/>
+                <a:cs typeface="Courier New" panose="02070309020205020404" pitchFamily="49" charset="0"/>
+              </a:rPr>
+            </a:br>
+            <a:r>
+              <a:rPr kumimoji="0" lang="en-IL" altLang="en-IL" sz="900" b="0" i="0" u="none" strike="noStrike" cap="none" normalizeH="0" baseline="0" dirty="0">
+                <a:ln>
+                  <a:noFill/>
+                </a:ln>
+                <a:solidFill>
+                  <a:srgbClr val="000000"/>
+                </a:solidFill>
+                <a:effectLst/>
+                <a:latin typeface="Courier New" panose="02070309020205020404" pitchFamily="49" charset="0"/>
+                <a:cs typeface="Courier New" panose="02070309020205020404" pitchFamily="49" charset="0"/>
+              </a:rPr>
+              <a:t>        </a:t>
+            </a:r>
+            <a:r>
+              <a:rPr kumimoji="0" lang="en-IL" altLang="en-IL" sz="900" b="0" i="1" u="none" strike="noStrike" cap="none" normalizeH="0" baseline="0" dirty="0">
+                <a:ln>
+                  <a:noFill/>
+                </a:ln>
+                <a:solidFill>
+                  <a:srgbClr val="808080"/>
+                </a:solidFill>
+                <a:effectLst/>
+                <a:latin typeface="Courier New" panose="02070309020205020404" pitchFamily="49" charset="0"/>
+                <a:cs typeface="Courier New" panose="02070309020205020404" pitchFamily="49" charset="0"/>
+              </a:rPr>
+              <a:t>"""</a:t>
+            </a:r>
+            <a:br>
+              <a:rPr kumimoji="0" lang="en-IL" altLang="en-IL" sz="900" b="0" i="1" u="none" strike="noStrike" cap="none" normalizeH="0" baseline="0" dirty="0">
+                <a:ln>
+                  <a:noFill/>
+                </a:ln>
+                <a:solidFill>
+                  <a:srgbClr val="808080"/>
+                </a:solidFill>
+                <a:effectLst/>
+                <a:latin typeface="Courier New" panose="02070309020205020404" pitchFamily="49" charset="0"/>
+                <a:cs typeface="Courier New" panose="02070309020205020404" pitchFamily="49" charset="0"/>
+              </a:rPr>
+            </a:br>
+            <a:r>
+              <a:rPr kumimoji="0" lang="en-IL" altLang="en-IL" sz="900" b="0" i="1" u="none" strike="noStrike" cap="none" normalizeH="0" baseline="0" dirty="0">
+                <a:ln>
+                  <a:noFill/>
+                </a:ln>
+                <a:solidFill>
+                  <a:srgbClr val="808080"/>
+                </a:solidFill>
+                <a:effectLst/>
+                <a:latin typeface="Courier New" panose="02070309020205020404" pitchFamily="49" charset="0"/>
+                <a:cs typeface="Courier New" panose="02070309020205020404" pitchFamily="49" charset="0"/>
+              </a:rPr>
+              <a:t>        </a:t>
+            </a:r>
+            <a:r>
+              <a:rPr kumimoji="0" lang="en-IL" altLang="en-IL" sz="900" b="1" i="0" u="none" strike="noStrike" cap="none" normalizeH="0" baseline="0" dirty="0">
+                <a:ln>
+                  <a:noFill/>
+                </a:ln>
+                <a:solidFill>
+                  <a:srgbClr val="808080"/>
+                </a:solidFill>
+                <a:effectLst/>
+                <a:latin typeface="Courier New" panose="02070309020205020404" pitchFamily="49" charset="0"/>
+                <a:cs typeface="Courier New" panose="02070309020205020404" pitchFamily="49" charset="0"/>
+              </a:rPr>
+              <a:t>:param</a:t>
+            </a:r>
+            <a:r>
+              <a:rPr kumimoji="0" lang="en-IL" altLang="en-IL" sz="900" b="0" i="1" u="none" strike="noStrike" cap="none" normalizeH="0" baseline="0" dirty="0">
+                <a:ln>
+                  <a:noFill/>
+                </a:ln>
+                <a:solidFill>
+                  <a:srgbClr val="808080"/>
+                </a:solidFill>
+                <a:effectLst/>
+                <a:latin typeface="Courier New" panose="02070309020205020404" pitchFamily="49" charset="0"/>
+                <a:cs typeface="Courier New" panose="02070309020205020404" pitchFamily="49" charset="0"/>
+              </a:rPr>
+              <a:t> </a:t>
+            </a:r>
+            <a:r>
+              <a:rPr kumimoji="0" lang="en-IL" altLang="en-IL" sz="900" b="0" i="1" u="none" strike="noStrike" cap="none" normalizeH="0" baseline="0" dirty="0" err="1">
+                <a:ln>
+                  <a:noFill/>
+                </a:ln>
+                <a:solidFill>
+                  <a:srgbClr val="808080"/>
+                </a:solidFill>
+                <a:effectLst/>
+                <a:latin typeface="Courier New" panose="02070309020205020404" pitchFamily="49" charset="0"/>
+                <a:cs typeface="Courier New" panose="02070309020205020404" pitchFamily="49" charset="0"/>
+              </a:rPr>
+              <a:t>dataset_dir</a:t>
+            </a:r>
+            <a:r>
+              <a:rPr kumimoji="0" lang="en-IL" altLang="en-IL" sz="900" b="0" i="1" u="none" strike="noStrike" cap="none" normalizeH="0" baseline="0" dirty="0">
+                <a:ln>
+                  <a:noFill/>
+                </a:ln>
+                <a:solidFill>
+                  <a:srgbClr val="808080"/>
+                </a:solidFill>
+                <a:effectLst/>
+                <a:latin typeface="Courier New" panose="02070309020205020404" pitchFamily="49" charset="0"/>
+                <a:cs typeface="Courier New" panose="02070309020205020404" pitchFamily="49" charset="0"/>
+              </a:rPr>
+              <a:t>: all the dataset files are in this directory. These files do NOT have the labels.</a:t>
+            </a:r>
+            <a:br>
+              <a:rPr kumimoji="0" lang="en-IL" altLang="en-IL" sz="900" b="0" i="1" u="none" strike="noStrike" cap="none" normalizeH="0" baseline="0" dirty="0">
+                <a:ln>
+                  <a:noFill/>
+                </a:ln>
+                <a:solidFill>
+                  <a:srgbClr val="808080"/>
+                </a:solidFill>
+                <a:effectLst/>
+                <a:latin typeface="Courier New" panose="02070309020205020404" pitchFamily="49" charset="0"/>
+                <a:cs typeface="Courier New" panose="02070309020205020404" pitchFamily="49" charset="0"/>
+              </a:rPr>
+            </a:br>
+            <a:r>
+              <a:rPr kumimoji="0" lang="en-IL" altLang="en-IL" sz="900" b="0" i="1" u="none" strike="noStrike" cap="none" normalizeH="0" baseline="0" dirty="0">
+                <a:ln>
+                  <a:noFill/>
+                </a:ln>
+                <a:solidFill>
+                  <a:srgbClr val="808080"/>
+                </a:solidFill>
+                <a:effectLst/>
+                <a:latin typeface="Courier New" panose="02070309020205020404" pitchFamily="49" charset="0"/>
+                <a:cs typeface="Courier New" panose="02070309020205020404" pitchFamily="49" charset="0"/>
+              </a:rPr>
+              <a:t>        </a:t>
+            </a:r>
+            <a:r>
+              <a:rPr kumimoji="0" lang="en-IL" altLang="en-IL" sz="900" b="1" i="0" u="none" strike="noStrike" cap="none" normalizeH="0" baseline="0" dirty="0">
+                <a:ln>
+                  <a:noFill/>
+                </a:ln>
+                <a:solidFill>
+                  <a:srgbClr val="808080"/>
+                </a:solidFill>
+                <a:effectLst/>
+                <a:latin typeface="Courier New" panose="02070309020205020404" pitchFamily="49" charset="0"/>
+                <a:cs typeface="Courier New" panose="02070309020205020404" pitchFamily="49" charset="0"/>
+              </a:rPr>
+              <a:t>:return</a:t>
+            </a:r>
+            <a:r>
+              <a:rPr kumimoji="0" lang="en-IL" altLang="en-IL" sz="900" b="0" i="1" u="none" strike="noStrike" cap="none" normalizeH="0" baseline="0" dirty="0">
+                <a:ln>
+                  <a:noFill/>
+                </a:ln>
+                <a:solidFill>
+                  <a:srgbClr val="808080"/>
+                </a:solidFill>
+                <a:effectLst/>
+                <a:latin typeface="Courier New" panose="02070309020205020404" pitchFamily="49" charset="0"/>
+                <a:cs typeface="Courier New" panose="02070309020205020404" pitchFamily="49" charset="0"/>
+              </a:rPr>
+              <a:t>: </a:t>
+            </a:r>
+            <a:r>
+              <a:rPr kumimoji="0" lang="en-US" altLang="en-IL" sz="900" b="0" i="1" u="none" strike="noStrike" cap="none" normalizeH="0" baseline="0" dirty="0">
+                <a:ln>
+                  <a:noFill/>
+                </a:ln>
+                <a:solidFill>
+                  <a:srgbClr val="808080"/>
+                </a:solidFill>
+                <a:effectLst/>
+                <a:latin typeface="Courier New" panose="02070309020205020404" pitchFamily="49" charset="0"/>
+                <a:cs typeface="Courier New" panose="02070309020205020404" pitchFamily="49" charset="0"/>
+              </a:rPr>
+              <a:t>tuple</a:t>
+            </a:r>
+            <a:r>
+              <a:rPr kumimoji="0" lang="en-IL" altLang="en-IL" sz="900" b="0" i="1" u="none" strike="noStrike" cap="none" normalizeH="0" baseline="0" dirty="0">
+                <a:ln>
+                  <a:noFill/>
+                </a:ln>
+                <a:solidFill>
+                  <a:srgbClr val="808080"/>
+                </a:solidFill>
+                <a:effectLst/>
+                <a:latin typeface="Courier New" panose="02070309020205020404" pitchFamily="49" charset="0"/>
+                <a:cs typeface="Courier New" panose="02070309020205020404" pitchFamily="49" charset="0"/>
+              </a:rPr>
+              <a:t>(tuple(string)) . For each document there is one tuple. The tuple contains the predicted labels.</a:t>
+            </a:r>
+            <a:br>
+              <a:rPr kumimoji="0" lang="en-IL" altLang="en-IL" sz="900" b="0" i="1" u="none" strike="noStrike" cap="none" normalizeH="0" baseline="0" dirty="0">
+                <a:ln>
+                  <a:noFill/>
+                </a:ln>
+                <a:solidFill>
+                  <a:srgbClr val="808080"/>
+                </a:solidFill>
+                <a:effectLst/>
+                <a:latin typeface="Courier New" panose="02070309020205020404" pitchFamily="49" charset="0"/>
+                <a:cs typeface="Courier New" panose="02070309020205020404" pitchFamily="49" charset="0"/>
+              </a:rPr>
+            </a:br>
+            <a:r>
+              <a:rPr kumimoji="0" lang="en-IL" altLang="en-IL" sz="900" b="0" i="1" u="none" strike="noStrike" cap="none" normalizeH="0" baseline="0" dirty="0">
+                <a:ln>
+                  <a:noFill/>
+                </a:ln>
+                <a:solidFill>
+                  <a:srgbClr val="808080"/>
+                </a:solidFill>
+                <a:effectLst/>
+                <a:latin typeface="Courier New" panose="02070309020205020404" pitchFamily="49" charset="0"/>
+                <a:cs typeface="Courier New" panose="02070309020205020404" pitchFamily="49" charset="0"/>
+              </a:rPr>
+              <a:t>        The order of the labels in the tuple does not matter.</a:t>
+            </a:r>
+            <a:endParaRPr kumimoji="0" lang="en-US" altLang="en-IL" sz="900" b="0" i="1" u="none" strike="noStrike" cap="none" normalizeH="0" baseline="0" dirty="0">
+              <a:ln>
+                <a:noFill/>
+              </a:ln>
+              <a:solidFill>
+                <a:srgbClr val="808080"/>
+              </a:solidFill>
+              <a:effectLst/>
+              <a:latin typeface="Courier New" panose="02070309020205020404" pitchFamily="49" charset="0"/>
+              <a:cs typeface="Courier New" panose="02070309020205020404" pitchFamily="49" charset="0"/>
+            </a:endParaRPr>
+          </a:p>
+          <a:p>
+            <a:pPr marL="0" marR="0" lvl="0" indent="0" algn="l" defTabSz="914400" rtl="0" eaLnBrk="0" fontAlgn="base" latinLnBrk="0" hangingPunct="0">
+              <a:lnSpc>
+                <a:spcPct val="100000"/>
+              </a:lnSpc>
+              <a:spcBef>
+                <a:spcPct val="0"/>
+              </a:spcBef>
+              <a:spcAft>
+                <a:spcPct val="0"/>
+              </a:spcAft>
+              <a:buClrTx/>
+              <a:buSzTx/>
+              <a:buFontTx/>
+              <a:buNone/>
+              <a:tabLst/>
+            </a:pPr>
+            <a:r>
+              <a:rPr lang="en-US" altLang="en-IL" sz="900" i="1" dirty="0">
+                <a:solidFill>
+                  <a:srgbClr val="808080"/>
+                </a:solidFill>
+                <a:latin typeface="Courier New" panose="02070309020205020404" pitchFamily="49" charset="0"/>
+                <a:cs typeface="Courier New" panose="02070309020205020404" pitchFamily="49" charset="0"/>
+              </a:rPr>
+              <a:t>        The order of the tuples in the outer tuple DOES matter -- it indexes the documents</a:t>
+            </a:r>
+            <a:br>
+              <a:rPr kumimoji="0" lang="en-IL" altLang="en-IL" sz="900" b="0" i="1" u="none" strike="noStrike" cap="none" normalizeH="0" baseline="0" dirty="0">
+                <a:ln>
+                  <a:noFill/>
+                </a:ln>
+                <a:solidFill>
+                  <a:srgbClr val="808080"/>
+                </a:solidFill>
+                <a:effectLst/>
+                <a:latin typeface="Courier New" panose="02070309020205020404" pitchFamily="49" charset="0"/>
+                <a:cs typeface="Courier New" panose="02070309020205020404" pitchFamily="49" charset="0"/>
+              </a:rPr>
+            </a:br>
+            <a:r>
+              <a:rPr kumimoji="0" lang="en-IL" altLang="en-IL" sz="900" b="0" i="1" u="none" strike="noStrike" cap="none" normalizeH="0" baseline="0" dirty="0">
+                <a:ln>
+                  <a:noFill/>
+                </a:ln>
+                <a:solidFill>
+                  <a:srgbClr val="808080"/>
+                </a:solidFill>
+                <a:effectLst/>
+                <a:latin typeface="Courier New" panose="02070309020205020404" pitchFamily="49" charset="0"/>
+                <a:cs typeface="Courier New" panose="02070309020205020404" pitchFamily="49" charset="0"/>
+              </a:rPr>
+              <a:t>        The labels must be from the set defined in the dataset.</a:t>
+            </a:r>
+            <a:br>
+              <a:rPr kumimoji="0" lang="en-IL" altLang="en-IL" sz="900" b="0" i="1" u="none" strike="noStrike" cap="none" normalizeH="0" baseline="0" dirty="0">
+                <a:ln>
+                  <a:noFill/>
+                </a:ln>
+                <a:solidFill>
+                  <a:srgbClr val="808080"/>
+                </a:solidFill>
+                <a:effectLst/>
+                <a:latin typeface="Courier New" panose="02070309020205020404" pitchFamily="49" charset="0"/>
+                <a:cs typeface="Courier New" panose="02070309020205020404" pitchFamily="49" charset="0"/>
+              </a:rPr>
+            </a:br>
+            <a:br>
+              <a:rPr kumimoji="0" lang="en-IL" altLang="en-IL" sz="900" b="0" i="1" u="none" strike="noStrike" cap="none" normalizeH="0" baseline="0" dirty="0">
+                <a:ln>
+                  <a:noFill/>
+                </a:ln>
+                <a:solidFill>
+                  <a:srgbClr val="808080"/>
+                </a:solidFill>
+                <a:effectLst/>
+                <a:latin typeface="Courier New" panose="02070309020205020404" pitchFamily="49" charset="0"/>
+                <a:cs typeface="Courier New" panose="02070309020205020404" pitchFamily="49" charset="0"/>
+              </a:rPr>
+            </a:br>
+            <a:r>
+              <a:rPr kumimoji="0" lang="en-IL" altLang="en-IL" sz="900" b="0" i="1" u="none" strike="noStrike" cap="none" normalizeH="0" baseline="0" dirty="0">
+                <a:ln>
+                  <a:noFill/>
+                </a:ln>
+                <a:solidFill>
+                  <a:srgbClr val="808080"/>
+                </a:solidFill>
+                <a:effectLst/>
+                <a:latin typeface="Courier New" panose="02070309020205020404" pitchFamily="49" charset="0"/>
+                <a:cs typeface="Courier New" panose="02070309020205020404" pitchFamily="49" charset="0"/>
+              </a:rPr>
+              <a:t>        example:  </a:t>
+            </a:r>
+            <a:r>
+              <a:rPr kumimoji="0" lang="en-US" altLang="en-IL" sz="900" b="0" i="1" u="none" strike="noStrike" cap="none" normalizeH="0" baseline="0" dirty="0">
+                <a:ln>
+                  <a:noFill/>
+                </a:ln>
+                <a:solidFill>
+                  <a:srgbClr val="808080"/>
+                </a:solidFill>
+                <a:effectLst/>
+                <a:latin typeface="Courier New" panose="02070309020205020404" pitchFamily="49" charset="0"/>
+                <a:cs typeface="Courier New" panose="02070309020205020404" pitchFamily="49" charset="0"/>
+              </a:rPr>
+              <a:t>(</a:t>
+            </a:r>
+            <a:r>
+              <a:rPr kumimoji="0" lang="en-IL" altLang="en-IL" sz="900" b="0" i="1" u="none" strike="noStrike" cap="none" normalizeH="0" baseline="0" dirty="0">
+                <a:ln>
+                  <a:noFill/>
+                </a:ln>
+                <a:solidFill>
+                  <a:srgbClr val="808080"/>
+                </a:solidFill>
+                <a:effectLst/>
+                <a:latin typeface="Courier New" panose="02070309020205020404" pitchFamily="49" charset="0"/>
+                <a:cs typeface="Courier New" panose="02070309020205020404" pitchFamily="49" charset="0"/>
+              </a:rPr>
+              <a:t>('</a:t>
+            </a:r>
+            <a:r>
+              <a:rPr kumimoji="0" lang="en-IL" altLang="en-IL" sz="900" b="0" i="1" u="none" strike="noStrike" cap="none" normalizeH="0" baseline="0" dirty="0" err="1">
+                <a:ln>
+                  <a:noFill/>
+                </a:ln>
+                <a:solidFill>
+                  <a:srgbClr val="808080"/>
+                </a:solidFill>
+                <a:effectLst/>
+                <a:latin typeface="Courier New" panose="02070309020205020404" pitchFamily="49" charset="0"/>
+                <a:cs typeface="Courier New" panose="02070309020205020404" pitchFamily="49" charset="0"/>
+              </a:rPr>
+              <a:t>acq</a:t>
+            </a:r>
+            <a:r>
+              <a:rPr kumimoji="0" lang="en-IL" altLang="en-IL" sz="900" b="0" i="1" u="none" strike="noStrike" cap="none" normalizeH="0" baseline="0" dirty="0">
+                <a:ln>
+                  <a:noFill/>
+                </a:ln>
+                <a:solidFill>
+                  <a:srgbClr val="808080"/>
+                </a:solidFill>
+                <a:effectLst/>
+                <a:latin typeface="Courier New" panose="02070309020205020404" pitchFamily="49" charset="0"/>
+                <a:cs typeface="Courier New" panose="02070309020205020404" pitchFamily="49" charset="0"/>
+              </a:rPr>
+              <a:t>',), ('</a:t>
+            </a:r>
+            <a:r>
+              <a:rPr kumimoji="0" lang="en-IL" altLang="en-IL" sz="900" b="0" i="1" u="none" strike="noStrike" cap="none" normalizeH="0" baseline="0" dirty="0" err="1">
+                <a:ln>
+                  <a:noFill/>
+                </a:ln>
+                <a:solidFill>
+                  <a:srgbClr val="808080"/>
+                </a:solidFill>
+                <a:effectLst/>
+                <a:latin typeface="Courier New" panose="02070309020205020404" pitchFamily="49" charset="0"/>
+                <a:cs typeface="Courier New" panose="02070309020205020404" pitchFamily="49" charset="0"/>
+              </a:rPr>
+              <a:t>acq</a:t>
+            </a:r>
+            <a:r>
+              <a:rPr kumimoji="0" lang="en-IL" altLang="en-IL" sz="900" b="0" i="1" u="none" strike="noStrike" cap="none" normalizeH="0" baseline="0" dirty="0">
+                <a:ln>
+                  <a:noFill/>
+                </a:ln>
+                <a:solidFill>
+                  <a:srgbClr val="808080"/>
+                </a:solidFill>
+                <a:effectLst/>
+                <a:latin typeface="Courier New" panose="02070309020205020404" pitchFamily="49" charset="0"/>
+                <a:cs typeface="Courier New" panose="02070309020205020404" pitchFamily="49" charset="0"/>
+              </a:rPr>
+              <a:t>','us'), ('de',),('</a:t>
+            </a:r>
+            <a:r>
+              <a:rPr kumimoji="0" lang="en-IL" altLang="en-IL" sz="900" b="0" i="1" u="none" strike="noStrike" cap="none" normalizeH="0" baseline="0" dirty="0" err="1">
+                <a:ln>
+                  <a:noFill/>
+                </a:ln>
+                <a:solidFill>
+                  <a:srgbClr val="808080"/>
+                </a:solidFill>
+                <a:effectLst/>
+                <a:latin typeface="Courier New" panose="02070309020205020404" pitchFamily="49" charset="0"/>
+                <a:cs typeface="Courier New" panose="02070309020205020404" pitchFamily="49" charset="0"/>
+              </a:rPr>
+              <a:t>uk</a:t>
+            </a:r>
+            <a:r>
+              <a:rPr kumimoji="0" lang="en-IL" altLang="en-IL" sz="900" b="0" i="1" u="none" strike="noStrike" cap="none" normalizeH="0" baseline="0" dirty="0">
+                <a:ln>
+                  <a:noFill/>
+                </a:ln>
+                <a:solidFill>
+                  <a:srgbClr val="808080"/>
+                </a:solidFill>
+                <a:effectLst/>
+                <a:latin typeface="Courier New" panose="02070309020205020404" pitchFamily="49" charset="0"/>
+                <a:cs typeface="Courier New" panose="02070309020205020404" pitchFamily="49" charset="0"/>
+              </a:rPr>
+              <a:t>','de'), ...</a:t>
+            </a:r>
+            <a:r>
+              <a:rPr kumimoji="0" lang="en-US" altLang="en-IL" sz="900" b="0" i="1" u="none" strike="noStrike" cap="none" normalizeH="0" baseline="0" dirty="0">
+                <a:ln>
+                  <a:noFill/>
+                </a:ln>
+                <a:solidFill>
+                  <a:srgbClr val="808080"/>
+                </a:solidFill>
+                <a:effectLst/>
+                <a:latin typeface="Courier New" panose="02070309020205020404" pitchFamily="49" charset="0"/>
+                <a:cs typeface="Courier New" panose="02070309020205020404" pitchFamily="49" charset="0"/>
+              </a:rPr>
+              <a:t>)</a:t>
+            </a:r>
+            <a:br>
+              <a:rPr kumimoji="0" lang="en-IL" altLang="en-IL" sz="900" b="0" i="1" u="none" strike="noStrike" cap="none" normalizeH="0" baseline="0" dirty="0">
+                <a:ln>
+                  <a:noFill/>
+                </a:ln>
+                <a:solidFill>
+                  <a:srgbClr val="808080"/>
+                </a:solidFill>
+                <a:effectLst/>
+                <a:latin typeface="Courier New" panose="02070309020205020404" pitchFamily="49" charset="0"/>
+                <a:cs typeface="Courier New" panose="02070309020205020404" pitchFamily="49" charset="0"/>
+              </a:rPr>
+            </a:br>
+            <a:br>
+              <a:rPr kumimoji="0" lang="en-IL" altLang="en-IL" sz="900" b="0" i="1" u="none" strike="noStrike" cap="none" normalizeH="0" baseline="0" dirty="0">
+                <a:ln>
+                  <a:noFill/>
+                </a:ln>
+                <a:solidFill>
+                  <a:srgbClr val="808080"/>
+                </a:solidFill>
+                <a:effectLst/>
+                <a:latin typeface="Courier New" panose="02070309020205020404" pitchFamily="49" charset="0"/>
+                <a:cs typeface="Courier New" panose="02070309020205020404" pitchFamily="49" charset="0"/>
+              </a:rPr>
+            </a:br>
+            <a:r>
+              <a:rPr kumimoji="0" lang="en-IL" altLang="en-IL" sz="900" b="0" i="1" u="none" strike="noStrike" cap="none" normalizeH="0" baseline="0" dirty="0">
+                <a:ln>
+                  <a:noFill/>
+                </a:ln>
+                <a:solidFill>
+                  <a:srgbClr val="808080"/>
+                </a:solidFill>
+                <a:effectLst/>
+                <a:latin typeface="Courier New" panose="02070309020205020404" pitchFamily="49" charset="0"/>
+                <a:cs typeface="Courier New" panose="02070309020205020404" pitchFamily="49" charset="0"/>
+              </a:rPr>
+              <a:t>        """</a:t>
+            </a:r>
+            <a:br>
+              <a:rPr kumimoji="0" lang="en-IL" altLang="en-IL" sz="900" b="0" i="1" u="none" strike="noStrike" cap="none" normalizeH="0" baseline="0" dirty="0">
+                <a:ln>
+                  <a:noFill/>
+                </a:ln>
+                <a:solidFill>
+                  <a:srgbClr val="808080"/>
+                </a:solidFill>
+                <a:effectLst/>
+                <a:latin typeface="Courier New" panose="02070309020205020404" pitchFamily="49" charset="0"/>
+                <a:cs typeface="Courier New" panose="02070309020205020404" pitchFamily="49" charset="0"/>
+              </a:rPr>
+            </a:br>
+            <a:r>
+              <a:rPr kumimoji="0" lang="en-IL" altLang="en-IL" sz="900" b="0" i="1" u="none" strike="noStrike" cap="none" normalizeH="0" baseline="0" dirty="0">
+                <a:ln>
+                  <a:noFill/>
+                </a:ln>
+                <a:solidFill>
+                  <a:srgbClr val="808080"/>
+                </a:solidFill>
+                <a:effectLst/>
+                <a:latin typeface="Courier New" panose="02070309020205020404" pitchFamily="49" charset="0"/>
+                <a:cs typeface="Courier New" panose="02070309020205020404" pitchFamily="49" charset="0"/>
+              </a:rPr>
+              <a:t>        </a:t>
+            </a:r>
+            <a:r>
+              <a:rPr kumimoji="0" lang="en-IL" altLang="en-IL" sz="900" b="1" i="0" u="none" strike="noStrike" cap="none" normalizeH="0" baseline="0" dirty="0">
+                <a:ln>
+                  <a:noFill/>
+                </a:ln>
+                <a:solidFill>
+                  <a:srgbClr val="000080"/>
+                </a:solidFill>
+                <a:effectLst/>
+                <a:latin typeface="Courier New" panose="02070309020205020404" pitchFamily="49" charset="0"/>
+                <a:cs typeface="Courier New" panose="02070309020205020404" pitchFamily="49" charset="0"/>
+              </a:rPr>
+              <a:t>return </a:t>
+            </a:r>
+            <a:r>
+              <a:rPr lang="en-US" altLang="en-IL" sz="900" dirty="0">
+                <a:solidFill>
+                  <a:srgbClr val="000000"/>
+                </a:solidFill>
+                <a:latin typeface="Courier New" panose="02070309020205020404" pitchFamily="49" charset="0"/>
+                <a:cs typeface="Courier New" panose="02070309020205020404" pitchFamily="49" charset="0"/>
+              </a:rPr>
+              <a:t>()</a:t>
+            </a:r>
+            <a:br>
+              <a:rPr kumimoji="0" lang="en-IL" altLang="en-IL" sz="900" b="0" i="0" u="none" strike="noStrike" cap="none" normalizeH="0" baseline="0" dirty="0">
+                <a:ln>
+                  <a:noFill/>
+                </a:ln>
+                <a:solidFill>
+                  <a:srgbClr val="000000"/>
+                </a:solidFill>
+                <a:effectLst/>
+                <a:latin typeface="Courier New" panose="02070309020205020404" pitchFamily="49" charset="0"/>
+                <a:cs typeface="Courier New" panose="02070309020205020404" pitchFamily="49" charset="0"/>
+              </a:rPr>
+            </a:br>
+            <a:br>
+              <a:rPr kumimoji="0" lang="en-IL" altLang="en-IL" sz="900" b="0" i="0" u="none" strike="noStrike" cap="none" normalizeH="0" baseline="0" dirty="0">
+                <a:ln>
+                  <a:noFill/>
+                </a:ln>
+                <a:solidFill>
+                  <a:srgbClr val="000000"/>
+                </a:solidFill>
+                <a:effectLst/>
+                <a:latin typeface="Courier New" panose="02070309020205020404" pitchFamily="49" charset="0"/>
+                <a:cs typeface="Courier New" panose="02070309020205020404" pitchFamily="49" charset="0"/>
+              </a:rPr>
+            </a:br>
+            <a:endParaRPr kumimoji="0" lang="en-IL" altLang="en-IL" sz="1800" b="0" i="0" u="none" strike="noStrike" cap="none" normalizeH="0" baseline="0" dirty="0">
+              <a:ln>
+                <a:noFill/>
+              </a:ln>
+              <a:solidFill>
+                <a:schemeClr val="tx1"/>
+              </a:solidFill>
+              <a:effectLst/>
+              <a:latin typeface="Arial" panose="020B0604020202020204" pitchFamily="34" charset="0"/>
+            </a:endParaRPr>
+          </a:p>
+        </p:txBody>
+      </p:sp>
+    </p:spTree>
+    <p:extLst>
+      <p:ext uri="{BB962C8B-B14F-4D97-AF65-F5344CB8AC3E}">
+        <p14:creationId xmlns:p14="http://schemas.microsoft.com/office/powerpoint/2010/main" val="4071427681"/>
+      </p:ext>
+    </p:extLst>
+  </p:cSld>
+  <p:clrMapOvr>
+    <a:masterClrMapping/>
+  </p:clrMapOvr>
+</p:sld>
+</file>
+
+<file path=ppt/slides/slide15.xml><?xml version="1.0" encoding="utf-8"?>
+<p:sld xmlns:a="http://schemas.openxmlformats.org/drawingml/2006/main" xmlns:r="http://schemas.openxmlformats.org/officeDocument/2006/relationships" xmlns:p="http://schemas.openxmlformats.org/presentationml/2006/main">
+  <p:cSld>
+    <p:spTree>
+      <p:nvGrpSpPr>
+        <p:cNvPr id="1" name=""/>
+        <p:cNvGrpSpPr/>
+        <p:nvPr/>
+      </p:nvGrpSpPr>
+      <p:grpSpPr>
+        <a:xfrm>
+          <a:off x="0" y="0"/>
+          <a:ext cx="0" cy="0"/>
+          <a:chOff x="0" y="0"/>
+          <a:chExt cx="0" cy="0"/>
+        </a:xfrm>
+      </p:grpSpPr>
+      <p:sp>
+        <p:nvSpPr>
+          <p:cNvPr id="2" name="Title 1">
+            <a:extLst>
+              <a:ext uri="{FF2B5EF4-FFF2-40B4-BE49-F238E27FC236}">
+                <a16:creationId xmlns:a16="http://schemas.microsoft.com/office/drawing/2014/main" id="{860D473E-C943-4FCB-8E0C-5089EBD5A023}"/>
+              </a:ext>
+            </a:extLst>
+          </p:cNvPr>
+          <p:cNvSpPr>
+            <a:spLocks noGrp="1"/>
+          </p:cNvSpPr>
+          <p:nvPr>
+            <p:ph type="title"/>
+          </p:nvPr>
+        </p:nvSpPr>
+        <p:spPr/>
+        <p:txBody>
+          <a:bodyPr/>
+          <a:lstStyle/>
+          <a:p>
+            <a:r>
+              <a:rPr lang="en-US" dirty="0"/>
+              <a:t>Hints for better outcome/fun</a:t>
+            </a:r>
+            <a:endParaRPr lang="en-IL" dirty="0"/>
+          </a:p>
+        </p:txBody>
+      </p:sp>
+      <p:sp>
+        <p:nvSpPr>
+          <p:cNvPr id="3" name="Content Placeholder 2">
+            <a:extLst>
+              <a:ext uri="{FF2B5EF4-FFF2-40B4-BE49-F238E27FC236}">
+                <a16:creationId xmlns:a16="http://schemas.microsoft.com/office/drawing/2014/main" id="{518D7284-0513-49F2-B8E9-554114B3F38E}"/>
+              </a:ext>
+            </a:extLst>
+          </p:cNvPr>
+          <p:cNvSpPr>
+            <a:spLocks noGrp="1"/>
+          </p:cNvSpPr>
+          <p:nvPr>
+            <p:ph idx="1"/>
+          </p:nvPr>
+        </p:nvSpPr>
+        <p:spPr/>
+        <p:txBody>
+          <a:bodyPr>
+            <a:normAutofit fontScale="70000" lnSpcReduction="20000"/>
+          </a:bodyPr>
+          <a:lstStyle/>
+          <a:p>
+            <a:r>
+              <a:rPr lang="en-US" dirty="0"/>
+              <a:t>You work in pairs. Plan your work so you can work in parallel.</a:t>
+            </a:r>
+          </a:p>
+          <a:p>
+            <a:pPr lvl="1"/>
+            <a:r>
+              <a:rPr lang="en-US" dirty="0"/>
+              <a:t>Example:</a:t>
+            </a:r>
+          </a:p>
+          <a:p>
+            <a:pPr lvl="2"/>
+            <a:r>
+              <a:rPr lang="en-US" dirty="0"/>
+              <a:t>Alice works on the data reading, cleaning, parsing</a:t>
+            </a:r>
+          </a:p>
+          <a:p>
+            <a:pPr lvl="2"/>
+            <a:r>
+              <a:rPr lang="en-US" dirty="0"/>
+              <a:t>Alice and Bob agree on the data format that she will provide </a:t>
+            </a:r>
+            <a:br>
+              <a:rPr lang="en-US" dirty="0"/>
+            </a:br>
+            <a:r>
+              <a:rPr lang="en-US" dirty="0"/>
+              <a:t>(it’s ok to change your mind as time passes) </a:t>
+            </a:r>
+            <a:r>
+              <a:rPr lang="en-US" dirty="0">
+                <a:sym typeface="Wingdings" panose="05000000000000000000" pitchFamily="2" charset="2"/>
+              </a:rPr>
+              <a:t> This is a </a:t>
+            </a:r>
+            <a:r>
+              <a:rPr lang="en-US" i="1" dirty="0">
+                <a:sym typeface="Wingdings" panose="05000000000000000000" pitchFamily="2" charset="2"/>
+              </a:rPr>
+              <a:t>contract/agreement/API </a:t>
+            </a:r>
+            <a:r>
+              <a:rPr lang="en-US" dirty="0">
+                <a:sym typeface="Wingdings" panose="05000000000000000000" pitchFamily="2" charset="2"/>
+              </a:rPr>
+              <a:t>between them</a:t>
+            </a:r>
+            <a:endParaRPr lang="en-US" dirty="0"/>
+          </a:p>
+          <a:p>
+            <a:pPr lvl="2"/>
+            <a:r>
+              <a:rPr lang="en-US" dirty="0"/>
+              <a:t>While Alice works, Bob can start his part, using mock data that he prepares</a:t>
+            </a:r>
+          </a:p>
+          <a:p>
+            <a:r>
+              <a:rPr lang="en-US" dirty="0"/>
+              <a:t>Do a work once if you can</a:t>
+            </a:r>
+          </a:p>
+          <a:p>
+            <a:pPr lvl="1"/>
+            <a:r>
+              <a:rPr lang="en-US" dirty="0"/>
+              <a:t>Example:</a:t>
+            </a:r>
+          </a:p>
+          <a:p>
+            <a:pPr marL="457200" lvl="1" indent="0">
+              <a:buNone/>
+            </a:pPr>
+            <a:r>
+              <a:rPr lang="en-US" dirty="0"/>
+              <a:t>   Reading the data takes a lot of time and you will use it </a:t>
+            </a:r>
+            <a:r>
+              <a:rPr lang="en-US"/>
+              <a:t>many times</a:t>
+            </a:r>
+            <a:endParaRPr lang="en-US" dirty="0"/>
+          </a:p>
+          <a:p>
+            <a:pPr marL="457200" lvl="1" indent="0">
+              <a:buNone/>
+            </a:pPr>
+            <a:r>
+              <a:rPr lang="en-US" dirty="0">
+                <a:sym typeface="Wingdings" panose="05000000000000000000" pitchFamily="2" charset="2"/>
+              </a:rPr>
+              <a:t>  save the data to some convenient format for reading during processing, then read from that blob</a:t>
+            </a:r>
+          </a:p>
+          <a:p>
+            <a:pPr marL="457200" lvl="1" indent="0">
+              <a:buNone/>
+            </a:pPr>
+            <a:r>
+              <a:rPr lang="en-US" sz="2000" dirty="0">
+                <a:sym typeface="Wingdings" panose="05000000000000000000" pitchFamily="2" charset="2"/>
+              </a:rPr>
+              <a:t>(look for package pickle)</a:t>
+            </a:r>
+          </a:p>
+          <a:p>
+            <a:pPr marL="457200" lvl="1" indent="0">
+              <a:buNone/>
+            </a:pPr>
+            <a:endParaRPr lang="en-US" sz="2000" dirty="0"/>
+          </a:p>
+          <a:p>
+            <a:r>
+              <a:rPr lang="en-US" sz="3200" dirty="0"/>
+              <a:t>The default Windows Python interpreter is 32bit. Avoid it – use the 64 bit version</a:t>
+            </a:r>
+          </a:p>
+          <a:p>
+            <a:r>
+              <a:rPr lang="en-US" sz="3200" dirty="0"/>
+              <a:t>Work methodically – when debugging try to </a:t>
+            </a:r>
+            <a:r>
+              <a:rPr lang="en-US" sz="3200" dirty="0">
+                <a:hlinkClick r:id="rId2"/>
+              </a:rPr>
+              <a:t>assume</a:t>
+            </a:r>
+            <a:r>
+              <a:rPr lang="en-US" sz="3200" dirty="0"/>
+              <a:t> the minimum that you can, and prove the rest</a:t>
+            </a:r>
+            <a:endParaRPr lang="en-IL" sz="3200" dirty="0"/>
+          </a:p>
+        </p:txBody>
+      </p:sp>
+    </p:spTree>
+    <p:extLst>
+      <p:ext uri="{BB962C8B-B14F-4D97-AF65-F5344CB8AC3E}">
+        <p14:creationId xmlns:p14="http://schemas.microsoft.com/office/powerpoint/2010/main" val="60634491"/>
+      </p:ext>
+    </p:extLst>
+  </p:cSld>
+  <p:clrMapOvr>
+    <a:masterClrMapping/>
+  </p:clrMapOvr>
+</p:sld>
+</file>
+
 <file path=ppt/slides/slide2.xml><?xml version="1.0" encoding="utf-8"?>
 <p:sld xmlns:a="http://schemas.openxmlformats.org/drawingml/2006/main" xmlns:r="http://schemas.openxmlformats.org/officeDocument/2006/relationships" xmlns:p="http://schemas.openxmlformats.org/presentationml/2006/main">
   <p:cSld>
@@ -3715,7 +9318,9 @@
         </p:nvSpPr>
         <p:spPr/>
         <p:txBody>
-          <a:bodyPr/>
+          <a:bodyPr>
+            <a:normAutofit/>
+          </a:bodyPr>
           <a:lstStyle/>
           <a:p>
             <a:r>
@@ -3753,8 +9358,13 @@
             </a:pPr>
             <a:r>
               <a:rPr lang="en-US" dirty="0"/>
-              <a:t>Each document can have zero or more labels.</a:t>
-            </a:r>
+              <a:t>Each document can have zero or more labels</a:t>
+            </a:r>
+            <a:r>
+              <a:rPr lang="en-US" sz="2000" dirty="0"/>
+              <a:t>.(ignore docs without labels)</a:t>
+            </a:r>
+            <a:endParaRPr lang="en-US" dirty="0"/>
           </a:p>
           <a:p>
             <a:pPr marL="0" indent="0">
@@ -3762,7 +9372,7 @@
             </a:pPr>
             <a:r>
               <a:rPr lang="en-US" dirty="0"/>
-              <a:t>Train your model using two classifiers.</a:t>
+              <a:t>Train your model using one or more classifiers.</a:t>
             </a:r>
           </a:p>
           <a:p>
@@ -3859,23 +9469,14 @@
           <a:p>
             <a:r>
               <a:rPr lang="en-US" dirty="0"/>
-              <a:t>The dataset is located at </a:t>
+              <a:t>The dataset is located </a:t>
             </a:r>
             <a:r>
               <a:rPr lang="en-US" dirty="0">
                 <a:hlinkClick r:id="rId2"/>
               </a:rPr>
-              <a:t>https://archive.ics.uci.edu/ml/datasets/reuters-21578+text+categorization+collection</a:t>
-            </a:r>
-            <a:endParaRPr lang="en-US" dirty="0"/>
-          </a:p>
-          <a:p>
-            <a:r>
-              <a:rPr lang="en-US" dirty="0"/>
-              <a:t>In addition to the documents there are some helpful files you can use (in the same folder)</a:t>
-            </a:r>
-          </a:p>
-          <a:p>
+              <a:t>here</a:t>
+            </a:r>
             <a:endParaRPr lang="en-US" dirty="0"/>
           </a:p>
           <a:p>
@@ -3941,6 +9542,175 @@
           <p:cNvPr id="2" name="Title 1">
             <a:extLst>
               <a:ext uri="{FF2B5EF4-FFF2-40B4-BE49-F238E27FC236}">
+                <a16:creationId xmlns:a16="http://schemas.microsoft.com/office/drawing/2014/main" id="{E460F70C-AECC-480B-ACE1-6E30CAC206E7}"/>
+              </a:ext>
+            </a:extLst>
+          </p:cNvPr>
+          <p:cNvSpPr>
+            <a:spLocks noGrp="1"/>
+          </p:cNvSpPr>
+          <p:nvPr>
+            <p:ph type="title"/>
+          </p:nvPr>
+        </p:nvSpPr>
+        <p:spPr/>
+        <p:txBody>
+          <a:bodyPr/>
+          <a:lstStyle/>
+          <a:p>
+            <a:r>
+              <a:rPr lang="en-US" dirty="0"/>
+              <a:t>What the classifier needs to predict</a:t>
+            </a:r>
+            <a:endParaRPr lang="en-IL" dirty="0"/>
+          </a:p>
+        </p:txBody>
+      </p:sp>
+      <p:sp>
+        <p:nvSpPr>
+          <p:cNvPr id="3" name="Content Placeholder 2">
+            <a:extLst>
+              <a:ext uri="{FF2B5EF4-FFF2-40B4-BE49-F238E27FC236}">
+                <a16:creationId xmlns:a16="http://schemas.microsoft.com/office/drawing/2014/main" id="{5810F340-1C9C-4896-B684-A16FE49C07A1}"/>
+              </a:ext>
+            </a:extLst>
+          </p:cNvPr>
+          <p:cNvSpPr>
+            <a:spLocks noGrp="1"/>
+          </p:cNvSpPr>
+          <p:nvPr>
+            <p:ph idx="1"/>
+          </p:nvPr>
+        </p:nvSpPr>
+        <p:spPr/>
+        <p:txBody>
+          <a:bodyPr/>
+          <a:lstStyle/>
+          <a:p>
+            <a:r>
+              <a:rPr lang="en-US" dirty="0"/>
+              <a:t>A document may have zero or more tags like ‘</a:t>
+            </a:r>
+            <a:r>
+              <a:rPr lang="en-US" dirty="0" err="1"/>
+              <a:t>usa</a:t>
+            </a:r>
+            <a:r>
+              <a:rPr lang="en-US" dirty="0"/>
+              <a:t>’, ‘earn’, ‘cocoa’</a:t>
+            </a:r>
+          </a:p>
+          <a:p>
+            <a:r>
+              <a:rPr lang="en-US" dirty="0"/>
+              <a:t>We treat all the label types (places/people etc. ) as one type</a:t>
+            </a:r>
+          </a:p>
+          <a:p>
+            <a:r>
+              <a:rPr lang="en-US" dirty="0"/>
+              <a:t>For a given test document, predict what labels are used.</a:t>
+            </a:r>
+          </a:p>
+          <a:p>
+            <a:r>
+              <a:rPr lang="en-US" dirty="0"/>
+              <a:t>Example:</a:t>
+            </a:r>
+          </a:p>
+          <a:p>
+            <a:pPr lvl="1"/>
+            <a:r>
+              <a:rPr lang="en-US" dirty="0"/>
+              <a:t>document1 has labels ‘</a:t>
+            </a:r>
+            <a:r>
+              <a:rPr lang="en-US" dirty="0" err="1"/>
+              <a:t>usa</a:t>
+            </a:r>
+            <a:r>
+              <a:rPr lang="en-US" dirty="0"/>
+              <a:t>’, ‘earn’, ‘cocoa’</a:t>
+            </a:r>
+          </a:p>
+          <a:p>
+            <a:pPr lvl="1"/>
+            <a:r>
+              <a:rPr lang="en-US" dirty="0"/>
+              <a:t>document2 has labels  ‘earn’, ‘japan’</a:t>
+            </a:r>
+          </a:p>
+          <a:p>
+            <a:pPr lvl="1"/>
+            <a:r>
+              <a:rPr lang="en-US" dirty="0"/>
+              <a:t>Prediction for document 1 : ‘</a:t>
+            </a:r>
+            <a:r>
+              <a:rPr lang="en-US" dirty="0" err="1"/>
+              <a:t>usa</a:t>
+            </a:r>
+            <a:r>
+              <a:rPr lang="en-US" dirty="0"/>
+              <a:t>’, ‘earn’  </a:t>
+            </a:r>
+          </a:p>
+          <a:p>
+            <a:pPr lvl="1"/>
+            <a:r>
+              <a:rPr lang="en-US" dirty="0"/>
+              <a:t>Prediction for document 2: ‘japan’, ‘</a:t>
+            </a:r>
+            <a:r>
+              <a:rPr lang="en-US" dirty="0" err="1"/>
+              <a:t>uk</a:t>
+            </a:r>
+            <a:r>
+              <a:rPr lang="en-US" dirty="0"/>
+              <a:t>’</a:t>
+            </a:r>
+          </a:p>
+          <a:p>
+            <a:pPr lvl="1"/>
+            <a:endParaRPr lang="en-IL" dirty="0"/>
+          </a:p>
+        </p:txBody>
+      </p:sp>
+    </p:spTree>
+    <p:extLst>
+      <p:ext uri="{BB962C8B-B14F-4D97-AF65-F5344CB8AC3E}">
+        <p14:creationId xmlns:p14="http://schemas.microsoft.com/office/powerpoint/2010/main" val="462946084"/>
+      </p:ext>
+    </p:extLst>
+  </p:cSld>
+  <p:clrMapOvr>
+    <a:masterClrMapping/>
+  </p:clrMapOvr>
+</p:sld>
+</file>
+
+<file path=ppt/slides/slide5.xml><?xml version="1.0" encoding="utf-8"?>
+<p:sld xmlns:a="http://schemas.openxmlformats.org/drawingml/2006/main" xmlns:r="http://schemas.openxmlformats.org/officeDocument/2006/relationships" xmlns:p="http://schemas.openxmlformats.org/presentationml/2006/main">
+  <p:cSld>
+    <p:spTree>
+      <p:nvGrpSpPr>
+        <p:cNvPr id="1" name=""/>
+        <p:cNvGrpSpPr/>
+        <p:nvPr/>
+      </p:nvGrpSpPr>
+      <p:grpSpPr>
+        <a:xfrm>
+          <a:off x="0" y="0"/>
+          <a:ext cx="0" cy="0"/>
+          <a:chOff x="0" y="0"/>
+          <a:chExt cx="0" cy="0"/>
+        </a:xfrm>
+      </p:grpSpPr>
+      <p:sp>
+        <p:nvSpPr>
+          <p:cNvPr id="2" name="Title 1">
+            <a:extLst>
+              <a:ext uri="{FF2B5EF4-FFF2-40B4-BE49-F238E27FC236}">
                 <a16:creationId xmlns:a16="http://schemas.microsoft.com/office/drawing/2014/main" id="{3D8FBEC1-E0CE-4798-B0EB-934F59FE7AB5}"/>
               </a:ext>
             </a:extLst>
@@ -3984,7 +9754,7 @@
         <p:spPr/>
         <p:txBody>
           <a:bodyPr>
-            <a:normAutofit lnSpcReduction="10000"/>
+            <a:normAutofit/>
           </a:bodyPr>
           <a:lstStyle/>
           <a:p>
@@ -4061,17 +9831,6 @@
               <a:rPr lang="en-US" dirty="0"/>
               <a:t> (three) versions. The score will be of the best one</a:t>
             </a:r>
-          </a:p>
-          <a:p>
-            <a:pPr lvl="1"/>
-            <a:r>
-              <a:rPr lang="en-US" dirty="0"/>
-              <a:t>(be careful from random fluctuations)</a:t>
-            </a:r>
-          </a:p>
-          <a:p>
-            <a:pPr lvl="1"/>
-            <a:endParaRPr lang="en-US" dirty="0"/>
           </a:p>
           <a:p>
             <a:pPr lvl="1"/>
@@ -4092,7 +9851,7 @@
 </p:sld>
 </file>
 
-<file path=ppt/slides/slide5.xml><?xml version="1.0" encoding="utf-8"?>
+<file path=ppt/slides/slide6.xml><?xml version="1.0" encoding="utf-8"?>
 <p:sld xmlns:a="http://schemas.openxmlformats.org/drawingml/2006/main" xmlns:r="http://schemas.openxmlformats.org/officeDocument/2006/relationships" xmlns:p="http://schemas.openxmlformats.org/presentationml/2006/main">
   <p:cSld>
     <p:spTree>
@@ -4154,7 +9913,12 @@
             <p:ph idx="1"/>
           </p:nvPr>
         </p:nvSpPr>
-        <p:spPr/>
+        <p:spPr>
+          <a:xfrm>
+            <a:off x="838200" y="1825625"/>
+            <a:ext cx="10515600" cy="4351338"/>
+          </a:xfrm>
+        </p:spPr>
         <p:txBody>
           <a:bodyPr/>
           <a:lstStyle/>
@@ -4180,17 +9944,585 @@
             <a:pPr marL="0" indent="0">
               <a:buNone/>
             </a:pPr>
-            <a:endParaRPr lang="en-US" dirty="0"/>
+            <a:r>
+              <a:rPr lang="en-US" dirty="0"/>
+              <a:t>Score and Execution time are measured on a subset of the files that is not part of the training data</a:t>
+            </a:r>
           </a:p>
           <a:p>
             <a:pPr marL="0" indent="0">
               <a:buNone/>
             </a:pPr>
             <a:r>
-              <a:rPr lang="en-US" dirty="0"/>
-              <a:t>Score and Execution time are measured on a subset of the files that is not part of the training data</a:t>
-            </a:r>
-            <a:endParaRPr lang="en-IL" dirty="0"/>
+              <a:rPr lang="en-US" sz="2000" dirty="0"/>
+              <a:t>The testing code is similar to:</a:t>
+            </a:r>
+          </a:p>
+          <a:p>
+            <a:pPr marL="0" indent="0">
+              <a:buNone/>
+            </a:pPr>
+            <a:endParaRPr lang="en-IL" sz="2000" dirty="0"/>
+          </a:p>
+        </p:txBody>
+      </p:sp>
+      <p:sp>
+        <p:nvSpPr>
+          <p:cNvPr id="4" name="Rectangle 1">
+            <a:extLst>
+              <a:ext uri="{FF2B5EF4-FFF2-40B4-BE49-F238E27FC236}">
+                <a16:creationId xmlns:a16="http://schemas.microsoft.com/office/drawing/2014/main" id="{0AE36B81-2867-475C-BFA4-769025A1AFAB}"/>
+              </a:ext>
+            </a:extLst>
+          </p:cNvPr>
+          <p:cNvSpPr>
+            <a:spLocks noChangeArrowheads="1"/>
+          </p:cNvSpPr>
+          <p:nvPr/>
+        </p:nvSpPr>
+        <p:spPr bwMode="auto">
+          <a:xfrm>
+            <a:off x="838200" y="4454438"/>
+            <a:ext cx="7295950" cy="923330"/>
+          </a:xfrm>
+          <a:prstGeom prst="rect">
+            <a:avLst/>
+          </a:prstGeom>
+          <a:solidFill>
+            <a:srgbClr val="FFFFFF"/>
+          </a:solidFill>
+          <a:ln>
+            <a:noFill/>
+          </a:ln>
+          <a:effectLst/>
+          <a:extLst>
+            <a:ext uri="{91240B29-F687-4F45-9708-019B960494DF}">
+              <a14:hiddenLine xmlns:a14="http://schemas.microsoft.com/office/drawing/2010/main" w="9525">
+                <a:solidFill>
+                  <a:schemeClr val="tx1"/>
+                </a:solidFill>
+                <a:miter lim="800000"/>
+                <a:headEnd/>
+                <a:tailEnd/>
+              </a14:hiddenLine>
+            </a:ext>
+            <a:ext uri="{AF507438-7753-43E0-B8FC-AC1667EBCBE1}">
+              <a14:hiddenEffects xmlns:a14="http://schemas.microsoft.com/office/drawing/2010/main">
+                <a:effectLst>
+                  <a:outerShdw dist="35921" dir="2700000" algn="ctr" rotWithShape="0">
+                    <a:schemeClr val="bg2"/>
+                  </a:outerShdw>
+                </a:effectLst>
+              </a14:hiddenEffects>
+            </a:ext>
+          </a:extLst>
+        </p:spPr>
+        <p:txBody>
+          <a:bodyPr vert="horz" wrap="square" lIns="91440" tIns="45720" rIns="91440" bIns="45720" numCol="1" anchor="ctr" anchorCtr="0" compatLnSpc="1">
+            <a:prstTxWarp prst="textNoShape">
+              <a:avLst/>
+            </a:prstTxWarp>
+            <a:spAutoFit/>
+          </a:bodyPr>
+          <a:lstStyle/>
+          <a:p>
+            <a:pPr marL="0" marR="0" lvl="0" indent="0" algn="l" defTabSz="914400" rtl="0" eaLnBrk="0" fontAlgn="base" latinLnBrk="0" hangingPunct="0">
+              <a:lnSpc>
+                <a:spcPct val="100000"/>
+              </a:lnSpc>
+              <a:spcBef>
+                <a:spcPct val="0"/>
+              </a:spcBef>
+              <a:spcAft>
+                <a:spcPct val="0"/>
+              </a:spcAft>
+              <a:buClrTx/>
+              <a:buSzTx/>
+              <a:buFontTx/>
+              <a:buNone/>
+              <a:tabLst/>
+            </a:pPr>
+            <a:r>
+              <a:rPr kumimoji="0" lang="en-IL" altLang="en-IL" sz="900" b="0" i="0" u="none" strike="noStrike" cap="none" normalizeH="0" baseline="0" dirty="0">
+                <a:ln>
+                  <a:noFill/>
+                </a:ln>
+                <a:solidFill>
+                  <a:srgbClr val="000000"/>
+                </a:solidFill>
+                <a:effectLst/>
+                <a:latin typeface="Courier New" panose="02070309020205020404" pitchFamily="49" charset="0"/>
+                <a:cs typeface="Courier New" panose="02070309020205020404" pitchFamily="49" charset="0"/>
+              </a:rPr>
+              <a:t>reference = </a:t>
+            </a:r>
+            <a:r>
+              <a:rPr kumimoji="0" lang="en-IL" altLang="en-IL" sz="900" b="0" i="0" u="none" strike="noStrike" cap="none" normalizeH="0" baseline="0" dirty="0" err="1">
+                <a:ln>
+                  <a:noFill/>
+                </a:ln>
+                <a:solidFill>
+                  <a:srgbClr val="000000"/>
+                </a:solidFill>
+                <a:effectLst/>
+                <a:latin typeface="Courier New" panose="02070309020205020404" pitchFamily="49" charset="0"/>
+                <a:cs typeface="Courier New" panose="02070309020205020404" pitchFamily="49" charset="0"/>
+              </a:rPr>
+              <a:t>ref.load_reference_labels</a:t>
+            </a:r>
+            <a:r>
+              <a:rPr kumimoji="0" lang="en-IL" altLang="en-IL" sz="900" b="0" i="0" u="none" strike="noStrike" cap="none" normalizeH="0" baseline="0" dirty="0">
+                <a:ln>
+                  <a:noFill/>
+                </a:ln>
+                <a:solidFill>
+                  <a:srgbClr val="000000"/>
+                </a:solidFill>
+                <a:effectLst/>
+                <a:latin typeface="Courier New" panose="02070309020205020404" pitchFamily="49" charset="0"/>
+                <a:cs typeface="Courier New" panose="02070309020205020404" pitchFamily="49" charset="0"/>
+              </a:rPr>
+              <a:t>().values()</a:t>
+            </a:r>
+            <a:br>
+              <a:rPr kumimoji="0" lang="en-IL" altLang="en-IL" sz="900" b="0" i="0" u="none" strike="noStrike" cap="none" normalizeH="0" baseline="0" dirty="0">
+                <a:ln>
+                  <a:noFill/>
+                </a:ln>
+                <a:solidFill>
+                  <a:srgbClr val="000000"/>
+                </a:solidFill>
+                <a:effectLst/>
+                <a:latin typeface="Courier New" panose="02070309020205020404" pitchFamily="49" charset="0"/>
+                <a:cs typeface="Courier New" panose="02070309020205020404" pitchFamily="49" charset="0"/>
+              </a:rPr>
+            </a:br>
+            <a:r>
+              <a:rPr kumimoji="0" lang="en-IL" altLang="en-IL" sz="900" b="0" i="0" u="none" strike="noStrike" cap="none" normalizeH="0" baseline="0" dirty="0">
+                <a:ln>
+                  <a:noFill/>
+                </a:ln>
+                <a:solidFill>
+                  <a:srgbClr val="000000"/>
+                </a:solidFill>
+                <a:effectLst/>
+                <a:latin typeface="Courier New" panose="02070309020205020404" pitchFamily="49" charset="0"/>
+                <a:cs typeface="Courier New" panose="02070309020205020404" pitchFamily="49" charset="0"/>
+              </a:rPr>
+              <a:t>predictions = </a:t>
+            </a:r>
+            <a:r>
+              <a:rPr kumimoji="0" lang="en-IL" altLang="en-IL" sz="900" b="0" i="0" u="none" strike="noStrike" cap="none" normalizeH="0" baseline="0" dirty="0" err="1">
+                <a:ln>
+                  <a:noFill/>
+                </a:ln>
+                <a:solidFill>
+                  <a:srgbClr val="000000"/>
+                </a:solidFill>
+                <a:effectLst/>
+                <a:latin typeface="Courier New" panose="02070309020205020404" pitchFamily="49" charset="0"/>
+                <a:cs typeface="Courier New" panose="02070309020205020404" pitchFamily="49" charset="0"/>
+              </a:rPr>
+              <a:t>model.predict</a:t>
+            </a:r>
+            <a:r>
+              <a:rPr kumimoji="0" lang="en-IL" altLang="en-IL" sz="900" b="0" i="0" u="none" strike="noStrike" cap="none" normalizeH="0" baseline="0" dirty="0">
+                <a:ln>
+                  <a:noFill/>
+                </a:ln>
+                <a:solidFill>
+                  <a:srgbClr val="000000"/>
+                </a:solidFill>
+                <a:effectLst/>
+                <a:latin typeface="Courier New" panose="02070309020205020404" pitchFamily="49" charset="0"/>
+                <a:cs typeface="Courier New" panose="02070309020205020404" pitchFamily="49" charset="0"/>
+              </a:rPr>
+              <a:t>(</a:t>
+            </a:r>
+            <a:r>
+              <a:rPr kumimoji="0" lang="en-IL" altLang="en-IL" sz="900" b="1" i="0" u="none" strike="noStrike" cap="none" normalizeH="0" baseline="0" dirty="0">
+                <a:ln>
+                  <a:noFill/>
+                </a:ln>
+                <a:solidFill>
+                  <a:srgbClr val="008080"/>
+                </a:solidFill>
+                <a:effectLst/>
+                <a:latin typeface="Courier New" panose="02070309020205020404" pitchFamily="49" charset="0"/>
+                <a:cs typeface="Courier New" panose="02070309020205020404" pitchFamily="49" charset="0"/>
+              </a:rPr>
+              <a:t>"./</a:t>
+            </a:r>
+            <a:r>
+              <a:rPr kumimoji="0" lang="en-IL" altLang="en-IL" sz="900" b="1" i="0" u="none" strike="noStrike" cap="none" normalizeH="0" baseline="0" dirty="0" err="1">
+                <a:ln>
+                  <a:noFill/>
+                </a:ln>
+                <a:solidFill>
+                  <a:srgbClr val="008080"/>
+                </a:solidFill>
+                <a:effectLst/>
+                <a:latin typeface="Courier New" panose="02070309020205020404" pitchFamily="49" charset="0"/>
+                <a:cs typeface="Courier New" panose="02070309020205020404" pitchFamily="49" charset="0"/>
+              </a:rPr>
+              <a:t>test_data</a:t>
+            </a:r>
+            <a:r>
+              <a:rPr kumimoji="0" lang="en-IL" altLang="en-IL" sz="900" b="1" i="0" u="none" strike="noStrike" cap="none" normalizeH="0" baseline="0" dirty="0">
+                <a:ln>
+                  <a:noFill/>
+                </a:ln>
+                <a:solidFill>
+                  <a:srgbClr val="008080"/>
+                </a:solidFill>
+                <a:effectLst/>
+                <a:latin typeface="Courier New" panose="02070309020205020404" pitchFamily="49" charset="0"/>
+                <a:cs typeface="Courier New" panose="02070309020205020404" pitchFamily="49" charset="0"/>
+              </a:rPr>
+              <a:t>"</a:t>
+            </a:r>
+            <a:r>
+              <a:rPr kumimoji="0" lang="en-IL" altLang="en-IL" sz="900" b="0" i="0" u="none" strike="noStrike" cap="none" normalizeH="0" baseline="0" dirty="0">
+                <a:ln>
+                  <a:noFill/>
+                </a:ln>
+                <a:solidFill>
+                  <a:srgbClr val="000000"/>
+                </a:solidFill>
+                <a:effectLst/>
+                <a:latin typeface="Courier New" panose="02070309020205020404" pitchFamily="49" charset="0"/>
+                <a:cs typeface="Courier New" panose="02070309020205020404" pitchFamily="49" charset="0"/>
+              </a:rPr>
+              <a:t>)    </a:t>
+            </a:r>
+            <a:br>
+              <a:rPr kumimoji="0" lang="en-IL" altLang="en-IL" sz="900" b="0" i="0" u="none" strike="noStrike" cap="none" normalizeH="0" baseline="0" dirty="0">
+                <a:ln>
+                  <a:noFill/>
+                </a:ln>
+                <a:solidFill>
+                  <a:srgbClr val="000000"/>
+                </a:solidFill>
+                <a:effectLst/>
+                <a:latin typeface="Courier New" panose="02070309020205020404" pitchFamily="49" charset="0"/>
+                <a:cs typeface="Courier New" panose="02070309020205020404" pitchFamily="49" charset="0"/>
+              </a:rPr>
+            </a:br>
+            <a:r>
+              <a:rPr kumimoji="0" lang="en-IL" altLang="en-IL" sz="900" b="0" i="0" u="none" strike="noStrike" cap="none" normalizeH="0" baseline="0" dirty="0" err="1">
+                <a:ln>
+                  <a:noFill/>
+                </a:ln>
+                <a:solidFill>
+                  <a:srgbClr val="000000"/>
+                </a:solidFill>
+                <a:effectLst/>
+                <a:latin typeface="Courier New" panose="02070309020205020404" pitchFamily="49" charset="0"/>
+                <a:cs typeface="Courier New" panose="02070309020205020404" pitchFamily="49" charset="0"/>
+              </a:rPr>
+              <a:t>mlb</a:t>
+            </a:r>
+            <a:r>
+              <a:rPr kumimoji="0" lang="en-IL" altLang="en-IL" sz="900" b="0" i="0" u="none" strike="noStrike" cap="none" normalizeH="0" baseline="0" dirty="0">
+                <a:ln>
+                  <a:noFill/>
+                </a:ln>
+                <a:solidFill>
+                  <a:srgbClr val="000000"/>
+                </a:solidFill>
+                <a:effectLst/>
+                <a:latin typeface="Courier New" panose="02070309020205020404" pitchFamily="49" charset="0"/>
+                <a:cs typeface="Courier New" panose="02070309020205020404" pitchFamily="49" charset="0"/>
+              </a:rPr>
+              <a:t> = </a:t>
+            </a:r>
+            <a:r>
+              <a:rPr kumimoji="0" lang="en-IL" altLang="en-IL" sz="900" b="0" i="0" u="none" strike="noStrike" cap="none" normalizeH="0" baseline="0" dirty="0" err="1">
+                <a:ln>
+                  <a:noFill/>
+                </a:ln>
+                <a:solidFill>
+                  <a:srgbClr val="000000"/>
+                </a:solidFill>
+                <a:effectLst/>
+                <a:latin typeface="Courier New" panose="02070309020205020404" pitchFamily="49" charset="0"/>
+                <a:cs typeface="Courier New" panose="02070309020205020404" pitchFamily="49" charset="0"/>
+              </a:rPr>
+              <a:t>MultiLabelBinarizer</a:t>
+            </a:r>
+            <a:r>
+              <a:rPr kumimoji="0" lang="en-IL" altLang="en-IL" sz="900" b="0" i="0" u="none" strike="noStrike" cap="none" normalizeH="0" baseline="0" dirty="0">
+                <a:ln>
+                  <a:noFill/>
+                </a:ln>
+                <a:solidFill>
+                  <a:srgbClr val="000000"/>
+                </a:solidFill>
+                <a:effectLst/>
+                <a:latin typeface="Courier New" panose="02070309020205020404" pitchFamily="49" charset="0"/>
+                <a:cs typeface="Courier New" panose="02070309020205020404" pitchFamily="49" charset="0"/>
+              </a:rPr>
+              <a:t>()</a:t>
+            </a:r>
+            <a:br>
+              <a:rPr kumimoji="0" lang="en-IL" altLang="en-IL" sz="900" b="0" i="0" u="none" strike="noStrike" cap="none" normalizeH="0" baseline="0" dirty="0">
+                <a:ln>
+                  <a:noFill/>
+                </a:ln>
+                <a:solidFill>
+                  <a:srgbClr val="000000"/>
+                </a:solidFill>
+                <a:effectLst/>
+                <a:latin typeface="Courier New" panose="02070309020205020404" pitchFamily="49" charset="0"/>
+                <a:cs typeface="Courier New" panose="02070309020205020404" pitchFamily="49" charset="0"/>
+              </a:rPr>
+            </a:br>
+            <a:r>
+              <a:rPr kumimoji="0" lang="en-IL" altLang="en-IL" sz="900" b="0" i="0" u="none" strike="noStrike" cap="none" normalizeH="0" baseline="0" dirty="0">
+                <a:ln>
+                  <a:noFill/>
+                </a:ln>
+                <a:solidFill>
+                  <a:srgbClr val="000000"/>
+                </a:solidFill>
+                <a:effectLst/>
+                <a:latin typeface="Courier New" panose="02070309020205020404" pitchFamily="49" charset="0"/>
+                <a:cs typeface="Courier New" panose="02070309020205020404" pitchFamily="49" charset="0"/>
+              </a:rPr>
+              <a:t>r = </a:t>
+            </a:r>
+            <a:r>
+              <a:rPr kumimoji="0" lang="en-IL" altLang="en-IL" sz="900" b="0" i="0" u="none" strike="noStrike" cap="none" normalizeH="0" baseline="0" dirty="0" err="1">
+                <a:ln>
+                  <a:noFill/>
+                </a:ln>
+                <a:solidFill>
+                  <a:srgbClr val="000000"/>
+                </a:solidFill>
+                <a:effectLst/>
+                <a:latin typeface="Courier New" panose="02070309020205020404" pitchFamily="49" charset="0"/>
+                <a:cs typeface="Courier New" panose="02070309020205020404" pitchFamily="49" charset="0"/>
+              </a:rPr>
+              <a:t>mlb.fit_transform</a:t>
+            </a:r>
+            <a:r>
+              <a:rPr kumimoji="0" lang="en-IL" altLang="en-IL" sz="900" b="0" i="0" u="none" strike="noStrike" cap="none" normalizeH="0" baseline="0" dirty="0">
+                <a:ln>
+                  <a:noFill/>
+                </a:ln>
+                <a:solidFill>
+                  <a:srgbClr val="000000"/>
+                </a:solidFill>
+                <a:effectLst/>
+                <a:latin typeface="Courier New" panose="02070309020205020404" pitchFamily="49" charset="0"/>
+                <a:cs typeface="Courier New" panose="02070309020205020404" pitchFamily="49" charset="0"/>
+              </a:rPr>
+              <a:t>(reference)</a:t>
+            </a:r>
+            <a:br>
+              <a:rPr kumimoji="0" lang="en-IL" altLang="en-IL" sz="900" b="0" i="0" u="none" strike="noStrike" cap="none" normalizeH="0" baseline="0" dirty="0">
+                <a:ln>
+                  <a:noFill/>
+                </a:ln>
+                <a:solidFill>
+                  <a:srgbClr val="000000"/>
+                </a:solidFill>
+                <a:effectLst/>
+                <a:latin typeface="Courier New" panose="02070309020205020404" pitchFamily="49" charset="0"/>
+                <a:cs typeface="Courier New" panose="02070309020205020404" pitchFamily="49" charset="0"/>
+              </a:rPr>
+            </a:br>
+            <a:r>
+              <a:rPr kumimoji="0" lang="en-IL" altLang="en-IL" sz="900" b="0" i="0" u="none" strike="noStrike" cap="none" normalizeH="0" baseline="0" dirty="0">
+                <a:ln>
+                  <a:noFill/>
+                </a:ln>
+                <a:solidFill>
+                  <a:srgbClr val="000000"/>
+                </a:solidFill>
+                <a:effectLst/>
+                <a:latin typeface="Courier New" panose="02070309020205020404" pitchFamily="49" charset="0"/>
+                <a:cs typeface="Courier New" panose="02070309020205020404" pitchFamily="49" charset="0"/>
+              </a:rPr>
+              <a:t>p = </a:t>
+            </a:r>
+            <a:r>
+              <a:rPr kumimoji="0" lang="en-IL" altLang="en-IL" sz="900" b="0" i="0" u="none" strike="noStrike" cap="none" normalizeH="0" baseline="0" dirty="0" err="1">
+                <a:ln>
+                  <a:noFill/>
+                </a:ln>
+                <a:solidFill>
+                  <a:srgbClr val="000000"/>
+                </a:solidFill>
+                <a:effectLst/>
+                <a:latin typeface="Courier New" panose="02070309020205020404" pitchFamily="49" charset="0"/>
+                <a:cs typeface="Courier New" panose="02070309020205020404" pitchFamily="49" charset="0"/>
+              </a:rPr>
+              <a:t>mlb.transform</a:t>
+            </a:r>
+            <a:r>
+              <a:rPr kumimoji="0" lang="en-IL" altLang="en-IL" sz="900" b="0" i="0" u="none" strike="noStrike" cap="none" normalizeH="0" baseline="0" dirty="0">
+                <a:ln>
+                  <a:noFill/>
+                </a:ln>
+                <a:solidFill>
+                  <a:srgbClr val="000000"/>
+                </a:solidFill>
+                <a:effectLst/>
+                <a:latin typeface="Courier New" panose="02070309020205020404" pitchFamily="49" charset="0"/>
+                <a:cs typeface="Courier New" panose="02070309020205020404" pitchFamily="49" charset="0"/>
+              </a:rPr>
+              <a:t>(predictions)</a:t>
+            </a:r>
+            <a:br>
+              <a:rPr kumimoji="0" lang="en-IL" altLang="en-IL" sz="900" b="0" i="0" u="none" strike="noStrike" cap="none" normalizeH="0" baseline="0" dirty="0">
+                <a:ln>
+                  <a:noFill/>
+                </a:ln>
+                <a:solidFill>
+                  <a:srgbClr val="000000"/>
+                </a:solidFill>
+                <a:effectLst/>
+                <a:latin typeface="Courier New" panose="02070309020205020404" pitchFamily="49" charset="0"/>
+                <a:cs typeface="Courier New" panose="02070309020205020404" pitchFamily="49" charset="0"/>
+              </a:rPr>
+            </a:br>
+            <a:r>
+              <a:rPr kumimoji="0" lang="en-IL" altLang="en-IL" sz="900" b="0" i="0" u="none" strike="noStrike" cap="none" normalizeH="0" baseline="0" dirty="0">
+                <a:ln>
+                  <a:noFill/>
+                </a:ln>
+                <a:solidFill>
+                  <a:srgbClr val="000000"/>
+                </a:solidFill>
+                <a:effectLst/>
+                <a:latin typeface="Courier New" panose="02070309020205020404" pitchFamily="49" charset="0"/>
+                <a:cs typeface="Courier New" panose="02070309020205020404" pitchFamily="49" charset="0"/>
+              </a:rPr>
+              <a:t>score = sklearn.metrics.f1_score(</a:t>
+            </a:r>
+            <a:r>
+              <a:rPr kumimoji="0" lang="en-IL" altLang="en-IL" sz="900" b="0" i="0" u="none" strike="noStrike" cap="none" normalizeH="0" baseline="0" dirty="0" err="1">
+                <a:ln>
+                  <a:noFill/>
+                </a:ln>
+                <a:solidFill>
+                  <a:srgbClr val="660099"/>
+                </a:solidFill>
+                <a:effectLst/>
+                <a:latin typeface="Courier New" panose="02070309020205020404" pitchFamily="49" charset="0"/>
+                <a:cs typeface="Courier New" panose="02070309020205020404" pitchFamily="49" charset="0"/>
+              </a:rPr>
+              <a:t>y_true</a:t>
+            </a:r>
+            <a:r>
+              <a:rPr kumimoji="0" lang="en-IL" altLang="en-IL" sz="900" b="0" i="0" u="none" strike="noStrike" cap="none" normalizeH="0" baseline="0" dirty="0">
+                <a:ln>
+                  <a:noFill/>
+                </a:ln>
+                <a:solidFill>
+                  <a:srgbClr val="000000"/>
+                </a:solidFill>
+                <a:effectLst/>
+                <a:latin typeface="Courier New" panose="02070309020205020404" pitchFamily="49" charset="0"/>
+                <a:cs typeface="Courier New" panose="02070309020205020404" pitchFamily="49" charset="0"/>
+              </a:rPr>
+              <a:t>=r, </a:t>
+            </a:r>
+            <a:r>
+              <a:rPr kumimoji="0" lang="en-IL" altLang="en-IL" sz="900" b="0" i="0" u="none" strike="noStrike" cap="none" normalizeH="0" baseline="0" dirty="0" err="1">
+                <a:ln>
+                  <a:noFill/>
+                </a:ln>
+                <a:solidFill>
+                  <a:srgbClr val="660099"/>
+                </a:solidFill>
+                <a:effectLst/>
+                <a:latin typeface="Courier New" panose="02070309020205020404" pitchFamily="49" charset="0"/>
+                <a:cs typeface="Courier New" panose="02070309020205020404" pitchFamily="49" charset="0"/>
+              </a:rPr>
+              <a:t>y_pred</a:t>
+            </a:r>
+            <a:r>
+              <a:rPr kumimoji="0" lang="en-IL" altLang="en-IL" sz="900" b="0" i="0" u="none" strike="noStrike" cap="none" normalizeH="0" baseline="0" dirty="0">
+                <a:ln>
+                  <a:noFill/>
+                </a:ln>
+                <a:solidFill>
+                  <a:srgbClr val="000000"/>
+                </a:solidFill>
+                <a:effectLst/>
+                <a:latin typeface="Courier New" panose="02070309020205020404" pitchFamily="49" charset="0"/>
+                <a:cs typeface="Courier New" panose="02070309020205020404" pitchFamily="49" charset="0"/>
+              </a:rPr>
+              <a:t>=p, </a:t>
+            </a:r>
+            <a:r>
+              <a:rPr kumimoji="0" lang="en-IL" altLang="en-IL" sz="900" b="0" i="0" u="none" strike="noStrike" cap="none" normalizeH="0" baseline="0" dirty="0">
+                <a:ln>
+                  <a:noFill/>
+                </a:ln>
+                <a:solidFill>
+                  <a:srgbClr val="660099"/>
+                </a:solidFill>
+                <a:effectLst/>
+                <a:latin typeface="Courier New" panose="02070309020205020404" pitchFamily="49" charset="0"/>
+                <a:cs typeface="Courier New" panose="02070309020205020404" pitchFamily="49" charset="0"/>
+              </a:rPr>
+              <a:t>average</a:t>
+            </a:r>
+            <a:r>
+              <a:rPr kumimoji="0" lang="en-IL" altLang="en-IL" sz="900" b="0" i="0" u="none" strike="noStrike" cap="none" normalizeH="0" baseline="0" dirty="0">
+                <a:ln>
+                  <a:noFill/>
+                </a:ln>
+                <a:solidFill>
+                  <a:srgbClr val="000000"/>
+                </a:solidFill>
+                <a:effectLst/>
+                <a:latin typeface="Courier New" panose="02070309020205020404" pitchFamily="49" charset="0"/>
+                <a:cs typeface="Courier New" panose="02070309020205020404" pitchFamily="49" charset="0"/>
+              </a:rPr>
+              <a:t>=</a:t>
+            </a:r>
+            <a:r>
+              <a:rPr kumimoji="0" lang="en-IL" altLang="en-IL" sz="900" b="1" i="0" u="none" strike="noStrike" cap="none" normalizeH="0" baseline="0" dirty="0">
+                <a:ln>
+                  <a:noFill/>
+                </a:ln>
+                <a:solidFill>
+                  <a:srgbClr val="008080"/>
+                </a:solidFill>
+                <a:effectLst/>
+                <a:latin typeface="Courier New" panose="02070309020205020404" pitchFamily="49" charset="0"/>
+                <a:cs typeface="Courier New" panose="02070309020205020404" pitchFamily="49" charset="0"/>
+              </a:rPr>
+              <a:t>'macro'</a:t>
+            </a:r>
+            <a:r>
+              <a:rPr kumimoji="0" lang="en-IL" altLang="en-IL" sz="900" b="0" i="0" u="none" strike="noStrike" cap="none" normalizeH="0" baseline="0" dirty="0">
+                <a:ln>
+                  <a:noFill/>
+                </a:ln>
+                <a:solidFill>
+                  <a:srgbClr val="000000"/>
+                </a:solidFill>
+                <a:effectLst/>
+                <a:latin typeface="Courier New" panose="02070309020205020404" pitchFamily="49" charset="0"/>
+                <a:cs typeface="Courier New" panose="02070309020205020404" pitchFamily="49" charset="0"/>
+              </a:rPr>
+              <a:t>)</a:t>
+            </a:r>
+            <a:endParaRPr kumimoji="0" lang="en-IL" altLang="en-IL" sz="1800" b="0" i="0" u="none" strike="noStrike" cap="none" normalizeH="0" baseline="0" dirty="0">
+              <a:ln>
+                <a:noFill/>
+              </a:ln>
+              <a:solidFill>
+                <a:schemeClr val="tx1"/>
+              </a:solidFill>
+              <a:effectLst/>
+              <a:latin typeface="Arial" panose="020B0604020202020204" pitchFamily="34" charset="0"/>
+            </a:endParaRPr>
           </a:p>
         </p:txBody>
       </p:sp>
@@ -4207,7 +10539,7 @@
 </p:sld>
 </file>
 
-<file path=ppt/slides/slide6.xml><?xml version="1.0" encoding="utf-8"?>
+<file path=ppt/slides/slide7.xml><?xml version="1.0" encoding="utf-8"?>
 <p:sld xmlns:a="http://schemas.openxmlformats.org/drawingml/2006/main" xmlns:r="http://schemas.openxmlformats.org/officeDocument/2006/relationships" xmlns:p="http://schemas.openxmlformats.org/presentationml/2006/main">
   <p:cSld>
     <p:spTree>
@@ -4280,13 +10612,6 @@
             </a:r>
           </a:p>
           <a:p>
-            <a:pPr lvl="1"/>
-            <a:r>
-              <a:rPr lang="en-US" dirty="0"/>
-              <a:t>Test on TBD (your PC or the Checker)</a:t>
-            </a:r>
-          </a:p>
-          <a:p>
             <a:r>
               <a:rPr lang="en-US" dirty="0"/>
               <a:t>This is Python workshop, so you code from scratch.</a:t>
@@ -4295,7 +10620,7 @@
           <a:p>
             <a:r>
               <a:rPr lang="en-US" dirty="0"/>
-              <a:t>ONLY these packages will be installed in the checker ( i.e. allowed for use): math, </a:t>
+              <a:t>ONLY these packages will be installed in the checker ( i.e. allowed for use): </a:t>
             </a:r>
             <a:r>
               <a:rPr lang="en-US" dirty="0" err="1"/>
@@ -4303,8 +10628,13 @@
             </a:r>
             <a:r>
               <a:rPr lang="en-US" dirty="0"/>
-              <a:t>, TBD</a:t>
-            </a:r>
+              <a:t>, </a:t>
+            </a:r>
+            <a:r>
+              <a:rPr lang="en-US" dirty="0" err="1"/>
+              <a:t>xmljson</a:t>
+            </a:r>
+            <a:endParaRPr lang="en-US" dirty="0"/>
           </a:p>
           <a:p>
             <a:r>
@@ -4345,1330 +10675,6 @@
     <p:extLst>
       <p:ext uri="{BB962C8B-B14F-4D97-AF65-F5344CB8AC3E}">
         <p14:creationId xmlns:p14="http://schemas.microsoft.com/office/powerpoint/2010/main" val="2446220857"/>
-      </p:ext>
-    </p:extLst>
-  </p:cSld>
-  <p:clrMapOvr>
-    <a:masterClrMapping/>
-  </p:clrMapOvr>
-</p:sld>
-</file>
-
-<file path=ppt/slides/slide7.xml><?xml version="1.0" encoding="utf-8"?>
-<p:sld xmlns:a="http://schemas.openxmlformats.org/drawingml/2006/main" xmlns:r="http://schemas.openxmlformats.org/officeDocument/2006/relationships" xmlns:p="http://schemas.openxmlformats.org/presentationml/2006/main">
-  <p:cSld>
-    <p:spTree>
-      <p:nvGrpSpPr>
-        <p:cNvPr id="1" name=""/>
-        <p:cNvGrpSpPr/>
-        <p:nvPr/>
-      </p:nvGrpSpPr>
-      <p:grpSpPr>
-        <a:xfrm>
-          <a:off x="0" y="0"/>
-          <a:ext cx="0" cy="0"/>
-          <a:chOff x="0" y="0"/>
-          <a:chExt cx="0" cy="0"/>
-        </a:xfrm>
-      </p:grpSpPr>
-      <p:sp>
-        <p:nvSpPr>
-          <p:cNvPr id="2" name="Title 1">
-            <a:extLst>
-              <a:ext uri="{FF2B5EF4-FFF2-40B4-BE49-F238E27FC236}">
-                <a16:creationId xmlns:a16="http://schemas.microsoft.com/office/drawing/2014/main" id="{67332B80-C718-482A-A7B5-939F490FE26F}"/>
-              </a:ext>
-            </a:extLst>
-          </p:cNvPr>
-          <p:cNvSpPr>
-            <a:spLocks noGrp="1"/>
-          </p:cNvSpPr>
-          <p:nvPr>
-            <p:ph type="title"/>
-          </p:nvPr>
-        </p:nvSpPr>
-        <p:spPr/>
-        <p:txBody>
-          <a:bodyPr/>
-          <a:lstStyle/>
-          <a:p>
-            <a:r>
-              <a:rPr lang="en-US" dirty="0"/>
-              <a:t>Sample input data (part of one of the files)</a:t>
-            </a:r>
-            <a:endParaRPr lang="en-IL" dirty="0"/>
-          </a:p>
-        </p:txBody>
-      </p:sp>
-      <p:sp>
-        <p:nvSpPr>
-          <p:cNvPr id="4" name="Rectangle 1">
-            <a:extLst>
-              <a:ext uri="{FF2B5EF4-FFF2-40B4-BE49-F238E27FC236}">
-                <a16:creationId xmlns:a16="http://schemas.microsoft.com/office/drawing/2014/main" id="{F311AC71-EFD4-4A3C-B912-8B3B88C0838C}"/>
-              </a:ext>
-            </a:extLst>
-          </p:cNvPr>
-          <p:cNvSpPr>
-            <a:spLocks noGrp="1" noChangeArrowheads="1"/>
-          </p:cNvSpPr>
-          <p:nvPr>
-            <p:ph idx="1"/>
-          </p:nvPr>
-        </p:nvSpPr>
-        <p:spPr bwMode="auto">
-          <a:xfrm>
-            <a:off x="838200" y="1808386"/>
-            <a:ext cx="6457217" cy="4385816"/>
-          </a:xfrm>
-          <a:prstGeom prst="rect">
-            <a:avLst/>
-          </a:prstGeom>
-          <a:solidFill>
-            <a:srgbClr val="FFFFFF"/>
-          </a:solidFill>
-          <a:ln>
-            <a:noFill/>
-          </a:ln>
-          <a:effectLst/>
-          <a:extLst>
-            <a:ext uri="{91240B29-F687-4F45-9708-019B960494DF}">
-              <a14:hiddenLine xmlns:a14="http://schemas.microsoft.com/office/drawing/2010/main" w="9525">
-                <a:solidFill>
-                  <a:schemeClr val="tx1"/>
-                </a:solidFill>
-                <a:miter lim="800000"/>
-                <a:headEnd/>
-                <a:tailEnd/>
-              </a14:hiddenLine>
-            </a:ext>
-            <a:ext uri="{AF507438-7753-43E0-B8FC-AC1667EBCBE1}">
-              <a14:hiddenEffects xmlns:a14="http://schemas.microsoft.com/office/drawing/2010/main">
-                <a:effectLst>
-                  <a:outerShdw dist="35921" dir="2700000" algn="ctr" rotWithShape="0">
-                    <a:schemeClr val="bg2"/>
-                  </a:outerShdw>
-                </a:effectLst>
-              </a14:hiddenEffects>
-            </a:ext>
-          </a:extLst>
-        </p:spPr>
-        <p:txBody>
-          <a:bodyPr vert="horz" wrap="none" lIns="91440" tIns="45720" rIns="91440" bIns="45720" numCol="1" anchor="ctr" anchorCtr="0" compatLnSpc="1">
-            <a:prstTxWarp prst="textNoShape">
-              <a:avLst/>
-            </a:prstTxWarp>
-            <a:spAutoFit/>
-          </a:bodyPr>
-          <a:lstStyle/>
-          <a:p>
-            <a:pPr marL="0" marR="0" lvl="0" indent="0" algn="l" defTabSz="914400" rtl="0" eaLnBrk="0" fontAlgn="base" latinLnBrk="0" hangingPunct="0">
-              <a:lnSpc>
-                <a:spcPct val="100000"/>
-              </a:lnSpc>
-              <a:spcBef>
-                <a:spcPct val="0"/>
-              </a:spcBef>
-              <a:spcAft>
-                <a:spcPct val="0"/>
-              </a:spcAft>
-              <a:buClrTx/>
-              <a:buSzTx/>
-              <a:buFontTx/>
-              <a:buNone/>
-              <a:tabLst/>
-            </a:pPr>
-            <a:r>
-              <a:rPr kumimoji="0" lang="en-IL" altLang="en-IL" sz="900" b="1" i="0" u="none" strike="noStrike" cap="none" normalizeH="0" baseline="0" dirty="0">
-                <a:ln>
-                  <a:noFill/>
-                </a:ln>
-                <a:solidFill>
-                  <a:srgbClr val="008080"/>
-                </a:solidFill>
-                <a:effectLst/>
-                <a:latin typeface="Courier New" panose="02070309020205020404" pitchFamily="49" charset="0"/>
-                <a:cs typeface="Courier New" panose="02070309020205020404" pitchFamily="49" charset="0"/>
-              </a:rPr>
-              <a:t>&lt;!DOCTYPE </a:t>
-            </a:r>
-            <a:r>
-              <a:rPr kumimoji="0" lang="en-IL" altLang="en-IL" sz="900" b="1" i="0" u="none" strike="noStrike" cap="none" normalizeH="0" baseline="0" dirty="0" err="1">
-                <a:ln>
-                  <a:noFill/>
-                </a:ln>
-                <a:solidFill>
-                  <a:srgbClr val="008080"/>
-                </a:solidFill>
-                <a:effectLst/>
-                <a:latin typeface="Courier New" panose="02070309020205020404" pitchFamily="49" charset="0"/>
-                <a:cs typeface="Courier New" panose="02070309020205020404" pitchFamily="49" charset="0"/>
-              </a:rPr>
-              <a:t>lewis</a:t>
-            </a:r>
-            <a:r>
-              <a:rPr kumimoji="0" lang="en-IL" altLang="en-IL" sz="900" b="1" i="0" u="none" strike="noStrike" cap="none" normalizeH="0" baseline="0" dirty="0">
-                <a:ln>
-                  <a:noFill/>
-                </a:ln>
-                <a:solidFill>
-                  <a:srgbClr val="008080"/>
-                </a:solidFill>
-                <a:effectLst/>
-                <a:latin typeface="Courier New" panose="02070309020205020404" pitchFamily="49" charset="0"/>
-                <a:cs typeface="Courier New" panose="02070309020205020404" pitchFamily="49" charset="0"/>
-              </a:rPr>
-              <a:t> SYSTEM "lewis.dtd"&gt;</a:t>
-            </a:r>
-            <a:br>
-              <a:rPr kumimoji="0" lang="en-IL" altLang="en-IL" sz="900" b="1" i="0" u="none" strike="noStrike" cap="none" normalizeH="0" baseline="0" dirty="0">
-                <a:ln>
-                  <a:noFill/>
-                </a:ln>
-                <a:solidFill>
-                  <a:srgbClr val="008080"/>
-                </a:solidFill>
-                <a:effectLst/>
-                <a:latin typeface="Courier New" panose="02070309020205020404" pitchFamily="49" charset="0"/>
-                <a:cs typeface="Courier New" panose="02070309020205020404" pitchFamily="49" charset="0"/>
-              </a:rPr>
-            </a:br>
-            <a:r>
-              <a:rPr kumimoji="0" lang="en-IL" altLang="en-IL" sz="900" b="1" i="0" u="none" strike="noStrike" cap="none" normalizeH="0" baseline="0" dirty="0">
-                <a:ln>
-                  <a:noFill/>
-                </a:ln>
-                <a:solidFill>
-                  <a:srgbClr val="008080"/>
-                </a:solidFill>
-                <a:effectLst/>
-                <a:latin typeface="Courier New" panose="02070309020205020404" pitchFamily="49" charset="0"/>
-                <a:cs typeface="Courier New" panose="02070309020205020404" pitchFamily="49" charset="0"/>
-              </a:rPr>
-              <a:t>&lt;</a:t>
-            </a:r>
-            <a:r>
-              <a:rPr kumimoji="0" lang="en-IL" altLang="en-IL" sz="900" b="1" i="0" u="none" strike="noStrike" cap="none" normalizeH="0" baseline="0" dirty="0">
-                <a:ln>
-                  <a:noFill/>
-                </a:ln>
-                <a:solidFill>
-                  <a:srgbClr val="008080"/>
-                </a:solidFill>
-                <a:effectLst/>
-                <a:highlight>
-                  <a:srgbClr val="FFFF00"/>
-                </a:highlight>
-                <a:latin typeface="Courier New" panose="02070309020205020404" pitchFamily="49" charset="0"/>
-                <a:cs typeface="Courier New" panose="02070309020205020404" pitchFamily="49" charset="0"/>
-              </a:rPr>
-              <a:t>REUTERS</a:t>
-            </a:r>
-            <a:r>
-              <a:rPr kumimoji="0" lang="en-IL" altLang="en-IL" sz="900" b="1" i="0" u="none" strike="noStrike" cap="none" normalizeH="0" baseline="0" dirty="0">
-                <a:ln>
-                  <a:noFill/>
-                </a:ln>
-                <a:solidFill>
-                  <a:srgbClr val="008080"/>
-                </a:solidFill>
-                <a:effectLst/>
-                <a:latin typeface="Courier New" panose="02070309020205020404" pitchFamily="49" charset="0"/>
-                <a:cs typeface="Courier New" panose="02070309020205020404" pitchFamily="49" charset="0"/>
-              </a:rPr>
-              <a:t> TOPICS="NO" LEWISSPLIT="TRAIN" CGISPLIT="TRAINING-SET" OLDID="16321" NEWID="1001"&gt;</a:t>
-            </a:r>
-            <a:br>
-              <a:rPr kumimoji="0" lang="en-IL" altLang="en-IL" sz="900" b="1" i="0" u="none" strike="noStrike" cap="none" normalizeH="0" baseline="0" dirty="0">
-                <a:ln>
-                  <a:noFill/>
-                </a:ln>
-                <a:solidFill>
-                  <a:srgbClr val="008080"/>
-                </a:solidFill>
-                <a:effectLst/>
-                <a:latin typeface="Courier New" panose="02070309020205020404" pitchFamily="49" charset="0"/>
-                <a:cs typeface="Courier New" panose="02070309020205020404" pitchFamily="49" charset="0"/>
-              </a:rPr>
-            </a:br>
-            <a:r>
-              <a:rPr kumimoji="0" lang="en-IL" altLang="en-IL" sz="900" b="1" i="0" u="none" strike="noStrike" cap="none" normalizeH="0" baseline="0" dirty="0">
-                <a:ln>
-                  <a:noFill/>
-                </a:ln>
-                <a:solidFill>
-                  <a:srgbClr val="008080"/>
-                </a:solidFill>
-                <a:effectLst/>
-                <a:latin typeface="Courier New" panose="02070309020205020404" pitchFamily="49" charset="0"/>
-                <a:cs typeface="Courier New" panose="02070309020205020404" pitchFamily="49" charset="0"/>
-              </a:rPr>
-              <a:t>&lt;DATE&gt; 3-MAR-1987 09:18:21.26&lt;/DATE&gt;</a:t>
-            </a:r>
-            <a:br>
-              <a:rPr kumimoji="0" lang="en-IL" altLang="en-IL" sz="900" b="1" i="0" u="none" strike="noStrike" cap="none" normalizeH="0" baseline="0" dirty="0">
-                <a:ln>
-                  <a:noFill/>
-                </a:ln>
-                <a:solidFill>
-                  <a:srgbClr val="008080"/>
-                </a:solidFill>
-                <a:effectLst/>
-                <a:latin typeface="Courier New" panose="02070309020205020404" pitchFamily="49" charset="0"/>
-                <a:cs typeface="Courier New" panose="02070309020205020404" pitchFamily="49" charset="0"/>
-              </a:rPr>
-            </a:br>
-            <a:r>
-              <a:rPr kumimoji="0" lang="en-IL" altLang="en-IL" sz="900" b="1" i="0" u="none" strike="noStrike" cap="none" normalizeH="0" baseline="0" dirty="0">
-                <a:ln>
-                  <a:noFill/>
-                </a:ln>
-                <a:solidFill>
-                  <a:srgbClr val="008080"/>
-                </a:solidFill>
-                <a:effectLst/>
-                <a:latin typeface="Courier New" panose="02070309020205020404" pitchFamily="49" charset="0"/>
-                <a:cs typeface="Courier New" panose="02070309020205020404" pitchFamily="49" charset="0"/>
-              </a:rPr>
-              <a:t>&lt;</a:t>
-            </a:r>
-            <a:r>
-              <a:rPr kumimoji="0" lang="en-IL" altLang="en-IL" sz="900" b="1" i="0" u="none" strike="noStrike" cap="none" normalizeH="0" baseline="0" dirty="0">
-                <a:ln>
-                  <a:noFill/>
-                </a:ln>
-                <a:solidFill>
-                  <a:srgbClr val="008080"/>
-                </a:solidFill>
-                <a:effectLst/>
-                <a:highlight>
-                  <a:srgbClr val="C0C0C0"/>
-                </a:highlight>
-                <a:latin typeface="Courier New" panose="02070309020205020404" pitchFamily="49" charset="0"/>
-                <a:cs typeface="Courier New" panose="02070309020205020404" pitchFamily="49" charset="0"/>
-              </a:rPr>
-              <a:t>TOPICS</a:t>
-            </a:r>
-            <a:r>
-              <a:rPr kumimoji="0" lang="en-IL" altLang="en-IL" sz="900" b="1" i="0" u="none" strike="noStrike" cap="none" normalizeH="0" baseline="0" dirty="0">
-                <a:ln>
-                  <a:noFill/>
-                </a:ln>
-                <a:solidFill>
-                  <a:srgbClr val="008080"/>
-                </a:solidFill>
-                <a:effectLst/>
-                <a:latin typeface="Courier New" panose="02070309020205020404" pitchFamily="49" charset="0"/>
-                <a:cs typeface="Courier New" panose="02070309020205020404" pitchFamily="49" charset="0"/>
-              </a:rPr>
-              <a:t>&gt;&lt;/TOPICS&gt;</a:t>
-            </a:r>
-            <a:br>
-              <a:rPr kumimoji="0" lang="en-IL" altLang="en-IL" sz="900" b="1" i="0" u="none" strike="noStrike" cap="none" normalizeH="0" baseline="0" dirty="0">
-                <a:ln>
-                  <a:noFill/>
-                </a:ln>
-                <a:solidFill>
-                  <a:srgbClr val="008080"/>
-                </a:solidFill>
-                <a:effectLst/>
-                <a:latin typeface="Courier New" panose="02070309020205020404" pitchFamily="49" charset="0"/>
-                <a:cs typeface="Courier New" panose="02070309020205020404" pitchFamily="49" charset="0"/>
-              </a:rPr>
-            </a:br>
-            <a:r>
-              <a:rPr kumimoji="0" lang="en-IL" altLang="en-IL" sz="900" b="1" i="0" u="none" strike="noStrike" cap="none" normalizeH="0" baseline="0" dirty="0">
-                <a:ln>
-                  <a:noFill/>
-                </a:ln>
-                <a:solidFill>
-                  <a:srgbClr val="008080"/>
-                </a:solidFill>
-                <a:effectLst/>
-                <a:latin typeface="Courier New" panose="02070309020205020404" pitchFamily="49" charset="0"/>
-                <a:cs typeface="Courier New" panose="02070309020205020404" pitchFamily="49" charset="0"/>
-              </a:rPr>
-              <a:t>&lt;</a:t>
-            </a:r>
-            <a:r>
-              <a:rPr kumimoji="0" lang="en-IL" altLang="en-IL" sz="900" b="1" i="0" u="none" strike="noStrike" cap="none" normalizeH="0" baseline="0" dirty="0">
-                <a:ln>
-                  <a:noFill/>
-                </a:ln>
-                <a:solidFill>
-                  <a:srgbClr val="008080"/>
-                </a:solidFill>
-                <a:effectLst/>
-                <a:highlight>
-                  <a:srgbClr val="C0C0C0"/>
-                </a:highlight>
-                <a:latin typeface="Courier New" panose="02070309020205020404" pitchFamily="49" charset="0"/>
-                <a:cs typeface="Courier New" panose="02070309020205020404" pitchFamily="49" charset="0"/>
-              </a:rPr>
-              <a:t>PLACES</a:t>
-            </a:r>
-            <a:r>
-              <a:rPr kumimoji="0" lang="en-IL" altLang="en-IL" sz="900" b="1" i="0" u="none" strike="noStrike" cap="none" normalizeH="0" baseline="0" dirty="0">
-                <a:ln>
-                  <a:noFill/>
-                </a:ln>
-                <a:solidFill>
-                  <a:srgbClr val="008080"/>
-                </a:solidFill>
-                <a:effectLst/>
-                <a:latin typeface="Courier New" panose="02070309020205020404" pitchFamily="49" charset="0"/>
-                <a:cs typeface="Courier New" panose="02070309020205020404" pitchFamily="49" charset="0"/>
-              </a:rPr>
-              <a:t>&gt;&lt;D&gt;</a:t>
-            </a:r>
-            <a:r>
-              <a:rPr kumimoji="0" lang="en-IL" altLang="en-IL" sz="900" b="1" i="0" u="none" strike="noStrike" cap="none" normalizeH="0" baseline="0" dirty="0" err="1">
-                <a:ln>
-                  <a:noFill/>
-                </a:ln>
-                <a:solidFill>
-                  <a:srgbClr val="008080"/>
-                </a:solidFill>
-                <a:effectLst/>
-                <a:latin typeface="Courier New" panose="02070309020205020404" pitchFamily="49" charset="0"/>
-                <a:cs typeface="Courier New" panose="02070309020205020404" pitchFamily="49" charset="0"/>
-              </a:rPr>
-              <a:t>usa</a:t>
-            </a:r>
-            <a:r>
-              <a:rPr kumimoji="0" lang="en-IL" altLang="en-IL" sz="900" b="1" i="0" u="none" strike="noStrike" cap="none" normalizeH="0" baseline="0" dirty="0">
-                <a:ln>
-                  <a:noFill/>
-                </a:ln>
-                <a:solidFill>
-                  <a:srgbClr val="008080"/>
-                </a:solidFill>
-                <a:effectLst/>
-                <a:latin typeface="Courier New" panose="02070309020205020404" pitchFamily="49" charset="0"/>
-                <a:cs typeface="Courier New" panose="02070309020205020404" pitchFamily="49" charset="0"/>
-              </a:rPr>
-              <a:t>&lt;/D&gt;&lt;D&gt;</a:t>
-            </a:r>
-            <a:r>
-              <a:rPr kumimoji="0" lang="en-IL" altLang="en-IL" sz="900" b="1" i="0" u="none" strike="noStrike" cap="none" normalizeH="0" baseline="0" dirty="0" err="1">
-                <a:ln>
-                  <a:noFill/>
-                </a:ln>
-                <a:solidFill>
-                  <a:srgbClr val="008080"/>
-                </a:solidFill>
-                <a:effectLst/>
-                <a:latin typeface="Courier New" panose="02070309020205020404" pitchFamily="49" charset="0"/>
-                <a:cs typeface="Courier New" panose="02070309020205020404" pitchFamily="49" charset="0"/>
-              </a:rPr>
-              <a:t>ussr</a:t>
-            </a:r>
-            <a:r>
-              <a:rPr kumimoji="0" lang="en-IL" altLang="en-IL" sz="900" b="1" i="0" u="none" strike="noStrike" cap="none" normalizeH="0" baseline="0" dirty="0">
-                <a:ln>
-                  <a:noFill/>
-                </a:ln>
-                <a:solidFill>
-                  <a:srgbClr val="008080"/>
-                </a:solidFill>
-                <a:effectLst/>
-                <a:latin typeface="Courier New" panose="02070309020205020404" pitchFamily="49" charset="0"/>
-                <a:cs typeface="Courier New" panose="02070309020205020404" pitchFamily="49" charset="0"/>
-              </a:rPr>
-              <a:t>&lt;/D&gt;&lt;/PLACES&gt;</a:t>
-            </a:r>
-            <a:br>
-              <a:rPr kumimoji="0" lang="en-IL" altLang="en-IL" sz="900" b="1" i="0" u="none" strike="noStrike" cap="none" normalizeH="0" baseline="0" dirty="0">
-                <a:ln>
-                  <a:noFill/>
-                </a:ln>
-                <a:solidFill>
-                  <a:srgbClr val="008080"/>
-                </a:solidFill>
-                <a:effectLst/>
-                <a:latin typeface="Courier New" panose="02070309020205020404" pitchFamily="49" charset="0"/>
-                <a:cs typeface="Courier New" panose="02070309020205020404" pitchFamily="49" charset="0"/>
-              </a:rPr>
-            </a:br>
-            <a:r>
-              <a:rPr kumimoji="0" lang="en-IL" altLang="en-IL" sz="900" b="1" i="0" u="none" strike="noStrike" cap="none" normalizeH="0" baseline="0" dirty="0">
-                <a:ln>
-                  <a:noFill/>
-                </a:ln>
-                <a:solidFill>
-                  <a:srgbClr val="008080"/>
-                </a:solidFill>
-                <a:effectLst/>
-                <a:latin typeface="Courier New" panose="02070309020205020404" pitchFamily="49" charset="0"/>
-                <a:cs typeface="Courier New" panose="02070309020205020404" pitchFamily="49" charset="0"/>
-              </a:rPr>
-              <a:t>&lt;</a:t>
-            </a:r>
-            <a:r>
-              <a:rPr kumimoji="0" lang="en-IL" altLang="en-IL" sz="900" b="1" i="0" u="none" strike="noStrike" cap="none" normalizeH="0" baseline="0" dirty="0">
-                <a:ln>
-                  <a:noFill/>
-                </a:ln>
-                <a:solidFill>
-                  <a:srgbClr val="008080"/>
-                </a:solidFill>
-                <a:effectLst/>
-                <a:highlight>
-                  <a:srgbClr val="C0C0C0"/>
-                </a:highlight>
-                <a:latin typeface="Courier New" panose="02070309020205020404" pitchFamily="49" charset="0"/>
-                <a:cs typeface="Courier New" panose="02070309020205020404" pitchFamily="49" charset="0"/>
-              </a:rPr>
-              <a:t>PEOPLE</a:t>
-            </a:r>
-            <a:r>
-              <a:rPr kumimoji="0" lang="en-IL" altLang="en-IL" sz="900" b="1" i="0" u="none" strike="noStrike" cap="none" normalizeH="0" baseline="0" dirty="0">
-                <a:ln>
-                  <a:noFill/>
-                </a:ln>
-                <a:solidFill>
-                  <a:srgbClr val="008080"/>
-                </a:solidFill>
-                <a:effectLst/>
-                <a:latin typeface="Courier New" panose="02070309020205020404" pitchFamily="49" charset="0"/>
-                <a:cs typeface="Courier New" panose="02070309020205020404" pitchFamily="49" charset="0"/>
-              </a:rPr>
-              <a:t>&gt;&lt;/PEOPLE&gt;</a:t>
-            </a:r>
-            <a:br>
-              <a:rPr kumimoji="0" lang="en-IL" altLang="en-IL" sz="900" b="1" i="0" u="none" strike="noStrike" cap="none" normalizeH="0" baseline="0" dirty="0">
-                <a:ln>
-                  <a:noFill/>
-                </a:ln>
-                <a:solidFill>
-                  <a:srgbClr val="008080"/>
-                </a:solidFill>
-                <a:effectLst/>
-                <a:latin typeface="Courier New" panose="02070309020205020404" pitchFamily="49" charset="0"/>
-                <a:cs typeface="Courier New" panose="02070309020205020404" pitchFamily="49" charset="0"/>
-              </a:rPr>
-            </a:br>
-            <a:r>
-              <a:rPr kumimoji="0" lang="en-IL" altLang="en-IL" sz="900" b="1" i="0" u="none" strike="noStrike" cap="none" normalizeH="0" baseline="0" dirty="0">
-                <a:ln>
-                  <a:noFill/>
-                </a:ln>
-                <a:solidFill>
-                  <a:srgbClr val="008080"/>
-                </a:solidFill>
-                <a:effectLst/>
-                <a:latin typeface="Courier New" panose="02070309020205020404" pitchFamily="49" charset="0"/>
-                <a:cs typeface="Courier New" panose="02070309020205020404" pitchFamily="49" charset="0"/>
-              </a:rPr>
-              <a:t>&lt;</a:t>
-            </a:r>
-            <a:r>
-              <a:rPr kumimoji="0" lang="en-IL" altLang="en-IL" sz="900" b="1" i="0" u="none" strike="noStrike" cap="none" normalizeH="0" baseline="0" dirty="0">
-                <a:ln>
-                  <a:noFill/>
-                </a:ln>
-                <a:solidFill>
-                  <a:srgbClr val="008080"/>
-                </a:solidFill>
-                <a:effectLst/>
-                <a:highlight>
-                  <a:srgbClr val="C0C0C0"/>
-                </a:highlight>
-                <a:latin typeface="Courier New" panose="02070309020205020404" pitchFamily="49" charset="0"/>
-                <a:cs typeface="Courier New" panose="02070309020205020404" pitchFamily="49" charset="0"/>
-              </a:rPr>
-              <a:t>ORGS</a:t>
-            </a:r>
-            <a:r>
-              <a:rPr kumimoji="0" lang="en-IL" altLang="en-IL" sz="900" b="1" i="0" u="none" strike="noStrike" cap="none" normalizeH="0" baseline="0" dirty="0">
-                <a:ln>
-                  <a:noFill/>
-                </a:ln>
-                <a:solidFill>
-                  <a:srgbClr val="008080"/>
-                </a:solidFill>
-                <a:effectLst/>
-                <a:latin typeface="Courier New" panose="02070309020205020404" pitchFamily="49" charset="0"/>
-                <a:cs typeface="Courier New" panose="02070309020205020404" pitchFamily="49" charset="0"/>
-              </a:rPr>
-              <a:t>&gt;&lt;/ORGS&gt;</a:t>
-            </a:r>
-            <a:br>
-              <a:rPr kumimoji="0" lang="en-IL" altLang="en-IL" sz="900" b="1" i="0" u="none" strike="noStrike" cap="none" normalizeH="0" baseline="0" dirty="0">
-                <a:ln>
-                  <a:noFill/>
-                </a:ln>
-                <a:solidFill>
-                  <a:srgbClr val="008080"/>
-                </a:solidFill>
-                <a:effectLst/>
-                <a:latin typeface="Courier New" panose="02070309020205020404" pitchFamily="49" charset="0"/>
-                <a:cs typeface="Courier New" panose="02070309020205020404" pitchFamily="49" charset="0"/>
-              </a:rPr>
-            </a:br>
-            <a:r>
-              <a:rPr kumimoji="0" lang="en-IL" altLang="en-IL" sz="900" b="1" i="0" u="none" strike="noStrike" cap="none" normalizeH="0" baseline="0" dirty="0">
-                <a:ln>
-                  <a:noFill/>
-                </a:ln>
-                <a:solidFill>
-                  <a:srgbClr val="008080"/>
-                </a:solidFill>
-                <a:effectLst/>
-                <a:latin typeface="Courier New" panose="02070309020205020404" pitchFamily="49" charset="0"/>
-                <a:cs typeface="Courier New" panose="02070309020205020404" pitchFamily="49" charset="0"/>
-              </a:rPr>
-              <a:t>&lt;</a:t>
-            </a:r>
-            <a:r>
-              <a:rPr kumimoji="0" lang="en-IL" altLang="en-IL" sz="900" b="1" i="0" u="none" strike="noStrike" cap="none" normalizeH="0" baseline="0" dirty="0">
-                <a:ln>
-                  <a:noFill/>
-                </a:ln>
-                <a:solidFill>
-                  <a:srgbClr val="008080"/>
-                </a:solidFill>
-                <a:effectLst/>
-                <a:highlight>
-                  <a:srgbClr val="C0C0C0"/>
-                </a:highlight>
-                <a:latin typeface="Courier New" panose="02070309020205020404" pitchFamily="49" charset="0"/>
-                <a:cs typeface="Courier New" panose="02070309020205020404" pitchFamily="49" charset="0"/>
-              </a:rPr>
-              <a:t>EXCHANGES</a:t>
-            </a:r>
-            <a:r>
-              <a:rPr kumimoji="0" lang="en-IL" altLang="en-IL" sz="900" b="1" i="0" u="none" strike="noStrike" cap="none" normalizeH="0" baseline="0" dirty="0">
-                <a:ln>
-                  <a:noFill/>
-                </a:ln>
-                <a:solidFill>
-                  <a:srgbClr val="008080"/>
-                </a:solidFill>
-                <a:effectLst/>
-                <a:latin typeface="Courier New" panose="02070309020205020404" pitchFamily="49" charset="0"/>
-                <a:cs typeface="Courier New" panose="02070309020205020404" pitchFamily="49" charset="0"/>
-              </a:rPr>
-              <a:t>&gt;&lt;/EXCHANGES&gt;</a:t>
-            </a:r>
-            <a:br>
-              <a:rPr kumimoji="0" lang="en-IL" altLang="en-IL" sz="900" b="1" i="0" u="none" strike="noStrike" cap="none" normalizeH="0" baseline="0" dirty="0">
-                <a:ln>
-                  <a:noFill/>
-                </a:ln>
-                <a:solidFill>
-                  <a:srgbClr val="008080"/>
-                </a:solidFill>
-                <a:effectLst/>
-                <a:latin typeface="Courier New" panose="02070309020205020404" pitchFamily="49" charset="0"/>
-                <a:cs typeface="Courier New" panose="02070309020205020404" pitchFamily="49" charset="0"/>
-              </a:rPr>
-            </a:br>
-            <a:r>
-              <a:rPr kumimoji="0" lang="en-IL" altLang="en-IL" sz="900" b="1" i="0" u="none" strike="noStrike" cap="none" normalizeH="0" baseline="0" dirty="0">
-                <a:ln>
-                  <a:noFill/>
-                </a:ln>
-                <a:solidFill>
-                  <a:srgbClr val="008080"/>
-                </a:solidFill>
-                <a:effectLst/>
-                <a:latin typeface="Courier New" panose="02070309020205020404" pitchFamily="49" charset="0"/>
-                <a:cs typeface="Courier New" panose="02070309020205020404" pitchFamily="49" charset="0"/>
-              </a:rPr>
-              <a:t>&lt;</a:t>
-            </a:r>
-            <a:r>
-              <a:rPr kumimoji="0" lang="en-IL" altLang="en-IL" sz="900" b="1" i="0" u="none" strike="noStrike" cap="none" normalizeH="0" baseline="0" dirty="0">
-                <a:ln>
-                  <a:noFill/>
-                </a:ln>
-                <a:solidFill>
-                  <a:srgbClr val="008080"/>
-                </a:solidFill>
-                <a:effectLst/>
-                <a:highlight>
-                  <a:srgbClr val="C0C0C0"/>
-                </a:highlight>
-                <a:latin typeface="Courier New" panose="02070309020205020404" pitchFamily="49" charset="0"/>
-                <a:cs typeface="Courier New" panose="02070309020205020404" pitchFamily="49" charset="0"/>
-              </a:rPr>
-              <a:t>COMPANIES</a:t>
-            </a:r>
-            <a:r>
-              <a:rPr kumimoji="0" lang="en-IL" altLang="en-IL" sz="900" b="1" i="0" u="none" strike="noStrike" cap="none" normalizeH="0" baseline="0" dirty="0">
-                <a:ln>
-                  <a:noFill/>
-                </a:ln>
-                <a:solidFill>
-                  <a:srgbClr val="008080"/>
-                </a:solidFill>
-                <a:effectLst/>
-                <a:latin typeface="Courier New" panose="02070309020205020404" pitchFamily="49" charset="0"/>
-                <a:cs typeface="Courier New" panose="02070309020205020404" pitchFamily="49" charset="0"/>
-              </a:rPr>
-              <a:t>&gt;&lt;/COMPANIES&gt;</a:t>
-            </a:r>
-            <a:br>
-              <a:rPr kumimoji="0" lang="en-IL" altLang="en-IL" sz="900" b="1" i="0" u="none" strike="noStrike" cap="none" normalizeH="0" baseline="0" dirty="0">
-                <a:ln>
-                  <a:noFill/>
-                </a:ln>
-                <a:solidFill>
-                  <a:srgbClr val="008080"/>
-                </a:solidFill>
-                <a:effectLst/>
-                <a:latin typeface="Courier New" panose="02070309020205020404" pitchFamily="49" charset="0"/>
-                <a:cs typeface="Courier New" panose="02070309020205020404" pitchFamily="49" charset="0"/>
-              </a:rPr>
-            </a:br>
-            <a:r>
-              <a:rPr kumimoji="0" lang="en-IL" altLang="en-IL" sz="900" b="1" i="0" u="none" strike="noStrike" cap="none" normalizeH="0" baseline="0" dirty="0">
-                <a:ln>
-                  <a:noFill/>
-                </a:ln>
-                <a:solidFill>
-                  <a:srgbClr val="008080"/>
-                </a:solidFill>
-                <a:effectLst/>
-                <a:latin typeface="Courier New" panose="02070309020205020404" pitchFamily="49" charset="0"/>
-                <a:cs typeface="Courier New" panose="02070309020205020404" pitchFamily="49" charset="0"/>
-              </a:rPr>
-              <a:t>&lt;UNKNOWN&gt; </a:t>
-            </a:r>
-            <a:br>
-              <a:rPr kumimoji="0" lang="en-IL" altLang="en-IL" sz="900" b="1" i="0" u="none" strike="noStrike" cap="none" normalizeH="0" baseline="0" dirty="0">
-                <a:ln>
-                  <a:noFill/>
-                </a:ln>
-                <a:solidFill>
-                  <a:srgbClr val="008080"/>
-                </a:solidFill>
-                <a:effectLst/>
-                <a:latin typeface="Courier New" panose="02070309020205020404" pitchFamily="49" charset="0"/>
-                <a:cs typeface="Courier New" panose="02070309020205020404" pitchFamily="49" charset="0"/>
-              </a:rPr>
-            </a:br>
-            <a:r>
-              <a:rPr kumimoji="0" lang="en-IL" altLang="en-IL" sz="900" b="1" i="0" u="none" strike="noStrike" cap="none" normalizeH="0" baseline="0" dirty="0">
-                <a:ln>
-                  <a:noFill/>
-                </a:ln>
-                <a:solidFill>
-                  <a:srgbClr val="008080"/>
-                </a:solidFill>
-                <a:effectLst/>
-                <a:latin typeface="Courier New" panose="02070309020205020404" pitchFamily="49" charset="0"/>
-                <a:cs typeface="Courier New" panose="02070309020205020404" pitchFamily="49" charset="0"/>
-              </a:rPr>
-              <a:t>&amp;#5;&amp;#5;&amp;#5;G T</a:t>
-            </a:r>
-            <a:br>
-              <a:rPr kumimoji="0" lang="en-IL" altLang="en-IL" sz="900" b="1" i="0" u="none" strike="noStrike" cap="none" normalizeH="0" baseline="0" dirty="0">
-                <a:ln>
-                  <a:noFill/>
-                </a:ln>
-                <a:solidFill>
-                  <a:srgbClr val="008080"/>
-                </a:solidFill>
-                <a:effectLst/>
-                <a:latin typeface="Courier New" panose="02070309020205020404" pitchFamily="49" charset="0"/>
-                <a:cs typeface="Courier New" panose="02070309020205020404" pitchFamily="49" charset="0"/>
-              </a:rPr>
-            </a:br>
-            <a:r>
-              <a:rPr kumimoji="0" lang="en-IL" altLang="en-IL" sz="900" b="1" i="0" u="none" strike="noStrike" cap="none" normalizeH="0" baseline="0" dirty="0">
-                <a:ln>
-                  <a:noFill/>
-                </a:ln>
-                <a:solidFill>
-                  <a:srgbClr val="008080"/>
-                </a:solidFill>
-                <a:effectLst/>
-                <a:latin typeface="Courier New" panose="02070309020205020404" pitchFamily="49" charset="0"/>
-                <a:cs typeface="Courier New" panose="02070309020205020404" pitchFamily="49" charset="0"/>
-              </a:rPr>
-              <a:t>&amp;#22;&amp;#22;&amp;#1;f0288&amp;#31;reute</a:t>
-            </a:r>
-            <a:br>
-              <a:rPr kumimoji="0" lang="en-IL" altLang="en-IL" sz="900" b="1" i="0" u="none" strike="noStrike" cap="none" normalizeH="0" baseline="0" dirty="0">
-                <a:ln>
-                  <a:noFill/>
-                </a:ln>
-                <a:solidFill>
-                  <a:srgbClr val="008080"/>
-                </a:solidFill>
-                <a:effectLst/>
-                <a:latin typeface="Courier New" panose="02070309020205020404" pitchFamily="49" charset="0"/>
-                <a:cs typeface="Courier New" panose="02070309020205020404" pitchFamily="49" charset="0"/>
-              </a:rPr>
-            </a:br>
-            <a:r>
-              <a:rPr kumimoji="0" lang="en-IL" altLang="en-IL" sz="900" b="1" i="0" u="none" strike="noStrike" cap="none" normalizeH="0" baseline="0" dirty="0">
-                <a:ln>
-                  <a:noFill/>
-                </a:ln>
-                <a:solidFill>
-                  <a:srgbClr val="008080"/>
-                </a:solidFill>
-                <a:effectLst/>
-                <a:latin typeface="Courier New" panose="02070309020205020404" pitchFamily="49" charset="0"/>
-                <a:cs typeface="Courier New" panose="02070309020205020404" pitchFamily="49" charset="0"/>
-              </a:rPr>
-              <a:t>d f BC-SANDOZ-PLANS-WEEDKILL   03-03 0095&lt;/UNKNOWN&gt;</a:t>
-            </a:r>
-            <a:br>
-              <a:rPr kumimoji="0" lang="en-IL" altLang="en-IL" sz="900" b="1" i="0" u="none" strike="noStrike" cap="none" normalizeH="0" baseline="0" dirty="0">
-                <a:ln>
-                  <a:noFill/>
-                </a:ln>
-                <a:solidFill>
-                  <a:srgbClr val="008080"/>
-                </a:solidFill>
-                <a:effectLst/>
-                <a:latin typeface="Courier New" panose="02070309020205020404" pitchFamily="49" charset="0"/>
-                <a:cs typeface="Courier New" panose="02070309020205020404" pitchFamily="49" charset="0"/>
-              </a:rPr>
-            </a:br>
-            <a:r>
-              <a:rPr kumimoji="0" lang="en-IL" altLang="en-IL" sz="900" b="1" i="0" u="none" strike="noStrike" cap="none" normalizeH="0" baseline="0" dirty="0">
-                <a:ln>
-                  <a:noFill/>
-                </a:ln>
-                <a:solidFill>
-                  <a:srgbClr val="008080"/>
-                </a:solidFill>
-                <a:effectLst/>
-                <a:latin typeface="Courier New" panose="02070309020205020404" pitchFamily="49" charset="0"/>
-                <a:cs typeface="Courier New" panose="02070309020205020404" pitchFamily="49" charset="0"/>
-              </a:rPr>
-              <a:t>&lt;TEXT&gt;&amp;#2;</a:t>
-            </a:r>
-            <a:br>
-              <a:rPr kumimoji="0" lang="en-IL" altLang="en-IL" sz="900" b="1" i="0" u="none" strike="noStrike" cap="none" normalizeH="0" baseline="0" dirty="0">
-                <a:ln>
-                  <a:noFill/>
-                </a:ln>
-                <a:solidFill>
-                  <a:srgbClr val="008080"/>
-                </a:solidFill>
-                <a:effectLst/>
-                <a:latin typeface="Courier New" panose="02070309020205020404" pitchFamily="49" charset="0"/>
-                <a:cs typeface="Courier New" panose="02070309020205020404" pitchFamily="49" charset="0"/>
-              </a:rPr>
-            </a:br>
-            <a:r>
-              <a:rPr kumimoji="0" lang="en-IL" altLang="en-IL" sz="900" b="1" i="0" u="none" strike="noStrike" cap="none" normalizeH="0" baseline="0" dirty="0">
-                <a:ln>
-                  <a:noFill/>
-                </a:ln>
-                <a:solidFill>
-                  <a:srgbClr val="008080"/>
-                </a:solidFill>
-                <a:effectLst/>
-                <a:latin typeface="Courier New" panose="02070309020205020404" pitchFamily="49" charset="0"/>
-                <a:cs typeface="Courier New" panose="02070309020205020404" pitchFamily="49" charset="0"/>
-              </a:rPr>
-              <a:t>&lt;TITLE&gt;SANDOZ PLANS WEEDKILLER JOINT VENTURE IN USSR&lt;/TITLE&gt;</a:t>
-            </a:r>
-            <a:br>
-              <a:rPr kumimoji="0" lang="en-IL" altLang="en-IL" sz="900" b="1" i="0" u="none" strike="noStrike" cap="none" normalizeH="0" baseline="0" dirty="0">
-                <a:ln>
-                  <a:noFill/>
-                </a:ln>
-                <a:solidFill>
-                  <a:srgbClr val="008080"/>
-                </a:solidFill>
-                <a:effectLst/>
-                <a:latin typeface="Courier New" panose="02070309020205020404" pitchFamily="49" charset="0"/>
-                <a:cs typeface="Courier New" panose="02070309020205020404" pitchFamily="49" charset="0"/>
-              </a:rPr>
-            </a:br>
-            <a:r>
-              <a:rPr kumimoji="0" lang="en-IL" altLang="en-IL" sz="900" b="1" i="0" u="none" strike="noStrike" cap="none" normalizeH="0" baseline="0" dirty="0">
-                <a:ln>
-                  <a:noFill/>
-                </a:ln>
-                <a:solidFill>
-                  <a:srgbClr val="008080"/>
-                </a:solidFill>
-                <a:effectLst/>
-                <a:latin typeface="Courier New" panose="02070309020205020404" pitchFamily="49" charset="0"/>
-                <a:cs typeface="Courier New" panose="02070309020205020404" pitchFamily="49" charset="0"/>
-              </a:rPr>
-              <a:t>&lt;DATELINE&gt;    BASLE, March 3 - &lt;/DATELINE&gt;&lt;</a:t>
-            </a:r>
-            <a:r>
-              <a:rPr kumimoji="0" lang="en-IL" altLang="en-IL" sz="900" b="1" i="0" u="none" strike="noStrike" cap="none" normalizeH="0" baseline="0" dirty="0">
-                <a:ln>
-                  <a:noFill/>
-                </a:ln>
-                <a:solidFill>
-                  <a:srgbClr val="008080"/>
-                </a:solidFill>
-                <a:effectLst/>
-                <a:highlight>
-                  <a:srgbClr val="00FF00"/>
-                </a:highlight>
-                <a:latin typeface="Courier New" panose="02070309020205020404" pitchFamily="49" charset="0"/>
-                <a:cs typeface="Courier New" panose="02070309020205020404" pitchFamily="49" charset="0"/>
-              </a:rPr>
-              <a:t>BODY</a:t>
-            </a:r>
-            <a:r>
-              <a:rPr kumimoji="0" lang="en-IL" altLang="en-IL" sz="900" b="1" i="0" u="none" strike="noStrike" cap="none" normalizeH="0" baseline="0" dirty="0">
-                <a:ln>
-                  <a:noFill/>
-                </a:ln>
-                <a:solidFill>
-                  <a:srgbClr val="008080"/>
-                </a:solidFill>
-                <a:effectLst/>
-                <a:latin typeface="Courier New" panose="02070309020205020404" pitchFamily="49" charset="0"/>
-                <a:cs typeface="Courier New" panose="02070309020205020404" pitchFamily="49" charset="0"/>
-              </a:rPr>
-              <a:t>&gt;Sandoz AG said it planned a joint venture</a:t>
-            </a:r>
-            <a:br>
-              <a:rPr kumimoji="0" lang="en-IL" altLang="en-IL" sz="900" b="1" i="0" u="none" strike="noStrike" cap="none" normalizeH="0" baseline="0" dirty="0">
-                <a:ln>
-                  <a:noFill/>
-                </a:ln>
-                <a:solidFill>
-                  <a:srgbClr val="008080"/>
-                </a:solidFill>
-                <a:effectLst/>
-                <a:latin typeface="Courier New" panose="02070309020205020404" pitchFamily="49" charset="0"/>
-                <a:cs typeface="Courier New" panose="02070309020205020404" pitchFamily="49" charset="0"/>
-              </a:rPr>
-            </a:br>
-            <a:r>
-              <a:rPr kumimoji="0" lang="en-IL" altLang="en-IL" sz="900" b="1" i="0" u="none" strike="noStrike" cap="none" normalizeH="0" baseline="0" dirty="0">
-                <a:ln>
-                  <a:noFill/>
-                </a:ln>
-                <a:solidFill>
-                  <a:srgbClr val="008080"/>
-                </a:solidFill>
-                <a:effectLst/>
-                <a:latin typeface="Courier New" panose="02070309020205020404" pitchFamily="49" charset="0"/>
-                <a:cs typeface="Courier New" panose="02070309020205020404" pitchFamily="49" charset="0"/>
-              </a:rPr>
-              <a:t>to produce herbicides in the Soviet Union.</a:t>
-            </a:r>
-            <a:br>
-              <a:rPr kumimoji="0" lang="en-IL" altLang="en-IL" sz="900" b="1" i="0" u="none" strike="noStrike" cap="none" normalizeH="0" baseline="0" dirty="0">
-                <a:ln>
-                  <a:noFill/>
-                </a:ln>
-                <a:solidFill>
-                  <a:srgbClr val="008080"/>
-                </a:solidFill>
-                <a:effectLst/>
-                <a:latin typeface="Courier New" panose="02070309020205020404" pitchFamily="49" charset="0"/>
-                <a:cs typeface="Courier New" panose="02070309020205020404" pitchFamily="49" charset="0"/>
-              </a:rPr>
-            </a:br>
-            <a:r>
-              <a:rPr kumimoji="0" lang="en-IL" altLang="en-IL" sz="900" b="1" i="0" u="none" strike="noStrike" cap="none" normalizeH="0" baseline="0" dirty="0">
-                <a:ln>
-                  <a:noFill/>
-                </a:ln>
-                <a:solidFill>
-                  <a:srgbClr val="008080"/>
-                </a:solidFill>
-                <a:effectLst/>
-                <a:latin typeface="Courier New" panose="02070309020205020404" pitchFamily="49" charset="0"/>
-                <a:cs typeface="Courier New" panose="02070309020205020404" pitchFamily="49" charset="0"/>
-              </a:rPr>
-              <a:t>    The company said it had signed a letter of intent with the</a:t>
-            </a:r>
-            <a:br>
-              <a:rPr kumimoji="0" lang="en-IL" altLang="en-IL" sz="900" b="1" i="0" u="none" strike="noStrike" cap="none" normalizeH="0" baseline="0" dirty="0">
-                <a:ln>
-                  <a:noFill/>
-                </a:ln>
-                <a:solidFill>
-                  <a:srgbClr val="008080"/>
-                </a:solidFill>
-                <a:effectLst/>
-                <a:latin typeface="Courier New" panose="02070309020205020404" pitchFamily="49" charset="0"/>
-                <a:cs typeface="Courier New" panose="02070309020205020404" pitchFamily="49" charset="0"/>
-              </a:rPr>
-            </a:br>
-            <a:r>
-              <a:rPr kumimoji="0" lang="en-IL" altLang="en-IL" sz="900" b="1" i="0" u="none" strike="noStrike" cap="none" normalizeH="0" baseline="0" dirty="0">
-                <a:ln>
-                  <a:noFill/>
-                </a:ln>
-                <a:solidFill>
-                  <a:srgbClr val="008080"/>
-                </a:solidFill>
-                <a:effectLst/>
-                <a:latin typeface="Courier New" panose="02070309020205020404" pitchFamily="49" charset="0"/>
-                <a:cs typeface="Courier New" panose="02070309020205020404" pitchFamily="49" charset="0"/>
-              </a:rPr>
-              <a:t>Soviet Ministry of Fertiliser Production to form the first</a:t>
-            </a:r>
-            <a:br>
-              <a:rPr kumimoji="0" lang="en-IL" altLang="en-IL" sz="900" b="1" i="0" u="none" strike="noStrike" cap="none" normalizeH="0" baseline="0" dirty="0">
-                <a:ln>
-                  <a:noFill/>
-                </a:ln>
-                <a:solidFill>
-                  <a:srgbClr val="008080"/>
-                </a:solidFill>
-                <a:effectLst/>
-                <a:latin typeface="Courier New" panose="02070309020205020404" pitchFamily="49" charset="0"/>
-                <a:cs typeface="Courier New" panose="02070309020205020404" pitchFamily="49" charset="0"/>
-              </a:rPr>
-            </a:br>
-            <a:r>
-              <a:rPr kumimoji="0" lang="en-IL" altLang="en-IL" sz="900" b="1" i="0" u="none" strike="noStrike" cap="none" normalizeH="0" baseline="0" dirty="0">
-                <a:ln>
-                  <a:noFill/>
-                </a:ln>
-                <a:solidFill>
-                  <a:srgbClr val="008080"/>
-                </a:solidFill>
-                <a:effectLst/>
-                <a:latin typeface="Courier New" panose="02070309020205020404" pitchFamily="49" charset="0"/>
-                <a:cs typeface="Courier New" panose="02070309020205020404" pitchFamily="49" charset="0"/>
-              </a:rPr>
-              <a:t>foreign joint venture the ministry had undertaken since the</a:t>
-            </a:r>
-            <a:br>
-              <a:rPr kumimoji="0" lang="en-IL" altLang="en-IL" sz="900" b="1" i="0" u="none" strike="noStrike" cap="none" normalizeH="0" baseline="0" dirty="0">
-                <a:ln>
-                  <a:noFill/>
-                </a:ln>
-                <a:solidFill>
-                  <a:srgbClr val="008080"/>
-                </a:solidFill>
-                <a:effectLst/>
-                <a:latin typeface="Courier New" panose="02070309020205020404" pitchFamily="49" charset="0"/>
-                <a:cs typeface="Courier New" panose="02070309020205020404" pitchFamily="49" charset="0"/>
-              </a:rPr>
-            </a:br>
-            <a:r>
-              <a:rPr kumimoji="0" lang="en-IL" altLang="en-IL" sz="900" b="1" i="0" u="none" strike="noStrike" cap="none" normalizeH="0" baseline="0" dirty="0">
-                <a:ln>
-                  <a:noFill/>
-                </a:ln>
-                <a:solidFill>
-                  <a:srgbClr val="008080"/>
-                </a:solidFill>
-                <a:effectLst/>
-                <a:latin typeface="Courier New" panose="02070309020205020404" pitchFamily="49" charset="0"/>
-                <a:cs typeface="Courier New" panose="02070309020205020404" pitchFamily="49" charset="0"/>
-              </a:rPr>
-              <a:t>Soviet Union allowed Western firms to enter into joint ventures</a:t>
-            </a:r>
-            <a:br>
-              <a:rPr kumimoji="0" lang="en-IL" altLang="en-IL" sz="900" b="1" i="0" u="none" strike="noStrike" cap="none" normalizeH="0" baseline="0" dirty="0">
-                <a:ln>
-                  <a:noFill/>
-                </a:ln>
-                <a:solidFill>
-                  <a:srgbClr val="008080"/>
-                </a:solidFill>
-                <a:effectLst/>
-                <a:latin typeface="Courier New" panose="02070309020205020404" pitchFamily="49" charset="0"/>
-                <a:cs typeface="Courier New" panose="02070309020205020404" pitchFamily="49" charset="0"/>
-              </a:rPr>
-            </a:br>
-            <a:r>
-              <a:rPr kumimoji="0" lang="en-IL" altLang="en-IL" sz="900" b="1" i="0" u="none" strike="noStrike" cap="none" normalizeH="0" baseline="0" dirty="0">
-                <a:ln>
-                  <a:noFill/>
-                </a:ln>
-                <a:solidFill>
-                  <a:srgbClr val="008080"/>
-                </a:solidFill>
-                <a:effectLst/>
-                <a:latin typeface="Courier New" panose="02070309020205020404" pitchFamily="49" charset="0"/>
-                <a:cs typeface="Courier New" panose="02070309020205020404" pitchFamily="49" charset="0"/>
-              </a:rPr>
-              <a:t>two months ago.</a:t>
-            </a:r>
-            <a:br>
-              <a:rPr kumimoji="0" lang="en-IL" altLang="en-IL" sz="900" b="1" i="0" u="none" strike="noStrike" cap="none" normalizeH="0" baseline="0" dirty="0">
-                <a:ln>
-                  <a:noFill/>
-                </a:ln>
-                <a:solidFill>
-                  <a:srgbClr val="008080"/>
-                </a:solidFill>
-                <a:effectLst/>
-                <a:latin typeface="Courier New" panose="02070309020205020404" pitchFamily="49" charset="0"/>
-                <a:cs typeface="Courier New" panose="02070309020205020404" pitchFamily="49" charset="0"/>
-              </a:rPr>
-            </a:br>
-            <a:r>
-              <a:rPr kumimoji="0" lang="en-IL" altLang="en-IL" sz="900" b="1" i="0" u="none" strike="noStrike" cap="none" normalizeH="0" baseline="0" dirty="0">
-                <a:ln>
-                  <a:noFill/>
-                </a:ln>
-                <a:solidFill>
-                  <a:srgbClr val="008080"/>
-                </a:solidFill>
-                <a:effectLst/>
-                <a:latin typeface="Courier New" panose="02070309020205020404" pitchFamily="49" charset="0"/>
-                <a:cs typeface="Courier New" panose="02070309020205020404" pitchFamily="49" charset="0"/>
-              </a:rPr>
-              <a:t>    The ministry and Sandoz will each have a 50 </a:t>
-            </a:r>
-            <a:r>
-              <a:rPr kumimoji="0" lang="en-IL" altLang="en-IL" sz="900" b="1" i="0" u="none" strike="noStrike" cap="none" normalizeH="0" baseline="0" dirty="0" err="1">
-                <a:ln>
-                  <a:noFill/>
-                </a:ln>
-                <a:solidFill>
-                  <a:srgbClr val="008080"/>
-                </a:solidFill>
-                <a:effectLst/>
-                <a:latin typeface="Courier New" panose="02070309020205020404" pitchFamily="49" charset="0"/>
-                <a:cs typeface="Courier New" panose="02070309020205020404" pitchFamily="49" charset="0"/>
-              </a:rPr>
-              <a:t>pct</a:t>
-            </a:r>
-            <a:r>
-              <a:rPr kumimoji="0" lang="en-IL" altLang="en-IL" sz="900" b="1" i="0" u="none" strike="noStrike" cap="none" normalizeH="0" baseline="0" dirty="0">
-                <a:ln>
-                  <a:noFill/>
-                </a:ln>
-                <a:solidFill>
-                  <a:srgbClr val="008080"/>
-                </a:solidFill>
-                <a:effectLst/>
-                <a:latin typeface="Courier New" panose="02070309020205020404" pitchFamily="49" charset="0"/>
-                <a:cs typeface="Courier New" panose="02070309020205020404" pitchFamily="49" charset="0"/>
-              </a:rPr>
-              <a:t> stake, but</a:t>
-            </a:r>
-            <a:br>
-              <a:rPr kumimoji="0" lang="en-IL" altLang="en-IL" sz="900" b="1" i="0" u="none" strike="noStrike" cap="none" normalizeH="0" baseline="0" dirty="0">
-                <a:ln>
-                  <a:noFill/>
-                </a:ln>
-                <a:solidFill>
-                  <a:srgbClr val="008080"/>
-                </a:solidFill>
-                <a:effectLst/>
-                <a:latin typeface="Courier New" panose="02070309020205020404" pitchFamily="49" charset="0"/>
-                <a:cs typeface="Courier New" panose="02070309020205020404" pitchFamily="49" charset="0"/>
-              </a:rPr>
-            </a:br>
-            <a:r>
-              <a:rPr kumimoji="0" lang="en-IL" altLang="en-IL" sz="900" b="1" i="0" u="none" strike="noStrike" cap="none" normalizeH="0" baseline="0" dirty="0">
-                <a:ln>
-                  <a:noFill/>
-                </a:ln>
-                <a:solidFill>
-                  <a:srgbClr val="008080"/>
-                </a:solidFill>
-                <a:effectLst/>
-                <a:latin typeface="Courier New" panose="02070309020205020404" pitchFamily="49" charset="0"/>
-                <a:cs typeface="Courier New" panose="02070309020205020404" pitchFamily="49" charset="0"/>
-              </a:rPr>
-              <a:t>a company spokeswoman was unable to give details of the size of</a:t>
-            </a:r>
-            <a:br>
-              <a:rPr kumimoji="0" lang="en-IL" altLang="en-IL" sz="900" b="1" i="0" u="none" strike="noStrike" cap="none" normalizeH="0" baseline="0" dirty="0">
-                <a:ln>
-                  <a:noFill/>
-                </a:ln>
-                <a:solidFill>
-                  <a:srgbClr val="008080"/>
-                </a:solidFill>
-                <a:effectLst/>
-                <a:latin typeface="Courier New" panose="02070309020205020404" pitchFamily="49" charset="0"/>
-                <a:cs typeface="Courier New" panose="02070309020205020404" pitchFamily="49" charset="0"/>
-              </a:rPr>
-            </a:br>
-            <a:r>
-              <a:rPr kumimoji="0" lang="en-IL" altLang="en-IL" sz="900" b="1" i="0" u="none" strike="noStrike" cap="none" normalizeH="0" baseline="0" dirty="0">
-                <a:ln>
-                  <a:noFill/>
-                </a:ln>
-                <a:solidFill>
-                  <a:srgbClr val="008080"/>
-                </a:solidFill>
-                <a:effectLst/>
-                <a:latin typeface="Courier New" panose="02070309020205020404" pitchFamily="49" charset="0"/>
-                <a:cs typeface="Courier New" panose="02070309020205020404" pitchFamily="49" charset="0"/>
-              </a:rPr>
-              <a:t>investment or planned output.</a:t>
-            </a:r>
-            <a:br>
-              <a:rPr kumimoji="0" lang="en-IL" altLang="en-IL" sz="900" b="1" i="0" u="none" strike="noStrike" cap="none" normalizeH="0" baseline="0" dirty="0">
-                <a:ln>
-                  <a:noFill/>
-                </a:ln>
-                <a:solidFill>
-                  <a:srgbClr val="008080"/>
-                </a:solidFill>
-                <a:effectLst/>
-                <a:latin typeface="Courier New" panose="02070309020205020404" pitchFamily="49" charset="0"/>
-                <a:cs typeface="Courier New" panose="02070309020205020404" pitchFamily="49" charset="0"/>
-              </a:rPr>
-            </a:br>
-            <a:r>
-              <a:rPr kumimoji="0" lang="en-IL" altLang="en-IL" sz="900" b="1" i="0" u="none" strike="noStrike" cap="none" normalizeH="0" baseline="0" dirty="0">
-                <a:ln>
-                  <a:noFill/>
-                </a:ln>
-                <a:solidFill>
-                  <a:srgbClr val="008080"/>
-                </a:solidFill>
-                <a:effectLst/>
-                <a:latin typeface="Courier New" panose="02070309020205020404" pitchFamily="49" charset="0"/>
-                <a:cs typeface="Courier New" panose="02070309020205020404" pitchFamily="49" charset="0"/>
-              </a:rPr>
-              <a:t> Reuter</a:t>
-            </a:r>
-            <a:br>
-              <a:rPr kumimoji="0" lang="en-IL" altLang="en-IL" sz="900" b="1" i="0" u="none" strike="noStrike" cap="none" normalizeH="0" baseline="0" dirty="0">
-                <a:ln>
-                  <a:noFill/>
-                </a:ln>
-                <a:solidFill>
-                  <a:srgbClr val="008080"/>
-                </a:solidFill>
-                <a:effectLst/>
-                <a:latin typeface="Courier New" panose="02070309020205020404" pitchFamily="49" charset="0"/>
-                <a:cs typeface="Courier New" panose="02070309020205020404" pitchFamily="49" charset="0"/>
-              </a:rPr>
-            </a:br>
-            <a:r>
-              <a:rPr kumimoji="0" lang="en-IL" altLang="en-IL" sz="900" b="1" i="0" u="none" strike="noStrike" cap="none" normalizeH="0" baseline="0" dirty="0">
-                <a:ln>
-                  <a:noFill/>
-                </a:ln>
-                <a:solidFill>
-                  <a:srgbClr val="008080"/>
-                </a:solidFill>
-                <a:effectLst/>
-                <a:latin typeface="Courier New" panose="02070309020205020404" pitchFamily="49" charset="0"/>
-                <a:cs typeface="Courier New" panose="02070309020205020404" pitchFamily="49" charset="0"/>
-              </a:rPr>
-              <a:t>&amp;#3;&lt;/BODY&gt;&lt;/TEXT&gt;</a:t>
-            </a:r>
-            <a:br>
-              <a:rPr kumimoji="0" lang="en-IL" altLang="en-IL" sz="900" b="1" i="0" u="none" strike="noStrike" cap="none" normalizeH="0" baseline="0" dirty="0">
-                <a:ln>
-                  <a:noFill/>
-                </a:ln>
-                <a:solidFill>
-                  <a:srgbClr val="008080"/>
-                </a:solidFill>
-                <a:effectLst/>
-                <a:latin typeface="Courier New" panose="02070309020205020404" pitchFamily="49" charset="0"/>
-                <a:cs typeface="Courier New" panose="02070309020205020404" pitchFamily="49" charset="0"/>
-              </a:rPr>
-            </a:br>
-            <a:r>
-              <a:rPr kumimoji="0" lang="en-IL" altLang="en-IL" sz="900" b="1" i="0" u="none" strike="noStrike" cap="none" normalizeH="0" baseline="0" dirty="0">
-                <a:ln>
-                  <a:noFill/>
-                </a:ln>
-                <a:solidFill>
-                  <a:srgbClr val="008080"/>
-                </a:solidFill>
-                <a:effectLst/>
-                <a:latin typeface="Courier New" panose="02070309020205020404" pitchFamily="49" charset="0"/>
-                <a:cs typeface="Courier New" panose="02070309020205020404" pitchFamily="49" charset="0"/>
-              </a:rPr>
-              <a:t>&lt;/</a:t>
-            </a:r>
-            <a:r>
-              <a:rPr kumimoji="0" lang="en-IL" altLang="en-IL" sz="900" b="1" i="0" u="none" strike="noStrike" cap="none" normalizeH="0" baseline="0" dirty="0">
-                <a:ln>
-                  <a:noFill/>
-                </a:ln>
-                <a:solidFill>
-                  <a:srgbClr val="008080"/>
-                </a:solidFill>
-                <a:effectLst/>
-                <a:highlight>
-                  <a:srgbClr val="FFFF00"/>
-                </a:highlight>
-                <a:latin typeface="Courier New" panose="02070309020205020404" pitchFamily="49" charset="0"/>
-                <a:cs typeface="Courier New" panose="02070309020205020404" pitchFamily="49" charset="0"/>
-              </a:rPr>
-              <a:t>REUTERS</a:t>
-            </a:r>
-            <a:r>
-              <a:rPr kumimoji="0" lang="en-IL" altLang="en-IL" sz="900" b="1" i="0" u="none" strike="noStrike" cap="none" normalizeH="0" baseline="0" dirty="0">
-                <a:ln>
-                  <a:noFill/>
-                </a:ln>
-                <a:solidFill>
-                  <a:srgbClr val="008080"/>
-                </a:solidFill>
-                <a:effectLst/>
-                <a:latin typeface="Courier New" panose="02070309020205020404" pitchFamily="49" charset="0"/>
-                <a:cs typeface="Courier New" panose="02070309020205020404" pitchFamily="49" charset="0"/>
-              </a:rPr>
-              <a:t>&gt;</a:t>
-            </a:r>
-            <a:br>
-              <a:rPr kumimoji="0" lang="en-IL" altLang="en-IL" sz="900" b="1" i="0" u="none" strike="noStrike" cap="none" normalizeH="0" baseline="0" dirty="0">
-                <a:ln>
-                  <a:noFill/>
-                </a:ln>
-                <a:solidFill>
-                  <a:srgbClr val="008080"/>
-                </a:solidFill>
-                <a:effectLst/>
-                <a:latin typeface="Courier New" panose="02070309020205020404" pitchFamily="49" charset="0"/>
-                <a:cs typeface="Courier New" panose="02070309020205020404" pitchFamily="49" charset="0"/>
-              </a:rPr>
-            </a:br>
-            <a:r>
-              <a:rPr kumimoji="0" lang="en-IL" altLang="en-IL" sz="900" b="1" i="0" u="none" strike="noStrike" cap="none" normalizeH="0" baseline="0" dirty="0">
-                <a:ln>
-                  <a:noFill/>
-                </a:ln>
-                <a:solidFill>
-                  <a:srgbClr val="008080"/>
-                </a:solidFill>
-                <a:effectLst/>
-                <a:latin typeface="Courier New" panose="02070309020205020404" pitchFamily="49" charset="0"/>
-                <a:cs typeface="Courier New" panose="02070309020205020404" pitchFamily="49" charset="0"/>
-              </a:rPr>
-              <a:t> &lt;&lt;&lt;&lt;&lt;&lt;&lt;&lt; here follows more &lt;REUTERS&gt; tags</a:t>
-            </a:r>
-            <a:br>
-              <a:rPr kumimoji="0" lang="en-IL" altLang="en-IL" sz="900" b="1" i="0" u="none" strike="noStrike" cap="none" normalizeH="0" baseline="0" dirty="0">
-                <a:ln>
-                  <a:noFill/>
-                </a:ln>
-                <a:solidFill>
-                  <a:srgbClr val="008080"/>
-                </a:solidFill>
-                <a:effectLst/>
-                <a:latin typeface="Courier New" panose="02070309020205020404" pitchFamily="49" charset="0"/>
-                <a:cs typeface="Courier New" panose="02070309020205020404" pitchFamily="49" charset="0"/>
-              </a:rPr>
-            </a:br>
-            <a:endParaRPr kumimoji="0" lang="en-IL" altLang="en-IL" sz="1800" b="0" i="0" u="none" strike="noStrike" cap="none" normalizeH="0" baseline="0" dirty="0">
-              <a:ln>
-                <a:noFill/>
-              </a:ln>
-              <a:solidFill>
-                <a:schemeClr val="tx1"/>
-              </a:solidFill>
-              <a:effectLst/>
-              <a:latin typeface="Arial" panose="020B0604020202020204" pitchFamily="34" charset="0"/>
-            </a:endParaRPr>
-          </a:p>
-        </p:txBody>
-      </p:sp>
-    </p:spTree>
-    <p:extLst>
-      <p:ext uri="{BB962C8B-B14F-4D97-AF65-F5344CB8AC3E}">
-        <p14:creationId xmlns:p14="http://schemas.microsoft.com/office/powerpoint/2010/main" val="3990069984"/>
       </p:ext>
     </p:extLst>
   </p:cSld>
@@ -5700,7 +10706,7 @@
           <p:cNvPr id="2" name="Title 1">
             <a:extLst>
               <a:ext uri="{FF2B5EF4-FFF2-40B4-BE49-F238E27FC236}">
-                <a16:creationId xmlns:a16="http://schemas.microsoft.com/office/drawing/2014/main" id="{A49C9216-6976-4C6E-97B3-63C996B9F3E4}"/>
+                <a16:creationId xmlns:a16="http://schemas.microsoft.com/office/drawing/2014/main" id="{8EF1D980-A85A-439E-A038-62A5B7EB4BEE}"/>
               </a:ext>
             </a:extLst>
           </p:cNvPr>
@@ -5718,7 +10724,15 @@
           <a:p>
             <a:r>
               <a:rPr lang="en-US" dirty="0"/>
-              <a:t>Converted data (per my personal implementation)</a:t>
+              <a:t>Connecting to the </a:t>
+            </a:r>
+            <a:r>
+              <a:rPr lang="en-US" dirty="0" err="1"/>
+              <a:t>VirtualMachine</a:t>
+            </a:r>
+            <a:r>
+              <a:rPr lang="en-US" dirty="0"/>
+              <a:t> (VM)</a:t>
             </a:r>
             <a:endParaRPr lang="en-IL" dirty="0"/>
           </a:p>
@@ -5726,646 +10740,200 @@
       </p:sp>
       <p:sp>
         <p:nvSpPr>
-          <p:cNvPr id="4" name="Rectangle 1">
+          <p:cNvPr id="3" name="Content Placeholder 2">
             <a:extLst>
               <a:ext uri="{FF2B5EF4-FFF2-40B4-BE49-F238E27FC236}">
-                <a16:creationId xmlns:a16="http://schemas.microsoft.com/office/drawing/2014/main" id="{1549E3BF-228C-47F6-9C19-9AD96AED3811}"/>
+                <a16:creationId xmlns:a16="http://schemas.microsoft.com/office/drawing/2014/main" id="{08212FCD-3D01-4039-980A-B109448E94AE}"/>
               </a:ext>
             </a:extLst>
           </p:cNvPr>
           <p:cNvSpPr>
-            <a:spLocks noGrp="1" noChangeArrowheads="1"/>
+            <a:spLocks noGrp="1"/>
           </p:cNvSpPr>
           <p:nvPr>
             <p:ph idx="1"/>
           </p:nvPr>
         </p:nvSpPr>
-        <p:spPr bwMode="auto">
-          <a:xfrm>
-            <a:off x="838200" y="2231580"/>
-            <a:ext cx="7590539" cy="3539430"/>
-          </a:xfrm>
-          <a:prstGeom prst="rect">
-            <a:avLst/>
-          </a:prstGeom>
-          <a:solidFill>
-            <a:srgbClr val="FFFFFF"/>
-          </a:solidFill>
-          <a:ln>
-            <a:noFill/>
-          </a:ln>
-          <a:effectLst/>
-          <a:extLst>
-            <a:ext uri="{91240B29-F687-4F45-9708-019B960494DF}">
-              <a14:hiddenLine xmlns:a14="http://schemas.microsoft.com/office/drawing/2010/main" w="9525">
-                <a:solidFill>
-                  <a:schemeClr val="tx1"/>
-                </a:solidFill>
-                <a:miter lim="800000"/>
-                <a:headEnd/>
-                <a:tailEnd/>
-              </a14:hiddenLine>
-            </a:ext>
-            <a:ext uri="{AF507438-7753-43E0-B8FC-AC1667EBCBE1}">
-              <a14:hiddenEffects xmlns:a14="http://schemas.microsoft.com/office/drawing/2010/main">
-                <a:effectLst>
-                  <a:outerShdw dist="35921" dir="2700000" algn="ctr" rotWithShape="0">
-                    <a:schemeClr val="bg2"/>
-                  </a:outerShdw>
-                </a:effectLst>
-              </a14:hiddenEffects>
-            </a:ext>
-          </a:extLst>
-        </p:spPr>
+        <p:spPr/>
         <p:txBody>
-          <a:bodyPr vert="horz" wrap="none" lIns="91440" tIns="45720" rIns="91440" bIns="45720" numCol="1" anchor="ctr" anchorCtr="0" compatLnSpc="1">
-            <a:prstTxWarp prst="textNoShape">
-              <a:avLst/>
-            </a:prstTxWarp>
-            <a:spAutoFit/>
+          <a:bodyPr>
+            <a:normAutofit lnSpcReduction="10000"/>
           </a:bodyPr>
           <a:lstStyle/>
           <a:p>
-            <a:pPr marL="0" marR="0" lvl="0" indent="0" algn="l" defTabSz="914400" rtl="0" eaLnBrk="0" fontAlgn="base" latinLnBrk="0" hangingPunct="0">
-              <a:lnSpc>
-                <a:spcPct val="100000"/>
-              </a:lnSpc>
-              <a:spcBef>
-                <a:spcPct val="0"/>
-              </a:spcBef>
-              <a:spcAft>
-                <a:spcPct val="0"/>
-              </a:spcAft>
-              <a:buClrTx/>
-              <a:buSzTx/>
-              <a:buFontTx/>
+            <a:r>
+              <a:rPr lang="en-US" dirty="0"/>
+              <a:t>Each pair has a VM in Microsoft Azure cloud, with ubuntu 18.04</a:t>
+            </a:r>
+          </a:p>
+          <a:p>
+            <a:r>
+              <a:rPr lang="en-US" dirty="0"/>
+              <a:t>BEWARE: multiple python installations: 2.7, 3.68, 3.7</a:t>
+            </a:r>
+          </a:p>
+          <a:p>
+            <a:pPr marL="0" indent="0">
               <a:buNone/>
-              <a:tabLst/>
             </a:pPr>
             <a:r>
-              <a:rPr kumimoji="0" lang="en-IL" altLang="en-IL" sz="1600" b="1" i="0" u="none" strike="noStrike" cap="none" normalizeH="0" baseline="0" dirty="0">
-                <a:ln>
-                  <a:noFill/>
-                </a:ln>
-                <a:solidFill>
-                  <a:srgbClr val="008080"/>
-                </a:solidFill>
-                <a:effectLst/>
-                <a:latin typeface="Courier New" panose="02070309020205020404" pitchFamily="49" charset="0"/>
-                <a:cs typeface="Courier New" panose="02070309020205020404" pitchFamily="49" charset="0"/>
-              </a:rPr>
-              <a:t>   [{'text': 'Sandoz AG said it planned a joint venture</a:t>
-            </a:r>
-            <a:br>
-              <a:rPr kumimoji="0" lang="en-IL" altLang="en-IL" sz="1600" b="1" i="0" u="none" strike="noStrike" cap="none" normalizeH="0" baseline="0" dirty="0">
-                <a:ln>
-                  <a:noFill/>
-                </a:ln>
-                <a:solidFill>
-                  <a:srgbClr val="008080"/>
-                </a:solidFill>
-                <a:effectLst/>
-                <a:latin typeface="Courier New" panose="02070309020205020404" pitchFamily="49" charset="0"/>
-                <a:cs typeface="Courier New" panose="02070309020205020404" pitchFamily="49" charset="0"/>
-              </a:rPr>
-            </a:br>
-            <a:r>
-              <a:rPr kumimoji="0" lang="en-IL" altLang="en-IL" sz="1600" b="1" i="0" u="none" strike="noStrike" cap="none" normalizeH="0" baseline="0" dirty="0">
-                <a:ln>
-                  <a:noFill/>
-                </a:ln>
-                <a:solidFill>
-                  <a:srgbClr val="008080"/>
-                </a:solidFill>
-                <a:effectLst/>
-                <a:latin typeface="Courier New" panose="02070309020205020404" pitchFamily="49" charset="0"/>
-                <a:cs typeface="Courier New" panose="02070309020205020404" pitchFamily="49" charset="0"/>
-              </a:rPr>
-              <a:t>to produce herbicides in the Soviet Union.</a:t>
-            </a:r>
-            <a:br>
-              <a:rPr kumimoji="0" lang="en-IL" altLang="en-IL" sz="1600" b="1" i="0" u="none" strike="noStrike" cap="none" normalizeH="0" baseline="0" dirty="0">
-                <a:ln>
-                  <a:noFill/>
-                </a:ln>
-                <a:solidFill>
-                  <a:srgbClr val="008080"/>
-                </a:solidFill>
-                <a:effectLst/>
-                <a:latin typeface="Courier New" panose="02070309020205020404" pitchFamily="49" charset="0"/>
-                <a:cs typeface="Courier New" panose="02070309020205020404" pitchFamily="49" charset="0"/>
-              </a:rPr>
-            </a:br>
-            <a:r>
-              <a:rPr kumimoji="0" lang="en-IL" altLang="en-IL" sz="1600" b="1" i="0" u="none" strike="noStrike" cap="none" normalizeH="0" baseline="0" dirty="0">
-                <a:ln>
-                  <a:noFill/>
-                </a:ln>
-                <a:solidFill>
-                  <a:srgbClr val="008080"/>
-                </a:solidFill>
-                <a:effectLst/>
-                <a:latin typeface="Courier New" panose="02070309020205020404" pitchFamily="49" charset="0"/>
-                <a:cs typeface="Courier New" panose="02070309020205020404" pitchFamily="49" charset="0"/>
-              </a:rPr>
-              <a:t>    &lt;...&gt;</a:t>
-            </a:r>
-            <a:br>
-              <a:rPr kumimoji="0" lang="en-IL" altLang="en-IL" sz="1600" b="1" i="0" u="none" strike="noStrike" cap="none" normalizeH="0" baseline="0" dirty="0">
-                <a:ln>
-                  <a:noFill/>
-                </a:ln>
-                <a:solidFill>
-                  <a:srgbClr val="008080"/>
-                </a:solidFill>
-                <a:effectLst/>
-                <a:latin typeface="Courier New" panose="02070309020205020404" pitchFamily="49" charset="0"/>
-                <a:cs typeface="Courier New" panose="02070309020205020404" pitchFamily="49" charset="0"/>
-              </a:rPr>
-            </a:br>
-            <a:r>
-              <a:rPr kumimoji="0" lang="en-IL" altLang="en-IL" sz="1600" b="1" i="0" u="none" strike="noStrike" cap="none" normalizeH="0" baseline="0" dirty="0">
-                <a:ln>
-                  <a:noFill/>
-                </a:ln>
-                <a:solidFill>
-                  <a:srgbClr val="008080"/>
-                </a:solidFill>
-                <a:effectLst/>
-                <a:latin typeface="Courier New" panose="02070309020205020404" pitchFamily="49" charset="0"/>
-                <a:cs typeface="Courier New" panose="02070309020205020404" pitchFamily="49" charset="0"/>
-              </a:rPr>
-              <a:t>investment or planned output.</a:t>
-            </a:r>
-            <a:br>
-              <a:rPr kumimoji="0" lang="en-IL" altLang="en-IL" sz="1600" b="1" i="0" u="none" strike="noStrike" cap="none" normalizeH="0" baseline="0" dirty="0">
-                <a:ln>
-                  <a:noFill/>
-                </a:ln>
-                <a:solidFill>
-                  <a:srgbClr val="008080"/>
-                </a:solidFill>
-                <a:effectLst/>
-                <a:latin typeface="Courier New" panose="02070309020205020404" pitchFamily="49" charset="0"/>
-                <a:cs typeface="Courier New" panose="02070309020205020404" pitchFamily="49" charset="0"/>
-              </a:rPr>
-            </a:br>
-            <a:r>
-              <a:rPr kumimoji="0" lang="en-IL" altLang="en-IL" sz="1600" b="1" i="0" u="none" strike="noStrike" cap="none" normalizeH="0" baseline="0" dirty="0">
-                <a:ln>
-                  <a:noFill/>
-                </a:ln>
-                <a:solidFill>
-                  <a:srgbClr val="008080"/>
-                </a:solidFill>
-                <a:effectLst/>
-                <a:latin typeface="Courier New" panose="02070309020205020404" pitchFamily="49" charset="0"/>
-                <a:cs typeface="Courier New" panose="02070309020205020404" pitchFamily="49" charset="0"/>
-              </a:rPr>
-              <a:t> Reuter',</a:t>
-            </a:r>
-            <a:br>
-              <a:rPr kumimoji="0" lang="en-IL" altLang="en-IL" sz="1600" b="1" i="0" u="none" strike="noStrike" cap="none" normalizeH="0" baseline="0" dirty="0">
-                <a:ln>
-                  <a:noFill/>
-                </a:ln>
-                <a:solidFill>
-                  <a:srgbClr val="008080"/>
-                </a:solidFill>
-                <a:effectLst/>
-                <a:latin typeface="Courier New" panose="02070309020205020404" pitchFamily="49" charset="0"/>
-                <a:cs typeface="Courier New" panose="02070309020205020404" pitchFamily="49" charset="0"/>
-              </a:rPr>
-            </a:br>
-            <a:r>
-              <a:rPr kumimoji="0" lang="en-IL" altLang="en-IL" sz="1600" b="1" i="0" u="none" strike="noStrike" cap="none" normalizeH="0" baseline="0" dirty="0">
-                <a:ln>
-                  <a:noFill/>
-                </a:ln>
-                <a:solidFill>
-                  <a:srgbClr val="008080"/>
-                </a:solidFill>
-                <a:effectLst/>
-                <a:latin typeface="Courier New" panose="02070309020205020404" pitchFamily="49" charset="0"/>
-                <a:cs typeface="Courier New" panose="02070309020205020404" pitchFamily="49" charset="0"/>
-              </a:rPr>
-              <a:t>  '</a:t>
-            </a:r>
-            <a:r>
-              <a:rPr kumimoji="0" lang="en-IL" altLang="en-IL" sz="1600" b="1" i="0" u="none" strike="noStrike" cap="none" normalizeH="0" baseline="0" dirty="0" err="1">
-                <a:ln>
-                  <a:noFill/>
-                </a:ln>
-                <a:solidFill>
-                  <a:srgbClr val="008080"/>
-                </a:solidFill>
-                <a:effectLst/>
-                <a:latin typeface="Courier New" panose="02070309020205020404" pitchFamily="49" charset="0"/>
-                <a:cs typeface="Courier New" panose="02070309020205020404" pitchFamily="49" charset="0"/>
-              </a:rPr>
-              <a:t>lables</a:t>
-            </a:r>
-            <a:r>
-              <a:rPr kumimoji="0" lang="en-IL" altLang="en-IL" sz="1600" b="1" i="0" u="none" strike="noStrike" cap="none" normalizeH="0" baseline="0" dirty="0">
-                <a:ln>
-                  <a:noFill/>
-                </a:ln>
-                <a:solidFill>
-                  <a:srgbClr val="008080"/>
-                </a:solidFill>
-                <a:effectLst/>
-                <a:latin typeface="Courier New" panose="02070309020205020404" pitchFamily="49" charset="0"/>
-                <a:cs typeface="Courier New" panose="02070309020205020404" pitchFamily="49" charset="0"/>
-              </a:rPr>
-              <a:t>': ['</a:t>
-            </a:r>
-            <a:r>
-              <a:rPr kumimoji="0" lang="en-IL" altLang="en-IL" sz="1600" b="1" i="0" u="none" strike="noStrike" cap="none" normalizeH="0" baseline="0" dirty="0" err="1">
-                <a:ln>
-                  <a:noFill/>
-                </a:ln>
-                <a:solidFill>
-                  <a:srgbClr val="008080"/>
-                </a:solidFill>
-                <a:effectLst/>
-                <a:latin typeface="Courier New" panose="02070309020205020404" pitchFamily="49" charset="0"/>
-                <a:cs typeface="Courier New" panose="02070309020205020404" pitchFamily="49" charset="0"/>
-              </a:rPr>
-              <a:t>usa</a:t>
-            </a:r>
-            <a:r>
-              <a:rPr kumimoji="0" lang="en-IL" altLang="en-IL" sz="1600" b="1" i="0" u="none" strike="noStrike" cap="none" normalizeH="0" baseline="0" dirty="0">
-                <a:ln>
-                  <a:noFill/>
-                </a:ln>
-                <a:solidFill>
-                  <a:srgbClr val="008080"/>
-                </a:solidFill>
-                <a:effectLst/>
-                <a:latin typeface="Courier New" panose="02070309020205020404" pitchFamily="49" charset="0"/>
-                <a:cs typeface="Courier New" panose="02070309020205020404" pitchFamily="49" charset="0"/>
-              </a:rPr>
-              <a:t>', '</a:t>
-            </a:r>
-            <a:r>
-              <a:rPr kumimoji="0" lang="en-IL" altLang="en-IL" sz="1600" b="1" i="0" u="none" strike="noStrike" cap="none" normalizeH="0" baseline="0" dirty="0" err="1">
-                <a:ln>
-                  <a:noFill/>
-                </a:ln>
-                <a:solidFill>
-                  <a:srgbClr val="008080"/>
-                </a:solidFill>
-                <a:effectLst/>
-                <a:latin typeface="Courier New" panose="02070309020205020404" pitchFamily="49" charset="0"/>
-                <a:cs typeface="Courier New" panose="02070309020205020404" pitchFamily="49" charset="0"/>
-              </a:rPr>
-              <a:t>ussr</a:t>
-            </a:r>
-            <a:r>
-              <a:rPr kumimoji="0" lang="en-IL" altLang="en-IL" sz="1600" b="1" i="0" u="none" strike="noStrike" cap="none" normalizeH="0" baseline="0" dirty="0">
-                <a:ln>
-                  <a:noFill/>
-                </a:ln>
-                <a:solidFill>
-                  <a:srgbClr val="008080"/>
-                </a:solidFill>
-                <a:effectLst/>
-                <a:latin typeface="Courier New" panose="02070309020205020404" pitchFamily="49" charset="0"/>
-                <a:cs typeface="Courier New" panose="02070309020205020404" pitchFamily="49" charset="0"/>
-              </a:rPr>
-              <a:t>']},</a:t>
-            </a:r>
-            <a:br>
-              <a:rPr kumimoji="0" lang="en-IL" altLang="en-IL" sz="1600" b="1" i="0" u="none" strike="noStrike" cap="none" normalizeH="0" baseline="0" dirty="0">
-                <a:ln>
-                  <a:noFill/>
-                </a:ln>
-                <a:solidFill>
-                  <a:srgbClr val="008080"/>
-                </a:solidFill>
-                <a:effectLst/>
-                <a:latin typeface="Courier New" panose="02070309020205020404" pitchFamily="49" charset="0"/>
-                <a:cs typeface="Courier New" panose="02070309020205020404" pitchFamily="49" charset="0"/>
-              </a:rPr>
-            </a:br>
-            <a:r>
-              <a:rPr kumimoji="0" lang="en-IL" altLang="en-IL" sz="1600" b="1" i="0" u="none" strike="noStrike" cap="none" normalizeH="0" baseline="0" dirty="0">
-                <a:ln>
-                  <a:noFill/>
-                </a:ln>
-                <a:solidFill>
-                  <a:srgbClr val="008080"/>
-                </a:solidFill>
-                <a:effectLst/>
-                <a:latin typeface="Courier New" panose="02070309020205020404" pitchFamily="49" charset="0"/>
-                <a:cs typeface="Courier New" panose="02070309020205020404" pitchFamily="49" charset="0"/>
-              </a:rPr>
-              <a:t>  </a:t>
-            </a:r>
-            <a:br>
-              <a:rPr kumimoji="0" lang="en-IL" altLang="en-IL" sz="1600" b="1" i="0" u="none" strike="noStrike" cap="none" normalizeH="0" baseline="0" dirty="0">
-                <a:ln>
-                  <a:noFill/>
-                </a:ln>
-                <a:solidFill>
-                  <a:srgbClr val="008080"/>
-                </a:solidFill>
-                <a:effectLst/>
-                <a:latin typeface="Courier New" panose="02070309020205020404" pitchFamily="49" charset="0"/>
-                <a:cs typeface="Courier New" panose="02070309020205020404" pitchFamily="49" charset="0"/>
-              </a:rPr>
-            </a:br>
-            <a:r>
-              <a:rPr kumimoji="0" lang="en-IL" altLang="en-IL" sz="1600" b="1" i="0" u="none" strike="noStrike" cap="none" normalizeH="0" baseline="0" dirty="0">
-                <a:ln>
-                  <a:noFill/>
-                </a:ln>
-                <a:solidFill>
-                  <a:srgbClr val="008080"/>
-                </a:solidFill>
-                <a:effectLst/>
-                <a:latin typeface="Courier New" panose="02070309020205020404" pitchFamily="49" charset="0"/>
-                <a:cs typeface="Courier New" panose="02070309020205020404" pitchFamily="49" charset="0"/>
-              </a:rPr>
-              <a:t>  {'text': 'Central bank governor Chang Chi-</a:t>
-            </a:r>
-            <a:r>
-              <a:rPr kumimoji="0" lang="en-IL" altLang="en-IL" sz="1600" b="1" i="0" u="none" strike="noStrike" cap="none" normalizeH="0" baseline="0" dirty="0" err="1">
-                <a:ln>
-                  <a:noFill/>
-                </a:ln>
-                <a:solidFill>
-                  <a:srgbClr val="008080"/>
-                </a:solidFill>
-                <a:effectLst/>
-                <a:latin typeface="Courier New" panose="02070309020205020404" pitchFamily="49" charset="0"/>
-                <a:cs typeface="Courier New" panose="02070309020205020404" pitchFamily="49" charset="0"/>
-              </a:rPr>
-              <a:t>cheng</a:t>
-            </a:r>
-            <a:br>
-              <a:rPr kumimoji="0" lang="en-IL" altLang="en-IL" sz="1600" b="1" i="0" u="none" strike="noStrike" cap="none" normalizeH="0" baseline="0" dirty="0">
-                <a:ln>
-                  <a:noFill/>
-                </a:ln>
-                <a:solidFill>
-                  <a:srgbClr val="008080"/>
-                </a:solidFill>
-                <a:effectLst/>
-                <a:latin typeface="Courier New" panose="02070309020205020404" pitchFamily="49" charset="0"/>
-                <a:cs typeface="Courier New" panose="02070309020205020404" pitchFamily="49" charset="0"/>
-              </a:rPr>
-            </a:br>
-            <a:r>
-              <a:rPr kumimoji="0" lang="en-IL" altLang="en-IL" sz="1600" b="1" i="0" u="none" strike="noStrike" cap="none" normalizeH="0" baseline="0" dirty="0">
-                <a:ln>
-                  <a:noFill/>
-                </a:ln>
-                <a:solidFill>
-                  <a:srgbClr val="008080"/>
-                </a:solidFill>
-                <a:effectLst/>
-                <a:latin typeface="Courier New" panose="02070309020205020404" pitchFamily="49" charset="0"/>
-                <a:cs typeface="Courier New" panose="02070309020205020404" pitchFamily="49" charset="0"/>
-              </a:rPr>
-              <a:t>rejected a request by textile makers to halt the rise of the</a:t>
-            </a:r>
-            <a:br>
-              <a:rPr kumimoji="0" lang="en-IL" altLang="en-IL" sz="1600" b="1" i="0" u="none" strike="noStrike" cap="none" normalizeH="0" baseline="0" dirty="0">
-                <a:ln>
-                  <a:noFill/>
-                </a:ln>
-                <a:solidFill>
-                  <a:srgbClr val="008080"/>
-                </a:solidFill>
-                <a:effectLst/>
-                <a:latin typeface="Courier New" panose="02070309020205020404" pitchFamily="49" charset="0"/>
-                <a:cs typeface="Courier New" panose="02070309020205020404" pitchFamily="49" charset="0"/>
-              </a:rPr>
-            </a:br>
-            <a:r>
-              <a:rPr kumimoji="0" lang="en-IL" altLang="en-IL" sz="1600" b="1" i="0" u="none" strike="noStrike" cap="none" normalizeH="0" baseline="0" dirty="0">
-                <a:ln>
-                  <a:noFill/>
-                </a:ln>
-                <a:solidFill>
-                  <a:srgbClr val="008080"/>
-                </a:solidFill>
-                <a:effectLst/>
-                <a:latin typeface="Courier New" panose="02070309020205020404" pitchFamily="49" charset="0"/>
-                <a:cs typeface="Courier New" panose="02070309020205020404" pitchFamily="49" charset="0"/>
-              </a:rPr>
-              <a:t> &lt;...&gt;</a:t>
-            </a:r>
-            <a:br>
-              <a:rPr kumimoji="0" lang="en-IL" altLang="en-IL" sz="1600" b="1" i="0" u="none" strike="noStrike" cap="none" normalizeH="0" baseline="0" dirty="0">
-                <a:ln>
-                  <a:noFill/>
-                </a:ln>
-                <a:solidFill>
-                  <a:srgbClr val="008080"/>
-                </a:solidFill>
-                <a:effectLst/>
-                <a:latin typeface="Courier New" panose="02070309020205020404" pitchFamily="49" charset="0"/>
-                <a:cs typeface="Courier New" panose="02070309020205020404" pitchFamily="49" charset="0"/>
-              </a:rPr>
-            </a:br>
-            <a:r>
-              <a:rPr kumimoji="0" lang="en-IL" altLang="en-IL" sz="1600" b="1" i="0" u="none" strike="noStrike" cap="none" normalizeH="0" baseline="0" dirty="0">
-                <a:ln>
-                  <a:noFill/>
-                </a:ln>
-                <a:solidFill>
-                  <a:srgbClr val="008080"/>
-                </a:solidFill>
-                <a:effectLst/>
-                <a:latin typeface="Courier New" panose="02070309020205020404" pitchFamily="49" charset="0"/>
-                <a:cs typeface="Courier New" panose="02070309020205020404" pitchFamily="49" charset="0"/>
-              </a:rPr>
-              <a:t> business if the rate continued to fall.</a:t>
-            </a:r>
-            <a:br>
-              <a:rPr kumimoji="0" lang="en-IL" altLang="en-IL" sz="1600" b="1" i="0" u="none" strike="noStrike" cap="none" normalizeH="0" baseline="0" dirty="0">
-                <a:ln>
-                  <a:noFill/>
-                </a:ln>
-                <a:solidFill>
-                  <a:srgbClr val="008080"/>
-                </a:solidFill>
-                <a:effectLst/>
-                <a:latin typeface="Courier New" panose="02070309020205020404" pitchFamily="49" charset="0"/>
-                <a:cs typeface="Courier New" panose="02070309020205020404" pitchFamily="49" charset="0"/>
-              </a:rPr>
-            </a:br>
-            <a:r>
-              <a:rPr kumimoji="0" lang="en-IL" altLang="en-IL" sz="1600" b="1" i="0" u="none" strike="noStrike" cap="none" normalizeH="0" baseline="0" dirty="0">
-                <a:ln>
-                  <a:noFill/>
-                </a:ln>
-                <a:solidFill>
-                  <a:srgbClr val="008080"/>
-                </a:solidFill>
-                <a:effectLst/>
-                <a:latin typeface="Courier New" panose="02070309020205020404" pitchFamily="49" charset="0"/>
-                <a:cs typeface="Courier New" panose="02070309020205020404" pitchFamily="49" charset="0"/>
-              </a:rPr>
-              <a:t> Reuter',</a:t>
-            </a:r>
-            <a:br>
-              <a:rPr kumimoji="0" lang="en-IL" altLang="en-IL" sz="1600" b="1" i="0" u="none" strike="noStrike" cap="none" normalizeH="0" baseline="0" dirty="0">
-                <a:ln>
-                  <a:noFill/>
-                </a:ln>
-                <a:solidFill>
-                  <a:srgbClr val="008080"/>
-                </a:solidFill>
-                <a:effectLst/>
-                <a:latin typeface="Courier New" panose="02070309020205020404" pitchFamily="49" charset="0"/>
-                <a:cs typeface="Courier New" panose="02070309020205020404" pitchFamily="49" charset="0"/>
-              </a:rPr>
-            </a:br>
-            <a:r>
-              <a:rPr kumimoji="0" lang="en-IL" altLang="en-IL" sz="1600" b="1" i="0" u="none" strike="noStrike" cap="none" normalizeH="0" baseline="0" dirty="0">
-                <a:ln>
-                  <a:noFill/>
-                </a:ln>
-                <a:solidFill>
-                  <a:srgbClr val="008080"/>
-                </a:solidFill>
-                <a:effectLst/>
-                <a:latin typeface="Courier New" panose="02070309020205020404" pitchFamily="49" charset="0"/>
-                <a:cs typeface="Courier New" panose="02070309020205020404" pitchFamily="49" charset="0"/>
-              </a:rPr>
-              <a:t>'</a:t>
-            </a:r>
-            <a:r>
-              <a:rPr kumimoji="0" lang="en-IL" altLang="en-IL" sz="1600" b="1" i="0" u="none" strike="noStrike" cap="none" normalizeH="0" baseline="0" dirty="0" err="1">
-                <a:ln>
-                  <a:noFill/>
-                </a:ln>
-                <a:solidFill>
-                  <a:srgbClr val="008080"/>
-                </a:solidFill>
-                <a:effectLst/>
-                <a:latin typeface="Courier New" panose="02070309020205020404" pitchFamily="49" charset="0"/>
-                <a:cs typeface="Courier New" panose="02070309020205020404" pitchFamily="49" charset="0"/>
-              </a:rPr>
-              <a:t>lables</a:t>
-            </a:r>
-            <a:r>
-              <a:rPr kumimoji="0" lang="en-IL" altLang="en-IL" sz="1600" b="1" i="0" u="none" strike="noStrike" cap="none" normalizeH="0" baseline="0" dirty="0">
-                <a:ln>
-                  <a:noFill/>
-                </a:ln>
-                <a:solidFill>
-                  <a:srgbClr val="008080"/>
-                </a:solidFill>
-                <a:effectLst/>
-                <a:latin typeface="Courier New" panose="02070309020205020404" pitchFamily="49" charset="0"/>
-                <a:cs typeface="Courier New" panose="02070309020205020404" pitchFamily="49" charset="0"/>
-              </a:rPr>
-              <a:t>': ['</a:t>
-            </a:r>
-            <a:r>
-              <a:rPr kumimoji="0" lang="en-IL" altLang="en-IL" sz="1600" b="1" i="0" u="none" strike="noStrike" cap="none" normalizeH="0" baseline="0" dirty="0" err="1">
-                <a:ln>
-                  <a:noFill/>
-                </a:ln>
-                <a:solidFill>
-                  <a:srgbClr val="008080"/>
-                </a:solidFill>
-                <a:effectLst/>
-                <a:latin typeface="Courier New" panose="02070309020205020404" pitchFamily="49" charset="0"/>
-                <a:cs typeface="Courier New" panose="02070309020205020404" pitchFamily="49" charset="0"/>
-              </a:rPr>
-              <a:t>usa</a:t>
-            </a:r>
-            <a:r>
-              <a:rPr kumimoji="0" lang="en-IL" altLang="en-IL" sz="1600" b="1" i="0" u="none" strike="noStrike" cap="none" normalizeH="0" baseline="0" dirty="0">
-                <a:ln>
-                  <a:noFill/>
-                </a:ln>
-                <a:solidFill>
-                  <a:srgbClr val="008080"/>
-                </a:solidFill>
-                <a:effectLst/>
-                <a:latin typeface="Courier New" panose="02070309020205020404" pitchFamily="49" charset="0"/>
-                <a:cs typeface="Courier New" panose="02070309020205020404" pitchFamily="49" charset="0"/>
-              </a:rPr>
-              <a:t>', '</a:t>
-            </a:r>
-            <a:r>
-              <a:rPr kumimoji="0" lang="en-IL" altLang="en-IL" sz="1600" b="1" i="0" u="none" strike="noStrike" cap="none" normalizeH="0" baseline="0" dirty="0" err="1">
-                <a:ln>
-                  <a:noFill/>
-                </a:ln>
-                <a:solidFill>
-                  <a:srgbClr val="008080"/>
-                </a:solidFill>
-                <a:effectLst/>
-                <a:latin typeface="Courier New" panose="02070309020205020404" pitchFamily="49" charset="0"/>
-                <a:cs typeface="Courier New" panose="02070309020205020404" pitchFamily="49" charset="0"/>
-              </a:rPr>
-              <a:t>taiwan</a:t>
-            </a:r>
-            <a:r>
-              <a:rPr kumimoji="0" lang="en-IL" altLang="en-IL" sz="1600" b="1" i="0" u="none" strike="noStrike" cap="none" normalizeH="0" baseline="0" dirty="0">
-                <a:ln>
-                  <a:noFill/>
-                </a:ln>
-                <a:solidFill>
-                  <a:srgbClr val="008080"/>
-                </a:solidFill>
-                <a:effectLst/>
-                <a:latin typeface="Courier New" panose="02070309020205020404" pitchFamily="49" charset="0"/>
-                <a:cs typeface="Courier New" panose="02070309020205020404" pitchFamily="49" charset="0"/>
-              </a:rPr>
-              <a:t>']}</a:t>
-            </a:r>
-            <a:br>
-              <a:rPr kumimoji="0" lang="en-IL" altLang="en-IL" sz="1600" b="1" i="0" u="none" strike="noStrike" cap="none" normalizeH="0" baseline="0" dirty="0">
-                <a:ln>
-                  <a:noFill/>
-                </a:ln>
-                <a:solidFill>
-                  <a:srgbClr val="008080"/>
-                </a:solidFill>
-                <a:effectLst/>
-                <a:latin typeface="Courier New" panose="02070309020205020404" pitchFamily="49" charset="0"/>
-                <a:cs typeface="Courier New" panose="02070309020205020404" pitchFamily="49" charset="0"/>
-              </a:rPr>
-            </a:br>
-            <a:r>
-              <a:rPr kumimoji="0" lang="en-IL" altLang="en-IL" sz="1600" b="1" i="0" u="none" strike="noStrike" cap="none" normalizeH="0" baseline="0" dirty="0">
-                <a:ln>
-                  <a:noFill/>
-                </a:ln>
-                <a:solidFill>
-                  <a:srgbClr val="008080"/>
-                </a:solidFill>
-                <a:effectLst/>
-                <a:latin typeface="Courier New" panose="02070309020205020404" pitchFamily="49" charset="0"/>
-                <a:cs typeface="Courier New" panose="02070309020205020404" pitchFamily="49" charset="0"/>
-              </a:rPr>
-              <a:t> ]</a:t>
-            </a:r>
-            <a:endParaRPr kumimoji="0" lang="en-IL" altLang="en-IL" sz="4000" b="0" i="0" u="none" strike="noStrike" cap="none" normalizeH="0" baseline="0" dirty="0">
-              <a:ln>
-                <a:noFill/>
-              </a:ln>
-              <a:solidFill>
-                <a:schemeClr val="tx1"/>
-              </a:solidFill>
-              <a:effectLst/>
-              <a:latin typeface="Arial" panose="020B0604020202020204" pitchFamily="34" charset="0"/>
+              <a:rPr lang="en-US" sz="1100" dirty="0" err="1">
+                <a:latin typeface="Courier New" panose="02070309020205020404" pitchFamily="49" charset="0"/>
+                <a:cs typeface="Courier New" panose="02070309020205020404" pitchFamily="49" charset="0"/>
+              </a:rPr>
+              <a:t>student@pw-team</a:t>
+            </a:r>
+            <a:r>
+              <a:rPr lang="en-US" sz="1100" dirty="0">
+                <a:latin typeface="Courier New" panose="02070309020205020404" pitchFamily="49" charset="0"/>
+                <a:cs typeface="Courier New" panose="02070309020205020404" pitchFamily="49" charset="0"/>
+              </a:rPr>
+              <a:t>:~$ </a:t>
+            </a:r>
+            <a:r>
+              <a:rPr lang="en-US" sz="1100" dirty="0">
+                <a:highlight>
+                  <a:srgbClr val="FFFF00"/>
+                </a:highlight>
+                <a:latin typeface="Courier New" panose="02070309020205020404" pitchFamily="49" charset="0"/>
+                <a:cs typeface="Courier New" panose="02070309020205020404" pitchFamily="49" charset="0"/>
+              </a:rPr>
+              <a:t>/opt/anaconda3/bin/python</a:t>
+            </a:r>
+          </a:p>
+          <a:p>
+            <a:pPr marL="0" indent="0">
+              <a:buNone/>
+            </a:pPr>
+            <a:r>
+              <a:rPr lang="en-US" sz="1100" dirty="0">
+                <a:latin typeface="Courier New" panose="02070309020205020404" pitchFamily="49" charset="0"/>
+                <a:cs typeface="Courier New" panose="02070309020205020404" pitchFamily="49" charset="0"/>
+              </a:rPr>
+              <a:t>Python 3.7.3 (default, Mar 27 2019, 22:11:17)</a:t>
+            </a:r>
+          </a:p>
+          <a:p>
+            <a:pPr marL="0" indent="0">
+              <a:buNone/>
+            </a:pPr>
+            <a:r>
+              <a:rPr lang="en-US" sz="1100" dirty="0">
+                <a:latin typeface="Courier New" panose="02070309020205020404" pitchFamily="49" charset="0"/>
+                <a:cs typeface="Courier New" panose="02070309020205020404" pitchFamily="49" charset="0"/>
+              </a:rPr>
+              <a:t>[GCC 7.3.0] :: Anaconda, Inc. on </a:t>
+            </a:r>
+            <a:r>
+              <a:rPr lang="en-US" sz="1100" dirty="0" err="1">
+                <a:latin typeface="Courier New" panose="02070309020205020404" pitchFamily="49" charset="0"/>
+                <a:cs typeface="Courier New" panose="02070309020205020404" pitchFamily="49" charset="0"/>
+              </a:rPr>
+              <a:t>linux</a:t>
+            </a:r>
+            <a:endParaRPr lang="en-US" sz="1100" dirty="0">
+              <a:latin typeface="Courier New" panose="02070309020205020404" pitchFamily="49" charset="0"/>
+              <a:cs typeface="Courier New" panose="02070309020205020404" pitchFamily="49" charset="0"/>
             </a:endParaRPr>
+          </a:p>
+          <a:p>
+            <a:pPr marL="0" indent="0">
+              <a:buNone/>
+            </a:pPr>
+            <a:r>
+              <a:rPr lang="en-US" sz="1100" dirty="0">
+                <a:latin typeface="Courier New" panose="02070309020205020404" pitchFamily="49" charset="0"/>
+                <a:cs typeface="Courier New" panose="02070309020205020404" pitchFamily="49" charset="0"/>
+              </a:rPr>
+              <a:t>Type "help", "copyright", "credits" or "license" for more information.</a:t>
+            </a:r>
+          </a:p>
+          <a:p>
+            <a:pPr marL="0" indent="0">
+              <a:buNone/>
+            </a:pPr>
+            <a:r>
+              <a:rPr lang="en-US" sz="1100" dirty="0">
+                <a:latin typeface="Courier New" panose="02070309020205020404" pitchFamily="49" charset="0"/>
+                <a:cs typeface="Courier New" panose="02070309020205020404" pitchFamily="49" charset="0"/>
+              </a:rPr>
+              <a:t>&gt;&gt;&gt;</a:t>
+            </a:r>
+          </a:p>
+          <a:p>
+            <a:pPr marL="0" indent="0">
+              <a:buNone/>
+            </a:pPr>
+            <a:endParaRPr lang="en-US" sz="1100" dirty="0">
+              <a:latin typeface="Courier New" panose="02070309020205020404" pitchFamily="49" charset="0"/>
+              <a:cs typeface="Courier New" panose="02070309020205020404" pitchFamily="49" charset="0"/>
+            </a:endParaRPr>
+          </a:p>
+          <a:p>
+            <a:pPr marL="0" indent="0">
+              <a:buNone/>
+            </a:pPr>
+            <a:r>
+              <a:rPr lang="en-US" dirty="0"/>
+              <a:t>User name: student , Password: TBD</a:t>
+            </a:r>
+          </a:p>
+          <a:p>
+            <a:pPr marL="0" indent="0">
+              <a:buNone/>
+            </a:pPr>
+            <a:r>
+              <a:rPr lang="en-US" dirty="0"/>
+              <a:t>Each pair will have their own IP to connect using </a:t>
+            </a:r>
+            <a:r>
+              <a:rPr lang="en-US" dirty="0" err="1"/>
+              <a:t>ssh</a:t>
+            </a:r>
+            <a:endParaRPr lang="en-US" dirty="0"/>
+          </a:p>
+          <a:p>
+            <a:pPr marL="0" indent="0">
+              <a:buNone/>
+            </a:pPr>
+            <a:r>
+              <a:rPr lang="en-US" dirty="0">
+                <a:solidFill>
+                  <a:srgbClr val="00B050"/>
+                </a:solidFill>
+              </a:rPr>
+              <a:t>Choose a pair and update it in the Excel </a:t>
+            </a:r>
+            <a:r>
+              <a:rPr lang="en-US" dirty="0">
+                <a:solidFill>
+                  <a:srgbClr val="00B050"/>
+                </a:solidFill>
+                <a:hlinkClick r:id="rId3">
+                  <a:extLst>
+                    <a:ext uri="{A12FA001-AC4F-418D-AE19-62706E023703}">
+                      <ahyp:hlinkClr xmlns:ahyp="http://schemas.microsoft.com/office/drawing/2018/hyperlinkcolor" val="tx"/>
+                    </a:ext>
+                  </a:extLst>
+                </a:hlinkClick>
+              </a:rPr>
+              <a:t>here</a:t>
+            </a:r>
+            <a:r>
+              <a:rPr lang="en-US" dirty="0">
+                <a:solidFill>
+                  <a:srgbClr val="00B050"/>
+                </a:solidFill>
+              </a:rPr>
+              <a:t>. Do it online (do not download!) </a:t>
+            </a:r>
           </a:p>
         </p:txBody>
       </p:sp>
     </p:spTree>
     <p:extLst>
       <p:ext uri="{BB962C8B-B14F-4D97-AF65-F5344CB8AC3E}">
-        <p14:creationId xmlns:p14="http://schemas.microsoft.com/office/powerpoint/2010/main" val="533957955"/>
+        <p14:creationId xmlns:p14="http://schemas.microsoft.com/office/powerpoint/2010/main" val="771254116"/>
       </p:ext>
     </p:extLst>
   </p:cSld>
@@ -6397,7 +10965,7 @@
           <p:cNvPr id="2" name="Title 1">
             <a:extLst>
               <a:ext uri="{FF2B5EF4-FFF2-40B4-BE49-F238E27FC236}">
-                <a16:creationId xmlns:a16="http://schemas.microsoft.com/office/drawing/2014/main" id="{860D473E-C943-4FCB-8E0C-5089EBD5A023}"/>
+                <a16:creationId xmlns:a16="http://schemas.microsoft.com/office/drawing/2014/main" id="{10EB0661-0916-4200-B5E4-C4E0686BF289}"/>
               </a:ext>
             </a:extLst>
           </p:cNvPr>
@@ -6415,7 +10983,19 @@
           <a:p>
             <a:r>
               <a:rPr lang="en-US" dirty="0"/>
-              <a:t>Hints for better outcome/fun</a:t>
+              <a:t>Connecting to </a:t>
+            </a:r>
+            <a:r>
+              <a:rPr lang="en-US" dirty="0" err="1"/>
+              <a:t>JupyterHub</a:t>
+            </a:r>
+            <a:r>
+              <a:rPr lang="en-US" dirty="0"/>
+              <a:t> </a:t>
+            </a:r>
+            <a:r>
+              <a:rPr lang="en-US" sz="2800" dirty="0"/>
+              <a:t>(not a must for the coding)</a:t>
             </a:r>
             <a:endParaRPr lang="en-IL" dirty="0"/>
           </a:p>
@@ -6426,7 +11006,7 @@
           <p:cNvPr id="3" name="Content Placeholder 2">
             <a:extLst>
               <a:ext uri="{FF2B5EF4-FFF2-40B4-BE49-F238E27FC236}">
-                <a16:creationId xmlns:a16="http://schemas.microsoft.com/office/drawing/2014/main" id="{518D7284-0513-49F2-B8E9-554114B3F38E}"/>
+                <a16:creationId xmlns:a16="http://schemas.microsoft.com/office/drawing/2014/main" id="{9BE0EB58-97FA-4A97-9047-D575C457D94D}"/>
               </a:ext>
             </a:extLst>
           </p:cNvPr>
@@ -6439,154 +11019,29 @@
         </p:nvSpPr>
         <p:spPr/>
         <p:txBody>
-          <a:bodyPr>
-            <a:normAutofit fontScale="70000" lnSpcReduction="20000"/>
-          </a:bodyPr>
+          <a:bodyPr/>
           <a:lstStyle/>
           <a:p>
             <a:r>
-              <a:rPr lang="en-US" dirty="0"/>
-              <a:t>You work in pairs. Plan your work so you can work in parallel.</a:t>
-            </a:r>
-          </a:p>
-          <a:p>
-            <a:pPr lvl="1"/>
-            <a:r>
-              <a:rPr lang="en-US" dirty="0"/>
-              <a:t>Example:</a:t>
-            </a:r>
-          </a:p>
-          <a:p>
-            <a:pPr lvl="2"/>
-            <a:r>
-              <a:rPr lang="en-US" dirty="0"/>
-              <a:t>Alice works on the data reading, cleaning, parsing</a:t>
-            </a:r>
-          </a:p>
-          <a:p>
-            <a:pPr lvl="2"/>
-            <a:r>
-              <a:rPr lang="en-US" dirty="0"/>
-              <a:t>Alice and Bob agree on the data format that she will provide </a:t>
-            </a:r>
-            <a:br>
-              <a:rPr lang="en-US" dirty="0"/>
-            </a:br>
-            <a:r>
-              <a:rPr lang="en-US" dirty="0"/>
-              <a:t>(it’s ok to change your mind as time passes) </a:t>
-            </a:r>
-            <a:r>
               <a:rPr lang="en-US" dirty="0">
-                <a:sym typeface="Wingdings" panose="05000000000000000000" pitchFamily="2" charset="2"/>
-              </a:rPr>
-              <a:t> This is a </a:t>
-            </a:r>
-            <a:r>
-              <a:rPr lang="en-US" i="1" dirty="0">
-                <a:sym typeface="Wingdings" panose="05000000000000000000" pitchFamily="2" charset="2"/>
-              </a:rPr>
-              <a:t>contract/agreement/API </a:t>
-            </a:r>
-            <a:r>
-              <a:rPr lang="en-US" dirty="0">
-                <a:sym typeface="Wingdings" panose="05000000000000000000" pitchFamily="2" charset="2"/>
-              </a:rPr>
-              <a:t>between them</a:t>
+                <a:hlinkClick r:id="rId2"/>
+              </a:rPr>
+              <a:t>http://jupyterhub01.eastus.cloudapp.azure.com</a:t>
             </a:r>
             <a:endParaRPr lang="en-US" dirty="0"/>
           </a:p>
           <a:p>
-            <a:pPr lvl="2"/>
-            <a:r>
-              <a:rPr lang="en-US" dirty="0"/>
-              <a:t>While Alice works, Bob can start his part, using mock data that he prepares</a:t>
-            </a:r>
-          </a:p>
-          <a:p>
-            <a:r>
-              <a:rPr lang="en-US" dirty="0"/>
-              <a:t>Do a work once if you can</a:t>
-            </a:r>
-          </a:p>
-          <a:p>
-            <a:pPr lvl="1"/>
-            <a:r>
-              <a:rPr lang="en-US" dirty="0"/>
-              <a:t>Example:</a:t>
-            </a:r>
-          </a:p>
-          <a:p>
-            <a:pPr marL="457200" lvl="1" indent="0">
-              <a:buNone/>
-            </a:pPr>
-            <a:r>
-              <a:rPr lang="en-US" dirty="0"/>
-              <a:t>   Reading the data takes a lot of time and you will use it </a:t>
-            </a:r>
-            <a:r>
-              <a:rPr lang="en-US"/>
-              <a:t>many times</a:t>
-            </a:r>
             <a:endParaRPr lang="en-US" dirty="0"/>
           </a:p>
           <a:p>
-            <a:pPr marL="457200" lvl="1" indent="0">
-              <a:buNone/>
-            </a:pPr>
-            <a:r>
-              <a:rPr lang="en-US" dirty="0">
-                <a:sym typeface="Wingdings" panose="05000000000000000000" pitchFamily="2" charset="2"/>
-              </a:rPr>
-              <a:t>  save the data to some convenient format for reading during processing, then read from that blob</a:t>
-            </a:r>
-          </a:p>
-          <a:p>
-            <a:pPr marL="457200" lvl="1" indent="0">
-              <a:buNone/>
-            </a:pPr>
-            <a:r>
-              <a:rPr lang="en-US" sz="2000" dirty="0">
-                <a:sym typeface="Wingdings" panose="05000000000000000000" pitchFamily="2" charset="2"/>
-              </a:rPr>
-              <a:t>(look for package pickle)</a:t>
-            </a:r>
-          </a:p>
-          <a:p>
-            <a:pPr marL="457200" lvl="1" indent="0">
-              <a:buNone/>
-            </a:pPr>
-            <a:endParaRPr lang="en-US" sz="2000" dirty="0"/>
-          </a:p>
-          <a:p>
-            <a:r>
-              <a:rPr lang="en-US" sz="3200" dirty="0"/>
-              <a:t>The default Windows Python interpreter is 32bit. Avoid it – use the 64 bit version</a:t>
-            </a:r>
-          </a:p>
-          <a:p>
-            <a:r>
-              <a:rPr lang="en-US" sz="3200" dirty="0"/>
-              <a:t>Work methodically – when debugging try to </a:t>
-            </a:r>
-            <a:r>
-              <a:rPr lang="en-US" sz="3200" dirty="0">
-                <a:hlinkClick r:id="rId2"/>
-              </a:rPr>
-              <a:t>assume</a:t>
-            </a:r>
-            <a:r>
-              <a:rPr lang="en-US" sz="3200" dirty="0"/>
-              <a:t> the minimum that you can, and prove the rest</a:t>
-            </a:r>
-            <a:endParaRPr lang="en-IL" sz="3200" dirty="0"/>
+            <a:endParaRPr lang="en-IL" dirty="0"/>
           </a:p>
         </p:txBody>
       </p:sp>
     </p:spTree>
     <p:extLst>
       <p:ext uri="{BB962C8B-B14F-4D97-AF65-F5344CB8AC3E}">
-        <p14:creationId xmlns:p14="http://schemas.microsoft.com/office/powerpoint/2010/main" val="60634491"/>
+        <p14:creationId xmlns:p14="http://schemas.microsoft.com/office/powerpoint/2010/main" val="3451533157"/>
       </p:ext>
     </p:extLst>
   </p:cSld>
@@ -6889,4 +11344,299 @@
     </a:ext>
   </a:extLst>
 </a:theme>
+</file>
+
+<file path=ppt/theme/theme2.xml><?xml version="1.0" encoding="utf-8"?>
+<a:theme xmlns:a="http://schemas.openxmlformats.org/drawingml/2006/main" name="Office Theme">
+  <a:themeElements>
+    <a:clrScheme name="Office">
+      <a:dk1>
+        <a:sysClr val="windowText" lastClr="000000"/>
+      </a:dk1>
+      <a:lt1>
+        <a:sysClr val="window" lastClr="FFFFFF"/>
+      </a:lt1>
+      <a:dk2>
+        <a:srgbClr val="44546A"/>
+      </a:dk2>
+      <a:lt2>
+        <a:srgbClr val="E7E6E6"/>
+      </a:lt2>
+      <a:accent1>
+        <a:srgbClr val="4472C4"/>
+      </a:accent1>
+      <a:accent2>
+        <a:srgbClr val="ED7D31"/>
+      </a:accent2>
+      <a:accent3>
+        <a:srgbClr val="A5A5A5"/>
+      </a:accent3>
+      <a:accent4>
+        <a:srgbClr val="FFC000"/>
+      </a:accent4>
+      <a:accent5>
+        <a:srgbClr val="5B9BD5"/>
+      </a:accent5>
+      <a:accent6>
+        <a:srgbClr val="70AD47"/>
+      </a:accent6>
+      <a:hlink>
+        <a:srgbClr val="0563C1"/>
+      </a:hlink>
+      <a:folHlink>
+        <a:srgbClr val="954F72"/>
+      </a:folHlink>
+    </a:clrScheme>
+    <a:fontScheme name="Office">
+      <a:majorFont>
+        <a:latin typeface="Calibri Light" panose="020F0302020204030204"/>
+        <a:ea typeface=""/>
+        <a:cs typeface=""/>
+        <a:font script="Jpan" typeface="游ゴシック Light"/>
+        <a:font script="Hang" typeface="맑은 고딕"/>
+        <a:font script="Hans" typeface="等线 Light"/>
+        <a:font script="Hant" typeface="新細明體"/>
+        <a:font script="Arab" typeface="Times New Roman"/>
+        <a:font script="Hebr" typeface="Times New Roman"/>
+        <a:font script="Thai" typeface="Angsana New"/>
+        <a:font script="Ethi" typeface="Nyala"/>
+        <a:font script="Beng" typeface="Vrinda"/>
+        <a:font script="Gujr" typeface="Shruti"/>
+        <a:font script="Khmr" typeface="MoolBoran"/>
+        <a:font script="Knda" typeface="Tunga"/>
+        <a:font script="Guru" typeface="Raavi"/>
+        <a:font script="Cans" typeface="Euphemia"/>
+        <a:font script="Cher" typeface="Plantagenet Cherokee"/>
+        <a:font script="Yiii" typeface="Microsoft Yi Baiti"/>
+        <a:font script="Tibt" typeface="Microsoft Himalaya"/>
+        <a:font script="Thaa" typeface="MV Boli"/>
+        <a:font script="Deva" typeface="Mangal"/>
+        <a:font script="Telu" typeface="Gautami"/>
+        <a:font script="Taml" typeface="Latha"/>
+        <a:font script="Syrc" typeface="Estrangelo Edessa"/>
+        <a:font script="Orya" typeface="Kalinga"/>
+        <a:font script="Mlym" typeface="Kartika"/>
+        <a:font script="Laoo" typeface="DokChampa"/>
+        <a:font script="Sinh" typeface="Iskoola Pota"/>
+        <a:font script="Mong" typeface="Mongolian Baiti"/>
+        <a:font script="Viet" typeface="Times New Roman"/>
+        <a:font script="Uigh" typeface="Microsoft Uighur"/>
+        <a:font script="Geor" typeface="Sylfaen"/>
+        <a:font script="Armn" typeface="Arial"/>
+        <a:font script="Bugi" typeface="Leelawadee UI"/>
+        <a:font script="Bopo" typeface="Microsoft JhengHei"/>
+        <a:font script="Java" typeface="Javanese Text"/>
+        <a:font script="Lisu" typeface="Segoe UI"/>
+        <a:font script="Mymr" typeface="Myanmar Text"/>
+        <a:font script="Nkoo" typeface="Ebrima"/>
+        <a:font script="Olck" typeface="Nirmala UI"/>
+        <a:font script="Osma" typeface="Ebrima"/>
+        <a:font script="Phag" typeface="Phagspa"/>
+        <a:font script="Syrn" typeface="Estrangelo Edessa"/>
+        <a:font script="Syrj" typeface="Estrangelo Edessa"/>
+        <a:font script="Syre" typeface="Estrangelo Edessa"/>
+        <a:font script="Sora" typeface="Nirmala UI"/>
+        <a:font script="Tale" typeface="Microsoft Tai Le"/>
+        <a:font script="Talu" typeface="Microsoft New Tai Lue"/>
+        <a:font script="Tfng" typeface="Ebrima"/>
+      </a:majorFont>
+      <a:minorFont>
+        <a:latin typeface="Calibri" panose="020F0502020204030204"/>
+        <a:ea typeface=""/>
+        <a:cs typeface=""/>
+        <a:font script="Jpan" typeface="游ゴシック"/>
+        <a:font script="Hang" typeface="맑은 고딕"/>
+        <a:font script="Hans" typeface="等线"/>
+        <a:font script="Hant" typeface="新細明體"/>
+        <a:font script="Arab" typeface="Arial"/>
+        <a:font script="Hebr" typeface="Arial"/>
+        <a:font script="Thai" typeface="Cordia New"/>
+        <a:font script="Ethi" typeface="Nyala"/>
+        <a:font script="Beng" typeface="Vrinda"/>
+        <a:font script="Gujr" typeface="Shruti"/>
+        <a:font script="Khmr" typeface="DaunPenh"/>
+        <a:font script="Knda" typeface="Tunga"/>
+        <a:font script="Guru" typeface="Raavi"/>
+        <a:font script="Cans" typeface="Euphemia"/>
+        <a:font script="Cher" typeface="Plantagenet Cherokee"/>
+        <a:font script="Yiii" typeface="Microsoft Yi Baiti"/>
+        <a:font script="Tibt" typeface="Microsoft Himalaya"/>
+        <a:font script="Thaa" typeface="MV Boli"/>
+        <a:font script="Deva" typeface="Mangal"/>
+        <a:font script="Telu" typeface="Gautami"/>
+        <a:font script="Taml" typeface="Latha"/>
+        <a:font script="Syrc" typeface="Estrangelo Edessa"/>
+        <a:font script="Orya" typeface="Kalinga"/>
+        <a:font script="Mlym" typeface="Kartika"/>
+        <a:font script="Laoo" typeface="DokChampa"/>
+        <a:font script="Sinh" typeface="Iskoola Pota"/>
+        <a:font script="Mong" typeface="Mongolian Baiti"/>
+        <a:font script="Viet" typeface="Arial"/>
+        <a:font script="Uigh" typeface="Microsoft Uighur"/>
+        <a:font script="Geor" typeface="Sylfaen"/>
+        <a:font script="Armn" typeface="Arial"/>
+        <a:font script="Bugi" typeface="Leelawadee UI"/>
+        <a:font script="Bopo" typeface="Microsoft JhengHei"/>
+        <a:font script="Java" typeface="Javanese Text"/>
+        <a:font script="Lisu" typeface="Segoe UI"/>
+        <a:font script="Mymr" typeface="Myanmar Text"/>
+        <a:font script="Nkoo" typeface="Ebrima"/>
+        <a:font script="Olck" typeface="Nirmala UI"/>
+        <a:font script="Osma" typeface="Ebrima"/>
+        <a:font script="Phag" typeface="Phagspa"/>
+        <a:font script="Syrn" typeface="Estrangelo Edessa"/>
+        <a:font script="Syrj" typeface="Estrangelo Edessa"/>
+        <a:font script="Syre" typeface="Estrangelo Edessa"/>
+        <a:font script="Sora" typeface="Nirmala UI"/>
+        <a:font script="Tale" typeface="Microsoft Tai Le"/>
+        <a:font script="Talu" typeface="Microsoft New Tai Lue"/>
+        <a:font script="Tfng" typeface="Ebrima"/>
+      </a:minorFont>
+    </a:fontScheme>
+    <a:fmtScheme name="Office">
+      <a:fillStyleLst>
+        <a:solidFill>
+          <a:schemeClr val="phClr"/>
+        </a:solidFill>
+        <a:gradFill rotWithShape="1">
+          <a:gsLst>
+            <a:gs pos="0">
+              <a:schemeClr val="phClr">
+                <a:lumMod val="110000"/>
+                <a:satMod val="105000"/>
+                <a:tint val="67000"/>
+              </a:schemeClr>
+            </a:gs>
+            <a:gs pos="50000">
+              <a:schemeClr val="phClr">
+                <a:lumMod val="105000"/>
+                <a:satMod val="103000"/>
+                <a:tint val="73000"/>
+              </a:schemeClr>
+            </a:gs>
+            <a:gs pos="100000">
+              <a:schemeClr val="phClr">
+                <a:lumMod val="105000"/>
+                <a:satMod val="109000"/>
+                <a:tint val="81000"/>
+              </a:schemeClr>
+            </a:gs>
+          </a:gsLst>
+          <a:lin ang="5400000" scaled="0"/>
+        </a:gradFill>
+        <a:gradFill rotWithShape="1">
+          <a:gsLst>
+            <a:gs pos="0">
+              <a:schemeClr val="phClr">
+                <a:satMod val="103000"/>
+                <a:lumMod val="102000"/>
+                <a:tint val="94000"/>
+              </a:schemeClr>
+            </a:gs>
+            <a:gs pos="50000">
+              <a:schemeClr val="phClr">
+                <a:satMod val="110000"/>
+                <a:lumMod val="100000"/>
+                <a:shade val="100000"/>
+              </a:schemeClr>
+            </a:gs>
+            <a:gs pos="100000">
+              <a:schemeClr val="phClr">
+                <a:lumMod val="99000"/>
+                <a:satMod val="120000"/>
+                <a:shade val="78000"/>
+              </a:schemeClr>
+            </a:gs>
+          </a:gsLst>
+          <a:lin ang="5400000" scaled="0"/>
+        </a:gradFill>
+      </a:fillStyleLst>
+      <a:lnStyleLst>
+        <a:ln w="6350" cap="flat" cmpd="sng" algn="ctr">
+          <a:solidFill>
+            <a:schemeClr val="phClr"/>
+          </a:solidFill>
+          <a:prstDash val="solid"/>
+          <a:miter lim="800000"/>
+        </a:ln>
+        <a:ln w="12700" cap="flat" cmpd="sng" algn="ctr">
+          <a:solidFill>
+            <a:schemeClr val="phClr"/>
+          </a:solidFill>
+          <a:prstDash val="solid"/>
+          <a:miter lim="800000"/>
+        </a:ln>
+        <a:ln w="19050" cap="flat" cmpd="sng" algn="ctr">
+          <a:solidFill>
+            <a:schemeClr val="phClr"/>
+          </a:solidFill>
+          <a:prstDash val="solid"/>
+          <a:miter lim="800000"/>
+        </a:ln>
+      </a:lnStyleLst>
+      <a:effectStyleLst>
+        <a:effectStyle>
+          <a:effectLst/>
+        </a:effectStyle>
+        <a:effectStyle>
+          <a:effectLst/>
+        </a:effectStyle>
+        <a:effectStyle>
+          <a:effectLst>
+            <a:outerShdw blurRad="57150" dist="19050" dir="5400000" algn="ctr" rotWithShape="0">
+              <a:srgbClr val="000000">
+                <a:alpha val="63000"/>
+              </a:srgbClr>
+            </a:outerShdw>
+          </a:effectLst>
+        </a:effectStyle>
+      </a:effectStyleLst>
+      <a:bgFillStyleLst>
+        <a:solidFill>
+          <a:schemeClr val="phClr"/>
+        </a:solidFill>
+        <a:solidFill>
+          <a:schemeClr val="phClr">
+            <a:tint val="95000"/>
+            <a:satMod val="170000"/>
+          </a:schemeClr>
+        </a:solidFill>
+        <a:gradFill rotWithShape="1">
+          <a:gsLst>
+            <a:gs pos="0">
+              <a:schemeClr val="phClr">
+                <a:tint val="93000"/>
+                <a:satMod val="150000"/>
+                <a:shade val="98000"/>
+                <a:lumMod val="102000"/>
+              </a:schemeClr>
+            </a:gs>
+            <a:gs pos="50000">
+              <a:schemeClr val="phClr">
+                <a:tint val="98000"/>
+                <a:satMod val="130000"/>
+                <a:shade val="90000"/>
+                <a:lumMod val="103000"/>
+              </a:schemeClr>
+            </a:gs>
+            <a:gs pos="100000">
+              <a:schemeClr val="phClr">
+                <a:shade val="63000"/>
+                <a:satMod val="120000"/>
+              </a:schemeClr>
+            </a:gs>
+          </a:gsLst>
+          <a:lin ang="5400000" scaled="0"/>
+        </a:gradFill>
+      </a:bgFillStyleLst>
+    </a:fmtScheme>
+  </a:themeElements>
+  <a:objectDefaults/>
+  <a:extraClrSchemeLst/>
+  <a:extLst>
+    <a:ext uri="{05A4C25C-085E-4340-85A3-A5531E510DB2}">
+      <thm15:themeFamily xmlns:thm15="http://schemas.microsoft.com/office/thememl/2012/main" name="Office Theme" id="{62F939B6-93AF-4DB8-9C6B-D6C7DFDC589F}" vid="{4A3C46E8-61CC-4603-A589-7422A47A8E4A}"/>
+    </a:ext>
+  </a:extLst>
+</a:theme>
 </file>